--- a/07-compliance-frameworks-inspec.pptx
+++ b/07-compliance-frameworks-inspec.pptx
@@ -6,10 +6,10 @@
     <p:sldMasterId id="2147483847" r:id="rId6"/>
   </p:sldMasterIdLst>
   <p:notesMasterIdLst>
-    <p:notesMasterId r:id="rId49"/>
+    <p:notesMasterId r:id="rId52"/>
   </p:notesMasterIdLst>
   <p:handoutMasterIdLst>
-    <p:handoutMasterId r:id="rId50"/>
+    <p:handoutMasterId r:id="rId53"/>
   </p:handoutMasterIdLst>
   <p:sldIdLst>
     <p:sldId id="256" r:id="rId7"/>
@@ -23,37 +23,40 @@
     <p:sldId id="323" r:id="rId15"/>
     <p:sldId id="324" r:id="rId16"/>
     <p:sldId id="354" r:id="rId17"/>
-    <p:sldId id="362" r:id="rId18"/>
-    <p:sldId id="358" r:id="rId19"/>
-    <p:sldId id="359" r:id="rId20"/>
-    <p:sldId id="355" r:id="rId21"/>
-    <p:sldId id="356" r:id="rId22"/>
-    <p:sldId id="357" r:id="rId23"/>
-    <p:sldId id="360" r:id="rId24"/>
-    <p:sldId id="361" r:id="rId25"/>
-    <p:sldId id="341" r:id="rId26"/>
-    <p:sldId id="346" r:id="rId27"/>
-    <p:sldId id="344" r:id="rId28"/>
-    <p:sldId id="342" r:id="rId29"/>
-    <p:sldId id="329" r:id="rId30"/>
-    <p:sldId id="330" r:id="rId31"/>
-    <p:sldId id="347" r:id="rId32"/>
-    <p:sldId id="333" r:id="rId33"/>
-    <p:sldId id="334" r:id="rId34"/>
-    <p:sldId id="335" r:id="rId35"/>
-    <p:sldId id="336" r:id="rId36"/>
-    <p:sldId id="337" r:id="rId37"/>
-    <p:sldId id="338" r:id="rId38"/>
-    <p:sldId id="339" r:id="rId39"/>
-    <p:sldId id="340" r:id="rId40"/>
-    <p:sldId id="348" r:id="rId41"/>
-    <p:sldId id="349" r:id="rId42"/>
-    <p:sldId id="350" r:id="rId43"/>
-    <p:sldId id="351" r:id="rId44"/>
-    <p:sldId id="352" r:id="rId45"/>
-    <p:sldId id="276" r:id="rId46"/>
-    <p:sldId id="331" r:id="rId47"/>
-    <p:sldId id="267" r:id="rId48"/>
+    <p:sldId id="363" r:id="rId18"/>
+    <p:sldId id="362" r:id="rId19"/>
+    <p:sldId id="358" r:id="rId20"/>
+    <p:sldId id="359" r:id="rId21"/>
+    <p:sldId id="355" r:id="rId22"/>
+    <p:sldId id="356" r:id="rId23"/>
+    <p:sldId id="357" r:id="rId24"/>
+    <p:sldId id="360" r:id="rId25"/>
+    <p:sldId id="361" r:id="rId26"/>
+    <p:sldId id="364" r:id="rId27"/>
+    <p:sldId id="367" r:id="rId28"/>
+    <p:sldId id="341" r:id="rId29"/>
+    <p:sldId id="346" r:id="rId30"/>
+    <p:sldId id="344" r:id="rId31"/>
+    <p:sldId id="342" r:id="rId32"/>
+    <p:sldId id="329" r:id="rId33"/>
+    <p:sldId id="330" r:id="rId34"/>
+    <p:sldId id="347" r:id="rId35"/>
+    <p:sldId id="333" r:id="rId36"/>
+    <p:sldId id="334" r:id="rId37"/>
+    <p:sldId id="335" r:id="rId38"/>
+    <p:sldId id="336" r:id="rId39"/>
+    <p:sldId id="337" r:id="rId40"/>
+    <p:sldId id="338" r:id="rId41"/>
+    <p:sldId id="339" r:id="rId42"/>
+    <p:sldId id="340" r:id="rId43"/>
+    <p:sldId id="348" r:id="rId44"/>
+    <p:sldId id="349" r:id="rId45"/>
+    <p:sldId id="350" r:id="rId46"/>
+    <p:sldId id="351" r:id="rId47"/>
+    <p:sldId id="352" r:id="rId48"/>
+    <p:sldId id="276" r:id="rId49"/>
+    <p:sldId id="331" r:id="rId50"/>
+    <p:sldId id="267" r:id="rId51"/>
   </p:sldIdLst>
   <p:sldSz cx="16256000" cy="9144000"/>
   <p:notesSz cx="6858000" cy="9144000"/>
@@ -315,7 +318,7 @@
               <a:pPr>
                 <a:defRPr/>
               </a:pPr>
-              <a:t>2016-01-19</a:t>
+              <a:t>2016-01-21</a:t>
             </a:fld>
             <a:endParaRPr lang="en-US" dirty="0"/>
           </a:p>
@@ -498,7 +501,7 @@
               <a:pPr>
                 <a:defRPr/>
               </a:pPr>
-              <a:t>2016-01-19</a:t>
+              <a:t>2016-01-21</a:t>
             </a:fld>
             <a:endParaRPr lang="en-US" dirty="0"/>
           </a:p>
@@ -1123,40 +1126,112 @@
           <a:lstStyle/>
           <a:p>
             <a:r>
-              <a:rPr lang="en-US" dirty="0" smtClean="0"/>
-              <a:t>After writing the test, in the workplace you should:</a:t>
-            </a:r>
-          </a:p>
-          <a:p>
-            <a:endParaRPr lang="en-US" dirty="0" smtClean="0"/>
-          </a:p>
-          <a:p>
-            <a:pPr marL="0" indent="0">
-              <a:buFont typeface="Arial" panose="020B0604020202020204" pitchFamily="34" charset="0"/>
-              <a:buNone/>
-            </a:pPr>
-            <a:r>
-              <a:rPr lang="en-US" dirty="0" smtClean="0"/>
-              <a:t>Use '</a:t>
-            </a:r>
-            <a:r>
-              <a:rPr lang="en-US" dirty="0" err="1" smtClean="0"/>
-              <a:t>inspec</a:t>
-            </a:r>
-            <a:r>
-              <a:rPr lang="en-US" dirty="0" smtClean="0"/>
-              <a:t> exec' to run the tests against your Linux target node.</a:t>
-            </a:r>
-          </a:p>
-          <a:p>
-            <a:pPr marL="0" indent="0">
-              <a:buFont typeface="Arial" panose="020B0604020202020204" pitchFamily="34" charset="0"/>
-              <a:buNone/>
-            </a:pPr>
-            <a:r>
-              <a:rPr lang="en-US" dirty="0" smtClean="0"/>
-              <a:t>Package the custom profile and upload it to your Compliance server.</a:t>
-            </a:r>
+              <a:rPr lang="en-US" sz="1200" b="0" i="0" u="none" strike="noStrike" kern="1200" baseline="0" dirty="0" smtClean="0">
+                <a:solidFill>
+                  <a:schemeClr val="tx1"/>
+                </a:solidFill>
+                <a:latin typeface="Arial" panose="020B0604020202020204" pitchFamily="34" charset="0"/>
+                <a:ea typeface="ＭＳ Ｐゴシック" charset="0"/>
+                <a:cs typeface="Arial" panose="020B0604020202020204" pitchFamily="34" charset="0"/>
+              </a:rPr>
+              <a:t>If you scrolled down in that section, you will see a CIS Audit example.</a:t>
+            </a:r>
+            <a:br>
+              <a:rPr lang="en-US" sz="1200" b="0" i="0" u="none" strike="noStrike" kern="1200" baseline="0" dirty="0" smtClean="0">
+                <a:solidFill>
+                  <a:schemeClr val="tx1"/>
+                </a:solidFill>
+                <a:latin typeface="Arial" panose="020B0604020202020204" pitchFamily="34" charset="0"/>
+                <a:ea typeface="ＭＳ Ｐゴシック" charset="0"/>
+                <a:cs typeface="Arial" panose="020B0604020202020204" pitchFamily="34" charset="0"/>
+              </a:rPr>
+            </a:br>
+            <a:r>
+              <a:rPr lang="en-US" sz="1200" b="0" i="0" u="none" strike="noStrike" kern="1200" baseline="0" dirty="0" smtClean="0">
+                <a:solidFill>
+                  <a:schemeClr val="tx1"/>
+                </a:solidFill>
+                <a:latin typeface="Arial" panose="020B0604020202020204" pitchFamily="34" charset="0"/>
+                <a:ea typeface="ＭＳ Ｐゴシック" charset="0"/>
+                <a:cs typeface="Arial" panose="020B0604020202020204" pitchFamily="34" charset="0"/>
+              </a:rPr>
+              <a:t/>
+            </a:r>
+            <a:br>
+              <a:rPr lang="en-US" sz="1200" b="0" i="0" u="none" strike="noStrike" kern="1200" baseline="0" dirty="0" smtClean="0">
+                <a:solidFill>
+                  <a:schemeClr val="tx1"/>
+                </a:solidFill>
+                <a:latin typeface="Arial" panose="020B0604020202020204" pitchFamily="34" charset="0"/>
+                <a:ea typeface="ＭＳ Ｐゴシック" charset="0"/>
+                <a:cs typeface="Arial" panose="020B0604020202020204" pitchFamily="34" charset="0"/>
+              </a:rPr>
+            </a:br>
+            <a:r>
+              <a:rPr lang="en-US" sz="1200" b="0" i="0" u="none" strike="noStrike" kern="1200" baseline="0" dirty="0" smtClean="0">
+                <a:solidFill>
+                  <a:schemeClr val="tx1"/>
+                </a:solidFill>
+                <a:latin typeface="Arial" panose="020B0604020202020204" pitchFamily="34" charset="0"/>
+                <a:ea typeface="ＭＳ Ｐゴシック" charset="0"/>
+                <a:cs typeface="Arial" panose="020B0604020202020204" pitchFamily="34" charset="0"/>
+              </a:rPr>
+              <a:t>So based on this audit example on the left, you could write an </a:t>
+            </a:r>
+            <a:r>
+              <a:rPr lang="en-US" sz="1200" b="0" i="0" u="none" strike="noStrike" kern="1200" baseline="0" dirty="0" err="1" smtClean="0">
+                <a:solidFill>
+                  <a:schemeClr val="tx1"/>
+                </a:solidFill>
+                <a:latin typeface="Arial" panose="020B0604020202020204" pitchFamily="34" charset="0"/>
+                <a:ea typeface="ＭＳ Ｐゴシック" charset="0"/>
+                <a:cs typeface="Arial" panose="020B0604020202020204" pitchFamily="34" charset="0"/>
+              </a:rPr>
+              <a:t>InSpec</a:t>
+            </a:r>
+            <a:r>
+              <a:rPr lang="en-US" sz="1200" b="0" i="0" u="none" strike="noStrike" kern="1200" baseline="0" dirty="0" smtClean="0">
+                <a:solidFill>
+                  <a:schemeClr val="tx1"/>
+                </a:solidFill>
+                <a:latin typeface="Arial" panose="020B0604020202020204" pitchFamily="34" charset="0"/>
+                <a:ea typeface="ＭＳ Ｐゴシック" charset="0"/>
+                <a:cs typeface="Arial" panose="020B0604020202020204" pitchFamily="34" charset="0"/>
+              </a:rPr>
+              <a:t> test as shown on the right and add it to a Chef Compliance custom profile. In this way you can subsequently use the custom profiles to scan nodes for </a:t>
+            </a:r>
+            <a:r>
+              <a:rPr lang="en-US" sz="1200" b="0" i="0" u="none" strike="noStrike" kern="1200" baseline="0" dirty="0" err="1" smtClean="0">
+                <a:solidFill>
+                  <a:schemeClr val="tx1"/>
+                </a:solidFill>
+                <a:latin typeface="Arial" panose="020B0604020202020204" pitchFamily="34" charset="0"/>
+                <a:ea typeface="ＭＳ Ｐゴシック" charset="0"/>
+                <a:cs typeface="Arial" panose="020B0604020202020204" pitchFamily="34" charset="0"/>
+              </a:rPr>
+              <a:t>umask</a:t>
+            </a:r>
+            <a:r>
+              <a:rPr lang="en-US" sz="1200" b="0" i="0" u="none" strike="noStrike" kern="1200" baseline="0" dirty="0" smtClean="0">
+                <a:solidFill>
+                  <a:schemeClr val="tx1"/>
+                </a:solidFill>
+                <a:latin typeface="Arial" panose="020B0604020202020204" pitchFamily="34" charset="0"/>
+                <a:ea typeface="ＭＳ Ｐゴシック" charset="0"/>
+                <a:cs typeface="Arial" panose="020B0604020202020204" pitchFamily="34" charset="0"/>
+              </a:rPr>
+              <a:t> compliance.</a:t>
+            </a:r>
+          </a:p>
+          <a:p>
+            <a:endParaRPr lang="nb-NO" sz="1200" b="0" i="0" u="none" strike="noStrike" kern="1200" baseline="0" dirty="0" smtClean="0">
+              <a:solidFill>
+                <a:schemeClr val="tx1"/>
+              </a:solidFill>
+              <a:latin typeface="Arial" panose="020B0604020202020204" pitchFamily="34" charset="0"/>
+              <a:ea typeface="ＭＳ Ｐゴシック" charset="0"/>
+              <a:cs typeface="Arial" panose="020B0604020202020204" pitchFamily="34" charset="0"/>
+            </a:endParaRPr>
           </a:p>
           <a:p>
             <a:endParaRPr lang="en-US" dirty="0"/>
@@ -1239,7 +1314,7 @@
     </p:spTree>
     <p:extLst>
       <p:ext uri="{BB962C8B-B14F-4D97-AF65-F5344CB8AC3E}">
-        <p14:creationId xmlns:p14="http://schemas.microsoft.com/office/powerpoint/2010/main" val="3534668070"/>
+        <p14:creationId xmlns:p14="http://schemas.microsoft.com/office/powerpoint/2010/main" val="2338664399"/>
       </p:ext>
     </p:extLst>
   </p:cSld>
@@ -1290,8 +1365,47 @@
         </p:nvSpPr>
         <p:spPr/>
         <p:txBody>
-          <a:bodyPr/>
+          <a:bodyPr>
+            <a:normAutofit/>
+          </a:bodyPr>
           <a:lstStyle/>
+          <a:p>
+            <a:r>
+              <a:rPr lang="en-US" dirty="0" smtClean="0"/>
+              <a:t>After writing the test, in the workplace you should:</a:t>
+            </a:r>
+          </a:p>
+          <a:p>
+            <a:endParaRPr lang="en-US" dirty="0" smtClean="0"/>
+          </a:p>
+          <a:p>
+            <a:pPr marL="0" indent="0">
+              <a:buFont typeface="Arial" panose="020B0604020202020204" pitchFamily="34" charset="0"/>
+              <a:buNone/>
+            </a:pPr>
+            <a:r>
+              <a:rPr lang="en-US" dirty="0" smtClean="0"/>
+              <a:t>Use '</a:t>
+            </a:r>
+            <a:r>
+              <a:rPr lang="en-US" dirty="0" err="1" smtClean="0"/>
+              <a:t>inspec</a:t>
+            </a:r>
+            <a:r>
+              <a:rPr lang="en-US" dirty="0" smtClean="0"/>
+              <a:t> exec' to run the tests against your Linux target node.</a:t>
+            </a:r>
+          </a:p>
+          <a:p>
+            <a:pPr marL="0" indent="0">
+              <a:buFont typeface="Arial" panose="020B0604020202020204" pitchFamily="34" charset="0"/>
+              <a:buNone/>
+            </a:pPr>
+            <a:r>
+              <a:rPr lang="en-US" dirty="0" smtClean="0"/>
+              <a:t>Package the custom profile and upload it to your Compliance server.</a:t>
+            </a:r>
+          </a:p>
           <a:p>
             <a:endParaRPr lang="en-US" dirty="0"/>
           </a:p>
@@ -1373,7 +1487,7 @@
     </p:spTree>
     <p:extLst>
       <p:ext uri="{BB962C8B-B14F-4D97-AF65-F5344CB8AC3E}">
-        <p14:creationId xmlns:p14="http://schemas.microsoft.com/office/powerpoint/2010/main" val="124094557"/>
+        <p14:creationId xmlns:p14="http://schemas.microsoft.com/office/powerpoint/2010/main" val="3534668070"/>
       </p:ext>
     </p:extLst>
   </p:cSld>
@@ -1507,7 +1621,7 @@
     </p:spTree>
     <p:extLst>
       <p:ext uri="{BB962C8B-B14F-4D97-AF65-F5344CB8AC3E}">
-        <p14:creationId xmlns:p14="http://schemas.microsoft.com/office/powerpoint/2010/main" val="2302972674"/>
+        <p14:creationId xmlns:p14="http://schemas.microsoft.com/office/powerpoint/2010/main" val="124094557"/>
       </p:ext>
     </p:extLst>
   </p:cSld>
@@ -1641,7 +1755,7 @@
     </p:spTree>
     <p:extLst>
       <p:ext uri="{BB962C8B-B14F-4D97-AF65-F5344CB8AC3E}">
-        <p14:creationId xmlns:p14="http://schemas.microsoft.com/office/powerpoint/2010/main" val="1833387906"/>
+        <p14:creationId xmlns:p14="http://schemas.microsoft.com/office/powerpoint/2010/main" val="2302972674"/>
       </p:ext>
     </p:extLst>
   </p:cSld>
@@ -1775,7 +1889,7 @@
     </p:spTree>
     <p:extLst>
       <p:ext uri="{BB962C8B-B14F-4D97-AF65-F5344CB8AC3E}">
-        <p14:creationId xmlns:p14="http://schemas.microsoft.com/office/powerpoint/2010/main" val="687106917"/>
+        <p14:creationId xmlns:p14="http://schemas.microsoft.com/office/powerpoint/2010/main" val="1833387906"/>
       </p:ext>
     </p:extLst>
   </p:cSld>
@@ -1826,77 +1940,8 @@
         </p:nvSpPr>
         <p:spPr/>
         <p:txBody>
-          <a:bodyPr>
-            <a:normAutofit/>
-          </a:bodyPr>
+          <a:bodyPr/>
           <a:lstStyle/>
-          <a:p>
-            <a:r>
-              <a:rPr lang="en-US" dirty="0" smtClean="0"/>
-              <a:t>https://chefio.atlassian.net/wiki/pages/viewpage.action?spaceKey=SE&amp;title=Week+2+-+Use+Cases#Week2-UseCases-Exercises-CIS</a:t>
-            </a:r>
-          </a:p>
-          <a:p>
-            <a:endParaRPr lang="en-US" dirty="0" smtClean="0"/>
-          </a:p>
-          <a:p>
-            <a:endParaRPr lang="en-US" dirty="0" smtClean="0"/>
-          </a:p>
-          <a:p>
-            <a:pPr marL="0" marR="0" indent="0" algn="l" defTabSz="1217613" rtl="0" eaLnBrk="1" fontAlgn="base" latinLnBrk="0" hangingPunct="1">
-              <a:lnSpc>
-                <a:spcPct val="90000"/>
-              </a:lnSpc>
-              <a:spcBef>
-                <a:spcPct val="30000"/>
-              </a:spcBef>
-              <a:spcAft>
-                <a:spcPts val="450"/>
-              </a:spcAft>
-              <a:buClrTx/>
-              <a:buSzTx/>
-              <a:buFontTx/>
-              <a:buNone/>
-              <a:tabLst/>
-              <a:defRPr/>
-            </a:pPr>
-            <a:r>
-              <a:rPr lang="en-US" sz="1200" b="0" i="0" kern="1200" dirty="0" smtClean="0">
-                <a:solidFill>
-                  <a:schemeClr val="tx1"/>
-                </a:solidFill>
-                <a:effectLst/>
-                <a:latin typeface="Arial" panose="020B0604020202020204" pitchFamily="34" charset="0"/>
-                <a:ea typeface="ＭＳ Ｐゴシック" charset="0"/>
-                <a:cs typeface="Arial" panose="020B0604020202020204" pitchFamily="34" charset="0"/>
-              </a:rPr>
-              <a:t>Implement Section 1.1 - Password Policy as </a:t>
-            </a:r>
-            <a:r>
-              <a:rPr lang="en-US" sz="1200" b="0" i="0" kern="1200" dirty="0" err="1" smtClean="0">
-                <a:solidFill>
-                  <a:schemeClr val="tx1"/>
-                </a:solidFill>
-                <a:effectLst/>
-                <a:latin typeface="Arial" panose="020B0604020202020204" pitchFamily="34" charset="0"/>
-                <a:ea typeface="ＭＳ Ｐゴシック" charset="0"/>
-                <a:cs typeface="Arial" panose="020B0604020202020204" pitchFamily="34" charset="0"/>
-              </a:rPr>
-              <a:t>InSpec</a:t>
-            </a:r>
-            <a:r>
-              <a:rPr lang="en-US" sz="1200" b="0" i="0" kern="1200" dirty="0" smtClean="0">
-                <a:solidFill>
-                  <a:schemeClr val="tx1"/>
-                </a:solidFill>
-                <a:effectLst/>
-                <a:latin typeface="Arial" panose="020B0604020202020204" pitchFamily="34" charset="0"/>
-                <a:ea typeface="ＭＳ Ｐゴシック" charset="0"/>
-                <a:cs typeface="Arial" panose="020B0604020202020204" pitchFamily="34" charset="0"/>
-              </a:rPr>
-              <a:t> controls with the profile of Level 1 - Member Server.</a:t>
-            </a:r>
-          </a:p>
           <a:p>
             <a:endParaRPr lang="en-US" dirty="0"/>
           </a:p>
@@ -1925,7 +1970,7 @@
               <a:pPr>
                 <a:defRPr/>
               </a:pPr>
-              <a:t>18</a:t>
+              <a:t>17</a:t>
             </a:fld>
             <a:endParaRPr lang="en-US" dirty="0"/>
           </a:p>
@@ -1978,7 +2023,7 @@
     </p:spTree>
     <p:extLst>
       <p:ext uri="{BB962C8B-B14F-4D97-AF65-F5344CB8AC3E}">
-        <p14:creationId xmlns:p14="http://schemas.microsoft.com/office/powerpoint/2010/main" val="2561206576"/>
+        <p14:creationId xmlns:p14="http://schemas.microsoft.com/office/powerpoint/2010/main" val="687106917"/>
       </p:ext>
     </p:extLst>
   </p:cSld>
@@ -2030,214 +2075,57 @@
         <p:spPr/>
         <p:txBody>
           <a:bodyPr>
-            <a:normAutofit fontScale="92500"/>
+            <a:normAutofit/>
           </a:bodyPr>
           <a:lstStyle/>
           <a:p>
             <a:r>
               <a:rPr lang="en-US" dirty="0" smtClean="0"/>
-              <a:t>As you can see on that page the </a:t>
-            </a:r>
-            <a:r>
-              <a:rPr lang="da-DK" sz="1200" b="0" i="1" u="none" strike="noStrike" kern="1200" baseline="0" dirty="0" smtClean="0">
+              <a:t>https://chefio.atlassian.net/wiki/pages/viewpage.action?spaceKey=SE&amp;title=Week+2+-+Use+Cases#Week2-UseCases-Exercises-CIS</a:t>
+            </a:r>
+          </a:p>
+          <a:p>
+            <a:endParaRPr lang="en-US" dirty="0" smtClean="0"/>
+          </a:p>
+          <a:p>
+            <a:endParaRPr lang="en-US" dirty="0" smtClean="0"/>
+          </a:p>
+          <a:p>
+            <a:pPr marL="0" marR="0" indent="0" algn="l" defTabSz="1217613" rtl="0" eaLnBrk="1" fontAlgn="base" latinLnBrk="0" hangingPunct="1">
+              <a:lnSpc>
+                <a:spcPct val="90000"/>
+              </a:lnSpc>
+              <a:spcBef>
+                <a:spcPct val="30000"/>
+              </a:spcBef>
+              <a:spcAft>
+                <a:spcPts val="450"/>
+              </a:spcAft>
+              <a:buClrTx/>
+              <a:buSzTx/>
+              <a:buFontTx/>
+              <a:buNone/>
+              <a:tabLst/>
+              <a:defRPr/>
+            </a:pPr>
+            <a:r>
+              <a:rPr lang="en-US" sz="1200" b="0" i="0" kern="1200" dirty="0" smtClean="0">
                 <a:solidFill>
                   <a:schemeClr val="tx1"/>
                 </a:solidFill>
+                <a:effectLst/>
                 <a:latin typeface="Arial" panose="020B0604020202020204" pitchFamily="34" charset="0"/>
                 <a:ea typeface="ＭＳ Ｐゴシック" charset="0"/>
                 <a:cs typeface="Arial" panose="020B0604020202020204" pitchFamily="34" charset="0"/>
               </a:rPr>
-              <a:t>3.1 Set Daemon umask (Scored) </a:t>
-            </a:r>
-            <a:r>
-              <a:rPr lang="en-US" sz="1200" b="0" i="0" u="none" strike="noStrike" kern="1200" baseline="0" dirty="0" smtClean="0">
+              <a:t>Implement Section 1.1 - Password Policy as </a:t>
+            </a:r>
+            <a:r>
+              <a:rPr lang="en-US" sz="1200" b="0" i="0" kern="1200" dirty="0" err="1" smtClean="0">
                 <a:solidFill>
                   <a:schemeClr val="tx1"/>
                 </a:solidFill>
-                <a:latin typeface="Arial" panose="020B0604020202020204" pitchFamily="34" charset="0"/>
-                <a:ea typeface="ＭＳ Ｐゴシック" charset="0"/>
-                <a:cs typeface="Arial" panose="020B0604020202020204" pitchFamily="34" charset="0"/>
-              </a:rPr>
-              <a:t>section says:</a:t>
-            </a:r>
-          </a:p>
-          <a:p>
-            <a:endParaRPr lang="en-US" sz="1200" b="0" i="0" u="none" strike="noStrike" kern="1200" baseline="0" dirty="0" smtClean="0">
-              <a:solidFill>
-                <a:schemeClr val="tx1"/>
-              </a:solidFill>
-              <a:latin typeface="Arial" panose="020B0604020202020204" pitchFamily="34" charset="0"/>
-              <a:ea typeface="ＭＳ Ｐゴシック" charset="0"/>
-              <a:cs typeface="Arial" panose="020B0604020202020204" pitchFamily="34" charset="0"/>
-            </a:endParaRPr>
-          </a:p>
-          <a:p>
-            <a:r>
-              <a:rPr lang="en-US" sz="1200" b="0" i="0" u="none" strike="noStrike" kern="1200" baseline="0" dirty="0" smtClean="0">
-                <a:solidFill>
-                  <a:schemeClr val="tx1"/>
-                </a:solidFill>
-                <a:latin typeface="Arial" panose="020B0604020202020204" pitchFamily="34" charset="0"/>
-                <a:ea typeface="ＭＳ Ｐゴシック" charset="0"/>
-                <a:cs typeface="Arial" panose="020B0604020202020204" pitchFamily="34" charset="0"/>
-              </a:rPr>
-              <a:t>Description:</a:t>
-            </a:r>
-          </a:p>
-          <a:p>
-            <a:endParaRPr lang="en-US" sz="1200" b="0" i="0" u="none" strike="noStrike" kern="1200" baseline="0" dirty="0" smtClean="0">
-              <a:solidFill>
-                <a:schemeClr val="tx1"/>
-              </a:solidFill>
-              <a:latin typeface="Arial" panose="020B0604020202020204" pitchFamily="34" charset="0"/>
-              <a:ea typeface="ＭＳ Ｐゴシック" charset="0"/>
-              <a:cs typeface="Arial" panose="020B0604020202020204" pitchFamily="34" charset="0"/>
-            </a:endParaRPr>
-          </a:p>
-          <a:p>
-            <a:r>
-              <a:rPr lang="en-US" sz="1200" b="0" i="0" u="none" strike="noStrike" kern="1200" baseline="0" dirty="0" smtClean="0">
-                <a:solidFill>
-                  <a:schemeClr val="tx1"/>
-                </a:solidFill>
-                <a:latin typeface="Arial" panose="020B0604020202020204" pitchFamily="34" charset="0"/>
-                <a:ea typeface="ＭＳ Ｐゴシック" charset="0"/>
-                <a:cs typeface="Arial" panose="020B0604020202020204" pitchFamily="34" charset="0"/>
-              </a:rPr>
-              <a:t>Set the default </a:t>
-            </a:r>
-            <a:r>
-              <a:rPr lang="en-US" sz="1200" b="0" i="0" u="none" strike="noStrike" kern="1200" baseline="0" dirty="0" err="1" smtClean="0">
-                <a:solidFill>
-                  <a:schemeClr val="tx1"/>
-                </a:solidFill>
-                <a:latin typeface="Arial" panose="020B0604020202020204" pitchFamily="34" charset="0"/>
-                <a:ea typeface="ＭＳ Ｐゴシック" charset="0"/>
-                <a:cs typeface="Arial" panose="020B0604020202020204" pitchFamily="34" charset="0"/>
-              </a:rPr>
-              <a:t>umask</a:t>
-            </a:r>
-            <a:r>
-              <a:rPr lang="en-US" sz="1200" b="0" i="0" u="none" strike="noStrike" kern="1200" baseline="0" dirty="0" smtClean="0">
-                <a:solidFill>
-                  <a:schemeClr val="tx1"/>
-                </a:solidFill>
-                <a:latin typeface="Arial" panose="020B0604020202020204" pitchFamily="34" charset="0"/>
-                <a:ea typeface="ＭＳ Ｐゴシック" charset="0"/>
-                <a:cs typeface="Arial" panose="020B0604020202020204" pitchFamily="34" charset="0"/>
-              </a:rPr>
-              <a:t> for all processes started at boot time. The settings in </a:t>
-            </a:r>
-            <a:r>
-              <a:rPr lang="en-US" sz="1200" b="0" i="0" u="none" strike="noStrike" kern="1200" baseline="0" dirty="0" err="1" smtClean="0">
-                <a:solidFill>
-                  <a:schemeClr val="tx1"/>
-                </a:solidFill>
-                <a:latin typeface="Arial" panose="020B0604020202020204" pitchFamily="34" charset="0"/>
-                <a:ea typeface="ＭＳ Ｐゴシック" charset="0"/>
-                <a:cs typeface="Arial" panose="020B0604020202020204" pitchFamily="34" charset="0"/>
-              </a:rPr>
-              <a:t>umask</a:t>
-            </a:r>
-            <a:r>
-              <a:rPr lang="en-US" sz="1200" b="0" i="0" u="none" strike="noStrike" kern="1200" baseline="0" dirty="0" smtClean="0">
-                <a:solidFill>
-                  <a:schemeClr val="tx1"/>
-                </a:solidFill>
-                <a:latin typeface="Arial" panose="020B0604020202020204" pitchFamily="34" charset="0"/>
-                <a:ea typeface="ＭＳ Ｐゴシック" charset="0"/>
-                <a:cs typeface="Arial" panose="020B0604020202020204" pitchFamily="34" charset="0"/>
-              </a:rPr>
-              <a:t> selectively turn off default permission when a file is created by a daemon process. </a:t>
-            </a:r>
-            <a:endParaRPr lang="en-US" dirty="0" smtClean="0"/>
-          </a:p>
-          <a:p>
-            <a:endParaRPr lang="en-US" dirty="0" smtClean="0"/>
-          </a:p>
-          <a:p>
-            <a:r>
-              <a:rPr lang="en-US" sz="1200" b="1" i="0" u="none" strike="noStrike" kern="1200" baseline="0" dirty="0" smtClean="0">
-                <a:solidFill>
-                  <a:schemeClr val="tx1"/>
-                </a:solidFill>
-                <a:latin typeface="Arial" panose="020B0604020202020204" pitchFamily="34" charset="0"/>
-                <a:ea typeface="ＭＳ Ｐゴシック" charset="0"/>
-                <a:cs typeface="Arial" panose="020B0604020202020204" pitchFamily="34" charset="0"/>
-              </a:rPr>
-              <a:t>Rationale: </a:t>
-            </a:r>
-            <a:endParaRPr lang="en-US" sz="1200" b="0" i="0" u="none" strike="noStrike" kern="1200" baseline="0" dirty="0" smtClean="0">
-              <a:solidFill>
-                <a:schemeClr val="tx1"/>
-              </a:solidFill>
-              <a:latin typeface="Arial" panose="020B0604020202020204" pitchFamily="34" charset="0"/>
-              <a:ea typeface="ＭＳ Ｐゴシック" charset="0"/>
-              <a:cs typeface="Arial" panose="020B0604020202020204" pitchFamily="34" charset="0"/>
-            </a:endParaRPr>
-          </a:p>
-          <a:p>
-            <a:r>
-              <a:rPr lang="en-US" sz="1200" b="0" i="0" u="none" strike="noStrike" kern="1200" baseline="0" dirty="0" smtClean="0">
-                <a:solidFill>
-                  <a:schemeClr val="tx1"/>
-                </a:solidFill>
-                <a:latin typeface="Arial" panose="020B0604020202020204" pitchFamily="34" charset="0"/>
-                <a:ea typeface="ＭＳ Ｐゴシック" charset="0"/>
-                <a:cs typeface="Arial" panose="020B0604020202020204" pitchFamily="34" charset="0"/>
-              </a:rPr>
-              <a:t>Setting the </a:t>
-            </a:r>
-            <a:r>
-              <a:rPr lang="en-US" sz="1200" b="0" i="0" u="none" strike="noStrike" kern="1200" baseline="0" dirty="0" err="1" smtClean="0">
-                <a:solidFill>
-                  <a:schemeClr val="tx1"/>
-                </a:solidFill>
-                <a:latin typeface="Arial" panose="020B0604020202020204" pitchFamily="34" charset="0"/>
-                <a:ea typeface="ＭＳ Ｐゴシック" charset="0"/>
-                <a:cs typeface="Arial" panose="020B0604020202020204" pitchFamily="34" charset="0"/>
-              </a:rPr>
-              <a:t>umask</a:t>
-            </a:r>
-            <a:r>
-              <a:rPr lang="en-US" sz="1200" b="0" i="0" u="none" strike="noStrike" kern="1200" baseline="0" dirty="0" smtClean="0">
-                <a:solidFill>
-                  <a:schemeClr val="tx1"/>
-                </a:solidFill>
-                <a:latin typeface="Arial" panose="020B0604020202020204" pitchFamily="34" charset="0"/>
-                <a:ea typeface="ＭＳ Ｐゴシック" charset="0"/>
-                <a:cs typeface="Arial" panose="020B0604020202020204" pitchFamily="34" charset="0"/>
-              </a:rPr>
-              <a:t> to 027 will make sure that files created by daemons will not be readable, writable or executable by any other than the group and owner of the daemon process and will not be writable by the group of the daemon process. The daemon process can manually override these settings if these files need additional permission. </a:t>
-            </a:r>
-          </a:p>
-          <a:p>
-            <a:endParaRPr lang="en-US" sz="1200" b="0" i="0" u="none" strike="noStrike" kern="1200" baseline="0" dirty="0" smtClean="0">
-              <a:solidFill>
-                <a:schemeClr val="tx1"/>
-              </a:solidFill>
-              <a:latin typeface="Arial" panose="020B0604020202020204" pitchFamily="34" charset="0"/>
-              <a:ea typeface="ＭＳ Ｐゴシック" charset="0"/>
-              <a:cs typeface="Arial" panose="020B0604020202020204" pitchFamily="34" charset="0"/>
-            </a:endParaRPr>
-          </a:p>
-          <a:p>
-            <a:r>
-              <a:rPr lang="en-US" sz="1200" b="0" i="0" u="none" strike="noStrike" kern="1200" baseline="0" dirty="0" smtClean="0">
-                <a:solidFill>
-                  <a:schemeClr val="tx1"/>
-                </a:solidFill>
-                <a:latin typeface="Arial" panose="020B0604020202020204" pitchFamily="34" charset="0"/>
-                <a:ea typeface="ＭＳ Ｐゴシック" charset="0"/>
-                <a:cs typeface="Arial" panose="020B0604020202020204" pitchFamily="34" charset="0"/>
-              </a:rPr>
-              <a:t>So based on these CIS recommendations, you could write an </a:t>
-            </a:r>
-            <a:r>
-              <a:rPr lang="en-US" sz="1200" b="0" i="0" u="none" strike="noStrike" kern="1200" baseline="0" dirty="0" err="1" smtClean="0">
-                <a:solidFill>
-                  <a:schemeClr val="tx1"/>
-                </a:solidFill>
+                <a:effectLst/>
                 <a:latin typeface="Arial" panose="020B0604020202020204" pitchFamily="34" charset="0"/>
                 <a:ea typeface="ＭＳ Ｐゴシック" charset="0"/>
                 <a:cs typeface="Arial" panose="020B0604020202020204" pitchFamily="34" charset="0"/>
@@ -2245,48 +2133,17 @@
               <a:t>InSpec</a:t>
             </a:r>
             <a:r>
-              <a:rPr lang="en-US" sz="1200" b="0" i="0" u="none" strike="noStrike" kern="1200" baseline="0" dirty="0" smtClean="0">
+              <a:rPr lang="en-US" sz="1200" b="0" i="0" kern="1200" dirty="0" smtClean="0">
                 <a:solidFill>
                   <a:schemeClr val="tx1"/>
                 </a:solidFill>
+                <a:effectLst/>
                 <a:latin typeface="Arial" panose="020B0604020202020204" pitchFamily="34" charset="0"/>
                 <a:ea typeface="ＭＳ Ｐゴシック" charset="0"/>
                 <a:cs typeface="Arial" panose="020B0604020202020204" pitchFamily="34" charset="0"/>
               </a:rPr>
-              <a:t> test as shown on the right and add it to a Chef Compliance custom profile. In this way you can subsequently use the custom profiles to can nodes for </a:t>
-            </a:r>
-            <a:r>
-              <a:rPr lang="en-US" sz="1200" b="0" i="0" u="none" strike="noStrike" kern="1200" baseline="0" dirty="0" err="1" smtClean="0">
-                <a:solidFill>
-                  <a:schemeClr val="tx1"/>
-                </a:solidFill>
-                <a:latin typeface="Arial" panose="020B0604020202020204" pitchFamily="34" charset="0"/>
-                <a:ea typeface="ＭＳ Ｐゴシック" charset="0"/>
-                <a:cs typeface="Arial" panose="020B0604020202020204" pitchFamily="34" charset="0"/>
-              </a:rPr>
-              <a:t>umask</a:t>
-            </a:r>
-            <a:r>
-              <a:rPr lang="en-US" sz="1200" b="0" i="0" u="none" strike="noStrike" kern="1200" baseline="0" dirty="0" smtClean="0">
-                <a:solidFill>
-                  <a:schemeClr val="tx1"/>
-                </a:solidFill>
-                <a:latin typeface="Arial" panose="020B0604020202020204" pitchFamily="34" charset="0"/>
-                <a:ea typeface="ＭＳ Ｐゴシック" charset="0"/>
-                <a:cs typeface="Arial" panose="020B0604020202020204" pitchFamily="34" charset="0"/>
-              </a:rPr>
-              <a:t> compliance.</a:t>
-            </a:r>
-          </a:p>
-          <a:p>
-            <a:endParaRPr lang="nb-NO" sz="1200" b="0" i="0" u="none" strike="noStrike" kern="1200" baseline="0" dirty="0" smtClean="0">
-              <a:solidFill>
-                <a:schemeClr val="tx1"/>
-              </a:solidFill>
-              <a:latin typeface="Arial" panose="020B0604020202020204" pitchFamily="34" charset="0"/>
-              <a:ea typeface="ＭＳ Ｐゴシック" charset="0"/>
-              <a:cs typeface="Arial" panose="020B0604020202020204" pitchFamily="34" charset="0"/>
-            </a:endParaRPr>
+              <a:t> controls with the profile of Level 1 - Member Server.</a:t>
+            </a:r>
           </a:p>
           <a:p>
             <a:endParaRPr lang="en-US" dirty="0"/>
@@ -2369,7 +2226,7 @@
     </p:spTree>
     <p:extLst>
       <p:ext uri="{BB962C8B-B14F-4D97-AF65-F5344CB8AC3E}">
-        <p14:creationId xmlns:p14="http://schemas.microsoft.com/office/powerpoint/2010/main" val="2479751477"/>
+        <p14:creationId xmlns:p14="http://schemas.microsoft.com/office/powerpoint/2010/main" val="2561206576"/>
       </p:ext>
     </p:extLst>
   </p:cSld>
@@ -2420,12 +2277,95 @@
         </p:nvSpPr>
         <p:spPr/>
         <p:txBody>
-          <a:bodyPr/>
+          <a:bodyPr>
+            <a:normAutofit/>
+          </a:bodyPr>
           <a:lstStyle/>
           <a:p>
             <a:r>
               <a:rPr lang="en-US" dirty="0" smtClean="0"/>
-              <a:t>On your target node, create the directory for your new profile and then move into it.</a:t>
+              <a:t>As you can see on that page the </a:t>
+            </a:r>
+            <a:r>
+              <a:rPr lang="da-DK" sz="1200" b="0" i="1" u="none" strike="noStrike" kern="1200" baseline="0" dirty="0" smtClean="0">
+                <a:solidFill>
+                  <a:schemeClr val="tx1"/>
+                </a:solidFill>
+                <a:latin typeface="Arial" panose="020B0604020202020204" pitchFamily="34" charset="0"/>
+                <a:ea typeface="ＭＳ Ｐゴシック" charset="0"/>
+                <a:cs typeface="Arial" panose="020B0604020202020204" pitchFamily="34" charset="0"/>
+              </a:rPr>
+              <a:t>1.1 Password Ploicy </a:t>
+            </a:r>
+            <a:r>
+              <a:rPr lang="en-US" sz="1200" b="0" i="0" u="none" strike="noStrike" kern="1200" baseline="0" dirty="0" smtClean="0">
+                <a:solidFill>
+                  <a:schemeClr val="tx1"/>
+                </a:solidFill>
+                <a:latin typeface="Arial" panose="020B0604020202020204" pitchFamily="34" charset="0"/>
+                <a:ea typeface="ＭＳ Ｐゴシック" charset="0"/>
+                <a:cs typeface="Arial" panose="020B0604020202020204" pitchFamily="34" charset="0"/>
+              </a:rPr>
+              <a:t>section says:</a:t>
+            </a:r>
+          </a:p>
+          <a:p>
+            <a:endParaRPr lang="en-US" sz="1200" b="0" i="0" u="none" strike="noStrike" kern="1200" baseline="0" dirty="0" smtClean="0">
+              <a:solidFill>
+                <a:schemeClr val="tx1"/>
+              </a:solidFill>
+              <a:latin typeface="Arial" panose="020B0604020202020204" pitchFamily="34" charset="0"/>
+              <a:ea typeface="ＭＳ Ｐゴシック" charset="0"/>
+              <a:cs typeface="Arial" panose="020B0604020202020204" pitchFamily="34" charset="0"/>
+            </a:endParaRPr>
+          </a:p>
+          <a:p>
+            <a:r>
+              <a:rPr lang="en-US" sz="1200" b="0" i="0" u="none" strike="noStrike" kern="1200" baseline="0" dirty="0" smtClean="0">
+                <a:solidFill>
+                  <a:schemeClr val="tx1"/>
+                </a:solidFill>
+                <a:latin typeface="Arial" panose="020B0604020202020204" pitchFamily="34" charset="0"/>
+                <a:ea typeface="ＭＳ Ｐゴシック" charset="0"/>
+                <a:cs typeface="Arial" panose="020B0604020202020204" pitchFamily="34" charset="0"/>
+              </a:rPr>
+              <a:t>Description:</a:t>
+            </a:r>
+          </a:p>
+          <a:p>
+            <a:endParaRPr lang="en-US" sz="1200" b="0" i="0" u="none" strike="noStrike" kern="1200" baseline="0" dirty="0" smtClean="0">
+              <a:solidFill>
+                <a:schemeClr val="tx1"/>
+              </a:solidFill>
+              <a:latin typeface="Arial" panose="020B0604020202020204" pitchFamily="34" charset="0"/>
+              <a:ea typeface="ＭＳ Ｐゴシック" charset="0"/>
+              <a:cs typeface="Arial" panose="020B0604020202020204" pitchFamily="34" charset="0"/>
+            </a:endParaRPr>
+          </a:p>
+          <a:p>
+            <a:r>
+              <a:rPr lang="en-US" sz="1200" b="0" i="0" u="none" strike="noStrike" kern="1200" baseline="0" dirty="0" smtClean="0">
+                <a:solidFill>
+                  <a:schemeClr val="tx1"/>
+                </a:solidFill>
+                <a:latin typeface="Arial" panose="020B0604020202020204" pitchFamily="34" charset="0"/>
+                <a:ea typeface="ＭＳ Ｐゴシック" charset="0"/>
+                <a:cs typeface="Arial" panose="020B0604020202020204" pitchFamily="34" charset="0"/>
+              </a:rPr>
+              <a:t>This policy setting determines the number of renewed, unique passwords that have to be associated with a user account before you can reuse an old password. The value for this policy setting must be between 0 and 24 passwords. The default value for Windows Vista is 0 passwords, but the default setting in a domain is 24 passwords. To maintain the effectiveness of this policy setting, use the Minimum password age setting to prevent users from repeatedly changing their password. </a:t>
+            </a:r>
+          </a:p>
+          <a:p>
+            <a:r>
+              <a:rPr lang="en-US" sz="1200" b="0" i="0" u="none" strike="noStrike" kern="1200" baseline="0" dirty="0" smtClean="0">
+                <a:solidFill>
+                  <a:schemeClr val="tx1"/>
+                </a:solidFill>
+                <a:latin typeface="Arial" panose="020B0604020202020204" pitchFamily="34" charset="0"/>
+                <a:ea typeface="ＭＳ Ｐゴシック" charset="0"/>
+                <a:cs typeface="Arial" panose="020B0604020202020204" pitchFamily="34" charset="0"/>
+              </a:rPr>
+              <a:t>The recommended state for this setting is: 24 or more password(s). </a:t>
             </a:r>
             <a:endParaRPr lang="en-US" dirty="0"/>
           </a:p>
@@ -2507,7 +2447,7 @@
     </p:spTree>
     <p:extLst>
       <p:ext uri="{BB962C8B-B14F-4D97-AF65-F5344CB8AC3E}">
-        <p14:creationId xmlns:p14="http://schemas.microsoft.com/office/powerpoint/2010/main" val="3149171153"/>
+        <p14:creationId xmlns:p14="http://schemas.microsoft.com/office/powerpoint/2010/main" val="2479751477"/>
       </p:ext>
     </p:extLst>
   </p:cSld>
@@ -2558,13 +2498,82 @@
         </p:nvSpPr>
         <p:spPr/>
         <p:txBody>
-          <a:bodyPr/>
+          <a:bodyPr>
+            <a:normAutofit/>
+          </a:bodyPr>
           <a:lstStyle/>
           <a:p>
-            <a:r>
-              <a:rPr lang="en-US" dirty="0" smtClean="0"/>
-              <a:t>On your target node, create the directory for your new profile and then move into it.</a:t>
-            </a:r>
+            <a:pPr marL="0" marR="0" indent="0" algn="l" defTabSz="1217613" rtl="0" eaLnBrk="1" fontAlgn="base" latinLnBrk="0" hangingPunct="1">
+              <a:lnSpc>
+                <a:spcPct val="90000"/>
+              </a:lnSpc>
+              <a:spcBef>
+                <a:spcPct val="30000"/>
+              </a:spcBef>
+              <a:spcAft>
+                <a:spcPts val="450"/>
+              </a:spcAft>
+              <a:buClrTx/>
+              <a:buSzTx/>
+              <a:buFontTx/>
+              <a:buNone/>
+              <a:tabLst/>
+              <a:defRPr/>
+            </a:pPr>
+            <a:r>
+              <a:rPr lang="en-US" sz="1200" b="0" i="0" u="none" strike="noStrike" kern="1200" baseline="0" dirty="0" smtClean="0">
+                <a:solidFill>
+                  <a:schemeClr val="tx1"/>
+                </a:solidFill>
+                <a:latin typeface="Arial" panose="020B0604020202020204" pitchFamily="34" charset="0"/>
+                <a:ea typeface="ＭＳ Ｐゴシック" charset="0"/>
+                <a:cs typeface="Arial" panose="020B0604020202020204" pitchFamily="34" charset="0"/>
+              </a:rPr>
+              <a:t>If you </a:t>
+            </a:r>
+            <a:r>
+              <a:rPr lang="en-US" sz="1200" b="0" i="0" u="none" strike="noStrike" kern="1200" baseline="0" dirty="0" smtClean="0">
+                <a:solidFill>
+                  <a:schemeClr val="tx1"/>
+                </a:solidFill>
+                <a:latin typeface="Arial" panose="020B0604020202020204" pitchFamily="34" charset="0"/>
+                <a:ea typeface="ＭＳ Ｐゴシック" charset="0"/>
+                <a:cs typeface="Arial" panose="020B0604020202020204" pitchFamily="34" charset="0"/>
+              </a:rPr>
+              <a:t>scroll </a:t>
+            </a:r>
+            <a:r>
+              <a:rPr lang="en-US" sz="1200" b="0" i="0" u="none" strike="noStrike" kern="1200" baseline="0" dirty="0" smtClean="0">
+                <a:solidFill>
+                  <a:schemeClr val="tx1"/>
+                </a:solidFill>
+                <a:latin typeface="Arial" panose="020B0604020202020204" pitchFamily="34" charset="0"/>
+                <a:ea typeface="ＭＳ Ｐゴシック" charset="0"/>
+                <a:cs typeface="Arial" panose="020B0604020202020204" pitchFamily="34" charset="0"/>
+              </a:rPr>
+              <a:t>down in that section, you will see a CIS Audit example</a:t>
+            </a:r>
+            <a:r>
+              <a:rPr lang="en-US" sz="1200" b="0" i="0" u="none" strike="noStrike" kern="1200" baseline="0" dirty="0" smtClean="0">
+                <a:solidFill>
+                  <a:schemeClr val="tx1"/>
+                </a:solidFill>
+                <a:latin typeface="Arial" panose="020B0604020202020204" pitchFamily="34" charset="0"/>
+                <a:ea typeface="ＭＳ Ｐゴシック" charset="0"/>
+                <a:cs typeface="Arial" panose="020B0604020202020204" pitchFamily="34" charset="0"/>
+              </a:rPr>
+              <a:t>. The image at the bottom shows that the Windows node's `Enforce password history' setting is out of compliance. </a:t>
+            </a:r>
+            <a:endParaRPr lang="nb-NO" sz="1200" b="0" i="0" u="none" strike="noStrike" kern="1200" baseline="0" dirty="0" smtClean="0">
+              <a:solidFill>
+                <a:schemeClr val="tx1"/>
+              </a:solidFill>
+              <a:latin typeface="Arial" panose="020B0604020202020204" pitchFamily="34" charset="0"/>
+              <a:ea typeface="ＭＳ Ｐゴシック" charset="0"/>
+              <a:cs typeface="Arial" panose="020B0604020202020204" pitchFamily="34" charset="0"/>
+            </a:endParaRPr>
+          </a:p>
+          <a:p>
             <a:endParaRPr lang="en-US" dirty="0"/>
           </a:p>
         </p:txBody>
@@ -2645,7 +2654,7 @@
     </p:spTree>
     <p:extLst>
       <p:ext uri="{BB962C8B-B14F-4D97-AF65-F5344CB8AC3E}">
-        <p14:creationId xmlns:p14="http://schemas.microsoft.com/office/powerpoint/2010/main" val="1688635634"/>
+        <p14:creationId xmlns:p14="http://schemas.microsoft.com/office/powerpoint/2010/main" val="3500749848"/>
       </p:ext>
     </p:extLst>
   </p:cSld>
@@ -2696,21 +2705,10 @@
         </p:nvSpPr>
         <p:spPr/>
         <p:txBody>
-          <a:bodyPr/>
+          <a:bodyPr>
+            <a:normAutofit/>
+          </a:bodyPr>
           <a:lstStyle/>
-          <a:p>
-            <a:r>
-              <a:rPr lang="en-US" dirty="0" smtClean="0"/>
-              <a:t>TBD:</a:t>
-            </a:r>
-            <a:r>
-              <a:rPr lang="en-US" baseline="0" dirty="0" smtClean="0"/>
-              <a:t> Naming conventions for `name` line? TBD check metadata name.</a:t>
-            </a:r>
-          </a:p>
-          <a:p>
-            <a:endParaRPr lang="en-US" baseline="0" dirty="0" smtClean="0"/>
-          </a:p>
           <a:p>
             <a:pPr marL="0" marR="0" indent="0" algn="l" defTabSz="1217613" rtl="0" eaLnBrk="1" fontAlgn="base" latinLnBrk="0" hangingPunct="1">
               <a:lnSpc>
@@ -2730,181 +2728,125 @@
               <a:defRPr/>
             </a:pPr>
             <a:r>
-              <a:rPr lang="en-US" baseline="0" dirty="0" smtClean="0"/>
-              <a:t>Instructor Note: It seems that </a:t>
-            </a:r>
-            <a:r>
-              <a:rPr lang="en-US" sz="1200" b="0" i="0" kern="1200" dirty="0" smtClean="0">
+              <a:rPr lang="en-US" sz="1200" b="0" i="0" u="none" strike="noStrike" kern="1200" baseline="0" dirty="0" smtClean="0">
                 <a:solidFill>
                   <a:schemeClr val="tx1"/>
                 </a:solidFill>
-                <a:effectLst/>
                 <a:latin typeface="Arial" panose="020B0604020202020204" pitchFamily="34" charset="0"/>
                 <a:ea typeface="ＭＳ Ｐゴシック" charset="0"/>
                 <a:cs typeface="Arial" panose="020B0604020202020204" pitchFamily="34" charset="0"/>
               </a:rPr>
-              <a:t>in the </a:t>
-            </a:r>
-            <a:r>
-              <a:rPr lang="en-US" dirty="0" smtClean="0">
-                <a:effectLst/>
-              </a:rPr>
-              <a:t>`</a:t>
-            </a:r>
-            <a:r>
-              <a:rPr lang="en-US" dirty="0" smtClean="0"/>
-              <a:t>name</a:t>
-            </a:r>
-            <a:r>
-              <a:rPr lang="en-US" dirty="0" smtClean="0">
-                <a:effectLst/>
-              </a:rPr>
-              <a:t>`</a:t>
-            </a:r>
-            <a:r>
-              <a:rPr lang="en-US" sz="1200" b="0" i="0" kern="1200" dirty="0" smtClean="0">
+              <a:t>So </a:t>
+            </a:r>
+            <a:r>
+              <a:rPr lang="en-US" sz="1200" b="0" i="0" u="none" strike="noStrike" kern="1200" baseline="0" dirty="0" smtClean="0">
                 <a:solidFill>
                   <a:schemeClr val="tx1"/>
                 </a:solidFill>
-                <a:effectLst/>
                 <a:latin typeface="Arial" panose="020B0604020202020204" pitchFamily="34" charset="0"/>
                 <a:ea typeface="ＭＳ Ｐゴシック" charset="0"/>
                 <a:cs typeface="Arial" panose="020B0604020202020204" pitchFamily="34" charset="0"/>
               </a:rPr>
-              <a:t> line in metadata.rb,</a:t>
-            </a:r>
-            <a:r>
-              <a:rPr lang="en-US" sz="1200" b="0" i="0" kern="1200" baseline="0" dirty="0" smtClean="0">
+              <a:t>based on </a:t>
+            </a:r>
+            <a:r>
+              <a:rPr lang="en-US" sz="1200" b="0" i="0" u="none" strike="noStrike" kern="1200" baseline="0" dirty="0" smtClean="0">
                 <a:solidFill>
                   <a:schemeClr val="tx1"/>
                 </a:solidFill>
-                <a:effectLst/>
                 <a:latin typeface="Arial" panose="020B0604020202020204" pitchFamily="34" charset="0"/>
                 <a:ea typeface="ＭＳ Ｐゴシック" charset="0"/>
                 <a:cs typeface="Arial" panose="020B0604020202020204" pitchFamily="34" charset="0"/>
               </a:rPr>
-              <a:t> the Compliance code </a:t>
-            </a:r>
-            <a:r>
-              <a:rPr lang="en-US" sz="1200" b="0" i="0" kern="1200" dirty="0" smtClean="0">
+              <a:t>the </a:t>
+            </a:r>
+            <a:r>
+              <a:rPr lang="en-US" sz="1200" b="0" i="0" u="none" strike="noStrike" kern="1200" baseline="0" dirty="0" smtClean="0">
                 <a:solidFill>
                   <a:schemeClr val="tx1"/>
                 </a:solidFill>
-                <a:effectLst/>
                 <a:latin typeface="Arial" panose="020B0604020202020204" pitchFamily="34" charset="0"/>
                 <a:ea typeface="ＭＳ Ｐゴシック" charset="0"/>
                 <a:cs typeface="Arial" panose="020B0604020202020204" pitchFamily="34" charset="0"/>
               </a:rPr>
-              <a:t>treats anything before the first </a:t>
-            </a:r>
-            <a:r>
-              <a:rPr lang="en-US" dirty="0" smtClean="0">
-                <a:effectLst/>
-              </a:rPr>
-              <a:t>`</a:t>
-            </a:r>
-            <a:r>
-              <a:rPr lang="en-US" dirty="0" smtClean="0"/>
-              <a:t>/</a:t>
-            </a:r>
-            <a:r>
-              <a:rPr lang="en-US" dirty="0" smtClean="0">
-                <a:effectLst/>
-              </a:rPr>
-              <a:t>`</a:t>
-            </a:r>
-            <a:r>
-              <a:rPr lang="en-US" sz="1200" b="0" i="0" kern="1200" dirty="0" smtClean="0">
+              <a:t>audit example on the left (and the path to that configuration below that), you could write an </a:t>
+            </a:r>
+            <a:r>
+              <a:rPr lang="en-US" sz="1200" b="0" i="0" u="none" strike="noStrike" kern="1200" baseline="0" dirty="0" err="1" smtClean="0">
                 <a:solidFill>
                   <a:schemeClr val="tx1"/>
                 </a:solidFill>
-                <a:effectLst/>
                 <a:latin typeface="Arial" panose="020B0604020202020204" pitchFamily="34" charset="0"/>
                 <a:ea typeface="ＭＳ Ｐゴシック" charset="0"/>
                 <a:cs typeface="Arial" panose="020B0604020202020204" pitchFamily="34" charset="0"/>
               </a:rPr>
-              <a:t> as the username variable. For example, </a:t>
-            </a:r>
-            <a:r>
-              <a:rPr lang="en-US" b="0" dirty="0" smtClean="0"/>
-              <a:t>name '</a:t>
-            </a:r>
-            <a:r>
-              <a:rPr lang="en-US" b="0" dirty="0" err="1" smtClean="0"/>
-              <a:t>fooooo</a:t>
-            </a:r>
-            <a:r>
-              <a:rPr lang="en-US" b="0" dirty="0" smtClean="0"/>
-              <a:t>/profile-cis-3.1' will appear as `admin/profile-cis-3.1`</a:t>
-            </a:r>
-            <a:r>
-              <a:rPr lang="en-US" b="0" baseline="0" dirty="0" smtClean="0"/>
-              <a:t> in the UI if the user who uploaded that profile was the `admin` user.</a:t>
-            </a:r>
-            <a:endParaRPr lang="en-US" b="1" dirty="0" smtClean="0"/>
-          </a:p>
-          <a:p>
-            <a:pPr marL="0" marR="0" indent="0" algn="l" defTabSz="1217613" rtl="0" eaLnBrk="1" fontAlgn="base" latinLnBrk="0" hangingPunct="1">
-              <a:lnSpc>
-                <a:spcPct val="90000"/>
-              </a:lnSpc>
-              <a:spcBef>
-                <a:spcPct val="30000"/>
-              </a:spcBef>
-              <a:spcAft>
-                <a:spcPts val="450"/>
-              </a:spcAft>
-              <a:buClrTx/>
-              <a:buSzTx/>
-              <a:buFontTx/>
-              <a:buNone/>
-              <a:tabLst/>
-              <a:defRPr/>
-            </a:pPr>
-            <a:endParaRPr lang="en-US" b="1" dirty="0" smtClean="0"/>
-          </a:p>
-          <a:p>
-            <a:endParaRPr lang="en-US" dirty="0" smtClean="0"/>
-          </a:p>
-          <a:p>
-            <a:pPr marL="0" marR="0" indent="0" algn="l" defTabSz="1217613" rtl="0" eaLnBrk="1" fontAlgn="base" latinLnBrk="0" hangingPunct="1">
-              <a:lnSpc>
-                <a:spcPct val="90000"/>
-              </a:lnSpc>
-              <a:spcBef>
-                <a:spcPct val="30000"/>
-              </a:spcBef>
-              <a:spcAft>
-                <a:spcPts val="450"/>
-              </a:spcAft>
-              <a:buClrTx/>
-              <a:buSzTx/>
-              <a:buFontTx/>
-              <a:buNone/>
-              <a:tabLst/>
-              <a:defRPr/>
-            </a:pPr>
-            <a:endParaRPr lang="en-US" dirty="0" smtClean="0"/>
-          </a:p>
-          <a:p>
-            <a:pPr marL="0" marR="0" indent="0" algn="l" defTabSz="1217613" rtl="0" eaLnBrk="1" fontAlgn="base" latinLnBrk="0" hangingPunct="1">
-              <a:lnSpc>
-                <a:spcPct val="90000"/>
-              </a:lnSpc>
-              <a:spcBef>
-                <a:spcPct val="30000"/>
-              </a:spcBef>
-              <a:spcAft>
-                <a:spcPts val="450"/>
-              </a:spcAft>
-              <a:buClrTx/>
-              <a:buSzTx/>
-              <a:buFontTx/>
-              <a:buNone/>
-              <a:tabLst/>
-              <a:defRPr/>
-            </a:pPr>
-            <a:endParaRPr lang="en-US" dirty="0" smtClean="0"/>
+              <a:t>InSpec</a:t>
+            </a:r>
+            <a:r>
+              <a:rPr lang="en-US" sz="1200" b="0" i="0" u="none" strike="noStrike" kern="1200" baseline="0" dirty="0" smtClean="0">
+                <a:solidFill>
+                  <a:schemeClr val="tx1"/>
+                </a:solidFill>
+                <a:latin typeface="Arial" panose="020B0604020202020204" pitchFamily="34" charset="0"/>
+                <a:ea typeface="ＭＳ Ｐゴシック" charset="0"/>
+                <a:cs typeface="Arial" panose="020B0604020202020204" pitchFamily="34" charset="0"/>
+              </a:rPr>
+              <a:t> </a:t>
+            </a:r>
+            <a:r>
+              <a:rPr lang="en-US" sz="1200" b="0" i="0" u="none" strike="noStrike" kern="1200" baseline="0" dirty="0" smtClean="0">
+                <a:solidFill>
+                  <a:schemeClr val="tx1"/>
+                </a:solidFill>
+                <a:latin typeface="Arial" panose="020B0604020202020204" pitchFamily="34" charset="0"/>
+                <a:ea typeface="ＭＳ Ｐゴシック" charset="0"/>
+                <a:cs typeface="Arial" panose="020B0604020202020204" pitchFamily="34" charset="0"/>
+              </a:rPr>
+              <a:t>test, </a:t>
+            </a:r>
+            <a:r>
+              <a:rPr lang="en-US" sz="1200" b="0" i="0" u="none" strike="noStrike" kern="1200" baseline="0" dirty="0" smtClean="0">
+                <a:solidFill>
+                  <a:schemeClr val="tx1"/>
+                </a:solidFill>
+                <a:latin typeface="Arial" panose="020B0604020202020204" pitchFamily="34" charset="0"/>
+                <a:ea typeface="ＭＳ Ｐゴシック" charset="0"/>
+                <a:cs typeface="Arial" panose="020B0604020202020204" pitchFamily="34" charset="0"/>
+              </a:rPr>
+              <a:t>as shown on the </a:t>
+            </a:r>
+            <a:r>
+              <a:rPr lang="en-US" sz="1200" b="0" i="0" u="none" strike="noStrike" kern="1200" baseline="0" dirty="0" smtClean="0">
+                <a:solidFill>
+                  <a:schemeClr val="tx1"/>
+                </a:solidFill>
+                <a:latin typeface="Arial" panose="020B0604020202020204" pitchFamily="34" charset="0"/>
+                <a:ea typeface="ＭＳ Ｐゴシック" charset="0"/>
+                <a:cs typeface="Arial" panose="020B0604020202020204" pitchFamily="34" charset="0"/>
+              </a:rPr>
+              <a:t>right, </a:t>
+            </a:r>
+            <a:r>
+              <a:rPr lang="en-US" sz="1200" b="0" i="0" u="none" strike="noStrike" kern="1200" baseline="0" dirty="0" smtClean="0">
+                <a:solidFill>
+                  <a:schemeClr val="tx1"/>
+                </a:solidFill>
+                <a:latin typeface="Arial" panose="020B0604020202020204" pitchFamily="34" charset="0"/>
+                <a:ea typeface="ＭＳ Ｐゴシック" charset="0"/>
+                <a:cs typeface="Arial" panose="020B0604020202020204" pitchFamily="34" charset="0"/>
+              </a:rPr>
+              <a:t>and add it to a Chef Compliance custom profile. In this way you can subsequently use the custom profiles to scan nodes for password history compliance.</a:t>
+            </a:r>
+          </a:p>
+          <a:p>
+            <a:endParaRPr lang="nb-NO" sz="1200" b="0" i="0" u="none" strike="noStrike" kern="1200" baseline="0" dirty="0" smtClean="0">
+              <a:solidFill>
+                <a:schemeClr val="tx1"/>
+              </a:solidFill>
+              <a:latin typeface="Arial" panose="020B0604020202020204" pitchFamily="34" charset="0"/>
+              <a:ea typeface="ＭＳ Ｐゴシック" charset="0"/>
+              <a:cs typeface="Arial" panose="020B0604020202020204" pitchFamily="34" charset="0"/>
+            </a:endParaRPr>
           </a:p>
           <a:p>
             <a:endParaRPr lang="en-US" dirty="0"/>
@@ -2987,7 +2929,7 @@
     </p:spTree>
     <p:extLst>
       <p:ext uri="{BB962C8B-B14F-4D97-AF65-F5344CB8AC3E}">
-        <p14:creationId xmlns:p14="http://schemas.microsoft.com/office/powerpoint/2010/main" val="2578822014"/>
+        <p14:creationId xmlns:p14="http://schemas.microsoft.com/office/powerpoint/2010/main" val="1317243256"/>
       </p:ext>
     </p:extLst>
   </p:cSld>
@@ -3175,6 +3117,10 @@
           <a:bodyPr/>
           <a:lstStyle/>
           <a:p>
+            <a:r>
+              <a:rPr lang="en-US" dirty="0" smtClean="0"/>
+              <a:t>On your target node, create the directory for your new profile and then move into it.</a:t>
+            </a:r>
             <a:endParaRPr lang="en-US" dirty="0"/>
           </a:p>
         </p:txBody>
@@ -3255,7 +3201,7 @@
     </p:spTree>
     <p:extLst>
       <p:ext uri="{BB962C8B-B14F-4D97-AF65-F5344CB8AC3E}">
-        <p14:creationId xmlns:p14="http://schemas.microsoft.com/office/powerpoint/2010/main" val="3865287312"/>
+        <p14:creationId xmlns:p14="http://schemas.microsoft.com/office/powerpoint/2010/main" val="3149171153"/>
       </p:ext>
     </p:extLst>
   </p:cSld>
@@ -3311,28 +3257,7 @@
           <a:p>
             <a:r>
               <a:rPr lang="en-US" dirty="0" smtClean="0"/>
-              <a:t>TBD: Need to provide</a:t>
-            </a:r>
-            <a:r>
-              <a:rPr lang="en-US" baseline="0" dirty="0" smtClean="0"/>
-              <a:t> explanation on how to write this.</a:t>
-            </a:r>
-            <a:endParaRPr lang="en-US" dirty="0" smtClean="0"/>
-          </a:p>
-          <a:p>
-            <a:endParaRPr lang="en-US" dirty="0" smtClean="0"/>
-          </a:p>
-          <a:p>
-            <a:endParaRPr lang="en-US" dirty="0" smtClean="0"/>
-          </a:p>
-          <a:p>
-            <a:r>
-              <a:rPr lang="en-US" dirty="0" smtClean="0"/>
-              <a:t>For anything</a:t>
-            </a:r>
-            <a:r>
-              <a:rPr lang="en-US" baseline="0" dirty="0" smtClean="0"/>
-              <a:t> scored by CIS we'll score it 0.7. For anything not scored you should score it 0.0.</a:t>
+              <a:t>On your target node, create the directory for your new profile and then move into it.</a:t>
             </a:r>
             <a:endParaRPr lang="en-US" dirty="0"/>
           </a:p>
@@ -3414,7 +3339,7 @@
     </p:spTree>
     <p:extLst>
       <p:ext uri="{BB962C8B-B14F-4D97-AF65-F5344CB8AC3E}">
-        <p14:creationId xmlns:p14="http://schemas.microsoft.com/office/powerpoint/2010/main" val="1587686027"/>
+        <p14:creationId xmlns:p14="http://schemas.microsoft.com/office/powerpoint/2010/main" val="1688635634"/>
       </p:ext>
     </p:extLst>
   </p:cSld>
@@ -3465,143 +3390,45 @@
         </p:nvSpPr>
         <p:spPr/>
         <p:txBody>
-          <a:bodyPr>
-            <a:normAutofit fontScale="25000" lnSpcReduction="20000"/>
-          </a:bodyPr>
+          <a:bodyPr/>
           <a:lstStyle/>
           <a:p>
             <a:r>
               <a:rPr lang="en-US" dirty="0" smtClean="0"/>
-              <a:t>This is the kind of failure we should see</a:t>
+              <a:t>TBD:</a:t>
             </a:r>
             <a:r>
               <a:rPr lang="en-US" baseline="0" dirty="0" smtClean="0"/>
-              <a:t> because the </a:t>
-            </a:r>
-            <a:r>
-              <a:rPr lang="en-US" baseline="0" dirty="0" err="1" smtClean="0"/>
-              <a:t>umask</a:t>
-            </a:r>
+              <a:t> Naming conventions for `name` line? TBD check metadata name.</a:t>
+            </a:r>
+          </a:p>
+          <a:p>
+            <a:endParaRPr lang="en-US" baseline="0" dirty="0" smtClean="0"/>
+          </a:p>
+          <a:p>
+            <a:pPr marL="0" marR="0" indent="0" algn="l" defTabSz="1217613" rtl="0" eaLnBrk="1" fontAlgn="base" latinLnBrk="0" hangingPunct="1">
+              <a:lnSpc>
+                <a:spcPct val="90000"/>
+              </a:lnSpc>
+              <a:spcBef>
+                <a:spcPct val="30000"/>
+              </a:spcBef>
+              <a:spcAft>
+                <a:spcPts val="450"/>
+              </a:spcAft>
+              <a:buClrTx/>
+              <a:buSzTx/>
+              <a:buFontTx/>
+              <a:buNone/>
+              <a:tabLst/>
+              <a:defRPr/>
+            </a:pPr>
             <a:r>
               <a:rPr lang="en-US" baseline="0" dirty="0" smtClean="0"/>
-              <a:t> of the </a:t>
-            </a:r>
-            <a:r>
-              <a:rPr lang="en-US" sz="1200" dirty="0" smtClean="0"/>
-              <a:t>etc/</a:t>
-            </a:r>
-            <a:r>
-              <a:rPr lang="en-US" sz="1200" dirty="0" err="1" smtClean="0"/>
-              <a:t>sysconfig</a:t>
-            </a:r>
-            <a:r>
-              <a:rPr lang="en-US" sz="1200" dirty="0" smtClean="0"/>
-              <a:t>/</a:t>
-            </a:r>
-            <a:r>
-              <a:rPr lang="en-US" sz="1200" dirty="0" err="1" smtClean="0"/>
-              <a:t>init</a:t>
-            </a:r>
-            <a:r>
-              <a:rPr lang="en-US" sz="1200" dirty="0" smtClean="0"/>
-              <a:t> is</a:t>
-            </a:r>
-            <a:r>
-              <a:rPr lang="en-US" sz="1200" baseline="0" dirty="0" smtClean="0"/>
-              <a:t> not </a:t>
-            </a:r>
-            <a:r>
-              <a:rPr lang="en-US" sz="1200" dirty="0" smtClean="0"/>
-              <a:t>027.</a:t>
-            </a:r>
-          </a:p>
-          <a:p>
-            <a:endParaRPr lang="en-US" dirty="0" smtClean="0"/>
-          </a:p>
-          <a:p>
-            <a:r>
-              <a:rPr lang="en-US" dirty="0" smtClean="0"/>
-              <a:t>F</a:t>
-            </a:r>
-          </a:p>
-          <a:p>
-            <a:endParaRPr lang="en-US" dirty="0" smtClean="0"/>
-          </a:p>
-          <a:p>
-            <a:r>
-              <a:rPr lang="en-US" dirty="0" smtClean="0"/>
-              <a:t>Failures:</a:t>
-            </a:r>
-          </a:p>
-          <a:p>
-            <a:endParaRPr lang="en-US" dirty="0" smtClean="0"/>
-          </a:p>
-          <a:p>
-            <a:r>
-              <a:rPr lang="en-US" dirty="0" smtClean="0"/>
-              <a:t>  1) File /etc/</a:t>
-            </a:r>
-            <a:r>
-              <a:rPr lang="en-US" dirty="0" err="1" smtClean="0"/>
-              <a:t>sysconfig</a:t>
-            </a:r>
-            <a:r>
-              <a:rPr lang="en-US" dirty="0" smtClean="0"/>
-              <a:t>/</a:t>
-            </a:r>
-            <a:r>
-              <a:rPr lang="en-US" dirty="0" err="1" smtClean="0"/>
-              <a:t>init</a:t>
-            </a:r>
-            <a:r>
-              <a:rPr lang="en-US" dirty="0" smtClean="0"/>
-              <a:t> content should match "</a:t>
-            </a:r>
-            <a:r>
-              <a:rPr lang="en-US" dirty="0" err="1" smtClean="0"/>
-              <a:t>umask</a:t>
-            </a:r>
-            <a:r>
-              <a:rPr lang="en-US" dirty="0" smtClean="0"/>
-              <a:t> 027"</a:t>
-            </a:r>
-          </a:p>
-          <a:p>
-            <a:r>
-              <a:rPr lang="en-US" dirty="0" smtClean="0"/>
-              <a:t>     Failure/Error: its('content') {should match '</a:t>
-            </a:r>
-            <a:r>
-              <a:rPr lang="en-US" dirty="0" err="1" smtClean="0"/>
-              <a:t>umask</a:t>
-            </a:r>
-            <a:r>
-              <a:rPr lang="en-US" dirty="0" smtClean="0"/>
-              <a:t> 027'}</a:t>
-            </a:r>
-          </a:p>
-          <a:p>
-            <a:endParaRPr lang="en-US" dirty="0" smtClean="0"/>
-          </a:p>
-          <a:p>
-            <a:r>
-              <a:rPr lang="en-US" dirty="0" smtClean="0"/>
-              <a:t>Note: At the end of the output you  will see a reference to </a:t>
-            </a:r>
-            <a:r>
-              <a:rPr lang="en-US" dirty="0" err="1" smtClean="0"/>
-              <a:t>rspec</a:t>
-            </a:r>
-            <a:r>
-              <a:rPr lang="en-US" dirty="0" smtClean="0"/>
-              <a:t>.</a:t>
-            </a:r>
-            <a:r>
-              <a:rPr lang="en-US" baseline="0" dirty="0" smtClean="0"/>
-              <a:t> This is because </a:t>
-            </a:r>
-            <a:r>
-              <a:rPr lang="en-US" sz="1200" b="0" i="0" kern="1200" dirty="0" err="1" smtClean="0">
+              <a:t>Instructor Note: It seems that </a:t>
+            </a:r>
+            <a:r>
+              <a:rPr lang="en-US" sz="1200" b="0" i="0" kern="1200" dirty="0" smtClean="0">
                 <a:solidFill>
                   <a:schemeClr val="tx1"/>
                 </a:solidFill>
@@ -3610,7 +3437,23 @@
                 <a:ea typeface="ＭＳ Ｐゴシック" charset="0"/>
                 <a:cs typeface="Arial" panose="020B0604020202020204" pitchFamily="34" charset="0"/>
               </a:rPr>
-              <a:t>inspec</a:t>
+              <a:t>in the </a:t>
+            </a:r>
+            <a:r>
+              <a:rPr lang="en-US" dirty="0" smtClean="0">
+                <a:effectLst/>
+              </a:rPr>
+              <a:t>`</a:t>
+            </a:r>
+            <a:r>
+              <a:rPr lang="en-US" dirty="0" smtClean="0"/>
+              <a:t>name</a:t>
+            </a:r>
+            <a:r>
+              <a:rPr lang="en-US" dirty="0" smtClean="0">
+                <a:effectLst/>
+              </a:rPr>
+              <a:t>`</a:t>
             </a:r>
             <a:r>
               <a:rPr lang="en-US" sz="1200" b="0" i="0" kern="1200" dirty="0" smtClean="0">
@@ -3622,10 +3465,10 @@
                 <a:ea typeface="ＭＳ Ｐゴシック" charset="0"/>
                 <a:cs typeface="Arial" panose="020B0604020202020204" pitchFamily="34" charset="0"/>
               </a:rPr>
-              <a:t> is based on </a:t>
-            </a:r>
-            <a:r>
-              <a:rPr lang="en-US" sz="1200" b="0" i="0" kern="1200" dirty="0" err="1" smtClean="0">
+              <a:t> line in metadata.rb,</a:t>
+            </a:r>
+            <a:r>
+              <a:rPr lang="en-US" sz="1200" b="0" i="0" kern="1200" baseline="0" dirty="0" smtClean="0">
                 <a:solidFill>
                   <a:schemeClr val="tx1"/>
                 </a:solidFill>
@@ -3634,7 +3477,7 @@
                 <a:ea typeface="ＭＳ Ｐゴシック" charset="0"/>
                 <a:cs typeface="Arial" panose="020B0604020202020204" pitchFamily="34" charset="0"/>
               </a:rPr>
-              <a:t>rspec</a:t>
+              <a:t> the Compliance code </a:t>
             </a:r>
             <a:r>
               <a:rPr lang="en-US" sz="1200" b="0" i="0" kern="1200" dirty="0" smtClean="0">
@@ -3646,649 +3489,23 @@
                 <a:ea typeface="ＭＳ Ｐゴシック" charset="0"/>
                 <a:cs typeface="Arial" panose="020B0604020202020204" pitchFamily="34" charset="0"/>
               </a:rPr>
-              <a:t>.</a:t>
-            </a:r>
-          </a:p>
-          <a:p>
-            <a:endParaRPr lang="en-US" dirty="0" smtClean="0"/>
-          </a:p>
-          <a:p>
-            <a:r>
-              <a:rPr lang="en-US" dirty="0" smtClean="0"/>
-              <a:t>       expected "# color =&gt; new RH6.0 </a:t>
-            </a:r>
-            <a:r>
-              <a:rPr lang="en-US" dirty="0" err="1" smtClean="0"/>
-              <a:t>bootup</a:t>
-            </a:r>
-            <a:r>
-              <a:rPr lang="en-US" dirty="0" smtClean="0"/>
-              <a:t>\n# verbose =&gt; old-style </a:t>
-            </a:r>
-            <a:r>
-              <a:rPr lang="en-US" dirty="0" err="1" smtClean="0"/>
-              <a:t>bootup</a:t>
-            </a:r>
-            <a:r>
-              <a:rPr lang="en-US" dirty="0" smtClean="0"/>
-              <a:t>\n# anything else =&gt; new style </a:t>
-            </a:r>
-            <a:r>
-              <a:rPr lang="en-US" dirty="0" err="1" smtClean="0"/>
-              <a:t>bootup</a:t>
-            </a:r>
-            <a:r>
-              <a:rPr lang="en-US" dirty="0" smtClean="0"/>
-              <a:t> without ANSI colors or positioning\</a:t>
-            </a:r>
-            <a:r>
-              <a:rPr lang="en-US" dirty="0" err="1" smtClean="0"/>
-              <a:t>nBOOTUP</a:t>
-            </a:r>
-            <a:r>
-              <a:rPr lang="en-US" dirty="0" smtClean="0"/>
-              <a:t>=color\n# column to start \"[  OK  ]\" label in \</a:t>
-            </a:r>
-            <a:r>
-              <a:rPr lang="en-US" dirty="0" err="1" smtClean="0"/>
-              <a:t>nRES_COL</a:t>
-            </a:r>
-            <a:r>
-              <a:rPr lang="en-US" dirty="0" smtClean="0"/>
-              <a:t>=60\n# terminal sequence to move to that column. You could change this\n# to something like \"</a:t>
-            </a:r>
-            <a:r>
-              <a:rPr lang="en-US" dirty="0" err="1" smtClean="0"/>
-              <a:t>tput</a:t>
-            </a:r>
-            <a:r>
-              <a:rPr lang="en-US" dirty="0" smtClean="0"/>
-              <a:t> </a:t>
-            </a:r>
-            <a:r>
-              <a:rPr lang="en-US" dirty="0" err="1" smtClean="0"/>
-              <a:t>hpa</a:t>
-            </a:r>
-            <a:r>
-              <a:rPr lang="en-US" dirty="0" smtClean="0"/>
-              <a:t> ${RES_COL}\" if your terminal supports it\</a:t>
-            </a:r>
-            <a:r>
-              <a:rPr lang="en-US" dirty="0" err="1" smtClean="0"/>
-              <a:t>nMOVE_TO_COL</a:t>
-            </a:r>
-            <a:r>
-              <a:rPr lang="en-US" dirty="0" smtClean="0"/>
-              <a:t>=\"echo -</a:t>
-            </a:r>
-            <a:r>
-              <a:rPr lang="en-US" dirty="0" err="1" smtClean="0"/>
-              <a:t>en</a:t>
-            </a:r>
-            <a:r>
-              <a:rPr lang="en-US" dirty="0" smtClean="0"/>
-              <a:t> \\\\033[${RES_COL}G\"\n# terminal sequence to set color to a 'success' color (currently: green)\</a:t>
-            </a:r>
-            <a:r>
-              <a:rPr lang="en-US" dirty="0" err="1" smtClean="0"/>
-              <a:t>nSETCOLOR_SUCCESS</a:t>
-            </a:r>
-            <a:r>
-              <a:rPr lang="en-US" dirty="0" smtClean="0"/>
-              <a:t>=\"echo -</a:t>
-            </a:r>
-            <a:r>
-              <a:rPr lang="en-US" dirty="0" err="1" smtClean="0"/>
-              <a:t>en</a:t>
-            </a:r>
-            <a:r>
-              <a:rPr lang="en-US" dirty="0" smtClean="0"/>
-              <a:t> \\\\033[0;32m\"\n# terminal sequence to set color to a 'failure' color (currently: red)\</a:t>
-            </a:r>
-            <a:r>
-              <a:rPr lang="en-US" dirty="0" err="1" smtClean="0"/>
-              <a:t>nSETCOLOR_FAILURE</a:t>
-            </a:r>
-            <a:r>
-              <a:rPr lang="en-US" dirty="0" smtClean="0"/>
-              <a:t>=\"echo -</a:t>
-            </a:r>
-            <a:r>
-              <a:rPr lang="en-US" dirty="0" err="1" smtClean="0"/>
-              <a:t>en</a:t>
-            </a:r>
-            <a:r>
-              <a:rPr lang="en-US" dirty="0" smtClean="0"/>
-              <a:t> \\\\033[0;31m\"\n# terminal sequence to set color to a 'warning' color (currently: yellow)\</a:t>
-            </a:r>
-            <a:r>
-              <a:rPr lang="en-US" dirty="0" err="1" smtClean="0"/>
-              <a:t>nSETCOLOR_WARNING</a:t>
-            </a:r>
-            <a:r>
-              <a:rPr lang="en-US" dirty="0" smtClean="0"/>
-              <a:t>=\"echo -</a:t>
-            </a:r>
-            <a:r>
-              <a:rPr lang="en-US" dirty="0" err="1" smtClean="0"/>
-              <a:t>en</a:t>
-            </a:r>
-            <a:r>
-              <a:rPr lang="en-US" dirty="0" smtClean="0"/>
-              <a:t> \\\\033[0;33m\"\n# terminal sequence to reset to the default color.\</a:t>
-            </a:r>
-            <a:r>
-              <a:rPr lang="en-US" dirty="0" err="1" smtClean="0"/>
-              <a:t>nSETCOLOR_NORMAL</a:t>
-            </a:r>
-            <a:r>
-              <a:rPr lang="en-US" dirty="0" smtClean="0"/>
-              <a:t>=\"echo -</a:t>
-            </a:r>
-            <a:r>
-              <a:rPr lang="en-US" dirty="0" err="1" smtClean="0"/>
-              <a:t>en</a:t>
-            </a:r>
-            <a:r>
-              <a:rPr lang="en-US" dirty="0" smtClean="0"/>
-              <a:t> \\\\033[0;39m\"\n# Set to anything other than 'no' to allow hotkey interactive startup...\</a:t>
-            </a:r>
-            <a:r>
-              <a:rPr lang="en-US" dirty="0" err="1" smtClean="0"/>
-              <a:t>nPROMPT</a:t>
-            </a:r>
-            <a:r>
-              <a:rPr lang="en-US" dirty="0" smtClean="0"/>
-              <a:t>=yes\n# Set to 'yes' to allow probing for devices with swap signatures\</a:t>
-            </a:r>
-            <a:r>
-              <a:rPr lang="en-US" dirty="0" err="1" smtClean="0"/>
-              <a:t>nAUTOSWAP</a:t>
-            </a:r>
-            <a:r>
-              <a:rPr lang="en-US" dirty="0" smtClean="0"/>
-              <a:t>=no\n# What </a:t>
-            </a:r>
-            <a:r>
-              <a:rPr lang="en-US" dirty="0" err="1" smtClean="0"/>
-              <a:t>ttys</a:t>
-            </a:r>
-            <a:r>
-              <a:rPr lang="en-US" dirty="0" smtClean="0"/>
-              <a:t> should </a:t>
-            </a:r>
-            <a:r>
-              <a:rPr lang="en-US" dirty="0" err="1" smtClean="0"/>
-              <a:t>gettys</a:t>
-            </a:r>
-            <a:r>
-              <a:rPr lang="en-US" dirty="0" smtClean="0"/>
-              <a:t> be started on?\</a:t>
-            </a:r>
-            <a:r>
-              <a:rPr lang="en-US" dirty="0" err="1" smtClean="0"/>
-              <a:t>nACTIVE_CONSOLES</a:t>
-            </a:r>
-            <a:r>
-              <a:rPr lang="en-US" dirty="0" smtClean="0"/>
-              <a:t>=/dev/tty1\n# Set to '/</a:t>
-            </a:r>
-            <a:r>
-              <a:rPr lang="en-US" dirty="0" err="1" smtClean="0"/>
-              <a:t>sbin</a:t>
+              <a:t>treats anything before the first </a:t>
+            </a:r>
+            <a:r>
+              <a:rPr lang="en-US" dirty="0" smtClean="0">
+                <a:effectLst/>
+              </a:rPr>
+              <a:t>`</a:t>
             </a:r>
             <a:r>
               <a:rPr lang="en-US" dirty="0" smtClean="0"/>
               <a:t>/</a:t>
             </a:r>
             <a:r>
-              <a:rPr lang="en-US" dirty="0" err="1" smtClean="0"/>
-              <a:t>sulogin</a:t>
-            </a:r>
-            <a:r>
-              <a:rPr lang="en-US" dirty="0" smtClean="0"/>
-              <a:t>' to prompt for password on single-user mode\n# Set to '/</a:t>
-            </a:r>
-            <a:r>
-              <a:rPr lang="en-US" dirty="0" err="1" smtClean="0"/>
-              <a:t>sbin</a:t>
-            </a:r>
-            <a:r>
-              <a:rPr lang="en-US" dirty="0" smtClean="0"/>
-              <a:t>/</a:t>
-            </a:r>
-            <a:r>
-              <a:rPr lang="en-US" dirty="0" err="1" smtClean="0"/>
-              <a:t>sushell</a:t>
-            </a:r>
-            <a:r>
-              <a:rPr lang="en-US" dirty="0" smtClean="0"/>
-              <a:t>' otherwise\</a:t>
-            </a:r>
-            <a:r>
-              <a:rPr lang="en-US" dirty="0" err="1" smtClean="0"/>
-              <a:t>nSINGLE</a:t>
-            </a:r>
-            <a:r>
-              <a:rPr lang="en-US" dirty="0" smtClean="0"/>
-              <a:t>=/</a:t>
-            </a:r>
-            <a:r>
-              <a:rPr lang="en-US" dirty="0" err="1" smtClean="0"/>
-              <a:t>sbin</a:t>
-            </a:r>
-            <a:r>
-              <a:rPr lang="en-US" dirty="0" smtClean="0"/>
-              <a:t>/</a:t>
-            </a:r>
-            <a:r>
-              <a:rPr lang="en-US" dirty="0" err="1" smtClean="0"/>
-              <a:t>sushell</a:t>
-            </a:r>
-            <a:r>
-              <a:rPr lang="en-US" dirty="0" smtClean="0"/>
-              <a:t>\n" to match "</a:t>
-            </a:r>
-            <a:r>
-              <a:rPr lang="en-US" dirty="0" err="1" smtClean="0"/>
-              <a:t>umask</a:t>
-            </a:r>
-            <a:r>
-              <a:rPr lang="en-US" dirty="0" smtClean="0"/>
-              <a:t> 027"</a:t>
-            </a:r>
-          </a:p>
-          <a:p>
-            <a:r>
-              <a:rPr lang="en-US" dirty="0" smtClean="0"/>
-              <a:t>       Diff:</a:t>
-            </a:r>
-          </a:p>
-          <a:p>
-            <a:r>
-              <a:rPr lang="en-US" dirty="0" smtClean="0"/>
-              <a:t>       @@ -1,2 +1,27 @@</a:t>
-            </a:r>
-          </a:p>
-          <a:p>
-            <a:r>
-              <a:rPr lang="en-US" dirty="0" smtClean="0"/>
-              <a:t>       -</a:t>
-            </a:r>
-            <a:r>
-              <a:rPr lang="en-US" dirty="0" err="1" smtClean="0"/>
-              <a:t>umask</a:t>
-            </a:r>
-            <a:r>
-              <a:rPr lang="en-US" dirty="0" smtClean="0"/>
-              <a:t> 027</a:t>
-            </a:r>
-          </a:p>
-          <a:p>
-            <a:r>
-              <a:rPr lang="en-US" dirty="0" smtClean="0"/>
-              <a:t>       +# color =&gt; new RH6.0 </a:t>
-            </a:r>
-            <a:r>
-              <a:rPr lang="en-US" dirty="0" err="1" smtClean="0"/>
-              <a:t>bootup</a:t>
-            </a:r>
-            <a:endParaRPr lang="en-US" dirty="0" smtClean="0"/>
-          </a:p>
-          <a:p>
-            <a:r>
-              <a:rPr lang="en-US" dirty="0" smtClean="0"/>
-              <a:t>       +# verbose =&gt; old-style </a:t>
-            </a:r>
-            <a:r>
-              <a:rPr lang="en-US" dirty="0" err="1" smtClean="0"/>
-              <a:t>bootup</a:t>
-            </a:r>
-            <a:endParaRPr lang="en-US" dirty="0" smtClean="0"/>
-          </a:p>
-          <a:p>
-            <a:r>
-              <a:rPr lang="en-US" dirty="0" smtClean="0"/>
-              <a:t>       +# anything else =&gt; new style </a:t>
-            </a:r>
-            <a:r>
-              <a:rPr lang="en-US" dirty="0" err="1" smtClean="0"/>
-              <a:t>bootup</a:t>
-            </a:r>
-            <a:r>
-              <a:rPr lang="en-US" dirty="0" smtClean="0"/>
-              <a:t> without ANSI colors or positioning</a:t>
-            </a:r>
-          </a:p>
-          <a:p>
-            <a:r>
-              <a:rPr lang="en-US" dirty="0" smtClean="0"/>
-              <a:t>       +BOOTUP=color</a:t>
-            </a:r>
-          </a:p>
-          <a:p>
-            <a:r>
-              <a:rPr lang="en-US" dirty="0" smtClean="0"/>
-              <a:t>       +# column to start "[  OK  ]" label in</a:t>
-            </a:r>
-          </a:p>
-          <a:p>
-            <a:r>
-              <a:rPr lang="en-US" dirty="0" smtClean="0"/>
-              <a:t>       +RES_COL=60</a:t>
-            </a:r>
-          </a:p>
-          <a:p>
-            <a:r>
-              <a:rPr lang="en-US" dirty="0" smtClean="0"/>
-              <a:t>       +# terminal sequence to move to that column. You could change this</a:t>
-            </a:r>
-          </a:p>
-          <a:p>
-            <a:r>
-              <a:rPr lang="en-US" dirty="0" smtClean="0"/>
-              <a:t>       +# to something like "</a:t>
-            </a:r>
-            <a:r>
-              <a:rPr lang="en-US" dirty="0" err="1" smtClean="0"/>
-              <a:t>tput</a:t>
-            </a:r>
-            <a:r>
-              <a:rPr lang="en-US" dirty="0" smtClean="0"/>
-              <a:t> </a:t>
-            </a:r>
-            <a:r>
-              <a:rPr lang="en-US" dirty="0" err="1" smtClean="0"/>
-              <a:t>hpa</a:t>
-            </a:r>
-            <a:r>
-              <a:rPr lang="en-US" dirty="0" smtClean="0"/>
-              <a:t> ${RES_COL}" if your terminal supports it</a:t>
-            </a:r>
-          </a:p>
-          <a:p>
-            <a:r>
-              <a:rPr lang="en-US" dirty="0" smtClean="0"/>
-              <a:t>       +MOVE_TO_COL="echo -</a:t>
-            </a:r>
-            <a:r>
-              <a:rPr lang="en-US" dirty="0" err="1" smtClean="0"/>
-              <a:t>en</a:t>
-            </a:r>
-            <a:r>
-              <a:rPr lang="en-US" dirty="0" smtClean="0"/>
-              <a:t> \\033[${RES_COL}G"</a:t>
-            </a:r>
-          </a:p>
-          <a:p>
-            <a:r>
-              <a:rPr lang="en-US" dirty="0" smtClean="0"/>
-              <a:t>       +# terminal sequence to set color to a 'success' color (currently: green)</a:t>
-            </a:r>
-          </a:p>
-          <a:p>
-            <a:r>
-              <a:rPr lang="en-US" dirty="0" smtClean="0"/>
-              <a:t>       +SETCOLOR_SUCCESS="echo -</a:t>
-            </a:r>
-            <a:r>
-              <a:rPr lang="en-US" dirty="0" err="1" smtClean="0"/>
-              <a:t>en</a:t>
-            </a:r>
-            <a:r>
-              <a:rPr lang="en-US" dirty="0" smtClean="0"/>
-              <a:t> \\033[0;32m"</a:t>
-            </a:r>
-          </a:p>
-          <a:p>
-            <a:r>
-              <a:rPr lang="en-US" dirty="0" smtClean="0"/>
-              <a:t>       +# terminal sequence to set color to a 'failure' color (currently: red)</a:t>
-            </a:r>
-          </a:p>
-          <a:p>
-            <a:r>
-              <a:rPr lang="en-US" dirty="0" smtClean="0"/>
-              <a:t>       +SETCOLOR_FAILURE="echo -</a:t>
-            </a:r>
-            <a:r>
-              <a:rPr lang="en-US" dirty="0" err="1" smtClean="0"/>
-              <a:t>en</a:t>
-            </a:r>
-            <a:r>
-              <a:rPr lang="en-US" dirty="0" smtClean="0"/>
-              <a:t> \\033[0;31m"</a:t>
-            </a:r>
-          </a:p>
-          <a:p>
-            <a:r>
-              <a:rPr lang="en-US" dirty="0" smtClean="0"/>
-              <a:t>       +# terminal sequence to set color to a 'warning' color (currently: yellow)</a:t>
-            </a:r>
-          </a:p>
-          <a:p>
-            <a:r>
-              <a:rPr lang="en-US" dirty="0" smtClean="0"/>
-              <a:t>       +SETCOLOR_WARNING="echo -</a:t>
-            </a:r>
-            <a:r>
-              <a:rPr lang="en-US" dirty="0" err="1" smtClean="0"/>
-              <a:t>en</a:t>
-            </a:r>
-            <a:r>
-              <a:rPr lang="en-US" dirty="0" smtClean="0"/>
-              <a:t> \\033[0;33m"</a:t>
-            </a:r>
-          </a:p>
-          <a:p>
-            <a:r>
-              <a:rPr lang="en-US" dirty="0" smtClean="0"/>
-              <a:t>       +# terminal sequence to reset to the default color.</a:t>
-            </a:r>
-          </a:p>
-          <a:p>
-            <a:r>
-              <a:rPr lang="en-US" dirty="0" smtClean="0"/>
-              <a:t>       +SETCOLOR_NORMAL="echo -</a:t>
-            </a:r>
-            <a:r>
-              <a:rPr lang="en-US" dirty="0" err="1" smtClean="0"/>
-              <a:t>en</a:t>
-            </a:r>
-            <a:r>
-              <a:rPr lang="en-US" dirty="0" smtClean="0"/>
-              <a:t> \\033[0;39m"</a:t>
-            </a:r>
-          </a:p>
-          <a:p>
-            <a:r>
-              <a:rPr lang="en-US" dirty="0" smtClean="0"/>
-              <a:t>       +# Set to anything other than 'no' to allow hotkey interactive startup...</a:t>
-            </a:r>
-          </a:p>
-          <a:p>
-            <a:r>
-              <a:rPr lang="en-US" dirty="0" smtClean="0"/>
-              <a:t>       +PROMPT=yes</a:t>
-            </a:r>
-          </a:p>
-          <a:p>
-            <a:r>
-              <a:rPr lang="en-US" dirty="0" smtClean="0"/>
-              <a:t>       +# Set to 'yes' to allow probing for devices with swap signatures</a:t>
-            </a:r>
-          </a:p>
-          <a:p>
-            <a:r>
-              <a:rPr lang="en-US" dirty="0" smtClean="0"/>
-              <a:t>       +AUTOSWAP=no</a:t>
-            </a:r>
-          </a:p>
-          <a:p>
-            <a:r>
-              <a:rPr lang="en-US" dirty="0" smtClean="0"/>
-              <a:t>       +# What </a:t>
-            </a:r>
-            <a:r>
-              <a:rPr lang="en-US" dirty="0" err="1" smtClean="0"/>
-              <a:t>ttys</a:t>
-            </a:r>
-            <a:r>
-              <a:rPr lang="en-US" dirty="0" smtClean="0"/>
-              <a:t> should </a:t>
-            </a:r>
-            <a:r>
-              <a:rPr lang="en-US" dirty="0" err="1" smtClean="0"/>
-              <a:t>gettys</a:t>
-            </a:r>
-            <a:r>
-              <a:rPr lang="en-US" dirty="0" smtClean="0"/>
-              <a:t> be started on?</a:t>
-            </a:r>
-          </a:p>
-          <a:p>
-            <a:r>
-              <a:rPr lang="en-US" dirty="0" smtClean="0"/>
-              <a:t>       +ACTIVE_CONSOLES=/dev/tty1</a:t>
-            </a:r>
-          </a:p>
-          <a:p>
-            <a:r>
-              <a:rPr lang="en-US" dirty="0" smtClean="0"/>
-              <a:t>       +# Set to '/</a:t>
-            </a:r>
-            <a:r>
-              <a:rPr lang="en-US" dirty="0" err="1" smtClean="0"/>
-              <a:t>sbin</a:t>
-            </a:r>
-            <a:r>
-              <a:rPr lang="en-US" dirty="0" smtClean="0"/>
-              <a:t>/</a:t>
-            </a:r>
-            <a:r>
-              <a:rPr lang="en-US" dirty="0" err="1" smtClean="0"/>
-              <a:t>sulogin</a:t>
-            </a:r>
-            <a:r>
-              <a:rPr lang="en-US" dirty="0" smtClean="0"/>
-              <a:t>' to prompt for password on single-user mode</a:t>
-            </a:r>
-          </a:p>
-          <a:p>
-            <a:r>
-              <a:rPr lang="en-US" dirty="0" smtClean="0"/>
-              <a:t>       +# Set to '/</a:t>
-            </a:r>
-            <a:r>
-              <a:rPr lang="en-US" dirty="0" err="1" smtClean="0"/>
-              <a:t>sbin</a:t>
-            </a:r>
-            <a:r>
-              <a:rPr lang="en-US" dirty="0" smtClean="0"/>
-              <a:t>/</a:t>
-            </a:r>
-            <a:r>
-              <a:rPr lang="en-US" dirty="0" err="1" smtClean="0"/>
-              <a:t>sushell</a:t>
-            </a:r>
-            <a:r>
-              <a:rPr lang="en-US" dirty="0" smtClean="0"/>
-              <a:t>' otherwise</a:t>
-            </a:r>
-          </a:p>
-          <a:p>
-            <a:r>
-              <a:rPr lang="en-US" dirty="0" smtClean="0"/>
-              <a:t>       +SINGLE=/</a:t>
-            </a:r>
-            <a:r>
-              <a:rPr lang="en-US" dirty="0" err="1" smtClean="0"/>
-              <a:t>sbin</a:t>
-            </a:r>
-            <a:r>
-              <a:rPr lang="en-US" dirty="0" smtClean="0"/>
-              <a:t>/</a:t>
-            </a:r>
-            <a:r>
-              <a:rPr lang="en-US" dirty="0" err="1" smtClean="0"/>
-              <a:t>sushell</a:t>
-            </a:r>
-            <a:endParaRPr lang="en-US" dirty="0" smtClean="0"/>
-          </a:p>
-          <a:p>
-            <a:r>
-              <a:rPr lang="en-US" dirty="0" smtClean="0"/>
-              <a:t>     # cis31.rb:5:in `block (3 levels) in load'</a:t>
-            </a:r>
-          </a:p>
-          <a:p>
-            <a:endParaRPr lang="en-US" dirty="0" smtClean="0"/>
-          </a:p>
-          <a:p>
-            <a:r>
-              <a:rPr lang="en-US" dirty="0" smtClean="0"/>
-              <a:t>Finished in 0.03515 seconds (files took 0.50435 seconds to load)</a:t>
-            </a:r>
-          </a:p>
-          <a:p>
-            <a:r>
-              <a:rPr lang="en-US" dirty="0" smtClean="0"/>
-              <a:t>1 example, 1 failure</a:t>
-            </a:r>
-          </a:p>
-          <a:p>
-            <a:endParaRPr lang="en-US" dirty="0" smtClean="0"/>
-          </a:p>
-          <a:p>
-            <a:r>
-              <a:rPr lang="en-US" dirty="0" smtClean="0"/>
-              <a:t>Failed examples:</a:t>
-            </a:r>
-          </a:p>
-          <a:p>
-            <a:endParaRPr lang="en-US" dirty="0" smtClean="0"/>
-          </a:p>
-          <a:p>
-            <a:r>
-              <a:rPr lang="en-US" dirty="0" err="1" smtClean="0"/>
-              <a:t>rspec</a:t>
-            </a:r>
-            <a:r>
-              <a:rPr lang="en-US" dirty="0" smtClean="0"/>
-              <a:t>  # File /etc/</a:t>
-            </a:r>
-            <a:r>
-              <a:rPr lang="en-US" dirty="0" err="1" smtClean="0"/>
-              <a:t>sysconfig</a:t>
-            </a:r>
-            <a:r>
-              <a:rPr lang="en-US" dirty="0" smtClean="0"/>
-              <a:t>/</a:t>
-            </a:r>
-            <a:r>
-              <a:rPr lang="en-US" dirty="0" err="1" smtClean="0"/>
-              <a:t>init</a:t>
-            </a:r>
-            <a:r>
-              <a:rPr lang="en-US" dirty="0" smtClean="0"/>
-              <a:t> content should match "</a:t>
-            </a:r>
-            <a:r>
-              <a:rPr lang="en-US" dirty="0" err="1" smtClean="0"/>
-              <a:t>umask</a:t>
-            </a:r>
-            <a:r>
-              <a:rPr lang="en-US" dirty="0" smtClean="0"/>
-              <a:t> 027"</a:t>
-            </a:r>
-          </a:p>
-          <a:p>
-            <a:endParaRPr lang="en-US" dirty="0" smtClean="0"/>
-          </a:p>
-          <a:p>
-            <a:r>
-              <a:rPr lang="en-US" dirty="0" smtClean="0"/>
-              <a:t>Note: The references to color i</a:t>
+              <a:rPr lang="en-US" dirty="0" smtClean="0">
+                <a:effectLst/>
+              </a:rPr>
+              <a:t>`</a:t>
             </a:r>
             <a:r>
               <a:rPr lang="en-US" sz="1200" b="0" i="0" kern="1200" dirty="0" smtClean="0">
@@ -4300,48 +3517,91 @@
                 <a:ea typeface="ＭＳ Ｐゴシック" charset="0"/>
                 <a:cs typeface="Arial" panose="020B0604020202020204" pitchFamily="34" charset="0"/>
               </a:rPr>
-              <a:t>s just </a:t>
-            </a:r>
-            <a:r>
-              <a:rPr lang="en-US" sz="1200" b="0" i="0" kern="1200" dirty="0" err="1" smtClean="0">
-                <a:solidFill>
-                  <a:schemeClr val="tx1"/>
-                </a:solidFill>
-                <a:effectLst/>
-                <a:latin typeface="Arial" panose="020B0604020202020204" pitchFamily="34" charset="0"/>
-                <a:ea typeface="ＭＳ Ｐゴシック" charset="0"/>
-                <a:cs typeface="Arial" panose="020B0604020202020204" pitchFamily="34" charset="0"/>
-              </a:rPr>
-              <a:t>inspec</a:t>
-            </a:r>
-            <a:r>
-              <a:rPr lang="en-US" sz="1200" b="0" i="0" kern="1200" dirty="0" smtClean="0">
-                <a:solidFill>
-                  <a:schemeClr val="tx1"/>
-                </a:solidFill>
-                <a:effectLst/>
-                <a:latin typeface="Arial" panose="020B0604020202020204" pitchFamily="34" charset="0"/>
-                <a:ea typeface="ＭＳ Ｐゴシック" charset="0"/>
-                <a:cs typeface="Arial" panose="020B0604020202020204" pitchFamily="34" charset="0"/>
-              </a:rPr>
-              <a:t> reading the contents of the file you are checking, even though you aren't testing for</a:t>
-            </a:r>
-            <a:r>
-              <a:rPr lang="en-US" sz="1200" b="0" i="0" kern="1200" baseline="0" dirty="0" smtClean="0">
-                <a:solidFill>
-                  <a:schemeClr val="tx1"/>
-                </a:solidFill>
-                <a:effectLst/>
-                <a:latin typeface="Arial" panose="020B0604020202020204" pitchFamily="34" charset="0"/>
-                <a:ea typeface="ＭＳ Ｐゴシック" charset="0"/>
-                <a:cs typeface="Arial" panose="020B0604020202020204" pitchFamily="34" charset="0"/>
-              </a:rPr>
-              <a:t> color.</a:t>
-            </a:r>
+              <a:t> as the username variable. For example, </a:t>
+            </a:r>
+            <a:r>
+              <a:rPr lang="en-US" b="0" dirty="0" smtClean="0"/>
+              <a:t>name '</a:t>
+            </a:r>
+            <a:r>
+              <a:rPr lang="en-US" b="0" dirty="0" err="1" smtClean="0"/>
+              <a:t>fooooo</a:t>
+            </a:r>
+            <a:r>
+              <a:rPr lang="en-US" b="0" dirty="0" smtClean="0"/>
+              <a:t>/profile-cis-3.1' will appear as `admin/profile-cis-3.1`</a:t>
+            </a:r>
+            <a:r>
+              <a:rPr lang="en-US" b="0" baseline="0" dirty="0" smtClean="0"/>
+              <a:t> in the UI if the user who uploaded that profile was the `admin` user.</a:t>
+            </a:r>
+            <a:endParaRPr lang="en-US" b="1" dirty="0" smtClean="0"/>
+          </a:p>
+          <a:p>
+            <a:pPr marL="0" marR="0" indent="0" algn="l" defTabSz="1217613" rtl="0" eaLnBrk="1" fontAlgn="base" latinLnBrk="0" hangingPunct="1">
+              <a:lnSpc>
+                <a:spcPct val="90000"/>
+              </a:lnSpc>
+              <a:spcBef>
+                <a:spcPct val="30000"/>
+              </a:spcBef>
+              <a:spcAft>
+                <a:spcPts val="450"/>
+              </a:spcAft>
+              <a:buClrTx/>
+              <a:buSzTx/>
+              <a:buFontTx/>
+              <a:buNone/>
+              <a:tabLst/>
+              <a:defRPr/>
+            </a:pPr>
+            <a:endParaRPr lang="en-US" b="1" dirty="0" smtClean="0"/>
+          </a:p>
+          <a:p>
             <a:endParaRPr lang="en-US" dirty="0" smtClean="0"/>
           </a:p>
           <a:p>
+            <a:pPr marL="0" marR="0" indent="0" algn="l" defTabSz="1217613" rtl="0" eaLnBrk="1" fontAlgn="base" latinLnBrk="0" hangingPunct="1">
+              <a:lnSpc>
+                <a:spcPct val="90000"/>
+              </a:lnSpc>
+              <a:spcBef>
+                <a:spcPct val="30000"/>
+              </a:spcBef>
+              <a:spcAft>
+                <a:spcPts val="450"/>
+              </a:spcAft>
+              <a:buClrTx/>
+              <a:buSzTx/>
+              <a:buFontTx/>
+              <a:buNone/>
+              <a:tabLst/>
+              <a:defRPr/>
+            </a:pPr>
             <a:endParaRPr lang="en-US" dirty="0" smtClean="0"/>
+          </a:p>
+          <a:p>
+            <a:pPr marL="0" marR="0" indent="0" algn="l" defTabSz="1217613" rtl="0" eaLnBrk="1" fontAlgn="base" latinLnBrk="0" hangingPunct="1">
+              <a:lnSpc>
+                <a:spcPct val="90000"/>
+              </a:lnSpc>
+              <a:spcBef>
+                <a:spcPct val="30000"/>
+              </a:spcBef>
+              <a:spcAft>
+                <a:spcPts val="450"/>
+              </a:spcAft>
+              <a:buClrTx/>
+              <a:buSzTx/>
+              <a:buFontTx/>
+              <a:buNone/>
+              <a:tabLst/>
+              <a:defRPr/>
+            </a:pPr>
+            <a:endParaRPr lang="en-US" dirty="0" smtClean="0"/>
+          </a:p>
+          <a:p>
+            <a:endParaRPr lang="en-US" dirty="0"/>
           </a:p>
         </p:txBody>
       </p:sp>
@@ -4421,7 +3681,7 @@
     </p:spTree>
     <p:extLst>
       <p:ext uri="{BB962C8B-B14F-4D97-AF65-F5344CB8AC3E}">
-        <p14:creationId xmlns:p14="http://schemas.microsoft.com/office/powerpoint/2010/main" val="2295904465"/>
+        <p14:creationId xmlns:p14="http://schemas.microsoft.com/office/powerpoint/2010/main" val="2578822014"/>
       </p:ext>
     </p:extLst>
   </p:cSld>
@@ -4475,88 +3735,6 @@
           <a:bodyPr/>
           <a:lstStyle/>
           <a:p>
-            <a:pPr marL="0" marR="0" indent="0" algn="l" defTabSz="1217613" rtl="0" eaLnBrk="1" fontAlgn="base" latinLnBrk="0" hangingPunct="1">
-              <a:lnSpc>
-                <a:spcPct val="90000"/>
-              </a:lnSpc>
-              <a:spcBef>
-                <a:spcPct val="30000"/>
-              </a:spcBef>
-              <a:spcAft>
-                <a:spcPts val="450"/>
-              </a:spcAft>
-              <a:buClrTx/>
-              <a:buSzTx/>
-              <a:buFontTx/>
-              <a:buNone/>
-              <a:tabLst/>
-              <a:defRPr/>
-            </a:pPr>
-            <a:r>
-              <a:rPr lang="en-US" dirty="0" smtClean="0"/>
-              <a:t>Because `</a:t>
-            </a:r>
-            <a:r>
-              <a:rPr lang="en-US" dirty="0" err="1" smtClean="0"/>
-              <a:t>inspec</a:t>
-            </a:r>
-            <a:r>
-              <a:rPr lang="en-US" baseline="0" dirty="0" smtClean="0"/>
-              <a:t> exec` proved that the new profile is working correctly, let's prepare to upload our new profile to the Compliance server.</a:t>
-            </a:r>
-          </a:p>
-          <a:p>
-            <a:pPr marL="0" marR="0" indent="0" algn="l" defTabSz="1217613" rtl="0" eaLnBrk="1" fontAlgn="base" latinLnBrk="0" hangingPunct="1">
-              <a:lnSpc>
-                <a:spcPct val="90000"/>
-              </a:lnSpc>
-              <a:spcBef>
-                <a:spcPct val="30000"/>
-              </a:spcBef>
-              <a:spcAft>
-                <a:spcPts val="450"/>
-              </a:spcAft>
-              <a:buClrTx/>
-              <a:buSzTx/>
-              <a:buFontTx/>
-              <a:buNone/>
-              <a:tabLst/>
-              <a:defRPr/>
-            </a:pPr>
-            <a:endParaRPr lang="en-US" dirty="0" smtClean="0"/>
-          </a:p>
-          <a:p>
-            <a:pPr marL="0" marR="0" indent="0" algn="l" defTabSz="1217613" rtl="0" eaLnBrk="1" fontAlgn="base" latinLnBrk="0" hangingPunct="1">
-              <a:lnSpc>
-                <a:spcPct val="90000"/>
-              </a:lnSpc>
-              <a:spcBef>
-                <a:spcPct val="30000"/>
-              </a:spcBef>
-              <a:spcAft>
-                <a:spcPts val="450"/>
-              </a:spcAft>
-              <a:buClrTx/>
-              <a:buSzTx/>
-              <a:buFontTx/>
-              <a:buNone/>
-              <a:tabLst/>
-              <a:defRPr/>
-            </a:pPr>
-            <a:r>
-              <a:rPr lang="en-US" dirty="0" smtClean="0"/>
-              <a:t>Move to ~/</a:t>
-            </a:r>
-            <a:r>
-              <a:rPr lang="en-US" dirty="0" err="1" smtClean="0"/>
-              <a:t>compliance_profiles</a:t>
-            </a:r>
-            <a:r>
-              <a:rPr lang="en-US" dirty="0" smtClean="0"/>
-              <a:t> and then run `zip -r profile_01.zip profile_01`.</a:t>
-            </a:r>
-          </a:p>
-          <a:p>
             <a:endParaRPr lang="en-US" dirty="0"/>
           </a:p>
         </p:txBody>
@@ -4637,7 +3815,7 @@
     </p:spTree>
     <p:extLst>
       <p:ext uri="{BB962C8B-B14F-4D97-AF65-F5344CB8AC3E}">
-        <p14:creationId xmlns:p14="http://schemas.microsoft.com/office/powerpoint/2010/main" val="2946107104"/>
+        <p14:creationId xmlns:p14="http://schemas.microsoft.com/office/powerpoint/2010/main" val="3865287312"/>
       </p:ext>
     </p:extLst>
   </p:cSld>
@@ -4691,34 +3869,31 @@
           <a:bodyPr/>
           <a:lstStyle/>
           <a:p>
-            <a:pPr marL="0" marR="0" indent="0" algn="l" defTabSz="1217613" rtl="0" eaLnBrk="1" fontAlgn="base" latinLnBrk="0" hangingPunct="1">
-              <a:lnSpc>
-                <a:spcPct val="90000"/>
-              </a:lnSpc>
-              <a:spcBef>
-                <a:spcPct val="30000"/>
-              </a:spcBef>
-              <a:spcAft>
-                <a:spcPts val="450"/>
-              </a:spcAft>
-              <a:buClrTx/>
-              <a:buSzTx/>
-              <a:buFontTx/>
-              <a:buNone/>
-              <a:tabLst/>
-              <a:defRPr/>
-            </a:pPr>
-            <a:r>
-              <a:rPr lang="en-US" dirty="0" smtClean="0"/>
-              <a:t>Type `ls</a:t>
+            <a:r>
+              <a:rPr lang="en-US" dirty="0" smtClean="0"/>
+              <a:t>TBD: Need to provide</a:t>
             </a:r>
             <a:r>
               <a:rPr lang="en-US" baseline="0" dirty="0" smtClean="0"/>
-              <a:t> -l` to verify the new zip file's creation.</a:t>
+              <a:t> explanation on how to write this.</a:t>
             </a:r>
             <a:endParaRPr lang="en-US" dirty="0" smtClean="0"/>
           </a:p>
           <a:p>
+            <a:endParaRPr lang="en-US" dirty="0" smtClean="0"/>
+          </a:p>
+          <a:p>
+            <a:endParaRPr lang="en-US" dirty="0" smtClean="0"/>
+          </a:p>
+          <a:p>
+            <a:r>
+              <a:rPr lang="en-US" dirty="0" smtClean="0"/>
+              <a:t>For anything</a:t>
+            </a:r>
+            <a:r>
+              <a:rPr lang="en-US" baseline="0" dirty="0" smtClean="0"/>
+              <a:t> scored by CIS we'll score it 0.7. For anything not scored you should score it 0.0.</a:t>
+            </a:r>
             <a:endParaRPr lang="en-US" dirty="0"/>
           </a:p>
         </p:txBody>
@@ -4799,7 +3974,7 @@
     </p:spTree>
     <p:extLst>
       <p:ext uri="{BB962C8B-B14F-4D97-AF65-F5344CB8AC3E}">
-        <p14:creationId xmlns:p14="http://schemas.microsoft.com/office/powerpoint/2010/main" val="3489376245"/>
+        <p14:creationId xmlns:p14="http://schemas.microsoft.com/office/powerpoint/2010/main" val="1587686027"/>
       </p:ext>
     </p:extLst>
   </p:cSld>
@@ -4850,89 +4025,883 @@
         </p:nvSpPr>
         <p:spPr/>
         <p:txBody>
-          <a:bodyPr/>
+          <a:bodyPr>
+            <a:normAutofit fontScale="25000" lnSpcReduction="20000"/>
+          </a:bodyPr>
           <a:lstStyle/>
           <a:p>
-            <a:pPr marL="0" marR="0" indent="0" algn="l" defTabSz="1217613" rtl="0" eaLnBrk="1" fontAlgn="base" latinLnBrk="0" hangingPunct="1">
-              <a:lnSpc>
-                <a:spcPct val="90000"/>
-              </a:lnSpc>
-              <a:spcBef>
-                <a:spcPct val="30000"/>
-              </a:spcBef>
-              <a:spcAft>
-                <a:spcPts val="450"/>
-              </a:spcAft>
-              <a:buClrTx/>
-              <a:buSzTx/>
-              <a:buFontTx/>
-              <a:buNone/>
-              <a:tabLst/>
-              <a:defRPr/>
-            </a:pPr>
-            <a:r>
-              <a:rPr lang="en-US" b="1" dirty="0" smtClean="0"/>
-              <a:t>Important</a:t>
-            </a:r>
-            <a:r>
-              <a:rPr lang="en-US" dirty="0" smtClean="0"/>
-              <a:t>: Be sure to run this command from your laptop. You can first move to whatever directory on</a:t>
+            <a:r>
+              <a:rPr lang="en-US" dirty="0" smtClean="0"/>
+              <a:t>This is the kind of failure we should see</a:t>
             </a:r>
             <a:r>
               <a:rPr lang="en-US" baseline="0" dirty="0" smtClean="0"/>
-              <a:t> your laptop that you like.</a:t>
-            </a:r>
-          </a:p>
-          <a:p>
-            <a:pPr marL="0" marR="0" indent="0" algn="l" defTabSz="1217613" rtl="0" eaLnBrk="1" fontAlgn="base" latinLnBrk="0" hangingPunct="1">
-              <a:lnSpc>
-                <a:spcPct val="90000"/>
-              </a:lnSpc>
-              <a:spcBef>
-                <a:spcPct val="30000"/>
-              </a:spcBef>
-              <a:spcAft>
-                <a:spcPts val="450"/>
-              </a:spcAft>
-              <a:buClrTx/>
-              <a:buSzTx/>
-              <a:buFontTx/>
-              <a:buNone/>
-              <a:tabLst/>
-              <a:defRPr/>
-            </a:pPr>
-            <a:endParaRPr lang="en-US" baseline="0" dirty="0" smtClean="0"/>
-          </a:p>
-          <a:p>
-            <a:pPr marL="0" marR="0" indent="0" algn="l" defTabSz="1217613" rtl="0" eaLnBrk="1" fontAlgn="base" latinLnBrk="0" hangingPunct="1">
-              <a:lnSpc>
-                <a:spcPct val="90000"/>
-              </a:lnSpc>
-              <a:spcBef>
-                <a:spcPct val="30000"/>
-              </a:spcBef>
-              <a:spcAft>
-                <a:spcPts val="450"/>
-              </a:spcAft>
-              <a:buClrTx/>
-              <a:buSzTx/>
-              <a:buFontTx/>
-              <a:buNone/>
-              <a:tabLst/>
-              <a:defRPr/>
-            </a:pPr>
+              <a:t> because the </a:t>
+            </a:r>
+            <a:r>
+              <a:rPr lang="en-US" baseline="0" dirty="0" err="1" smtClean="0"/>
+              <a:t>umask</a:t>
+            </a:r>
             <a:r>
               <a:rPr lang="en-US" baseline="0" dirty="0" smtClean="0"/>
-              <a:t>In this Windows example, the user created and moved to the C:\tmp location and then ran the above command. The </a:t>
-            </a:r>
-            <a:r>
-              <a:rPr lang="en-US" dirty="0" smtClean="0"/>
-              <a:t>IP address after the `chef@`</a:t>
+              <a:t> of the </a:t>
+            </a:r>
+            <a:r>
+              <a:rPr lang="en-US" sz="1200" dirty="0" smtClean="0"/>
+              <a:t>etc/</a:t>
+            </a:r>
+            <a:r>
+              <a:rPr lang="en-US" sz="1200" dirty="0" err="1" smtClean="0"/>
+              <a:t>sysconfig</a:t>
+            </a:r>
+            <a:r>
+              <a:rPr lang="en-US" sz="1200" dirty="0" smtClean="0"/>
+              <a:t>/</a:t>
+            </a:r>
+            <a:r>
+              <a:rPr lang="en-US" sz="1200" dirty="0" err="1" smtClean="0"/>
+              <a:t>init</a:t>
+            </a:r>
+            <a:r>
+              <a:rPr lang="en-US" sz="1200" dirty="0" smtClean="0"/>
+              <a:t> is</a:t>
+            </a:r>
+            <a:r>
+              <a:rPr lang="en-US" sz="1200" baseline="0" dirty="0" smtClean="0"/>
+              <a:t> not </a:t>
+            </a:r>
+            <a:r>
+              <a:rPr lang="en-US" sz="1200" dirty="0" smtClean="0"/>
+              <a:t>027.</a:t>
+            </a:r>
+          </a:p>
+          <a:p>
+            <a:endParaRPr lang="en-US" dirty="0" smtClean="0"/>
+          </a:p>
+          <a:p>
+            <a:r>
+              <a:rPr lang="en-US" dirty="0" smtClean="0"/>
+              <a:t>F</a:t>
+            </a:r>
+          </a:p>
+          <a:p>
+            <a:endParaRPr lang="en-US" dirty="0" smtClean="0"/>
+          </a:p>
+          <a:p>
+            <a:r>
+              <a:rPr lang="en-US" dirty="0" smtClean="0"/>
+              <a:t>Failures:</a:t>
+            </a:r>
+          </a:p>
+          <a:p>
+            <a:endParaRPr lang="en-US" dirty="0" smtClean="0"/>
+          </a:p>
+          <a:p>
+            <a:r>
+              <a:rPr lang="en-US" dirty="0" smtClean="0"/>
+              <a:t>  1) File /etc/</a:t>
+            </a:r>
+            <a:r>
+              <a:rPr lang="en-US" dirty="0" err="1" smtClean="0"/>
+              <a:t>sysconfig</a:t>
+            </a:r>
+            <a:r>
+              <a:rPr lang="en-US" dirty="0" smtClean="0"/>
+              <a:t>/</a:t>
+            </a:r>
+            <a:r>
+              <a:rPr lang="en-US" dirty="0" err="1" smtClean="0"/>
+              <a:t>init</a:t>
+            </a:r>
+            <a:r>
+              <a:rPr lang="en-US" dirty="0" smtClean="0"/>
+              <a:t> content should match "</a:t>
+            </a:r>
+            <a:r>
+              <a:rPr lang="en-US" dirty="0" err="1" smtClean="0"/>
+              <a:t>umask</a:t>
+            </a:r>
+            <a:r>
+              <a:rPr lang="en-US" dirty="0" smtClean="0"/>
+              <a:t> 027"</a:t>
+            </a:r>
+          </a:p>
+          <a:p>
+            <a:r>
+              <a:rPr lang="en-US" dirty="0" smtClean="0"/>
+              <a:t>     Failure/Error: its('content') {should match '</a:t>
+            </a:r>
+            <a:r>
+              <a:rPr lang="en-US" dirty="0" err="1" smtClean="0"/>
+              <a:t>umask</a:t>
+            </a:r>
+            <a:r>
+              <a:rPr lang="en-US" dirty="0" smtClean="0"/>
+              <a:t> 027'}</a:t>
+            </a:r>
+          </a:p>
+          <a:p>
+            <a:endParaRPr lang="en-US" dirty="0" smtClean="0"/>
+          </a:p>
+          <a:p>
+            <a:r>
+              <a:rPr lang="en-US" dirty="0" smtClean="0"/>
+              <a:t>Note: At the end of the output you  will see a reference to </a:t>
+            </a:r>
+            <a:r>
+              <a:rPr lang="en-US" dirty="0" err="1" smtClean="0"/>
+              <a:t>rspec</a:t>
+            </a:r>
+            <a:r>
+              <a:rPr lang="en-US" dirty="0" smtClean="0"/>
+              <a:t>.</a:t>
             </a:r>
             <a:r>
               <a:rPr lang="en-US" baseline="0" dirty="0" smtClean="0"/>
-              <a:t> is the IP address of the target node where the profile_01.zip was created.</a:t>
-            </a:r>
+              <a:t> This is because </a:t>
+            </a:r>
+            <a:r>
+              <a:rPr lang="en-US" sz="1200" b="0" i="0" kern="1200" dirty="0" err="1" smtClean="0">
+                <a:solidFill>
+                  <a:schemeClr val="tx1"/>
+                </a:solidFill>
+                <a:effectLst/>
+                <a:latin typeface="Arial" panose="020B0604020202020204" pitchFamily="34" charset="0"/>
+                <a:ea typeface="ＭＳ Ｐゴシック" charset="0"/>
+                <a:cs typeface="Arial" panose="020B0604020202020204" pitchFamily="34" charset="0"/>
+              </a:rPr>
+              <a:t>inspec</a:t>
+            </a:r>
+            <a:r>
+              <a:rPr lang="en-US" sz="1200" b="0" i="0" kern="1200" dirty="0" smtClean="0">
+                <a:solidFill>
+                  <a:schemeClr val="tx1"/>
+                </a:solidFill>
+                <a:effectLst/>
+                <a:latin typeface="Arial" panose="020B0604020202020204" pitchFamily="34" charset="0"/>
+                <a:ea typeface="ＭＳ Ｐゴシック" charset="0"/>
+                <a:cs typeface="Arial" panose="020B0604020202020204" pitchFamily="34" charset="0"/>
+              </a:rPr>
+              <a:t> is based on </a:t>
+            </a:r>
+            <a:r>
+              <a:rPr lang="en-US" sz="1200" b="0" i="0" kern="1200" dirty="0" err="1" smtClean="0">
+                <a:solidFill>
+                  <a:schemeClr val="tx1"/>
+                </a:solidFill>
+                <a:effectLst/>
+                <a:latin typeface="Arial" panose="020B0604020202020204" pitchFamily="34" charset="0"/>
+                <a:ea typeface="ＭＳ Ｐゴシック" charset="0"/>
+                <a:cs typeface="Arial" panose="020B0604020202020204" pitchFamily="34" charset="0"/>
+              </a:rPr>
+              <a:t>rspec</a:t>
+            </a:r>
+            <a:r>
+              <a:rPr lang="en-US" sz="1200" b="0" i="0" kern="1200" dirty="0" smtClean="0">
+                <a:solidFill>
+                  <a:schemeClr val="tx1"/>
+                </a:solidFill>
+                <a:effectLst/>
+                <a:latin typeface="Arial" panose="020B0604020202020204" pitchFamily="34" charset="0"/>
+                <a:ea typeface="ＭＳ Ｐゴシック" charset="0"/>
+                <a:cs typeface="Arial" panose="020B0604020202020204" pitchFamily="34" charset="0"/>
+              </a:rPr>
+              <a:t>.</a:t>
+            </a:r>
+          </a:p>
+          <a:p>
+            <a:endParaRPr lang="en-US" dirty="0" smtClean="0"/>
+          </a:p>
+          <a:p>
+            <a:r>
+              <a:rPr lang="en-US" dirty="0" smtClean="0"/>
+              <a:t>       expected "# color =&gt; new RH6.0 </a:t>
+            </a:r>
+            <a:r>
+              <a:rPr lang="en-US" dirty="0" err="1" smtClean="0"/>
+              <a:t>bootup</a:t>
+            </a:r>
+            <a:r>
+              <a:rPr lang="en-US" dirty="0" smtClean="0"/>
+              <a:t>\n# verbose =&gt; old-style </a:t>
+            </a:r>
+            <a:r>
+              <a:rPr lang="en-US" dirty="0" err="1" smtClean="0"/>
+              <a:t>bootup</a:t>
+            </a:r>
+            <a:r>
+              <a:rPr lang="en-US" dirty="0" smtClean="0"/>
+              <a:t>\n# anything else =&gt; new style </a:t>
+            </a:r>
+            <a:r>
+              <a:rPr lang="en-US" dirty="0" err="1" smtClean="0"/>
+              <a:t>bootup</a:t>
+            </a:r>
+            <a:r>
+              <a:rPr lang="en-US" dirty="0" smtClean="0"/>
+              <a:t> without ANSI colors or positioning\</a:t>
+            </a:r>
+            <a:r>
+              <a:rPr lang="en-US" dirty="0" err="1" smtClean="0"/>
+              <a:t>nBOOTUP</a:t>
+            </a:r>
+            <a:r>
+              <a:rPr lang="en-US" dirty="0" smtClean="0"/>
+              <a:t>=color\n# column to start \"[  OK  ]\" label in \</a:t>
+            </a:r>
+            <a:r>
+              <a:rPr lang="en-US" dirty="0" err="1" smtClean="0"/>
+              <a:t>nRES_COL</a:t>
+            </a:r>
+            <a:r>
+              <a:rPr lang="en-US" dirty="0" smtClean="0"/>
+              <a:t>=60\n# terminal sequence to move to that column. You could change this\n# to something like \"</a:t>
+            </a:r>
+            <a:r>
+              <a:rPr lang="en-US" dirty="0" err="1" smtClean="0"/>
+              <a:t>tput</a:t>
+            </a:r>
+            <a:r>
+              <a:rPr lang="en-US" dirty="0" smtClean="0"/>
+              <a:t> </a:t>
+            </a:r>
+            <a:r>
+              <a:rPr lang="en-US" dirty="0" err="1" smtClean="0"/>
+              <a:t>hpa</a:t>
+            </a:r>
+            <a:r>
+              <a:rPr lang="en-US" dirty="0" smtClean="0"/>
+              <a:t> ${RES_COL}\" if your terminal supports it\</a:t>
+            </a:r>
+            <a:r>
+              <a:rPr lang="en-US" dirty="0" err="1" smtClean="0"/>
+              <a:t>nMOVE_TO_COL</a:t>
+            </a:r>
+            <a:r>
+              <a:rPr lang="en-US" dirty="0" smtClean="0"/>
+              <a:t>=\"echo -</a:t>
+            </a:r>
+            <a:r>
+              <a:rPr lang="en-US" dirty="0" err="1" smtClean="0"/>
+              <a:t>en</a:t>
+            </a:r>
+            <a:r>
+              <a:rPr lang="en-US" dirty="0" smtClean="0"/>
+              <a:t> \\\\033[${RES_COL}G\"\n# terminal sequence to set color to a 'success' color (currently: green)\</a:t>
+            </a:r>
+            <a:r>
+              <a:rPr lang="en-US" dirty="0" err="1" smtClean="0"/>
+              <a:t>nSETCOLOR_SUCCESS</a:t>
+            </a:r>
+            <a:r>
+              <a:rPr lang="en-US" dirty="0" smtClean="0"/>
+              <a:t>=\"echo -</a:t>
+            </a:r>
+            <a:r>
+              <a:rPr lang="en-US" dirty="0" err="1" smtClean="0"/>
+              <a:t>en</a:t>
+            </a:r>
+            <a:r>
+              <a:rPr lang="en-US" dirty="0" smtClean="0"/>
+              <a:t> \\\\033[0;32m\"\n# terminal sequence to set color to a 'failure' color (currently: red)\</a:t>
+            </a:r>
+            <a:r>
+              <a:rPr lang="en-US" dirty="0" err="1" smtClean="0"/>
+              <a:t>nSETCOLOR_FAILURE</a:t>
+            </a:r>
+            <a:r>
+              <a:rPr lang="en-US" dirty="0" smtClean="0"/>
+              <a:t>=\"echo -</a:t>
+            </a:r>
+            <a:r>
+              <a:rPr lang="en-US" dirty="0" err="1" smtClean="0"/>
+              <a:t>en</a:t>
+            </a:r>
+            <a:r>
+              <a:rPr lang="en-US" dirty="0" smtClean="0"/>
+              <a:t> \\\\033[0;31m\"\n# terminal sequence to set color to a 'warning' color (currently: yellow)\</a:t>
+            </a:r>
+            <a:r>
+              <a:rPr lang="en-US" dirty="0" err="1" smtClean="0"/>
+              <a:t>nSETCOLOR_WARNING</a:t>
+            </a:r>
+            <a:r>
+              <a:rPr lang="en-US" dirty="0" smtClean="0"/>
+              <a:t>=\"echo -</a:t>
+            </a:r>
+            <a:r>
+              <a:rPr lang="en-US" dirty="0" err="1" smtClean="0"/>
+              <a:t>en</a:t>
+            </a:r>
+            <a:r>
+              <a:rPr lang="en-US" dirty="0" smtClean="0"/>
+              <a:t> \\\\033[0;33m\"\n# terminal sequence to reset to the default color.\</a:t>
+            </a:r>
+            <a:r>
+              <a:rPr lang="en-US" dirty="0" err="1" smtClean="0"/>
+              <a:t>nSETCOLOR_NORMAL</a:t>
+            </a:r>
+            <a:r>
+              <a:rPr lang="en-US" dirty="0" smtClean="0"/>
+              <a:t>=\"echo -</a:t>
+            </a:r>
+            <a:r>
+              <a:rPr lang="en-US" dirty="0" err="1" smtClean="0"/>
+              <a:t>en</a:t>
+            </a:r>
+            <a:r>
+              <a:rPr lang="en-US" dirty="0" smtClean="0"/>
+              <a:t> \\\\033[0;39m\"\n# Set to anything other than 'no' to allow hotkey interactive startup...\</a:t>
+            </a:r>
+            <a:r>
+              <a:rPr lang="en-US" dirty="0" err="1" smtClean="0"/>
+              <a:t>nPROMPT</a:t>
+            </a:r>
+            <a:r>
+              <a:rPr lang="en-US" dirty="0" smtClean="0"/>
+              <a:t>=yes\n# Set to 'yes' to allow probing for devices with swap signatures\</a:t>
+            </a:r>
+            <a:r>
+              <a:rPr lang="en-US" dirty="0" err="1" smtClean="0"/>
+              <a:t>nAUTOSWAP</a:t>
+            </a:r>
+            <a:r>
+              <a:rPr lang="en-US" dirty="0" smtClean="0"/>
+              <a:t>=no\n# What </a:t>
+            </a:r>
+            <a:r>
+              <a:rPr lang="en-US" dirty="0" err="1" smtClean="0"/>
+              <a:t>ttys</a:t>
+            </a:r>
+            <a:r>
+              <a:rPr lang="en-US" dirty="0" smtClean="0"/>
+              <a:t> should </a:t>
+            </a:r>
+            <a:r>
+              <a:rPr lang="en-US" dirty="0" err="1" smtClean="0"/>
+              <a:t>gettys</a:t>
+            </a:r>
+            <a:r>
+              <a:rPr lang="en-US" dirty="0" smtClean="0"/>
+              <a:t> be started on?\</a:t>
+            </a:r>
+            <a:r>
+              <a:rPr lang="en-US" dirty="0" err="1" smtClean="0"/>
+              <a:t>nACTIVE_CONSOLES</a:t>
+            </a:r>
+            <a:r>
+              <a:rPr lang="en-US" dirty="0" smtClean="0"/>
+              <a:t>=/dev/tty1\n# Set to '/</a:t>
+            </a:r>
+            <a:r>
+              <a:rPr lang="en-US" dirty="0" err="1" smtClean="0"/>
+              <a:t>sbin</a:t>
+            </a:r>
+            <a:r>
+              <a:rPr lang="en-US" dirty="0" smtClean="0"/>
+              <a:t>/</a:t>
+            </a:r>
+            <a:r>
+              <a:rPr lang="en-US" dirty="0" err="1" smtClean="0"/>
+              <a:t>sulogin</a:t>
+            </a:r>
+            <a:r>
+              <a:rPr lang="en-US" dirty="0" smtClean="0"/>
+              <a:t>' to prompt for password on single-user mode\n# Set to '/</a:t>
+            </a:r>
+            <a:r>
+              <a:rPr lang="en-US" dirty="0" err="1" smtClean="0"/>
+              <a:t>sbin</a:t>
+            </a:r>
+            <a:r>
+              <a:rPr lang="en-US" dirty="0" smtClean="0"/>
+              <a:t>/</a:t>
+            </a:r>
+            <a:r>
+              <a:rPr lang="en-US" dirty="0" err="1" smtClean="0"/>
+              <a:t>sushell</a:t>
+            </a:r>
+            <a:r>
+              <a:rPr lang="en-US" dirty="0" smtClean="0"/>
+              <a:t>' otherwise\</a:t>
+            </a:r>
+            <a:r>
+              <a:rPr lang="en-US" dirty="0" err="1" smtClean="0"/>
+              <a:t>nSINGLE</a:t>
+            </a:r>
+            <a:r>
+              <a:rPr lang="en-US" dirty="0" smtClean="0"/>
+              <a:t>=/</a:t>
+            </a:r>
+            <a:r>
+              <a:rPr lang="en-US" dirty="0" err="1" smtClean="0"/>
+              <a:t>sbin</a:t>
+            </a:r>
+            <a:r>
+              <a:rPr lang="en-US" dirty="0" smtClean="0"/>
+              <a:t>/</a:t>
+            </a:r>
+            <a:r>
+              <a:rPr lang="en-US" dirty="0" err="1" smtClean="0"/>
+              <a:t>sushell</a:t>
+            </a:r>
+            <a:r>
+              <a:rPr lang="en-US" dirty="0" smtClean="0"/>
+              <a:t>\n" to match "</a:t>
+            </a:r>
+            <a:r>
+              <a:rPr lang="en-US" dirty="0" err="1" smtClean="0"/>
+              <a:t>umask</a:t>
+            </a:r>
+            <a:r>
+              <a:rPr lang="en-US" dirty="0" smtClean="0"/>
+              <a:t> 027"</a:t>
+            </a:r>
+          </a:p>
+          <a:p>
+            <a:r>
+              <a:rPr lang="en-US" dirty="0" smtClean="0"/>
+              <a:t>       Diff:</a:t>
+            </a:r>
+          </a:p>
+          <a:p>
+            <a:r>
+              <a:rPr lang="en-US" dirty="0" smtClean="0"/>
+              <a:t>       @@ -1,2 +1,27 @@</a:t>
+            </a:r>
+          </a:p>
+          <a:p>
+            <a:r>
+              <a:rPr lang="en-US" dirty="0" smtClean="0"/>
+              <a:t>       -</a:t>
+            </a:r>
+            <a:r>
+              <a:rPr lang="en-US" dirty="0" err="1" smtClean="0"/>
+              <a:t>umask</a:t>
+            </a:r>
+            <a:r>
+              <a:rPr lang="en-US" dirty="0" smtClean="0"/>
+              <a:t> 027</a:t>
+            </a:r>
+          </a:p>
+          <a:p>
+            <a:r>
+              <a:rPr lang="en-US" dirty="0" smtClean="0"/>
+              <a:t>       +# color =&gt; new RH6.0 </a:t>
+            </a:r>
+            <a:r>
+              <a:rPr lang="en-US" dirty="0" err="1" smtClean="0"/>
+              <a:t>bootup</a:t>
+            </a:r>
+            <a:endParaRPr lang="en-US" dirty="0" smtClean="0"/>
+          </a:p>
+          <a:p>
+            <a:r>
+              <a:rPr lang="en-US" dirty="0" smtClean="0"/>
+              <a:t>       +# verbose =&gt; old-style </a:t>
+            </a:r>
+            <a:r>
+              <a:rPr lang="en-US" dirty="0" err="1" smtClean="0"/>
+              <a:t>bootup</a:t>
+            </a:r>
+            <a:endParaRPr lang="en-US" dirty="0" smtClean="0"/>
+          </a:p>
+          <a:p>
+            <a:r>
+              <a:rPr lang="en-US" dirty="0" smtClean="0"/>
+              <a:t>       +# anything else =&gt; new style </a:t>
+            </a:r>
+            <a:r>
+              <a:rPr lang="en-US" dirty="0" err="1" smtClean="0"/>
+              <a:t>bootup</a:t>
+            </a:r>
+            <a:r>
+              <a:rPr lang="en-US" dirty="0" smtClean="0"/>
+              <a:t> without ANSI colors or positioning</a:t>
+            </a:r>
+          </a:p>
+          <a:p>
+            <a:r>
+              <a:rPr lang="en-US" dirty="0" smtClean="0"/>
+              <a:t>       +BOOTUP=color</a:t>
+            </a:r>
+          </a:p>
+          <a:p>
+            <a:r>
+              <a:rPr lang="en-US" dirty="0" smtClean="0"/>
+              <a:t>       +# column to start "[  OK  ]" label in</a:t>
+            </a:r>
+          </a:p>
+          <a:p>
+            <a:r>
+              <a:rPr lang="en-US" dirty="0" smtClean="0"/>
+              <a:t>       +RES_COL=60</a:t>
+            </a:r>
+          </a:p>
+          <a:p>
+            <a:r>
+              <a:rPr lang="en-US" dirty="0" smtClean="0"/>
+              <a:t>       +# terminal sequence to move to that column. You could change this</a:t>
+            </a:r>
+          </a:p>
+          <a:p>
+            <a:r>
+              <a:rPr lang="en-US" dirty="0" smtClean="0"/>
+              <a:t>       +# to something like "</a:t>
+            </a:r>
+            <a:r>
+              <a:rPr lang="en-US" dirty="0" err="1" smtClean="0"/>
+              <a:t>tput</a:t>
+            </a:r>
+            <a:r>
+              <a:rPr lang="en-US" dirty="0" smtClean="0"/>
+              <a:t> </a:t>
+            </a:r>
+            <a:r>
+              <a:rPr lang="en-US" dirty="0" err="1" smtClean="0"/>
+              <a:t>hpa</a:t>
+            </a:r>
+            <a:r>
+              <a:rPr lang="en-US" dirty="0" smtClean="0"/>
+              <a:t> ${RES_COL}" if your terminal supports it</a:t>
+            </a:r>
+          </a:p>
+          <a:p>
+            <a:r>
+              <a:rPr lang="en-US" dirty="0" smtClean="0"/>
+              <a:t>       +MOVE_TO_COL="echo -</a:t>
+            </a:r>
+            <a:r>
+              <a:rPr lang="en-US" dirty="0" err="1" smtClean="0"/>
+              <a:t>en</a:t>
+            </a:r>
+            <a:r>
+              <a:rPr lang="en-US" dirty="0" smtClean="0"/>
+              <a:t> \\033[${RES_COL}G"</a:t>
+            </a:r>
+          </a:p>
+          <a:p>
+            <a:r>
+              <a:rPr lang="en-US" dirty="0" smtClean="0"/>
+              <a:t>       +# terminal sequence to set color to a 'success' color (currently: green)</a:t>
+            </a:r>
+          </a:p>
+          <a:p>
+            <a:r>
+              <a:rPr lang="en-US" dirty="0" smtClean="0"/>
+              <a:t>       +SETCOLOR_SUCCESS="echo -</a:t>
+            </a:r>
+            <a:r>
+              <a:rPr lang="en-US" dirty="0" err="1" smtClean="0"/>
+              <a:t>en</a:t>
+            </a:r>
+            <a:r>
+              <a:rPr lang="en-US" dirty="0" smtClean="0"/>
+              <a:t> \\033[0;32m"</a:t>
+            </a:r>
+          </a:p>
+          <a:p>
+            <a:r>
+              <a:rPr lang="en-US" dirty="0" smtClean="0"/>
+              <a:t>       +# terminal sequence to set color to a 'failure' color (currently: red)</a:t>
+            </a:r>
+          </a:p>
+          <a:p>
+            <a:r>
+              <a:rPr lang="en-US" dirty="0" smtClean="0"/>
+              <a:t>       +SETCOLOR_FAILURE="echo -</a:t>
+            </a:r>
+            <a:r>
+              <a:rPr lang="en-US" dirty="0" err="1" smtClean="0"/>
+              <a:t>en</a:t>
+            </a:r>
+            <a:r>
+              <a:rPr lang="en-US" dirty="0" smtClean="0"/>
+              <a:t> \\033[0;31m"</a:t>
+            </a:r>
+          </a:p>
+          <a:p>
+            <a:r>
+              <a:rPr lang="en-US" dirty="0" smtClean="0"/>
+              <a:t>       +# terminal sequence to set color to a 'warning' color (currently: yellow)</a:t>
+            </a:r>
+          </a:p>
+          <a:p>
+            <a:r>
+              <a:rPr lang="en-US" dirty="0" smtClean="0"/>
+              <a:t>       +SETCOLOR_WARNING="echo -</a:t>
+            </a:r>
+            <a:r>
+              <a:rPr lang="en-US" dirty="0" err="1" smtClean="0"/>
+              <a:t>en</a:t>
+            </a:r>
+            <a:r>
+              <a:rPr lang="en-US" dirty="0" smtClean="0"/>
+              <a:t> \\033[0;33m"</a:t>
+            </a:r>
+          </a:p>
+          <a:p>
+            <a:r>
+              <a:rPr lang="en-US" dirty="0" smtClean="0"/>
+              <a:t>       +# terminal sequence to reset to the default color.</a:t>
+            </a:r>
+          </a:p>
+          <a:p>
+            <a:r>
+              <a:rPr lang="en-US" dirty="0" smtClean="0"/>
+              <a:t>       +SETCOLOR_NORMAL="echo -</a:t>
+            </a:r>
+            <a:r>
+              <a:rPr lang="en-US" dirty="0" err="1" smtClean="0"/>
+              <a:t>en</a:t>
+            </a:r>
+            <a:r>
+              <a:rPr lang="en-US" dirty="0" smtClean="0"/>
+              <a:t> \\033[0;39m"</a:t>
+            </a:r>
+          </a:p>
+          <a:p>
+            <a:r>
+              <a:rPr lang="en-US" dirty="0" smtClean="0"/>
+              <a:t>       +# Set to anything other than 'no' to allow hotkey interactive startup...</a:t>
+            </a:r>
+          </a:p>
+          <a:p>
+            <a:r>
+              <a:rPr lang="en-US" dirty="0" smtClean="0"/>
+              <a:t>       +PROMPT=yes</a:t>
+            </a:r>
+          </a:p>
+          <a:p>
+            <a:r>
+              <a:rPr lang="en-US" dirty="0" smtClean="0"/>
+              <a:t>       +# Set to 'yes' to allow probing for devices with swap signatures</a:t>
+            </a:r>
+          </a:p>
+          <a:p>
+            <a:r>
+              <a:rPr lang="en-US" dirty="0" smtClean="0"/>
+              <a:t>       +AUTOSWAP=no</a:t>
+            </a:r>
+          </a:p>
+          <a:p>
+            <a:r>
+              <a:rPr lang="en-US" dirty="0" smtClean="0"/>
+              <a:t>       +# What </a:t>
+            </a:r>
+            <a:r>
+              <a:rPr lang="en-US" dirty="0" err="1" smtClean="0"/>
+              <a:t>ttys</a:t>
+            </a:r>
+            <a:r>
+              <a:rPr lang="en-US" dirty="0" smtClean="0"/>
+              <a:t> should </a:t>
+            </a:r>
+            <a:r>
+              <a:rPr lang="en-US" dirty="0" err="1" smtClean="0"/>
+              <a:t>gettys</a:t>
+            </a:r>
+            <a:r>
+              <a:rPr lang="en-US" dirty="0" smtClean="0"/>
+              <a:t> be started on?</a:t>
+            </a:r>
+          </a:p>
+          <a:p>
+            <a:r>
+              <a:rPr lang="en-US" dirty="0" smtClean="0"/>
+              <a:t>       +ACTIVE_CONSOLES=/dev/tty1</a:t>
+            </a:r>
+          </a:p>
+          <a:p>
+            <a:r>
+              <a:rPr lang="en-US" dirty="0" smtClean="0"/>
+              <a:t>       +# Set to '/</a:t>
+            </a:r>
+            <a:r>
+              <a:rPr lang="en-US" dirty="0" err="1" smtClean="0"/>
+              <a:t>sbin</a:t>
+            </a:r>
+            <a:r>
+              <a:rPr lang="en-US" dirty="0" smtClean="0"/>
+              <a:t>/</a:t>
+            </a:r>
+            <a:r>
+              <a:rPr lang="en-US" dirty="0" err="1" smtClean="0"/>
+              <a:t>sulogin</a:t>
+            </a:r>
+            <a:r>
+              <a:rPr lang="en-US" dirty="0" smtClean="0"/>
+              <a:t>' to prompt for password on single-user mode</a:t>
+            </a:r>
+          </a:p>
+          <a:p>
+            <a:r>
+              <a:rPr lang="en-US" dirty="0" smtClean="0"/>
+              <a:t>       +# Set to '/</a:t>
+            </a:r>
+            <a:r>
+              <a:rPr lang="en-US" dirty="0" err="1" smtClean="0"/>
+              <a:t>sbin</a:t>
+            </a:r>
+            <a:r>
+              <a:rPr lang="en-US" dirty="0" smtClean="0"/>
+              <a:t>/</a:t>
+            </a:r>
+            <a:r>
+              <a:rPr lang="en-US" dirty="0" err="1" smtClean="0"/>
+              <a:t>sushell</a:t>
+            </a:r>
+            <a:r>
+              <a:rPr lang="en-US" dirty="0" smtClean="0"/>
+              <a:t>' otherwise</a:t>
+            </a:r>
+          </a:p>
+          <a:p>
+            <a:r>
+              <a:rPr lang="en-US" dirty="0" smtClean="0"/>
+              <a:t>       +SINGLE=/</a:t>
+            </a:r>
+            <a:r>
+              <a:rPr lang="en-US" dirty="0" err="1" smtClean="0"/>
+              <a:t>sbin</a:t>
+            </a:r>
+            <a:r>
+              <a:rPr lang="en-US" dirty="0" smtClean="0"/>
+              <a:t>/</a:t>
+            </a:r>
+            <a:r>
+              <a:rPr lang="en-US" dirty="0" err="1" smtClean="0"/>
+              <a:t>sushell</a:t>
+            </a:r>
+            <a:endParaRPr lang="en-US" dirty="0" smtClean="0"/>
+          </a:p>
+          <a:p>
+            <a:r>
+              <a:rPr lang="en-US" dirty="0" smtClean="0"/>
+              <a:t>     # cis31.rb:5:in `block (3 levels) in load'</a:t>
+            </a:r>
+          </a:p>
+          <a:p>
+            <a:endParaRPr lang="en-US" dirty="0" smtClean="0"/>
+          </a:p>
+          <a:p>
+            <a:r>
+              <a:rPr lang="en-US" dirty="0" smtClean="0"/>
+              <a:t>Finished in 0.03515 seconds (files took 0.50435 seconds to load)</a:t>
+            </a:r>
+          </a:p>
+          <a:p>
+            <a:r>
+              <a:rPr lang="en-US" dirty="0" smtClean="0"/>
+              <a:t>1 example, 1 failure</a:t>
+            </a:r>
+          </a:p>
+          <a:p>
+            <a:endParaRPr lang="en-US" dirty="0" smtClean="0"/>
+          </a:p>
+          <a:p>
+            <a:r>
+              <a:rPr lang="en-US" dirty="0" smtClean="0"/>
+              <a:t>Failed examples:</a:t>
+            </a:r>
+          </a:p>
+          <a:p>
+            <a:endParaRPr lang="en-US" dirty="0" smtClean="0"/>
+          </a:p>
+          <a:p>
+            <a:r>
+              <a:rPr lang="en-US" dirty="0" err="1" smtClean="0"/>
+              <a:t>rspec</a:t>
+            </a:r>
+            <a:r>
+              <a:rPr lang="en-US" dirty="0" smtClean="0"/>
+              <a:t>  # File /etc/</a:t>
+            </a:r>
+            <a:r>
+              <a:rPr lang="en-US" dirty="0" err="1" smtClean="0"/>
+              <a:t>sysconfig</a:t>
+            </a:r>
+            <a:r>
+              <a:rPr lang="en-US" dirty="0" smtClean="0"/>
+              <a:t>/</a:t>
+            </a:r>
+            <a:r>
+              <a:rPr lang="en-US" dirty="0" err="1" smtClean="0"/>
+              <a:t>init</a:t>
+            </a:r>
+            <a:r>
+              <a:rPr lang="en-US" dirty="0" smtClean="0"/>
+              <a:t> content should match "</a:t>
+            </a:r>
+            <a:r>
+              <a:rPr lang="en-US" dirty="0" err="1" smtClean="0"/>
+              <a:t>umask</a:t>
+            </a:r>
+            <a:r>
+              <a:rPr lang="en-US" dirty="0" smtClean="0"/>
+              <a:t> 027"</a:t>
+            </a:r>
+          </a:p>
+          <a:p>
+            <a:endParaRPr lang="en-US" dirty="0" smtClean="0"/>
+          </a:p>
+          <a:p>
+            <a:r>
+              <a:rPr lang="en-US" dirty="0" smtClean="0"/>
+              <a:t>Note: The references to color i</a:t>
+            </a:r>
+            <a:r>
+              <a:rPr lang="en-US" sz="1200" b="0" i="0" kern="1200" dirty="0" smtClean="0">
+                <a:solidFill>
+                  <a:schemeClr val="tx1"/>
+                </a:solidFill>
+                <a:effectLst/>
+                <a:latin typeface="Arial" panose="020B0604020202020204" pitchFamily="34" charset="0"/>
+                <a:ea typeface="ＭＳ Ｐゴシック" charset="0"/>
+                <a:cs typeface="Arial" panose="020B0604020202020204" pitchFamily="34" charset="0"/>
+              </a:rPr>
+              <a:t>s just </a:t>
+            </a:r>
+            <a:r>
+              <a:rPr lang="en-US" sz="1200" b="0" i="0" kern="1200" dirty="0" err="1" smtClean="0">
+                <a:solidFill>
+                  <a:schemeClr val="tx1"/>
+                </a:solidFill>
+                <a:effectLst/>
+                <a:latin typeface="Arial" panose="020B0604020202020204" pitchFamily="34" charset="0"/>
+                <a:ea typeface="ＭＳ Ｐゴシック" charset="0"/>
+                <a:cs typeface="Arial" panose="020B0604020202020204" pitchFamily="34" charset="0"/>
+              </a:rPr>
+              <a:t>inspec</a:t>
+            </a:r>
+            <a:r>
+              <a:rPr lang="en-US" sz="1200" b="0" i="0" kern="1200" dirty="0" smtClean="0">
+                <a:solidFill>
+                  <a:schemeClr val="tx1"/>
+                </a:solidFill>
+                <a:effectLst/>
+                <a:latin typeface="Arial" panose="020B0604020202020204" pitchFamily="34" charset="0"/>
+                <a:ea typeface="ＭＳ Ｐゴシック" charset="0"/>
+                <a:cs typeface="Arial" panose="020B0604020202020204" pitchFamily="34" charset="0"/>
+              </a:rPr>
+              <a:t> reading the contents of the file you are checking, even though you aren't testing for</a:t>
+            </a:r>
+            <a:r>
+              <a:rPr lang="en-US" sz="1200" b="0" i="0" kern="1200" baseline="0" dirty="0" smtClean="0">
+                <a:solidFill>
+                  <a:schemeClr val="tx1"/>
+                </a:solidFill>
+                <a:effectLst/>
+                <a:latin typeface="Arial" panose="020B0604020202020204" pitchFamily="34" charset="0"/>
+                <a:ea typeface="ＭＳ Ｐゴシック" charset="0"/>
+                <a:cs typeface="Arial" panose="020B0604020202020204" pitchFamily="34" charset="0"/>
+              </a:rPr>
+              <a:t> color.</a:t>
+            </a:r>
+            <a:endParaRPr lang="en-US" dirty="0" smtClean="0"/>
+          </a:p>
+          <a:p>
+            <a:endParaRPr lang="en-US" dirty="0" smtClean="0"/>
           </a:p>
         </p:txBody>
       </p:sp>
@@ -5012,7 +4981,7 @@
     </p:spTree>
     <p:extLst>
       <p:ext uri="{BB962C8B-B14F-4D97-AF65-F5344CB8AC3E}">
-        <p14:creationId xmlns:p14="http://schemas.microsoft.com/office/powerpoint/2010/main" val="3177917486"/>
+        <p14:creationId xmlns:p14="http://schemas.microsoft.com/office/powerpoint/2010/main" val="2295904465"/>
       </p:ext>
     </p:extLst>
   </p:cSld>
@@ -5063,18 +5032,92 @@
         </p:nvSpPr>
         <p:spPr/>
         <p:txBody>
-          <a:bodyPr>
-            <a:normAutofit/>
-          </a:bodyPr>
+          <a:bodyPr/>
           <a:lstStyle/>
           <a:p>
+            <a:pPr marL="0" marR="0" indent="0" algn="l" defTabSz="1217613" rtl="0" eaLnBrk="1" fontAlgn="base" latinLnBrk="0" hangingPunct="1">
+              <a:lnSpc>
+                <a:spcPct val="90000"/>
+              </a:lnSpc>
+              <a:spcBef>
+                <a:spcPct val="30000"/>
+              </a:spcBef>
+              <a:spcAft>
+                <a:spcPts val="450"/>
+              </a:spcAft>
+              <a:buClrTx/>
+              <a:buSzTx/>
+              <a:buFontTx/>
+              <a:buNone/>
+              <a:tabLst/>
+              <a:defRPr/>
+            </a:pPr>
+            <a:r>
+              <a:rPr lang="en-US" dirty="0" smtClean="0"/>
+              <a:t>Because `</a:t>
+            </a:r>
+            <a:r>
+              <a:rPr lang="en-US" dirty="0" err="1" smtClean="0"/>
+              <a:t>inspec</a:t>
+            </a:r>
+            <a:r>
+              <a:rPr lang="en-US" baseline="0" dirty="0" smtClean="0"/>
+              <a:t> exec` proved that the new profile is working correctly, let's prepare to upload our new profile to the Compliance server.</a:t>
+            </a:r>
+          </a:p>
+          <a:p>
+            <a:pPr marL="0" marR="0" indent="0" algn="l" defTabSz="1217613" rtl="0" eaLnBrk="1" fontAlgn="base" latinLnBrk="0" hangingPunct="1">
+              <a:lnSpc>
+                <a:spcPct val="90000"/>
+              </a:lnSpc>
+              <a:spcBef>
+                <a:spcPct val="30000"/>
+              </a:spcBef>
+              <a:spcAft>
+                <a:spcPts val="450"/>
+              </a:spcAft>
+              <a:buClrTx/>
+              <a:buSzTx/>
+              <a:buFontTx/>
+              <a:buNone/>
+              <a:tabLst/>
+              <a:defRPr/>
+            </a:pPr>
             <a:endParaRPr lang="en-US" dirty="0" smtClean="0"/>
           </a:p>
           <a:p>
-            <a:endParaRPr lang="en-US" dirty="0" smtClean="0"/>
-          </a:p>
-          <a:p>
-            <a:endParaRPr lang="en-US" dirty="0" smtClean="0"/>
+            <a:pPr marL="0" marR="0" indent="0" algn="l" defTabSz="1217613" rtl="0" eaLnBrk="1" fontAlgn="base" latinLnBrk="0" hangingPunct="1">
+              <a:lnSpc>
+                <a:spcPct val="90000"/>
+              </a:lnSpc>
+              <a:spcBef>
+                <a:spcPct val="30000"/>
+              </a:spcBef>
+              <a:spcAft>
+                <a:spcPts val="450"/>
+              </a:spcAft>
+              <a:buClrTx/>
+              <a:buSzTx/>
+              <a:buFontTx/>
+              <a:buNone/>
+              <a:tabLst/>
+              <a:defRPr/>
+            </a:pPr>
+            <a:r>
+              <a:rPr lang="en-US" dirty="0" smtClean="0"/>
+              <a:t>Move to ~/</a:t>
+            </a:r>
+            <a:r>
+              <a:rPr lang="en-US" dirty="0" err="1" smtClean="0"/>
+              <a:t>compliance_profiles</a:t>
+            </a:r>
+            <a:r>
+              <a:rPr lang="en-US" dirty="0" smtClean="0"/>
+              <a:t> and then run `zip -r profile_01.zip profile_01`.</a:t>
+            </a:r>
+          </a:p>
+          <a:p>
+            <a:endParaRPr lang="en-US" dirty="0"/>
           </a:p>
         </p:txBody>
       </p:sp>
@@ -5154,7 +5197,7 @@
     </p:spTree>
     <p:extLst>
       <p:ext uri="{BB962C8B-B14F-4D97-AF65-F5344CB8AC3E}">
-        <p14:creationId xmlns:p14="http://schemas.microsoft.com/office/powerpoint/2010/main" val="621470605"/>
+        <p14:creationId xmlns:p14="http://schemas.microsoft.com/office/powerpoint/2010/main" val="2946107104"/>
       </p:ext>
     </p:extLst>
   </p:cSld>
@@ -5205,18 +5248,38 @@
         </p:nvSpPr>
         <p:spPr/>
         <p:txBody>
-          <a:bodyPr>
-            <a:normAutofit/>
-          </a:bodyPr>
+          <a:bodyPr/>
           <a:lstStyle/>
           <a:p>
+            <a:pPr marL="0" marR="0" indent="0" algn="l" defTabSz="1217613" rtl="0" eaLnBrk="1" fontAlgn="base" latinLnBrk="0" hangingPunct="1">
+              <a:lnSpc>
+                <a:spcPct val="90000"/>
+              </a:lnSpc>
+              <a:spcBef>
+                <a:spcPct val="30000"/>
+              </a:spcBef>
+              <a:spcAft>
+                <a:spcPts val="450"/>
+              </a:spcAft>
+              <a:buClrTx/>
+              <a:buSzTx/>
+              <a:buFontTx/>
+              <a:buNone/>
+              <a:tabLst/>
+              <a:defRPr/>
+            </a:pPr>
+            <a:r>
+              <a:rPr lang="en-US" dirty="0" smtClean="0"/>
+              <a:t>Type `ls</a:t>
+            </a:r>
+            <a:r>
+              <a:rPr lang="en-US" baseline="0" dirty="0" smtClean="0"/>
+              <a:t> -l` to verify the new zip file's creation.</a:t>
+            </a:r>
             <a:endParaRPr lang="en-US" dirty="0" smtClean="0"/>
           </a:p>
           <a:p>
-            <a:endParaRPr lang="en-US" dirty="0" smtClean="0"/>
-          </a:p>
-          <a:p>
-            <a:endParaRPr lang="en-US" dirty="0" smtClean="0"/>
+            <a:endParaRPr lang="en-US" dirty="0"/>
           </a:p>
         </p:txBody>
       </p:sp>
@@ -5296,7 +5359,7 @@
     </p:spTree>
     <p:extLst>
       <p:ext uri="{BB962C8B-B14F-4D97-AF65-F5344CB8AC3E}">
-        <p14:creationId xmlns:p14="http://schemas.microsoft.com/office/powerpoint/2010/main" val="1582936886"/>
+        <p14:creationId xmlns:p14="http://schemas.microsoft.com/office/powerpoint/2010/main" val="3489376245"/>
       </p:ext>
     </p:extLst>
   </p:cSld>
@@ -5347,18 +5410,89 @@
         </p:nvSpPr>
         <p:spPr/>
         <p:txBody>
-          <a:bodyPr>
-            <a:normAutofit/>
-          </a:bodyPr>
+          <a:bodyPr/>
           <a:lstStyle/>
           <a:p>
-            <a:endParaRPr lang="en-US" dirty="0" smtClean="0"/>
-          </a:p>
-          <a:p>
-            <a:endParaRPr lang="en-US" dirty="0" smtClean="0"/>
-          </a:p>
-          <a:p>
-            <a:endParaRPr lang="en-US" dirty="0" smtClean="0"/>
+            <a:pPr marL="0" marR="0" indent="0" algn="l" defTabSz="1217613" rtl="0" eaLnBrk="1" fontAlgn="base" latinLnBrk="0" hangingPunct="1">
+              <a:lnSpc>
+                <a:spcPct val="90000"/>
+              </a:lnSpc>
+              <a:spcBef>
+                <a:spcPct val="30000"/>
+              </a:spcBef>
+              <a:spcAft>
+                <a:spcPts val="450"/>
+              </a:spcAft>
+              <a:buClrTx/>
+              <a:buSzTx/>
+              <a:buFontTx/>
+              <a:buNone/>
+              <a:tabLst/>
+              <a:defRPr/>
+            </a:pPr>
+            <a:r>
+              <a:rPr lang="en-US" b="1" dirty="0" smtClean="0"/>
+              <a:t>Important</a:t>
+            </a:r>
+            <a:r>
+              <a:rPr lang="en-US" dirty="0" smtClean="0"/>
+              <a:t>: Be sure to run this command from your laptop. You can first move to whatever directory on</a:t>
+            </a:r>
+            <a:r>
+              <a:rPr lang="en-US" baseline="0" dirty="0" smtClean="0"/>
+              <a:t> your laptop that you like.</a:t>
+            </a:r>
+          </a:p>
+          <a:p>
+            <a:pPr marL="0" marR="0" indent="0" algn="l" defTabSz="1217613" rtl="0" eaLnBrk="1" fontAlgn="base" latinLnBrk="0" hangingPunct="1">
+              <a:lnSpc>
+                <a:spcPct val="90000"/>
+              </a:lnSpc>
+              <a:spcBef>
+                <a:spcPct val="30000"/>
+              </a:spcBef>
+              <a:spcAft>
+                <a:spcPts val="450"/>
+              </a:spcAft>
+              <a:buClrTx/>
+              <a:buSzTx/>
+              <a:buFontTx/>
+              <a:buNone/>
+              <a:tabLst/>
+              <a:defRPr/>
+            </a:pPr>
+            <a:endParaRPr lang="en-US" baseline="0" dirty="0" smtClean="0"/>
+          </a:p>
+          <a:p>
+            <a:pPr marL="0" marR="0" indent="0" algn="l" defTabSz="1217613" rtl="0" eaLnBrk="1" fontAlgn="base" latinLnBrk="0" hangingPunct="1">
+              <a:lnSpc>
+                <a:spcPct val="90000"/>
+              </a:lnSpc>
+              <a:spcBef>
+                <a:spcPct val="30000"/>
+              </a:spcBef>
+              <a:spcAft>
+                <a:spcPts val="450"/>
+              </a:spcAft>
+              <a:buClrTx/>
+              <a:buSzTx/>
+              <a:buFontTx/>
+              <a:buNone/>
+              <a:tabLst/>
+              <a:defRPr/>
+            </a:pPr>
+            <a:r>
+              <a:rPr lang="en-US" baseline="0" dirty="0" smtClean="0"/>
+              <a:t>In this Windows example, the user created and moved to the C:\tmp location and then ran the above command. The </a:t>
+            </a:r>
+            <a:r>
+              <a:rPr lang="en-US" dirty="0" smtClean="0"/>
+              <a:t>IP address after the `chef@`</a:t>
+            </a:r>
+            <a:r>
+              <a:rPr lang="en-US" baseline="0" dirty="0" smtClean="0"/>
+              <a:t> is the IP address of the target node where the profile_01.zip was created.</a:t>
+            </a:r>
           </a:p>
         </p:txBody>
       </p:sp>
@@ -5438,7 +5572,7 @@
     </p:spTree>
     <p:extLst>
       <p:ext uri="{BB962C8B-B14F-4D97-AF65-F5344CB8AC3E}">
-        <p14:creationId xmlns:p14="http://schemas.microsoft.com/office/powerpoint/2010/main" val="1374099120"/>
+        <p14:creationId xmlns:p14="http://schemas.microsoft.com/office/powerpoint/2010/main" val="3177917486"/>
       </p:ext>
     </p:extLst>
   </p:cSld>
@@ -5494,104 +5628,6 @@
           </a:bodyPr>
           <a:lstStyle/>
           <a:p>
-            <a:r>
-              <a:rPr lang="en-US" dirty="0" smtClean="0"/>
-              <a:t>Since you are logged</a:t>
-            </a:r>
-            <a:r>
-              <a:rPr lang="en-US" baseline="0" dirty="0" smtClean="0"/>
-              <a:t> into the Chef Compliance UI as 'admin', your profile is called 'admin/profile' on the 'Scan nodes' page. </a:t>
-            </a:r>
-          </a:p>
-          <a:p>
-            <a:endParaRPr lang="en-US" baseline="0" dirty="0" smtClean="0"/>
-          </a:p>
-          <a:p>
-            <a:pPr marL="0" marR="0" indent="0" algn="l" defTabSz="1217613" rtl="0" eaLnBrk="1" fontAlgn="base" latinLnBrk="0" hangingPunct="1">
-              <a:lnSpc>
-                <a:spcPct val="90000"/>
-              </a:lnSpc>
-              <a:spcBef>
-                <a:spcPct val="30000"/>
-              </a:spcBef>
-              <a:spcAft>
-                <a:spcPts val="450"/>
-              </a:spcAft>
-              <a:buClrTx/>
-              <a:buSzTx/>
-              <a:buFontTx/>
-              <a:buNone/>
-              <a:tabLst/>
-              <a:defRPr/>
-            </a:pPr>
-            <a:r>
-              <a:rPr lang="en-US" baseline="0" dirty="0" smtClean="0"/>
-              <a:t>Instructor Note: Regarding this note above--`</a:t>
-            </a:r>
-            <a:r>
-              <a:rPr lang="en-US" b="1" dirty="0" smtClean="0"/>
-              <a:t>Note</a:t>
-            </a:r>
-            <a:r>
-              <a:rPr lang="en-US" dirty="0" smtClean="0"/>
-              <a:t>: The profile name in this view is based on the name space in your metadata.rb.`--</a:t>
-            </a:r>
-            <a:r>
-              <a:rPr lang="en-US" baseline="0" dirty="0" smtClean="0"/>
-              <a:t>the compliance team may have improved that Compliance profile name field on the "Scan nodes" page by now to include whatever is the </a:t>
-            </a:r>
-            <a:r>
-              <a:rPr lang="en-US" dirty="0" smtClean="0">
-                <a:effectLst/>
-              </a:rPr>
-              <a:t>`</a:t>
-            </a:r>
-            <a:r>
-              <a:rPr lang="en-US" dirty="0" smtClean="0"/>
-              <a:t>title</a:t>
-            </a:r>
-            <a:r>
-              <a:rPr lang="en-US" dirty="0" smtClean="0">
-                <a:effectLst/>
-              </a:rPr>
-              <a:t>` </a:t>
-            </a:r>
-            <a:r>
-              <a:rPr lang="en-US" sz="1200" b="0" i="0" kern="1200" dirty="0" smtClean="0">
-                <a:solidFill>
-                  <a:schemeClr val="tx1"/>
-                </a:solidFill>
-                <a:effectLst/>
-                <a:latin typeface="Arial" panose="020B0604020202020204" pitchFamily="34" charset="0"/>
-                <a:ea typeface="ＭＳ Ｐゴシック" charset="0"/>
-                <a:cs typeface="Arial" panose="020B0604020202020204" pitchFamily="34" charset="0"/>
-              </a:rPr>
-              <a:t>value from the metadata.rb. Therefore it would match the name as displayed in the Compliance profiles</a:t>
-            </a:r>
-            <a:r>
-              <a:rPr lang="en-US" sz="1200" b="0" i="0" kern="1200" baseline="0" dirty="0" smtClean="0">
-                <a:solidFill>
-                  <a:schemeClr val="tx1"/>
-                </a:solidFill>
-                <a:effectLst/>
-                <a:latin typeface="Arial" panose="020B0604020202020204" pitchFamily="34" charset="0"/>
-                <a:ea typeface="ＭＳ Ｐゴシック" charset="0"/>
-                <a:cs typeface="Arial" panose="020B0604020202020204" pitchFamily="34" charset="0"/>
-              </a:rPr>
-              <a:t> </a:t>
-            </a:r>
-            <a:r>
-              <a:rPr lang="en-US" sz="1200" b="0" i="0" kern="1200" dirty="0" smtClean="0">
-                <a:solidFill>
-                  <a:schemeClr val="tx1"/>
-                </a:solidFill>
-                <a:effectLst/>
-                <a:latin typeface="Arial" panose="020B0604020202020204" pitchFamily="34" charset="0"/>
-                <a:ea typeface="ＭＳ Ｐゴシック" charset="0"/>
-                <a:cs typeface="Arial" panose="020B0604020202020204" pitchFamily="34" charset="0"/>
-              </a:rPr>
-              <a:t>page.</a:t>
-            </a:r>
             <a:endParaRPr lang="en-US" dirty="0" smtClean="0"/>
           </a:p>
           <a:p>
@@ -5678,7 +5714,7 @@
     </p:spTree>
     <p:extLst>
       <p:ext uri="{BB962C8B-B14F-4D97-AF65-F5344CB8AC3E}">
-        <p14:creationId xmlns:p14="http://schemas.microsoft.com/office/powerpoint/2010/main" val="2291975385"/>
+        <p14:creationId xmlns:p14="http://schemas.microsoft.com/office/powerpoint/2010/main" val="621470605"/>
       </p:ext>
     </p:extLst>
   </p:cSld>
@@ -5868,144 +5904,6 @@
           </a:bodyPr>
           <a:lstStyle/>
           <a:p>
-            <a:pPr marL="0" marR="0" indent="0" algn="l" defTabSz="1217613" rtl="0" eaLnBrk="1" fontAlgn="base" latinLnBrk="0" hangingPunct="1">
-              <a:lnSpc>
-                <a:spcPct val="90000"/>
-              </a:lnSpc>
-              <a:spcBef>
-                <a:spcPct val="30000"/>
-              </a:spcBef>
-              <a:spcAft>
-                <a:spcPts val="450"/>
-              </a:spcAft>
-              <a:buClrTx/>
-              <a:buSzTx/>
-              <a:buFontTx/>
-              <a:buNone/>
-              <a:tabLst/>
-              <a:defRPr/>
-            </a:pPr>
-            <a:r>
-              <a:rPr lang="en-US" dirty="0" smtClean="0"/>
-              <a:t>The results of your scan should look like this example.</a:t>
-            </a:r>
-          </a:p>
-          <a:p>
-            <a:endParaRPr lang="en-US" dirty="0" smtClean="0"/>
-          </a:p>
-          <a:p>
-            <a:r>
-              <a:rPr lang="en-US" dirty="0" smtClean="0"/>
-              <a:t>In this case, the scan should show a critical issue because /etc/</a:t>
-            </a:r>
-            <a:r>
-              <a:rPr lang="en-US" dirty="0" err="1" smtClean="0"/>
-              <a:t>sysconfig</a:t>
-            </a:r>
-            <a:r>
-              <a:rPr lang="en-US" dirty="0" smtClean="0"/>
-              <a:t>/</a:t>
-            </a:r>
-            <a:r>
-              <a:rPr lang="en-US" dirty="0" err="1" smtClean="0"/>
-              <a:t>init</a:t>
-            </a:r>
-            <a:r>
-              <a:rPr lang="en-US" baseline="0" dirty="0" smtClean="0"/>
-              <a:t> does not set </a:t>
-            </a:r>
-            <a:r>
-              <a:rPr lang="en-US" dirty="0" err="1" smtClean="0"/>
-              <a:t>umask</a:t>
-            </a:r>
-            <a:r>
-              <a:rPr lang="en-US" dirty="0" smtClean="0"/>
-              <a:t> to 027.</a:t>
-            </a:r>
-          </a:p>
-          <a:p>
-            <a:endParaRPr lang="en-US" dirty="0" smtClean="0"/>
-          </a:p>
-          <a:p>
-            <a:r>
-              <a:rPr lang="en-US" dirty="0" smtClean="0"/>
-              <a:t>In the workplace you would want to write a recipe to remediate the /etc/</a:t>
-            </a:r>
-            <a:r>
-              <a:rPr lang="en-US" dirty="0" err="1" smtClean="0"/>
-              <a:t>sysconfig</a:t>
-            </a:r>
-            <a:r>
-              <a:rPr lang="en-US" dirty="0" smtClean="0"/>
-              <a:t>/</a:t>
-            </a:r>
-            <a:r>
-              <a:rPr lang="en-US" dirty="0" err="1" smtClean="0"/>
-              <a:t>init</a:t>
-            </a:r>
-            <a:r>
-              <a:rPr lang="en-US" baseline="0" dirty="0" smtClean="0"/>
-              <a:t> </a:t>
-            </a:r>
-            <a:r>
-              <a:rPr lang="en-US" dirty="0" err="1" smtClean="0"/>
-              <a:t>umask</a:t>
-            </a:r>
-            <a:r>
-              <a:rPr lang="en-US" dirty="0" smtClean="0"/>
-              <a:t> issue</a:t>
-            </a:r>
-            <a:r>
-              <a:rPr lang="en-US" baseline="0" dirty="0" smtClean="0"/>
-              <a:t> and then you could run the scan again to ensure you have corrected the issue.</a:t>
-            </a:r>
-          </a:p>
-          <a:p>
-            <a:endParaRPr lang="en-US" baseline="0" dirty="0" smtClean="0"/>
-          </a:p>
-          <a:p>
-            <a:r>
-              <a:rPr lang="en-US" baseline="0" dirty="0" smtClean="0"/>
-              <a:t>For example, your remediation recipe should add this line to </a:t>
-            </a:r>
-            <a:r>
-              <a:rPr lang="en-US" dirty="0" smtClean="0"/>
-              <a:t>/etc/</a:t>
-            </a:r>
-            <a:r>
-              <a:rPr lang="en-US" dirty="0" err="1" smtClean="0"/>
-              <a:t>sysconfig</a:t>
-            </a:r>
-            <a:r>
-              <a:rPr lang="en-US" dirty="0" smtClean="0"/>
-              <a:t>/</a:t>
-            </a:r>
-            <a:r>
-              <a:rPr lang="en-US" dirty="0" err="1" smtClean="0"/>
-              <a:t>init</a:t>
-            </a:r>
-            <a:r>
-              <a:rPr lang="en-US" baseline="0" dirty="0" smtClean="0"/>
-              <a:t>:</a:t>
-            </a:r>
-            <a:br>
-              <a:rPr lang="en-US" baseline="0" dirty="0" smtClean="0"/>
-            </a:br>
-            <a:r>
-              <a:rPr lang="en-US" baseline="0" dirty="0" smtClean="0"/>
-              <a:t/>
-            </a:r>
-            <a:br>
-              <a:rPr lang="en-US" baseline="0" dirty="0" smtClean="0"/>
-            </a:br>
-            <a:r>
-              <a:rPr lang="en-US" baseline="0" dirty="0" err="1" smtClean="0"/>
-              <a:t>umask</a:t>
-            </a:r>
-            <a:r>
-              <a:rPr lang="en-US" baseline="0" dirty="0" smtClean="0"/>
-              <a:t> 027</a:t>
-            </a:r>
             <a:endParaRPr lang="en-US" dirty="0" smtClean="0"/>
           </a:p>
           <a:p>
@@ -6092,7 +5990,7 @@
     </p:spTree>
     <p:extLst>
       <p:ext uri="{BB962C8B-B14F-4D97-AF65-F5344CB8AC3E}">
-        <p14:creationId xmlns:p14="http://schemas.microsoft.com/office/powerpoint/2010/main" val="1594543438"/>
+        <p14:creationId xmlns:p14="http://schemas.microsoft.com/office/powerpoint/2010/main" val="1582936886"/>
       </p:ext>
     </p:extLst>
   </p:cSld>
@@ -6234,7 +6132,7 @@
     </p:spTree>
     <p:extLst>
       <p:ext uri="{BB962C8B-B14F-4D97-AF65-F5344CB8AC3E}">
-        <p14:creationId xmlns:p14="http://schemas.microsoft.com/office/powerpoint/2010/main" val="2036843285"/>
+        <p14:creationId xmlns:p14="http://schemas.microsoft.com/office/powerpoint/2010/main" val="1374099120"/>
       </p:ext>
     </p:extLst>
   </p:cSld>
@@ -6285,14 +6183,116 @@
         </p:nvSpPr>
         <p:spPr/>
         <p:txBody>
-          <a:bodyPr/>
+          <a:bodyPr>
+            <a:normAutofit/>
+          </a:bodyPr>
           <a:lstStyle/>
           <a:p>
             <a:r>
               <a:rPr lang="en-US" dirty="0" smtClean="0"/>
-              <a:t>TBD: Do this lab as windows.</a:t>
-            </a:r>
-            <a:endParaRPr lang="en-US" dirty="0"/>
+              <a:t>Since you are logged</a:t>
+            </a:r>
+            <a:r>
+              <a:rPr lang="en-US" baseline="0" dirty="0" smtClean="0"/>
+              <a:t> into the Chef Compliance UI as 'admin', your profile is called 'admin/profile' on the 'Scan nodes' page. </a:t>
+            </a:r>
+          </a:p>
+          <a:p>
+            <a:endParaRPr lang="en-US" baseline="0" dirty="0" smtClean="0"/>
+          </a:p>
+          <a:p>
+            <a:pPr marL="0" marR="0" indent="0" algn="l" defTabSz="1217613" rtl="0" eaLnBrk="1" fontAlgn="base" latinLnBrk="0" hangingPunct="1">
+              <a:lnSpc>
+                <a:spcPct val="90000"/>
+              </a:lnSpc>
+              <a:spcBef>
+                <a:spcPct val="30000"/>
+              </a:spcBef>
+              <a:spcAft>
+                <a:spcPts val="450"/>
+              </a:spcAft>
+              <a:buClrTx/>
+              <a:buSzTx/>
+              <a:buFontTx/>
+              <a:buNone/>
+              <a:tabLst/>
+              <a:defRPr/>
+            </a:pPr>
+            <a:r>
+              <a:rPr lang="en-US" baseline="0" dirty="0" smtClean="0"/>
+              <a:t>Instructor Note: Regarding this note above--`</a:t>
+            </a:r>
+            <a:r>
+              <a:rPr lang="en-US" b="1" dirty="0" smtClean="0"/>
+              <a:t>Note</a:t>
+            </a:r>
+            <a:r>
+              <a:rPr lang="en-US" dirty="0" smtClean="0"/>
+              <a:t>: The profile name in this view is based on the name space in your metadata.rb.`--</a:t>
+            </a:r>
+            <a:r>
+              <a:rPr lang="en-US" baseline="0" dirty="0" smtClean="0"/>
+              <a:t>the compliance team may have improved that Compliance profile name field on the "Scan nodes" page by now to include whatever is the </a:t>
+            </a:r>
+            <a:r>
+              <a:rPr lang="en-US" dirty="0" smtClean="0">
+                <a:effectLst/>
+              </a:rPr>
+              <a:t>`</a:t>
+            </a:r>
+            <a:r>
+              <a:rPr lang="en-US" dirty="0" smtClean="0"/>
+              <a:t>title</a:t>
+            </a:r>
+            <a:r>
+              <a:rPr lang="en-US" dirty="0" smtClean="0">
+                <a:effectLst/>
+              </a:rPr>
+              <a:t>` </a:t>
+            </a:r>
+            <a:r>
+              <a:rPr lang="en-US" sz="1200" b="0" i="0" kern="1200" dirty="0" smtClean="0">
+                <a:solidFill>
+                  <a:schemeClr val="tx1"/>
+                </a:solidFill>
+                <a:effectLst/>
+                <a:latin typeface="Arial" panose="020B0604020202020204" pitchFamily="34" charset="0"/>
+                <a:ea typeface="ＭＳ Ｐゴシック" charset="0"/>
+                <a:cs typeface="Arial" panose="020B0604020202020204" pitchFamily="34" charset="0"/>
+              </a:rPr>
+              <a:t>value from the metadata.rb. Therefore it would match the name as displayed in the Compliance profiles</a:t>
+            </a:r>
+            <a:r>
+              <a:rPr lang="en-US" sz="1200" b="0" i="0" kern="1200" baseline="0" dirty="0" smtClean="0">
+                <a:solidFill>
+                  <a:schemeClr val="tx1"/>
+                </a:solidFill>
+                <a:effectLst/>
+                <a:latin typeface="Arial" panose="020B0604020202020204" pitchFamily="34" charset="0"/>
+                <a:ea typeface="ＭＳ Ｐゴシック" charset="0"/>
+                <a:cs typeface="Arial" panose="020B0604020202020204" pitchFamily="34" charset="0"/>
+              </a:rPr>
+              <a:t> </a:t>
+            </a:r>
+            <a:r>
+              <a:rPr lang="en-US" sz="1200" b="0" i="0" kern="1200" dirty="0" smtClean="0">
+                <a:solidFill>
+                  <a:schemeClr val="tx1"/>
+                </a:solidFill>
+                <a:effectLst/>
+                <a:latin typeface="Arial" panose="020B0604020202020204" pitchFamily="34" charset="0"/>
+                <a:ea typeface="ＭＳ Ｐゴシック" charset="0"/>
+                <a:cs typeface="Arial" panose="020B0604020202020204" pitchFamily="34" charset="0"/>
+              </a:rPr>
+              <a:t>page.</a:t>
+            </a:r>
+            <a:endParaRPr lang="en-US" dirty="0" smtClean="0"/>
+          </a:p>
+          <a:p>
+            <a:endParaRPr lang="en-US" dirty="0" smtClean="0"/>
+          </a:p>
+          <a:p>
+            <a:endParaRPr lang="en-US" dirty="0" smtClean="0"/>
           </a:p>
         </p:txBody>
       </p:sp>
@@ -6372,7 +6372,7 @@
     </p:spTree>
     <p:extLst>
       <p:ext uri="{BB962C8B-B14F-4D97-AF65-F5344CB8AC3E}">
-        <p14:creationId xmlns:p14="http://schemas.microsoft.com/office/powerpoint/2010/main" val="920071033"/>
+        <p14:creationId xmlns:p14="http://schemas.microsoft.com/office/powerpoint/2010/main" val="2291975385"/>
       </p:ext>
     </p:extLst>
   </p:cSld>
@@ -6423,10 +6423,156 @@
         </p:nvSpPr>
         <p:spPr/>
         <p:txBody>
-          <a:bodyPr/>
+          <a:bodyPr>
+            <a:normAutofit/>
+          </a:bodyPr>
           <a:lstStyle/>
           <a:p>
-            <a:endParaRPr lang="en-US" dirty="0"/>
+            <a:pPr marL="0" marR="0" indent="0" algn="l" defTabSz="1217613" rtl="0" eaLnBrk="1" fontAlgn="base" latinLnBrk="0" hangingPunct="1">
+              <a:lnSpc>
+                <a:spcPct val="90000"/>
+              </a:lnSpc>
+              <a:spcBef>
+                <a:spcPct val="30000"/>
+              </a:spcBef>
+              <a:spcAft>
+                <a:spcPts val="450"/>
+              </a:spcAft>
+              <a:buClrTx/>
+              <a:buSzTx/>
+              <a:buFontTx/>
+              <a:buNone/>
+              <a:tabLst/>
+              <a:defRPr/>
+            </a:pPr>
+            <a:r>
+              <a:rPr lang="en-US" dirty="0" smtClean="0"/>
+              <a:t>The results of your scan should look like this example.</a:t>
+            </a:r>
+          </a:p>
+          <a:p>
+            <a:endParaRPr lang="en-US" dirty="0" smtClean="0"/>
+          </a:p>
+          <a:p>
+            <a:r>
+              <a:rPr lang="en-US" dirty="0" smtClean="0"/>
+              <a:t>In this case, the scan should show a critical issue because /etc/</a:t>
+            </a:r>
+            <a:r>
+              <a:rPr lang="en-US" dirty="0" err="1" smtClean="0"/>
+              <a:t>sysconfig</a:t>
+            </a:r>
+            <a:r>
+              <a:rPr lang="en-US" dirty="0" smtClean="0"/>
+              <a:t>/</a:t>
+            </a:r>
+            <a:r>
+              <a:rPr lang="en-US" dirty="0" err="1" smtClean="0"/>
+              <a:t>init</a:t>
+            </a:r>
+            <a:r>
+              <a:rPr lang="en-US" baseline="0" dirty="0" smtClean="0"/>
+              <a:t> does not set </a:t>
+            </a:r>
+            <a:r>
+              <a:rPr lang="en-US" dirty="0" err="1" smtClean="0"/>
+              <a:t>umask</a:t>
+            </a:r>
+            <a:r>
+              <a:rPr lang="en-US" dirty="0" smtClean="0"/>
+              <a:t> to 027.</a:t>
+            </a:r>
+          </a:p>
+          <a:p>
+            <a:endParaRPr lang="en-US" dirty="0" smtClean="0"/>
+          </a:p>
+          <a:p>
+            <a:r>
+              <a:rPr lang="en-US" dirty="0" smtClean="0"/>
+              <a:t>In the workplace you would want to write a recipe to remediate the /etc/</a:t>
+            </a:r>
+            <a:r>
+              <a:rPr lang="en-US" dirty="0" err="1" smtClean="0"/>
+              <a:t>sysconfig</a:t>
+            </a:r>
+            <a:r>
+              <a:rPr lang="en-US" dirty="0" smtClean="0"/>
+              <a:t>/</a:t>
+            </a:r>
+            <a:r>
+              <a:rPr lang="en-US" dirty="0" err="1" smtClean="0"/>
+              <a:t>init</a:t>
+            </a:r>
+            <a:r>
+              <a:rPr lang="en-US" baseline="0" dirty="0" smtClean="0"/>
+              <a:t> </a:t>
+            </a:r>
+            <a:r>
+              <a:rPr lang="en-US" dirty="0" err="1" smtClean="0"/>
+              <a:t>umask</a:t>
+            </a:r>
+            <a:r>
+              <a:rPr lang="en-US" dirty="0" smtClean="0"/>
+              <a:t> issue</a:t>
+            </a:r>
+            <a:r>
+              <a:rPr lang="en-US" baseline="0" dirty="0" smtClean="0"/>
+              <a:t> and then you could run the scan again to ensure you have corrected the issue.</a:t>
+            </a:r>
+          </a:p>
+          <a:p>
+            <a:endParaRPr lang="en-US" baseline="0" dirty="0" smtClean="0"/>
+          </a:p>
+          <a:p>
+            <a:r>
+              <a:rPr lang="en-US" baseline="0" dirty="0" smtClean="0"/>
+              <a:t>For example, your remediation recipe should add this line to </a:t>
+            </a:r>
+            <a:r>
+              <a:rPr lang="en-US" dirty="0" smtClean="0"/>
+              <a:t>/etc/</a:t>
+            </a:r>
+            <a:r>
+              <a:rPr lang="en-US" dirty="0" err="1" smtClean="0"/>
+              <a:t>sysconfig</a:t>
+            </a:r>
+            <a:r>
+              <a:rPr lang="en-US" dirty="0" smtClean="0"/>
+              <a:t>/</a:t>
+            </a:r>
+            <a:r>
+              <a:rPr lang="en-US" dirty="0" err="1" smtClean="0"/>
+              <a:t>init</a:t>
+            </a:r>
+            <a:r>
+              <a:rPr lang="en-US" baseline="0" dirty="0" smtClean="0"/>
+              <a:t>:</a:t>
+            </a:r>
+            <a:br>
+              <a:rPr lang="en-US" baseline="0" dirty="0" smtClean="0"/>
+            </a:br>
+            <a:r>
+              <a:rPr lang="en-US" baseline="0" dirty="0" smtClean="0"/>
+              <a:t/>
+            </a:r>
+            <a:br>
+              <a:rPr lang="en-US" baseline="0" dirty="0" smtClean="0"/>
+            </a:br>
+            <a:r>
+              <a:rPr lang="en-US" baseline="0" dirty="0" err="1" smtClean="0"/>
+              <a:t>umask</a:t>
+            </a:r>
+            <a:r>
+              <a:rPr lang="en-US" baseline="0" dirty="0" smtClean="0"/>
+              <a:t> 027</a:t>
+            </a:r>
+            <a:endParaRPr lang="en-US" dirty="0" smtClean="0"/>
+          </a:p>
+          <a:p>
+            <a:endParaRPr lang="en-US" dirty="0" smtClean="0"/>
+          </a:p>
+          <a:p>
+            <a:endParaRPr lang="en-US" dirty="0" smtClean="0"/>
           </a:p>
         </p:txBody>
       </p:sp>
@@ -6506,7 +6652,7 @@
     </p:spTree>
     <p:extLst>
       <p:ext uri="{BB962C8B-B14F-4D97-AF65-F5344CB8AC3E}">
-        <p14:creationId xmlns:p14="http://schemas.microsoft.com/office/powerpoint/2010/main" val="4127888083"/>
+        <p14:creationId xmlns:p14="http://schemas.microsoft.com/office/powerpoint/2010/main" val="1594543438"/>
       </p:ext>
     </p:extLst>
   </p:cSld>
@@ -6557,10 +6703,18 @@
         </p:nvSpPr>
         <p:spPr/>
         <p:txBody>
-          <a:bodyPr/>
+          <a:bodyPr>
+            <a:normAutofit/>
+          </a:bodyPr>
           <a:lstStyle/>
           <a:p>
-            <a:endParaRPr lang="en-US" dirty="0"/>
+            <a:endParaRPr lang="en-US" dirty="0" smtClean="0"/>
+          </a:p>
+          <a:p>
+            <a:endParaRPr lang="en-US" dirty="0" smtClean="0"/>
+          </a:p>
+          <a:p>
+            <a:endParaRPr lang="en-US" dirty="0" smtClean="0"/>
           </a:p>
         </p:txBody>
       </p:sp>
@@ -6640,7 +6794,7 @@
     </p:spTree>
     <p:extLst>
       <p:ext uri="{BB962C8B-B14F-4D97-AF65-F5344CB8AC3E}">
-        <p14:creationId xmlns:p14="http://schemas.microsoft.com/office/powerpoint/2010/main" val="3107302973"/>
+        <p14:creationId xmlns:p14="http://schemas.microsoft.com/office/powerpoint/2010/main" val="2036843285"/>
       </p:ext>
     </p:extLst>
   </p:cSld>
@@ -6691,51 +6845,14 @@
         </p:nvSpPr>
         <p:spPr/>
         <p:txBody>
-          <a:bodyPr>
-            <a:normAutofit/>
-          </a:bodyPr>
+          <a:bodyPr/>
           <a:lstStyle/>
           <a:p>
             <a:r>
               <a:rPr lang="en-US" dirty="0" smtClean="0"/>
-              <a:t>Go to this site...</a:t>
-            </a:r>
-          </a:p>
-          <a:p>
-            <a:r>
-              <a:rPr lang="en-US" dirty="0" smtClean="0">
-                <a:hlinkClick r:id="rId3"/>
-              </a:rPr>
-              <a:t>http://iase.disa.mil/stigs/Pages/stig-viewing-guidance.aspx</a:t>
-            </a:r>
-            <a:endParaRPr lang="en-US" dirty="0" smtClean="0"/>
-          </a:p>
-          <a:p>
-            <a:endParaRPr lang="en-US" dirty="0" smtClean="0"/>
-          </a:p>
-          <a:p>
-            <a:r>
-              <a:rPr lang="en-US" dirty="0" smtClean="0"/>
-              <a:t>...and download the latest version of the STIG Viewer. In this example we are downloading Version 2.1.</a:t>
-            </a:r>
-          </a:p>
-          <a:p>
-            <a:endParaRPr lang="en-US" dirty="0" smtClean="0"/>
-          </a:p>
-          <a:p>
-            <a:r>
-              <a:rPr lang="en-US" dirty="0" smtClean="0"/>
-              <a:t>Try to run the STIG Viewer.</a:t>
-            </a:r>
-          </a:p>
-          <a:p>
-            <a:endParaRPr lang="en-US" dirty="0" smtClean="0"/>
-          </a:p>
-          <a:p>
-            <a:endParaRPr lang="en-US" dirty="0" smtClean="0"/>
-          </a:p>
-          <a:p>
-            <a:endParaRPr lang="en-US" dirty="0" smtClean="0"/>
+              <a:t>TBD: Do this lab as windows.</a:t>
+            </a:r>
+            <a:endParaRPr lang="en-US" dirty="0"/>
           </a:p>
         </p:txBody>
       </p:sp>
@@ -6815,7 +6932,7 @@
     </p:spTree>
     <p:extLst>
       <p:ext uri="{BB962C8B-B14F-4D97-AF65-F5344CB8AC3E}">
-        <p14:creationId xmlns:p14="http://schemas.microsoft.com/office/powerpoint/2010/main" val="3280149511"/>
+        <p14:creationId xmlns:p14="http://schemas.microsoft.com/office/powerpoint/2010/main" val="920071033"/>
       </p:ext>
     </p:extLst>
   </p:cSld>
@@ -6866,36 +6983,10 @@
         </p:nvSpPr>
         <p:spPr/>
         <p:txBody>
-          <a:bodyPr>
-            <a:normAutofit/>
-          </a:bodyPr>
+          <a:bodyPr/>
           <a:lstStyle/>
           <a:p>
-            <a:r>
-              <a:rPr lang="en-US" dirty="0" smtClean="0"/>
-              <a:t>TBD: ask </a:t>
-            </a:r>
-            <a:r>
-              <a:rPr lang="en-US" dirty="0" err="1" smtClean="0"/>
-              <a:t>sean</a:t>
-            </a:r>
-            <a:r>
-              <a:rPr lang="en-US" dirty="0" smtClean="0"/>
-              <a:t> about setting</a:t>
-            </a:r>
-            <a:r>
-              <a:rPr lang="en-US" baseline="0" dirty="0" smtClean="0"/>
-              <a:t> path to </a:t>
-            </a:r>
-            <a:r>
-              <a:rPr lang="en-US" baseline="0" dirty="0" err="1" smtClean="0"/>
-              <a:t>inspec</a:t>
-            </a:r>
-            <a:r>
-              <a:rPr lang="en-US" baseline="0" dirty="0" smtClean="0"/>
-              <a:t>.</a:t>
-            </a:r>
-            <a:endParaRPr lang="en-US" dirty="0" smtClean="0"/>
+            <a:endParaRPr lang="en-US" dirty="0"/>
           </a:p>
         </p:txBody>
       </p:sp>
@@ -6923,6 +7014,475 @@
                 <a:defRPr/>
               </a:pPr>
               <a:t>39</a:t>
+            </a:fld>
+            <a:endParaRPr lang="en-US" dirty="0"/>
+          </a:p>
+        </p:txBody>
+      </p:sp>
+      <p:sp>
+        <p:nvSpPr>
+          <p:cNvPr id="5" name="Header Placeholder 4"/>
+          <p:cNvSpPr>
+            <a:spLocks noGrp="1"/>
+          </p:cNvSpPr>
+          <p:nvPr>
+            <p:ph type="hdr" sz="quarter" idx="11"/>
+          </p:nvPr>
+        </p:nvSpPr>
+        <p:spPr/>
+        <p:txBody>
+          <a:bodyPr/>
+          <a:lstStyle/>
+          <a:p>
+            <a:pPr>
+              <a:defRPr/>
+            </a:pPr>
+            <a:endParaRPr lang="en-US"/>
+          </a:p>
+        </p:txBody>
+      </p:sp>
+      <p:sp>
+        <p:nvSpPr>
+          <p:cNvPr id="6" name="Footer Placeholder 5"/>
+          <p:cNvSpPr>
+            <a:spLocks noGrp="1"/>
+          </p:cNvSpPr>
+          <p:nvPr>
+            <p:ph type="ftr" sz="quarter" idx="12"/>
+          </p:nvPr>
+        </p:nvSpPr>
+        <p:spPr/>
+        <p:txBody>
+          <a:bodyPr/>
+          <a:lstStyle/>
+          <a:p>
+            <a:pPr>
+              <a:defRPr/>
+            </a:pPr>
+            <a:endParaRPr lang="en-US"/>
+          </a:p>
+        </p:txBody>
+      </p:sp>
+    </p:spTree>
+    <p:extLst>
+      <p:ext uri="{BB962C8B-B14F-4D97-AF65-F5344CB8AC3E}">
+        <p14:creationId xmlns:p14="http://schemas.microsoft.com/office/powerpoint/2010/main" val="4127888083"/>
+      </p:ext>
+    </p:extLst>
+  </p:cSld>
+  <p:clrMapOvr>
+    <a:masterClrMapping/>
+  </p:clrMapOvr>
+</p:notes>
+</file>
+
+<file path=ppt/notesSlides/notesSlide37.xml><?xml version="1.0" encoding="utf-8"?>
+<p:notes xmlns:a="http://schemas.openxmlformats.org/drawingml/2006/main" xmlns:r="http://schemas.openxmlformats.org/officeDocument/2006/relationships" xmlns:p="http://schemas.openxmlformats.org/presentationml/2006/main">
+  <p:cSld>
+    <p:spTree>
+      <p:nvGrpSpPr>
+        <p:cNvPr id="1" name=""/>
+        <p:cNvGrpSpPr/>
+        <p:nvPr/>
+      </p:nvGrpSpPr>
+      <p:grpSpPr>
+        <a:xfrm>
+          <a:off x="0" y="0"/>
+          <a:ext cx="0" cy="0"/>
+          <a:chOff x="0" y="0"/>
+          <a:chExt cx="0" cy="0"/>
+        </a:xfrm>
+      </p:grpSpPr>
+      <p:sp>
+        <p:nvSpPr>
+          <p:cNvPr id="2" name="Slide Image Placeholder 1"/>
+          <p:cNvSpPr>
+            <a:spLocks noGrp="1" noRot="1" noChangeAspect="1"/>
+          </p:cNvSpPr>
+          <p:nvPr>
+            <p:ph type="sldImg"/>
+          </p:nvPr>
+        </p:nvSpPr>
+        <p:spPr/>
+      </p:sp>
+      <p:sp>
+        <p:nvSpPr>
+          <p:cNvPr id="3" name="Notes Placeholder 2"/>
+          <p:cNvSpPr>
+            <a:spLocks noGrp="1"/>
+          </p:cNvSpPr>
+          <p:nvPr>
+            <p:ph type="body" idx="1"/>
+          </p:nvPr>
+        </p:nvSpPr>
+        <p:spPr/>
+        <p:txBody>
+          <a:bodyPr/>
+          <a:lstStyle/>
+          <a:p>
+            <a:endParaRPr lang="en-US" dirty="0"/>
+          </a:p>
+        </p:txBody>
+      </p:sp>
+      <p:sp>
+        <p:nvSpPr>
+          <p:cNvPr id="4" name="Slide Number Placeholder 3"/>
+          <p:cNvSpPr>
+            <a:spLocks noGrp="1"/>
+          </p:cNvSpPr>
+          <p:nvPr>
+            <p:ph type="sldNum" sz="quarter" idx="10"/>
+          </p:nvPr>
+        </p:nvSpPr>
+        <p:spPr/>
+        <p:txBody>
+          <a:bodyPr/>
+          <a:lstStyle/>
+          <a:p>
+            <a:pPr>
+              <a:defRPr/>
+            </a:pPr>
+            <a:fld id="{DC3734AA-3150-D947-AC52-2F5DF48BFCD5}" type="slidenum">
+              <a:rPr lang="en-US" smtClean="0"/>
+              <a:pPr>
+                <a:defRPr/>
+              </a:pPr>
+              <a:t>40</a:t>
+            </a:fld>
+            <a:endParaRPr lang="en-US" dirty="0"/>
+          </a:p>
+        </p:txBody>
+      </p:sp>
+      <p:sp>
+        <p:nvSpPr>
+          <p:cNvPr id="5" name="Header Placeholder 4"/>
+          <p:cNvSpPr>
+            <a:spLocks noGrp="1"/>
+          </p:cNvSpPr>
+          <p:nvPr>
+            <p:ph type="hdr" sz="quarter" idx="11"/>
+          </p:nvPr>
+        </p:nvSpPr>
+        <p:spPr/>
+        <p:txBody>
+          <a:bodyPr/>
+          <a:lstStyle/>
+          <a:p>
+            <a:pPr>
+              <a:defRPr/>
+            </a:pPr>
+            <a:endParaRPr lang="en-US"/>
+          </a:p>
+        </p:txBody>
+      </p:sp>
+      <p:sp>
+        <p:nvSpPr>
+          <p:cNvPr id="6" name="Footer Placeholder 5"/>
+          <p:cNvSpPr>
+            <a:spLocks noGrp="1"/>
+          </p:cNvSpPr>
+          <p:nvPr>
+            <p:ph type="ftr" sz="quarter" idx="12"/>
+          </p:nvPr>
+        </p:nvSpPr>
+        <p:spPr/>
+        <p:txBody>
+          <a:bodyPr/>
+          <a:lstStyle/>
+          <a:p>
+            <a:pPr>
+              <a:defRPr/>
+            </a:pPr>
+            <a:endParaRPr lang="en-US"/>
+          </a:p>
+        </p:txBody>
+      </p:sp>
+    </p:spTree>
+    <p:extLst>
+      <p:ext uri="{BB962C8B-B14F-4D97-AF65-F5344CB8AC3E}">
+        <p14:creationId xmlns:p14="http://schemas.microsoft.com/office/powerpoint/2010/main" val="3107302973"/>
+      </p:ext>
+    </p:extLst>
+  </p:cSld>
+  <p:clrMapOvr>
+    <a:masterClrMapping/>
+  </p:clrMapOvr>
+</p:notes>
+</file>
+
+<file path=ppt/notesSlides/notesSlide38.xml><?xml version="1.0" encoding="utf-8"?>
+<p:notes xmlns:a="http://schemas.openxmlformats.org/drawingml/2006/main" xmlns:r="http://schemas.openxmlformats.org/officeDocument/2006/relationships" xmlns:p="http://schemas.openxmlformats.org/presentationml/2006/main">
+  <p:cSld>
+    <p:spTree>
+      <p:nvGrpSpPr>
+        <p:cNvPr id="1" name=""/>
+        <p:cNvGrpSpPr/>
+        <p:nvPr/>
+      </p:nvGrpSpPr>
+      <p:grpSpPr>
+        <a:xfrm>
+          <a:off x="0" y="0"/>
+          <a:ext cx="0" cy="0"/>
+          <a:chOff x="0" y="0"/>
+          <a:chExt cx="0" cy="0"/>
+        </a:xfrm>
+      </p:grpSpPr>
+      <p:sp>
+        <p:nvSpPr>
+          <p:cNvPr id="2" name="Slide Image Placeholder 1"/>
+          <p:cNvSpPr>
+            <a:spLocks noGrp="1" noRot="1" noChangeAspect="1"/>
+          </p:cNvSpPr>
+          <p:nvPr>
+            <p:ph type="sldImg"/>
+          </p:nvPr>
+        </p:nvSpPr>
+        <p:spPr/>
+      </p:sp>
+      <p:sp>
+        <p:nvSpPr>
+          <p:cNvPr id="3" name="Notes Placeholder 2"/>
+          <p:cNvSpPr>
+            <a:spLocks noGrp="1"/>
+          </p:cNvSpPr>
+          <p:nvPr>
+            <p:ph type="body" idx="1"/>
+          </p:nvPr>
+        </p:nvSpPr>
+        <p:spPr/>
+        <p:txBody>
+          <a:bodyPr>
+            <a:normAutofit/>
+          </a:bodyPr>
+          <a:lstStyle/>
+          <a:p>
+            <a:r>
+              <a:rPr lang="en-US" dirty="0" smtClean="0"/>
+              <a:t>Go to this site...</a:t>
+            </a:r>
+          </a:p>
+          <a:p>
+            <a:r>
+              <a:rPr lang="en-US" dirty="0" smtClean="0">
+                <a:hlinkClick r:id="rId3"/>
+              </a:rPr>
+              <a:t>http://iase.disa.mil/stigs/Pages/stig-viewing-guidance.aspx</a:t>
+            </a:r>
+            <a:endParaRPr lang="en-US" dirty="0" smtClean="0"/>
+          </a:p>
+          <a:p>
+            <a:endParaRPr lang="en-US" dirty="0" smtClean="0"/>
+          </a:p>
+          <a:p>
+            <a:r>
+              <a:rPr lang="en-US" dirty="0" smtClean="0"/>
+              <a:t>...and download the latest version of the STIG Viewer. In this example we are downloading Version 2.1.</a:t>
+            </a:r>
+          </a:p>
+          <a:p>
+            <a:endParaRPr lang="en-US" dirty="0" smtClean="0"/>
+          </a:p>
+          <a:p>
+            <a:r>
+              <a:rPr lang="en-US" dirty="0" smtClean="0"/>
+              <a:t>Try to run the STIG Viewer.</a:t>
+            </a:r>
+          </a:p>
+          <a:p>
+            <a:endParaRPr lang="en-US" dirty="0" smtClean="0"/>
+          </a:p>
+          <a:p>
+            <a:endParaRPr lang="en-US" dirty="0" smtClean="0"/>
+          </a:p>
+          <a:p>
+            <a:endParaRPr lang="en-US" dirty="0" smtClean="0"/>
+          </a:p>
+        </p:txBody>
+      </p:sp>
+      <p:sp>
+        <p:nvSpPr>
+          <p:cNvPr id="4" name="Slide Number Placeholder 3"/>
+          <p:cNvSpPr>
+            <a:spLocks noGrp="1"/>
+          </p:cNvSpPr>
+          <p:nvPr>
+            <p:ph type="sldNum" sz="quarter" idx="10"/>
+          </p:nvPr>
+        </p:nvSpPr>
+        <p:spPr/>
+        <p:txBody>
+          <a:bodyPr/>
+          <a:lstStyle/>
+          <a:p>
+            <a:pPr>
+              <a:defRPr/>
+            </a:pPr>
+            <a:fld id="{DC3734AA-3150-D947-AC52-2F5DF48BFCD5}" type="slidenum">
+              <a:rPr lang="en-US" smtClean="0"/>
+              <a:pPr>
+                <a:defRPr/>
+              </a:pPr>
+              <a:t>41</a:t>
+            </a:fld>
+            <a:endParaRPr lang="en-US" dirty="0"/>
+          </a:p>
+        </p:txBody>
+      </p:sp>
+      <p:sp>
+        <p:nvSpPr>
+          <p:cNvPr id="5" name="Header Placeholder 4"/>
+          <p:cNvSpPr>
+            <a:spLocks noGrp="1"/>
+          </p:cNvSpPr>
+          <p:nvPr>
+            <p:ph type="hdr" sz="quarter" idx="11"/>
+          </p:nvPr>
+        </p:nvSpPr>
+        <p:spPr/>
+        <p:txBody>
+          <a:bodyPr/>
+          <a:lstStyle/>
+          <a:p>
+            <a:pPr>
+              <a:defRPr/>
+            </a:pPr>
+            <a:endParaRPr lang="en-US"/>
+          </a:p>
+        </p:txBody>
+      </p:sp>
+      <p:sp>
+        <p:nvSpPr>
+          <p:cNvPr id="6" name="Footer Placeholder 5"/>
+          <p:cNvSpPr>
+            <a:spLocks noGrp="1"/>
+          </p:cNvSpPr>
+          <p:nvPr>
+            <p:ph type="ftr" sz="quarter" idx="12"/>
+          </p:nvPr>
+        </p:nvSpPr>
+        <p:spPr/>
+        <p:txBody>
+          <a:bodyPr/>
+          <a:lstStyle/>
+          <a:p>
+            <a:pPr>
+              <a:defRPr/>
+            </a:pPr>
+            <a:endParaRPr lang="en-US"/>
+          </a:p>
+        </p:txBody>
+      </p:sp>
+    </p:spTree>
+    <p:extLst>
+      <p:ext uri="{BB962C8B-B14F-4D97-AF65-F5344CB8AC3E}">
+        <p14:creationId xmlns:p14="http://schemas.microsoft.com/office/powerpoint/2010/main" val="3280149511"/>
+      </p:ext>
+    </p:extLst>
+  </p:cSld>
+  <p:clrMapOvr>
+    <a:masterClrMapping/>
+  </p:clrMapOvr>
+</p:notes>
+</file>
+
+<file path=ppt/notesSlides/notesSlide39.xml><?xml version="1.0" encoding="utf-8"?>
+<p:notes xmlns:a="http://schemas.openxmlformats.org/drawingml/2006/main" xmlns:r="http://schemas.openxmlformats.org/officeDocument/2006/relationships" xmlns:p="http://schemas.openxmlformats.org/presentationml/2006/main">
+  <p:cSld>
+    <p:spTree>
+      <p:nvGrpSpPr>
+        <p:cNvPr id="1" name=""/>
+        <p:cNvGrpSpPr/>
+        <p:nvPr/>
+      </p:nvGrpSpPr>
+      <p:grpSpPr>
+        <a:xfrm>
+          <a:off x="0" y="0"/>
+          <a:ext cx="0" cy="0"/>
+          <a:chOff x="0" y="0"/>
+          <a:chExt cx="0" cy="0"/>
+        </a:xfrm>
+      </p:grpSpPr>
+      <p:sp>
+        <p:nvSpPr>
+          <p:cNvPr id="2" name="Slide Image Placeholder 1"/>
+          <p:cNvSpPr>
+            <a:spLocks noGrp="1" noRot="1" noChangeAspect="1"/>
+          </p:cNvSpPr>
+          <p:nvPr>
+            <p:ph type="sldImg"/>
+          </p:nvPr>
+        </p:nvSpPr>
+        <p:spPr/>
+      </p:sp>
+      <p:sp>
+        <p:nvSpPr>
+          <p:cNvPr id="3" name="Notes Placeholder 2"/>
+          <p:cNvSpPr>
+            <a:spLocks noGrp="1"/>
+          </p:cNvSpPr>
+          <p:nvPr>
+            <p:ph type="body" idx="1"/>
+          </p:nvPr>
+        </p:nvSpPr>
+        <p:spPr/>
+        <p:txBody>
+          <a:bodyPr>
+            <a:normAutofit/>
+          </a:bodyPr>
+          <a:lstStyle/>
+          <a:p>
+            <a:r>
+              <a:rPr lang="en-US" dirty="0" smtClean="0"/>
+              <a:t>TBD: ask </a:t>
+            </a:r>
+            <a:r>
+              <a:rPr lang="en-US" dirty="0" err="1" smtClean="0"/>
+              <a:t>sean</a:t>
+            </a:r>
+            <a:r>
+              <a:rPr lang="en-US" dirty="0" smtClean="0"/>
+              <a:t> about setting</a:t>
+            </a:r>
+            <a:r>
+              <a:rPr lang="en-US" baseline="0" dirty="0" smtClean="0"/>
+              <a:t> path to </a:t>
+            </a:r>
+            <a:r>
+              <a:rPr lang="en-US" baseline="0" dirty="0" err="1" smtClean="0"/>
+              <a:t>inspec</a:t>
+            </a:r>
+            <a:r>
+              <a:rPr lang="en-US" baseline="0" dirty="0" smtClean="0"/>
+              <a:t>.</a:t>
+            </a:r>
+            <a:endParaRPr lang="en-US" dirty="0" smtClean="0"/>
+          </a:p>
+        </p:txBody>
+      </p:sp>
+      <p:sp>
+        <p:nvSpPr>
+          <p:cNvPr id="4" name="Slide Number Placeholder 3"/>
+          <p:cNvSpPr>
+            <a:spLocks noGrp="1"/>
+          </p:cNvSpPr>
+          <p:nvPr>
+            <p:ph type="sldNum" sz="quarter" idx="10"/>
+          </p:nvPr>
+        </p:nvSpPr>
+        <p:spPr/>
+        <p:txBody>
+          <a:bodyPr/>
+          <a:lstStyle/>
+          <a:p>
+            <a:pPr>
+              <a:defRPr/>
+            </a:pPr>
+            <a:fld id="{DC3734AA-3150-D947-AC52-2F5DF48BFCD5}" type="slidenum">
+              <a:rPr lang="en-US" smtClean="0"/>
+              <a:pPr>
+                <a:defRPr/>
+              </a:pPr>
+              <a:t>42</a:t>
             </a:fld>
             <a:endParaRPr lang="en-US" dirty="0"/>
           </a:p>
@@ -7699,13 +8259,13 @@
         <p:spPr/>
         <p:txBody>
           <a:bodyPr>
-            <a:normAutofit fontScale="92500"/>
+            <a:normAutofit/>
           </a:bodyPr>
           <a:lstStyle/>
           <a:p>
             <a:r>
               <a:rPr lang="en-US" dirty="0" smtClean="0"/>
-              <a:t>As you can see on that page the </a:t>
+              <a:t>As you can see on that page, the </a:t>
             </a:r>
             <a:r>
               <a:rPr lang="da-DK" sz="1200" b="0" i="1" u="none" strike="noStrike" kern="1200" baseline="0" dirty="0" smtClean="0">
@@ -7889,76 +8449,6 @@
               <a:ea typeface="ＭＳ Ｐゴシック" charset="0"/>
               <a:cs typeface="Arial" panose="020B0604020202020204" pitchFamily="34" charset="0"/>
             </a:endParaRPr>
-          </a:p>
-          <a:p>
-            <a:r>
-              <a:rPr lang="en-US" sz="1200" b="0" i="0" u="none" strike="noStrike" kern="1200" baseline="0" dirty="0" smtClean="0">
-                <a:solidFill>
-                  <a:schemeClr val="tx1"/>
-                </a:solidFill>
-                <a:latin typeface="Arial" panose="020B0604020202020204" pitchFamily="34" charset="0"/>
-                <a:ea typeface="ＭＳ Ｐゴシック" charset="0"/>
-                <a:cs typeface="Arial" panose="020B0604020202020204" pitchFamily="34" charset="0"/>
-              </a:rPr>
-              <a:t>So based on these CIS recommendations, you could write an </a:t>
-            </a:r>
-            <a:r>
-              <a:rPr lang="en-US" sz="1200" b="0" i="0" u="none" strike="noStrike" kern="1200" baseline="0" dirty="0" err="1" smtClean="0">
-                <a:solidFill>
-                  <a:schemeClr val="tx1"/>
-                </a:solidFill>
-                <a:latin typeface="Arial" panose="020B0604020202020204" pitchFamily="34" charset="0"/>
-                <a:ea typeface="ＭＳ Ｐゴシック" charset="0"/>
-                <a:cs typeface="Arial" panose="020B0604020202020204" pitchFamily="34" charset="0"/>
-              </a:rPr>
-              <a:t>InSpec</a:t>
-            </a:r>
-            <a:r>
-              <a:rPr lang="en-US" sz="1200" b="0" i="0" u="none" strike="noStrike" kern="1200" baseline="0" dirty="0" smtClean="0">
-                <a:solidFill>
-                  <a:schemeClr val="tx1"/>
-                </a:solidFill>
-                <a:latin typeface="Arial" panose="020B0604020202020204" pitchFamily="34" charset="0"/>
-                <a:ea typeface="ＭＳ Ｐゴシック" charset="0"/>
-                <a:cs typeface="Arial" panose="020B0604020202020204" pitchFamily="34" charset="0"/>
-              </a:rPr>
-              <a:t> test as shown on the right and add it to a Chef Compliance custom profile. In this way you can subsequently use the custom profiles to can nodes for </a:t>
-            </a:r>
-            <a:r>
-              <a:rPr lang="en-US" sz="1200" b="0" i="0" u="none" strike="noStrike" kern="1200" baseline="0" dirty="0" err="1" smtClean="0">
-                <a:solidFill>
-                  <a:schemeClr val="tx1"/>
-                </a:solidFill>
-                <a:latin typeface="Arial" panose="020B0604020202020204" pitchFamily="34" charset="0"/>
-                <a:ea typeface="ＭＳ Ｐゴシック" charset="0"/>
-                <a:cs typeface="Arial" panose="020B0604020202020204" pitchFamily="34" charset="0"/>
-              </a:rPr>
-              <a:t>umask</a:t>
-            </a:r>
-            <a:r>
-              <a:rPr lang="en-US" sz="1200" b="0" i="0" u="none" strike="noStrike" kern="1200" baseline="0" dirty="0" smtClean="0">
-                <a:solidFill>
-                  <a:schemeClr val="tx1"/>
-                </a:solidFill>
-                <a:latin typeface="Arial" panose="020B0604020202020204" pitchFamily="34" charset="0"/>
-                <a:ea typeface="ＭＳ Ｐゴシック" charset="0"/>
-                <a:cs typeface="Arial" panose="020B0604020202020204" pitchFamily="34" charset="0"/>
-              </a:rPr>
-              <a:t> compliance.</a:t>
-            </a:r>
-          </a:p>
-          <a:p>
-            <a:endParaRPr lang="nb-NO" sz="1200" b="0" i="0" u="none" strike="noStrike" kern="1200" baseline="0" dirty="0" smtClean="0">
-              <a:solidFill>
-                <a:schemeClr val="tx1"/>
-              </a:solidFill>
-              <a:latin typeface="Arial" panose="020B0604020202020204" pitchFamily="34" charset="0"/>
-              <a:ea typeface="ＭＳ Ｐゴシック" charset="0"/>
-              <a:cs typeface="Arial" panose="020B0604020202020204" pitchFamily="34" charset="0"/>
-            </a:endParaRPr>
-          </a:p>
-          <a:p>
-            <a:endParaRPr lang="en-US" dirty="0"/>
           </a:p>
         </p:txBody>
       </p:sp>
@@ -16820,7 +17310,7 @@
             </a:r>
             <a:r>
               <a:rPr lang="en-US" sz="3600" dirty="0" smtClean="0"/>
-              <a:t> Test for CIS Benchmark</a:t>
+              <a:t> Test for CIS Benchmark (1 of 3)</a:t>
             </a:r>
             <a:endParaRPr lang="en-US" sz="3600" dirty="0"/>
           </a:p>
@@ -16842,8 +17332,8 @@
         </p:blipFill>
         <p:spPr>
           <a:xfrm>
-            <a:off x="437322" y="1311965"/>
-            <a:ext cx="9337926" cy="6659218"/>
+            <a:off x="3112808" y="938462"/>
+            <a:ext cx="10030385" cy="7153036"/>
           </a:xfrm>
           <a:prstGeom prst="rect">
             <a:avLst/>
@@ -16855,270 +17345,6 @@
           </a:ln>
         </p:spPr>
       </p:pic>
-      <p:sp>
-        <p:nvSpPr>
-          <p:cNvPr id="8" name="Text Placeholder 2"/>
-          <p:cNvSpPr txBox="1">
-            <a:spLocks/>
-          </p:cNvSpPr>
-          <p:nvPr/>
-        </p:nvSpPr>
-        <p:spPr bwMode="white">
-          <a:xfrm>
-            <a:off x="10129544" y="1731611"/>
-            <a:ext cx="5920596" cy="4819091"/>
-          </a:xfrm>
-          <a:prstGeom prst="rect">
-            <a:avLst/>
-          </a:prstGeom>
-          <a:ln>
-            <a:solidFill>
-              <a:schemeClr val="accent1"/>
-            </a:solidFill>
-          </a:ln>
-        </p:spPr>
-        <p:txBody>
-          <a:bodyPr vert="horz" wrap="square" lIns="0" tIns="0" rIns="0" bIns="0" rtlCol="0">
-            <a:noAutofit/>
-          </a:bodyPr>
-          <a:lstStyle>
-            <a:lvl1pPr algn="l" defTabSz="1217613" rtl="0" eaLnBrk="1" fontAlgn="base" hangingPunct="1">
-              <a:spcBef>
-                <a:spcPts val="800"/>
-              </a:spcBef>
-              <a:spcAft>
-                <a:spcPts val="800"/>
-              </a:spcAft>
-              <a:buSzPct val="90000"/>
-              <a:buFont typeface="Arial" charset="0"/>
-              <a:defRPr sz="3200" kern="1200" baseline="0">
-                <a:solidFill>
-                  <a:schemeClr val="accent3">
-                    <a:lumMod val="50000"/>
-                  </a:schemeClr>
-                </a:solidFill>
-                <a:latin typeface="+mn-lt"/>
-                <a:ea typeface="ＭＳ Ｐゴシック" charset="0"/>
-                <a:cs typeface="ＭＳ Ｐゴシック" charset="0"/>
-              </a:defRPr>
-            </a:lvl1pPr>
-            <a:lvl2pPr marL="307975" algn="l" defTabSz="1217613" rtl="0" eaLnBrk="1" fontAlgn="base" hangingPunct="1">
-              <a:spcBef>
-                <a:spcPts val="800"/>
-              </a:spcBef>
-              <a:spcAft>
-                <a:spcPts val="800"/>
-              </a:spcAft>
-              <a:buSzPct val="90000"/>
-              <a:buFont typeface="Arial" charset="0"/>
-              <a:defRPr sz="2800" kern="1200" baseline="0">
-                <a:solidFill>
-                  <a:schemeClr val="accent3">
-                    <a:lumMod val="50000"/>
-                  </a:schemeClr>
-                </a:solidFill>
-                <a:latin typeface="+mn-lt"/>
-                <a:ea typeface="ＭＳ Ｐゴシック" charset="0"/>
-                <a:cs typeface="+mn-cs"/>
-              </a:defRPr>
-            </a:lvl2pPr>
-            <a:lvl3pPr marL="608013" algn="l" defTabSz="1217613" rtl="0" eaLnBrk="1" fontAlgn="base" hangingPunct="1">
-              <a:spcBef>
-                <a:spcPts val="800"/>
-              </a:spcBef>
-              <a:spcAft>
-                <a:spcPts val="800"/>
-              </a:spcAft>
-              <a:buSzPct val="90000"/>
-              <a:buFont typeface="Arial" charset="0"/>
-              <a:defRPr sz="2400" kern="1200" baseline="0">
-                <a:solidFill>
-                  <a:schemeClr val="accent3">
-                    <a:lumMod val="50000"/>
-                  </a:schemeClr>
-                </a:solidFill>
-                <a:latin typeface="+mn-lt"/>
-                <a:ea typeface="ＭＳ Ｐゴシック" charset="0"/>
-                <a:cs typeface="+mn-cs"/>
-              </a:defRPr>
-            </a:lvl3pPr>
-            <a:lvl4pPr marL="839788" algn="l" defTabSz="1217613" rtl="0" eaLnBrk="1" fontAlgn="base" hangingPunct="1">
-              <a:spcBef>
-                <a:spcPts val="800"/>
-              </a:spcBef>
-              <a:spcAft>
-                <a:spcPts val="800"/>
-              </a:spcAft>
-              <a:buSzPct val="90000"/>
-              <a:buFont typeface="Arial" charset="0"/>
-              <a:defRPr sz="2400" kern="1200" baseline="0">
-                <a:solidFill>
-                  <a:schemeClr val="accent3">
-                    <a:lumMod val="50000"/>
-                  </a:schemeClr>
-                </a:solidFill>
-                <a:latin typeface="+mn-lt"/>
-                <a:ea typeface="ＭＳ Ｐゴシック" charset="0"/>
-                <a:cs typeface="+mn-cs"/>
-              </a:defRPr>
-            </a:lvl4pPr>
-            <a:lvl5pPr marL="1068388" algn="l" defTabSz="1217613" rtl="0" eaLnBrk="1" fontAlgn="base" hangingPunct="1">
-              <a:spcBef>
-                <a:spcPts val="800"/>
-              </a:spcBef>
-              <a:spcAft>
-                <a:spcPts val="800"/>
-              </a:spcAft>
-              <a:buSzPct val="90000"/>
-              <a:buFont typeface="Arial" charset="0"/>
-              <a:defRPr sz="2000" kern="1200" baseline="0">
-                <a:solidFill>
-                  <a:schemeClr val="accent3">
-                    <a:lumMod val="50000"/>
-                  </a:schemeClr>
-                </a:solidFill>
-                <a:latin typeface="+mn-lt"/>
-                <a:ea typeface="ＭＳ Ｐゴシック" charset="0"/>
-                <a:cs typeface="+mn-cs"/>
-              </a:defRPr>
-            </a:lvl5pPr>
-            <a:lvl6pPr marL="3352582" indent="-304780" algn="l" defTabSz="1219120" rtl="0" eaLnBrk="1" latinLnBrk="0" hangingPunct="1">
-              <a:spcBef>
-                <a:spcPct val="20000"/>
-              </a:spcBef>
-              <a:buFont typeface="Arial" pitchFamily="34" charset="0"/>
-              <a:buChar char="•"/>
-              <a:defRPr sz="2667" kern="1200">
-                <a:solidFill>
-                  <a:schemeClr val="tx1"/>
-                </a:solidFill>
-                <a:latin typeface="+mn-lt"/>
-                <a:ea typeface="+mn-ea"/>
-                <a:cs typeface="+mn-cs"/>
-              </a:defRPr>
-            </a:lvl6pPr>
-            <a:lvl7pPr marL="3962142" indent="-304780" algn="l" defTabSz="1219120" rtl="0" eaLnBrk="1" latinLnBrk="0" hangingPunct="1">
-              <a:spcBef>
-                <a:spcPct val="20000"/>
-              </a:spcBef>
-              <a:buFont typeface="Arial" pitchFamily="34" charset="0"/>
-              <a:buChar char="•"/>
-              <a:defRPr sz="2667" kern="1200">
-                <a:solidFill>
-                  <a:schemeClr val="tx1"/>
-                </a:solidFill>
-                <a:latin typeface="+mn-lt"/>
-                <a:ea typeface="+mn-ea"/>
-                <a:cs typeface="+mn-cs"/>
-              </a:defRPr>
-            </a:lvl7pPr>
-            <a:lvl8pPr marL="4571703" indent="-304780" algn="l" defTabSz="1219120" rtl="0" eaLnBrk="1" latinLnBrk="0" hangingPunct="1">
-              <a:spcBef>
-                <a:spcPct val="20000"/>
-              </a:spcBef>
-              <a:buFont typeface="Arial" pitchFamily="34" charset="0"/>
-              <a:buChar char="•"/>
-              <a:defRPr sz="2667" kern="1200">
-                <a:solidFill>
-                  <a:schemeClr val="tx1"/>
-                </a:solidFill>
-                <a:latin typeface="+mn-lt"/>
-                <a:ea typeface="+mn-ea"/>
-                <a:cs typeface="+mn-cs"/>
-              </a:defRPr>
-            </a:lvl8pPr>
-            <a:lvl9pPr marL="5181264" indent="-304780" algn="l" defTabSz="1219120" rtl="0" eaLnBrk="1" latinLnBrk="0" hangingPunct="1">
-              <a:spcBef>
-                <a:spcPct val="20000"/>
-              </a:spcBef>
-              <a:buFont typeface="Arial" pitchFamily="34" charset="0"/>
-              <a:buChar char="•"/>
-              <a:defRPr sz="2667" kern="1200">
-                <a:solidFill>
-                  <a:schemeClr val="tx1"/>
-                </a:solidFill>
-                <a:latin typeface="+mn-lt"/>
-                <a:ea typeface="+mn-ea"/>
-                <a:cs typeface="+mn-cs"/>
-              </a:defRPr>
-            </a:lvl9pPr>
-          </a:lstStyle>
-          <a:p>
-            <a:r>
-              <a:rPr lang="en-US" sz="2000" b="1" dirty="0" smtClean="0"/>
-              <a:t>control 'cis-3.1' do</a:t>
-            </a:r>
-          </a:p>
-          <a:p>
-            <a:r>
-              <a:rPr lang="en-US" sz="2000" b="1" dirty="0" smtClean="0"/>
-              <a:t>  impact 0.7</a:t>
-            </a:r>
-          </a:p>
-          <a:p>
-            <a:r>
-              <a:rPr lang="en-US" sz="2000" b="1" dirty="0" smtClean="0"/>
-              <a:t>  title 'Set Daemon </a:t>
-            </a:r>
-            <a:r>
-              <a:rPr lang="en-US" sz="2000" b="1" dirty="0" err="1" smtClean="0"/>
-              <a:t>umask</a:t>
-            </a:r>
-            <a:r>
-              <a:rPr lang="en-US" sz="2000" b="1" dirty="0" smtClean="0"/>
-              <a:t>'</a:t>
-            </a:r>
-          </a:p>
-          <a:p>
-            <a:r>
-              <a:rPr lang="en-US" sz="2000" b="1" dirty="0" smtClean="0"/>
-              <a:t>    describe file('/etc/</a:t>
-            </a:r>
-            <a:r>
-              <a:rPr lang="en-US" sz="2000" b="1" dirty="0" err="1" smtClean="0"/>
-              <a:t>sysconfig</a:t>
-            </a:r>
-            <a:r>
-              <a:rPr lang="en-US" sz="2000" b="1" dirty="0" smtClean="0"/>
-              <a:t>/</a:t>
-            </a:r>
-            <a:r>
-              <a:rPr lang="en-US" sz="2000" b="1" dirty="0" err="1" smtClean="0"/>
-              <a:t>init</a:t>
-            </a:r>
-            <a:r>
-              <a:rPr lang="en-US" sz="2000" b="1" dirty="0" smtClean="0"/>
-              <a:t>') do</a:t>
-            </a:r>
-          </a:p>
-          <a:p>
-            <a:r>
-              <a:rPr lang="en-US" sz="2000" b="1" dirty="0" smtClean="0"/>
-              <a:t>      its('content') {should match '</a:t>
-            </a:r>
-            <a:r>
-              <a:rPr lang="en-US" sz="2000" b="1" dirty="0" err="1" smtClean="0"/>
-              <a:t>umask</a:t>
-            </a:r>
-            <a:r>
-              <a:rPr lang="en-US" sz="2000" b="1" dirty="0" smtClean="0"/>
-              <a:t> 027'}</a:t>
-            </a:r>
-          </a:p>
-          <a:p>
-            <a:r>
-              <a:rPr lang="en-US" sz="2000" b="1" dirty="0" smtClean="0"/>
-              <a:t>    end</a:t>
-            </a:r>
-          </a:p>
-          <a:p>
-            <a:r>
-              <a:rPr lang="en-US" sz="2000" b="1" dirty="0" smtClean="0"/>
-              <a:t>end</a:t>
-            </a:r>
-          </a:p>
-        </p:txBody>
-      </p:sp>
     </p:spTree>
     <p:extLst>
       <p:ext uri="{BB962C8B-B14F-4D97-AF65-F5344CB8AC3E}">
@@ -17172,30 +17398,393 @@
         <p:spPr/>
         <p:txBody>
           <a:bodyPr>
-            <a:normAutofit fontScale="90000"/>
+            <a:normAutofit/>
           </a:bodyPr>
           <a:lstStyle/>
           <a:p>
             <a:r>
-              <a:rPr lang="en-US" sz="4400" dirty="0"/>
+              <a:rPr lang="en-US" sz="3600" dirty="0" smtClean="0"/>
               <a:t>Demonstration: Writing an </a:t>
             </a:r>
             <a:r>
-              <a:rPr lang="en-US" sz="4400" dirty="0" err="1"/>
+              <a:rPr lang="en-US" sz="3600" dirty="0" err="1" smtClean="0"/>
               <a:t>InSpec</a:t>
             </a:r>
             <a:r>
-              <a:rPr lang="en-US" sz="4400" dirty="0"/>
+              <a:rPr lang="en-US" sz="3600" dirty="0" smtClean="0"/>
+              <a:t> Test for CIS Benchmark (2 of 3)</a:t>
+            </a:r>
+            <a:endParaRPr lang="en-US" sz="3600" dirty="0"/>
+          </a:p>
+        </p:txBody>
+      </p:sp>
+      <p:sp>
+        <p:nvSpPr>
+          <p:cNvPr id="8" name="Text Placeholder 2"/>
+          <p:cNvSpPr txBox="1">
+            <a:spLocks/>
+          </p:cNvSpPr>
+          <p:nvPr/>
+        </p:nvSpPr>
+        <p:spPr bwMode="white">
+          <a:xfrm>
+            <a:off x="10129544" y="1731611"/>
+            <a:ext cx="5920596" cy="4819091"/>
+          </a:xfrm>
+          <a:prstGeom prst="rect">
+            <a:avLst/>
+          </a:prstGeom>
+          <a:ln>
+            <a:solidFill>
+              <a:schemeClr val="accent1"/>
+            </a:solidFill>
+          </a:ln>
+        </p:spPr>
+        <p:txBody>
+          <a:bodyPr vert="horz" wrap="square" lIns="0" tIns="0" rIns="0" bIns="0" rtlCol="0">
+            <a:noAutofit/>
+          </a:bodyPr>
+          <a:lstStyle>
+            <a:lvl1pPr algn="l" defTabSz="1217613" rtl="0" eaLnBrk="1" fontAlgn="base" hangingPunct="1">
+              <a:spcBef>
+                <a:spcPts val="800"/>
+              </a:spcBef>
+              <a:spcAft>
+                <a:spcPts val="800"/>
+              </a:spcAft>
+              <a:buSzPct val="90000"/>
+              <a:buFont typeface="Arial" charset="0"/>
+              <a:defRPr sz="3200" kern="1200" baseline="0">
+                <a:solidFill>
+                  <a:schemeClr val="accent3">
+                    <a:lumMod val="50000"/>
+                  </a:schemeClr>
+                </a:solidFill>
+                <a:latin typeface="+mn-lt"/>
+                <a:ea typeface="ＭＳ Ｐゴシック" charset="0"/>
+                <a:cs typeface="ＭＳ Ｐゴシック" charset="0"/>
+              </a:defRPr>
+            </a:lvl1pPr>
+            <a:lvl2pPr marL="307975" algn="l" defTabSz="1217613" rtl="0" eaLnBrk="1" fontAlgn="base" hangingPunct="1">
+              <a:spcBef>
+                <a:spcPts val="800"/>
+              </a:spcBef>
+              <a:spcAft>
+                <a:spcPts val="800"/>
+              </a:spcAft>
+              <a:buSzPct val="90000"/>
+              <a:buFont typeface="Arial" charset="0"/>
+              <a:defRPr sz="2800" kern="1200" baseline="0">
+                <a:solidFill>
+                  <a:schemeClr val="accent3">
+                    <a:lumMod val="50000"/>
+                  </a:schemeClr>
+                </a:solidFill>
+                <a:latin typeface="+mn-lt"/>
+                <a:ea typeface="ＭＳ Ｐゴシック" charset="0"/>
+                <a:cs typeface="+mn-cs"/>
+              </a:defRPr>
+            </a:lvl2pPr>
+            <a:lvl3pPr marL="608013" algn="l" defTabSz="1217613" rtl="0" eaLnBrk="1" fontAlgn="base" hangingPunct="1">
+              <a:spcBef>
+                <a:spcPts val="800"/>
+              </a:spcBef>
+              <a:spcAft>
+                <a:spcPts val="800"/>
+              </a:spcAft>
+              <a:buSzPct val="90000"/>
+              <a:buFont typeface="Arial" charset="0"/>
+              <a:defRPr sz="2400" kern="1200" baseline="0">
+                <a:solidFill>
+                  <a:schemeClr val="accent3">
+                    <a:lumMod val="50000"/>
+                  </a:schemeClr>
+                </a:solidFill>
+                <a:latin typeface="+mn-lt"/>
+                <a:ea typeface="ＭＳ Ｐゴシック" charset="0"/>
+                <a:cs typeface="+mn-cs"/>
+              </a:defRPr>
+            </a:lvl3pPr>
+            <a:lvl4pPr marL="839788" algn="l" defTabSz="1217613" rtl="0" eaLnBrk="1" fontAlgn="base" hangingPunct="1">
+              <a:spcBef>
+                <a:spcPts val="800"/>
+              </a:spcBef>
+              <a:spcAft>
+                <a:spcPts val="800"/>
+              </a:spcAft>
+              <a:buSzPct val="90000"/>
+              <a:buFont typeface="Arial" charset="0"/>
+              <a:defRPr sz="2400" kern="1200" baseline="0">
+                <a:solidFill>
+                  <a:schemeClr val="accent3">
+                    <a:lumMod val="50000"/>
+                  </a:schemeClr>
+                </a:solidFill>
+                <a:latin typeface="+mn-lt"/>
+                <a:ea typeface="ＭＳ Ｐゴシック" charset="0"/>
+                <a:cs typeface="+mn-cs"/>
+              </a:defRPr>
+            </a:lvl4pPr>
+            <a:lvl5pPr marL="1068388" algn="l" defTabSz="1217613" rtl="0" eaLnBrk="1" fontAlgn="base" hangingPunct="1">
+              <a:spcBef>
+                <a:spcPts val="800"/>
+              </a:spcBef>
+              <a:spcAft>
+                <a:spcPts val="800"/>
+              </a:spcAft>
+              <a:buSzPct val="90000"/>
+              <a:buFont typeface="Arial" charset="0"/>
+              <a:defRPr sz="2000" kern="1200" baseline="0">
+                <a:solidFill>
+                  <a:schemeClr val="accent3">
+                    <a:lumMod val="50000"/>
+                  </a:schemeClr>
+                </a:solidFill>
+                <a:latin typeface="+mn-lt"/>
+                <a:ea typeface="ＭＳ Ｐゴシック" charset="0"/>
+                <a:cs typeface="+mn-cs"/>
+              </a:defRPr>
+            </a:lvl5pPr>
+            <a:lvl6pPr marL="3352582" indent="-304780" algn="l" defTabSz="1219120" rtl="0" eaLnBrk="1" latinLnBrk="0" hangingPunct="1">
+              <a:spcBef>
+                <a:spcPct val="20000"/>
+              </a:spcBef>
+              <a:buFont typeface="Arial" pitchFamily="34" charset="0"/>
+              <a:buChar char="•"/>
+              <a:defRPr sz="2667" kern="1200">
+                <a:solidFill>
+                  <a:schemeClr val="tx1"/>
+                </a:solidFill>
+                <a:latin typeface="+mn-lt"/>
+                <a:ea typeface="+mn-ea"/>
+                <a:cs typeface="+mn-cs"/>
+              </a:defRPr>
+            </a:lvl6pPr>
+            <a:lvl7pPr marL="3962142" indent="-304780" algn="l" defTabSz="1219120" rtl="0" eaLnBrk="1" latinLnBrk="0" hangingPunct="1">
+              <a:spcBef>
+                <a:spcPct val="20000"/>
+              </a:spcBef>
+              <a:buFont typeface="Arial" pitchFamily="34" charset="0"/>
+              <a:buChar char="•"/>
+              <a:defRPr sz="2667" kern="1200">
+                <a:solidFill>
+                  <a:schemeClr val="tx1"/>
+                </a:solidFill>
+                <a:latin typeface="+mn-lt"/>
+                <a:ea typeface="+mn-ea"/>
+                <a:cs typeface="+mn-cs"/>
+              </a:defRPr>
+            </a:lvl7pPr>
+            <a:lvl8pPr marL="4571703" indent="-304780" algn="l" defTabSz="1219120" rtl="0" eaLnBrk="1" latinLnBrk="0" hangingPunct="1">
+              <a:spcBef>
+                <a:spcPct val="20000"/>
+              </a:spcBef>
+              <a:buFont typeface="Arial" pitchFamily="34" charset="0"/>
+              <a:buChar char="•"/>
+              <a:defRPr sz="2667" kern="1200">
+                <a:solidFill>
+                  <a:schemeClr val="tx1"/>
+                </a:solidFill>
+                <a:latin typeface="+mn-lt"/>
+                <a:ea typeface="+mn-ea"/>
+                <a:cs typeface="+mn-cs"/>
+              </a:defRPr>
+            </a:lvl8pPr>
+            <a:lvl9pPr marL="5181264" indent="-304780" algn="l" defTabSz="1219120" rtl="0" eaLnBrk="1" latinLnBrk="0" hangingPunct="1">
+              <a:spcBef>
+                <a:spcPct val="20000"/>
+              </a:spcBef>
+              <a:buFont typeface="Arial" pitchFamily="34" charset="0"/>
+              <a:buChar char="•"/>
+              <a:defRPr sz="2667" kern="1200">
+                <a:solidFill>
+                  <a:schemeClr val="tx1"/>
+                </a:solidFill>
+                <a:latin typeface="+mn-lt"/>
+                <a:ea typeface="+mn-ea"/>
+                <a:cs typeface="+mn-cs"/>
+              </a:defRPr>
+            </a:lvl9pPr>
+          </a:lstStyle>
+          <a:p>
+            <a:r>
+              <a:rPr lang="en-US" sz="2000" b="1" dirty="0" smtClean="0"/>
+              <a:t>control 'cis-3.1' do</a:t>
+            </a:r>
+          </a:p>
+          <a:p>
+            <a:r>
+              <a:rPr lang="en-US" sz="2000" b="1" dirty="0" smtClean="0"/>
+              <a:t>  impact 0.7</a:t>
+            </a:r>
+          </a:p>
+          <a:p>
+            <a:r>
+              <a:rPr lang="en-US" sz="2000" b="1" dirty="0" smtClean="0"/>
+              <a:t>  title 'Set Daemon </a:t>
+            </a:r>
+            <a:r>
+              <a:rPr lang="en-US" sz="2000" b="1" dirty="0" err="1" smtClean="0"/>
+              <a:t>umask</a:t>
+            </a:r>
+            <a:r>
+              <a:rPr lang="en-US" sz="2000" b="1" dirty="0" smtClean="0"/>
+              <a:t>'</a:t>
+            </a:r>
+          </a:p>
+          <a:p>
+            <a:r>
+              <a:rPr lang="en-US" sz="2000" b="1" dirty="0" smtClean="0"/>
+              <a:t>    describe file('/etc/</a:t>
+            </a:r>
+            <a:r>
+              <a:rPr lang="en-US" sz="2000" b="1" dirty="0" err="1" smtClean="0"/>
+              <a:t>sysconfig</a:t>
+            </a:r>
+            <a:r>
+              <a:rPr lang="en-US" sz="2000" b="1" dirty="0" smtClean="0"/>
+              <a:t>/</a:t>
+            </a:r>
+            <a:r>
+              <a:rPr lang="en-US" sz="2000" b="1" dirty="0" err="1" smtClean="0"/>
+              <a:t>init</a:t>
+            </a:r>
+            <a:r>
+              <a:rPr lang="en-US" sz="2000" b="1" dirty="0" smtClean="0"/>
+              <a:t>') do</a:t>
+            </a:r>
+          </a:p>
+          <a:p>
+            <a:r>
+              <a:rPr lang="en-US" sz="2000" b="1" dirty="0" smtClean="0"/>
+              <a:t>      its('content') {should match '</a:t>
+            </a:r>
+            <a:r>
+              <a:rPr lang="en-US" sz="2000" b="1" dirty="0" err="1" smtClean="0"/>
+              <a:t>umask</a:t>
+            </a:r>
+            <a:r>
+              <a:rPr lang="en-US" sz="2000" b="1" dirty="0" smtClean="0"/>
+              <a:t> 027'}</a:t>
+            </a:r>
+          </a:p>
+          <a:p>
+            <a:r>
+              <a:rPr lang="en-US" sz="2000" b="1" dirty="0" smtClean="0"/>
+              <a:t>    end</a:t>
+            </a:r>
+          </a:p>
+          <a:p>
+            <a:r>
+              <a:rPr lang="en-US" sz="2000" b="1" dirty="0" smtClean="0"/>
+              <a:t>end</a:t>
+            </a:r>
+          </a:p>
+        </p:txBody>
+      </p:sp>
+      <p:pic>
+        <p:nvPicPr>
+          <p:cNvPr id="6" name="Picture 5"/>
+          <p:cNvPicPr>
+            <a:picLocks noChangeAspect="1"/>
+          </p:cNvPicPr>
+          <p:nvPr/>
+        </p:nvPicPr>
+        <p:blipFill>
+          <a:blip r:embed="rId3"/>
+          <a:stretch>
+            <a:fillRect/>
+          </a:stretch>
+        </p:blipFill>
+        <p:spPr>
+          <a:xfrm>
+            <a:off x="258344" y="2051133"/>
+            <a:ext cx="9517250" cy="1678656"/>
+          </a:xfrm>
+          <a:prstGeom prst="rect">
+            <a:avLst/>
+          </a:prstGeom>
+          <a:ln>
+            <a:solidFill>
+              <a:schemeClr val="accent1"/>
+            </a:solidFill>
+          </a:ln>
+        </p:spPr>
+      </p:pic>
+    </p:spTree>
+    <p:extLst>
+      <p:ext uri="{BB962C8B-B14F-4D97-AF65-F5344CB8AC3E}">
+        <p14:creationId xmlns:p14="http://schemas.microsoft.com/office/powerpoint/2010/main" val="310415113"/>
+      </p:ext>
+    </p:extLst>
+  </p:cSld>
+  <p:clrMapOvr>
+    <a:masterClrMapping/>
+  </p:clrMapOvr>
+  <p:transition spd="med">
+    <p:fade/>
+  </p:transition>
+  <p:timing>
+    <p:tnLst>
+      <p:par>
+        <p:cTn id="1" dur="indefinite" restart="never" nodeType="tmRoot"/>
+      </p:par>
+    </p:tnLst>
+  </p:timing>
+</p:sld>
+</file>
+
+<file path=ppt/slides/slide13.xml><?xml version="1.0" encoding="utf-8"?>
+<p:sld xmlns:a="http://schemas.openxmlformats.org/drawingml/2006/main" xmlns:r="http://schemas.openxmlformats.org/officeDocument/2006/relationships" xmlns:p="http://schemas.openxmlformats.org/presentationml/2006/main">
+  <p:cSld>
+    <p:spTree>
+      <p:nvGrpSpPr>
+        <p:cNvPr id="1" name=""/>
+        <p:cNvGrpSpPr/>
+        <p:nvPr/>
+      </p:nvGrpSpPr>
+      <p:grpSpPr>
+        <a:xfrm>
+          <a:off x="0" y="0"/>
+          <a:ext cx="0" cy="0"/>
+          <a:chOff x="0" y="0"/>
+          <a:chExt cx="0" cy="0"/>
+        </a:xfrm>
+      </p:grpSpPr>
+      <p:sp>
+        <p:nvSpPr>
+          <p:cNvPr id="2" name="Title 1"/>
+          <p:cNvSpPr>
+            <a:spLocks noGrp="1"/>
+          </p:cNvSpPr>
+          <p:nvPr>
+            <p:ph type="title"/>
+          </p:nvPr>
+        </p:nvSpPr>
+        <p:spPr/>
+        <p:txBody>
+          <a:bodyPr>
+            <a:normAutofit/>
+          </a:bodyPr>
+          <a:lstStyle/>
+          <a:p>
+            <a:r>
+              <a:rPr lang="en-US" sz="3600" dirty="0"/>
+              <a:t>Demonstration: Writing an </a:t>
+            </a:r>
+            <a:r>
+              <a:rPr lang="en-US" sz="3600" dirty="0" err="1"/>
+              <a:t>InSpec</a:t>
+            </a:r>
+            <a:r>
+              <a:rPr lang="en-US" sz="3600" dirty="0"/>
               <a:t> Test for </a:t>
             </a:r>
             <a:r>
-              <a:rPr lang="en-US" sz="4400" dirty="0" smtClean="0"/>
-              <a:t>CIS </a:t>
-            </a:r>
-            <a:r>
-              <a:rPr lang="en-US" sz="4400" dirty="0"/>
-              <a:t>Benchmark</a:t>
-            </a:r>
+              <a:rPr lang="en-US" sz="3600" dirty="0" smtClean="0"/>
+              <a:t>CIS Benchmark (3 of 3) </a:t>
+            </a:r>
+            <a:endParaRPr lang="en-US" sz="3600" dirty="0"/>
           </a:p>
         </p:txBody>
       </p:sp>
@@ -17564,7 +18153,7 @@
 </p:sld>
 </file>
 
-<file path=ppt/slides/slide13.xml><?xml version="1.0" encoding="utf-8"?>
+<file path=ppt/slides/slide14.xml><?xml version="1.0" encoding="utf-8"?>
 <p:sld xmlns:a="http://schemas.openxmlformats.org/drawingml/2006/main" xmlns:r="http://schemas.openxmlformats.org/officeDocument/2006/relationships" xmlns:p="http://schemas.openxmlformats.org/presentationml/2006/main">
   <p:cSld>
     <p:spTree>
@@ -17799,7 +18388,7 @@
 </p:sld>
 </file>
 
-<file path=ppt/slides/slide14.xml><?xml version="1.0" encoding="utf-8"?>
+<file path=ppt/slides/slide15.xml><?xml version="1.0" encoding="utf-8"?>
 <p:sld xmlns:a="http://schemas.openxmlformats.org/drawingml/2006/main" xmlns:r="http://schemas.openxmlformats.org/officeDocument/2006/relationships" xmlns:p="http://schemas.openxmlformats.org/presentationml/2006/main">
   <p:cSld>
     <p:spTree>
@@ -17968,7 +18557,7 @@
 </p:sld>
 </file>
 
-<file path=ppt/slides/slide15.xml><?xml version="1.0" encoding="utf-8"?>
+<file path=ppt/slides/slide16.xml><?xml version="1.0" encoding="utf-8"?>
 <p:sld xmlns:a="http://schemas.openxmlformats.org/drawingml/2006/main" xmlns:r="http://schemas.openxmlformats.org/officeDocument/2006/relationships" xmlns:p="http://schemas.openxmlformats.org/presentationml/2006/main">
   <p:cSld>
     <p:spTree>
@@ -18140,7 +18729,7 @@
 </p:sld>
 </file>
 
-<file path=ppt/slides/slide16.xml><?xml version="1.0" encoding="utf-8"?>
+<file path=ppt/slides/slide17.xml><?xml version="1.0" encoding="utf-8"?>
 <p:sld xmlns:a="http://schemas.openxmlformats.org/drawingml/2006/main" xmlns:r="http://schemas.openxmlformats.org/officeDocument/2006/relationships" xmlns:p="http://schemas.openxmlformats.org/presentationml/2006/main">
   <p:cSld>
     <p:spTree>
@@ -18404,7 +18993,7 @@
 </p:sld>
 </file>
 
-<file path=ppt/slides/slide17.xml><?xml version="1.0" encoding="utf-8"?>
+<file path=ppt/slides/slide18.xml><?xml version="1.0" encoding="utf-8"?>
 <p:sld xmlns:a="http://schemas.openxmlformats.org/drawingml/2006/main" xmlns:r="http://schemas.openxmlformats.org/officeDocument/2006/relationships" xmlns:p="http://schemas.openxmlformats.org/presentationml/2006/main">
   <p:cSld>
     <p:spTree>
@@ -18506,229 +19095,6 @@
     <p:extLst>
       <p:ext uri="{BB962C8B-B14F-4D97-AF65-F5344CB8AC3E}">
         <p14:creationId xmlns:p14="http://schemas.microsoft.com/office/powerpoint/2010/main" val="885810407"/>
-      </p:ext>
-    </p:extLst>
-  </p:cSld>
-  <p:clrMapOvr>
-    <a:masterClrMapping/>
-  </p:clrMapOvr>
-  <p:transition spd="med">
-    <p:fade/>
-  </p:transition>
-  <p:timing>
-    <p:tnLst>
-      <p:par>
-        <p:cTn id="1" dur="indefinite" restart="never" nodeType="tmRoot"/>
-      </p:par>
-    </p:tnLst>
-  </p:timing>
-</p:sld>
-</file>
-
-<file path=ppt/slides/slide18.xml><?xml version="1.0" encoding="utf-8"?>
-<p:sld xmlns:a="http://schemas.openxmlformats.org/drawingml/2006/main" xmlns:r="http://schemas.openxmlformats.org/officeDocument/2006/relationships" xmlns:p="http://schemas.openxmlformats.org/presentationml/2006/main">
-  <p:cSld>
-    <p:spTree>
-      <p:nvGrpSpPr>
-        <p:cNvPr id="1" name=""/>
-        <p:cNvGrpSpPr/>
-        <p:nvPr/>
-      </p:nvGrpSpPr>
-      <p:grpSpPr>
-        <a:xfrm>
-          <a:off x="0" y="0"/>
-          <a:ext cx="0" cy="0"/>
-          <a:chOff x="0" y="0"/>
-          <a:chExt cx="0" cy="0"/>
-        </a:xfrm>
-      </p:grpSpPr>
-      <p:sp>
-        <p:nvSpPr>
-          <p:cNvPr id="2" name="Title 1"/>
-          <p:cNvSpPr>
-            <a:spLocks noGrp="1"/>
-          </p:cNvSpPr>
-          <p:nvPr>
-            <p:ph type="title"/>
-          </p:nvPr>
-        </p:nvSpPr>
-        <p:spPr/>
-        <p:txBody>
-          <a:bodyPr>
-            <a:normAutofit fontScale="90000"/>
-          </a:bodyPr>
-          <a:lstStyle/>
-          <a:p>
-            <a:r>
-              <a:rPr lang="en-US" dirty="0" smtClean="0"/>
-              <a:t>GE: CIS Benchmarks </a:t>
-            </a:r>
-            <a:r>
-              <a:rPr lang="en-US" dirty="0" smtClean="0"/>
-              <a:t>TBD</a:t>
-            </a:r>
-            <a:r>
-              <a:rPr lang="en-US" dirty="0" smtClean="0">
-                <a:solidFill>
-                  <a:srgbClr val="FF0000"/>
-                </a:solidFill>
-              </a:rPr>
-              <a:t> Rest of module not finished.</a:t>
-            </a:r>
-            <a:endParaRPr lang="en-US" dirty="0">
-              <a:solidFill>
-                <a:srgbClr val="FF0000"/>
-              </a:solidFill>
-            </a:endParaRPr>
-          </a:p>
-        </p:txBody>
-      </p:sp>
-      <p:sp>
-        <p:nvSpPr>
-          <p:cNvPr id="3" name="Text Placeholder 2"/>
-          <p:cNvSpPr>
-            <a:spLocks noGrp="1"/>
-          </p:cNvSpPr>
-          <p:nvPr>
-            <p:ph type="body" sz="quarter" idx="12"/>
-          </p:nvPr>
-        </p:nvSpPr>
-        <p:spPr>
-          <a:xfrm>
-            <a:off x="650040" y="1856198"/>
-            <a:ext cx="6567883" cy="5345953"/>
-          </a:xfrm>
-        </p:spPr>
-        <p:txBody>
-          <a:bodyPr/>
-          <a:lstStyle/>
-          <a:p>
-            <a:r>
-              <a:rPr lang="en-US" dirty="0" smtClean="0"/>
-              <a:t>Windows</a:t>
-            </a:r>
-            <a:r>
-              <a:rPr lang="en-US" dirty="0"/>
-              <a:t>:</a:t>
-            </a:r>
-          </a:p>
-          <a:p>
-            <a:r>
-              <a:rPr lang="en-US" dirty="0"/>
-              <a:t>Download the benchmark PDF for the Windows version of your scanning target from </a:t>
-            </a:r>
-            <a:r>
-              <a:rPr lang="en-US" dirty="0">
-                <a:hlinkClick r:id="rId3"/>
-              </a:rPr>
-              <a:t>https://benchmarks.cisecurity.org</a:t>
-            </a:r>
-            <a:r>
-              <a:rPr lang="en-US" dirty="0"/>
-              <a:t>.</a:t>
-            </a:r>
-          </a:p>
-          <a:p>
-            <a:r>
-              <a:rPr lang="en-US" dirty="0"/>
-              <a:t>Implement Section 1.1 - Password Policy as </a:t>
-            </a:r>
-            <a:r>
-              <a:rPr lang="en-US" dirty="0" err="1"/>
-              <a:t>InSpec</a:t>
-            </a:r>
-            <a:r>
-              <a:rPr lang="en-US" dirty="0"/>
-              <a:t> controls with the profile of Level 1 - Member Server.</a:t>
-            </a:r>
-          </a:p>
-          <a:p>
-            <a:r>
-              <a:rPr lang="en-US" dirty="0"/>
-              <a:t>Use '</a:t>
-            </a:r>
-            <a:r>
-              <a:rPr lang="en-US" dirty="0" err="1"/>
-              <a:t>inspec</a:t>
-            </a:r>
-            <a:r>
-              <a:rPr lang="en-US" dirty="0"/>
-              <a:t> exec' to run the tests against your Windows target.</a:t>
-            </a:r>
-          </a:p>
-          <a:p>
-            <a:r>
-              <a:rPr lang="en-US" dirty="0"/>
-              <a:t>Package profile and upload to your Compliance server.</a:t>
-            </a:r>
-          </a:p>
-          <a:p>
-            <a:endParaRPr lang="en-US" dirty="0"/>
-          </a:p>
-        </p:txBody>
-      </p:sp>
-      <p:pic>
-        <p:nvPicPr>
-          <p:cNvPr id="5" name="Picture 4"/>
-          <p:cNvPicPr>
-            <a:picLocks noChangeAspect="1"/>
-          </p:cNvPicPr>
-          <p:nvPr/>
-        </p:nvPicPr>
-        <p:blipFill>
-          <a:blip r:embed="rId4"/>
-          <a:stretch>
-            <a:fillRect/>
-          </a:stretch>
-        </p:blipFill>
-        <p:spPr>
-          <a:xfrm>
-            <a:off x="7911686" y="1133475"/>
-            <a:ext cx="7633114" cy="3224515"/>
-          </a:xfrm>
-          <a:prstGeom prst="rect">
-            <a:avLst/>
-          </a:prstGeom>
-          <a:ln>
-            <a:solidFill>
-              <a:schemeClr val="accent1"/>
-            </a:solidFill>
-          </a:ln>
-        </p:spPr>
-      </p:pic>
-      <p:pic>
-        <p:nvPicPr>
-          <p:cNvPr id="6" name="Picture 5"/>
-          <p:cNvPicPr>
-            <a:picLocks noChangeAspect="1"/>
-          </p:cNvPicPr>
-          <p:nvPr/>
-        </p:nvPicPr>
-        <p:blipFill>
-          <a:blip r:embed="rId5"/>
-          <a:stretch>
-            <a:fillRect/>
-          </a:stretch>
-        </p:blipFill>
-        <p:spPr>
-          <a:xfrm>
-            <a:off x="7911686" y="4748110"/>
-            <a:ext cx="7743825" cy="2838450"/>
-          </a:xfrm>
-          <a:prstGeom prst="rect">
-            <a:avLst/>
-          </a:prstGeom>
-          <a:ln>
-            <a:solidFill>
-              <a:schemeClr val="accent1"/>
-            </a:solidFill>
-          </a:ln>
-        </p:spPr>
-      </p:pic>
-    </p:spTree>
-    <p:extLst>
-      <p:ext uri="{BB962C8B-B14F-4D97-AF65-F5344CB8AC3E}">
-        <p14:creationId xmlns:p14="http://schemas.microsoft.com/office/powerpoint/2010/main" val="3404674426"/>
       </p:ext>
     </p:extLst>
   </p:cSld>
@@ -18783,32 +19149,82 @@
           <a:lstStyle/>
           <a:p>
             <a:r>
-              <a:rPr lang="en-US" sz="4400" dirty="0" smtClean="0"/>
-              <a:t>GE: Writing an </a:t>
-            </a:r>
-            <a:r>
-              <a:rPr lang="en-US" sz="4400" dirty="0" err="1" smtClean="0"/>
+              <a:rPr lang="en-US" dirty="0" smtClean="0"/>
+              <a:t>GE: CIS Benchmarks for Windows</a:t>
+            </a:r>
+            <a:endParaRPr lang="en-US" dirty="0">
+              <a:solidFill>
+                <a:srgbClr val="FF0000"/>
+              </a:solidFill>
+            </a:endParaRPr>
+          </a:p>
+        </p:txBody>
+      </p:sp>
+      <p:sp>
+        <p:nvSpPr>
+          <p:cNvPr id="3" name="Text Placeholder 2"/>
+          <p:cNvSpPr>
+            <a:spLocks noGrp="1"/>
+          </p:cNvSpPr>
+          <p:nvPr>
+            <p:ph type="body" sz="quarter" idx="12"/>
+          </p:nvPr>
+        </p:nvSpPr>
+        <p:spPr>
+          <a:xfrm>
+            <a:off x="650040" y="1856198"/>
+            <a:ext cx="6567883" cy="5345953"/>
+          </a:xfrm>
+        </p:spPr>
+        <p:txBody>
+          <a:bodyPr/>
+          <a:lstStyle/>
+          <a:p>
+            <a:r>
+              <a:rPr lang="en-US" dirty="0" smtClean="0"/>
+              <a:t>Implement </a:t>
+            </a:r>
+            <a:r>
+              <a:rPr lang="en-US" dirty="0"/>
+              <a:t>Section 1.1 - Password Policy as </a:t>
+            </a:r>
+            <a:r>
+              <a:rPr lang="en-US" dirty="0" err="1"/>
               <a:t>InSpec</a:t>
             </a:r>
             <a:r>
-              <a:rPr lang="en-US" sz="4400" dirty="0" smtClean="0"/>
-              <a:t> Test for </a:t>
-            </a:r>
-            <a:r>
-              <a:rPr lang="en-US" sz="4400" dirty="0"/>
-              <a:t>this CIS </a:t>
-            </a:r>
-            <a:r>
-              <a:rPr lang="en-US" sz="4400" dirty="0" smtClean="0"/>
-              <a:t>Benchmark</a:t>
-            </a:r>
-            <a:endParaRPr lang="en-US" sz="4400" dirty="0"/>
+              <a:rPr lang="en-US" dirty="0"/>
+              <a:t> controls with the profile of Level 1 - Member Server.</a:t>
+            </a:r>
+          </a:p>
+          <a:p>
+            <a:r>
+              <a:rPr lang="en-US" dirty="0"/>
+              <a:t>Use '</a:t>
+            </a:r>
+            <a:r>
+              <a:rPr lang="en-US" dirty="0" err="1"/>
+              <a:t>inspec</a:t>
+            </a:r>
+            <a:r>
+              <a:rPr lang="en-US" dirty="0"/>
+              <a:t> exec' to run the tests against your Windows target.</a:t>
+            </a:r>
+          </a:p>
+          <a:p>
+            <a:r>
+              <a:rPr lang="en-US" dirty="0"/>
+              <a:t>Package profile and upload to your Compliance server.</a:t>
+            </a:r>
+          </a:p>
+          <a:p>
+            <a:endParaRPr lang="en-US" dirty="0"/>
           </a:p>
         </p:txBody>
       </p:sp>
       <p:pic>
         <p:nvPicPr>
-          <p:cNvPr id="7" name="Picture 6"/>
+          <p:cNvPr id="4" name="Picture 3"/>
           <p:cNvPicPr>
             <a:picLocks noChangeAspect="1"/>
           </p:cNvPicPr>
@@ -18822,8 +19238,8 @@
         </p:blipFill>
         <p:spPr>
           <a:xfrm>
-            <a:off x="437322" y="1311965"/>
-            <a:ext cx="9337926" cy="6659218"/>
+            <a:off x="8458197" y="1173404"/>
+            <a:ext cx="6585042" cy="2950010"/>
           </a:xfrm>
           <a:prstGeom prst="rect">
             <a:avLst/>
@@ -18835,18 +19251,24 @@
           </a:ln>
         </p:spPr>
       </p:pic>
-      <p:sp>
-        <p:nvSpPr>
-          <p:cNvPr id="8" name="Text Placeholder 2"/>
-          <p:cNvSpPr txBox="1">
-            <a:spLocks/>
-          </p:cNvSpPr>
+      <p:pic>
+        <p:nvPicPr>
+          <p:cNvPr id="7" name="Picture 6"/>
+          <p:cNvPicPr>
+            <a:picLocks noChangeAspect="1"/>
+          </p:cNvPicPr>
           <p:nvPr/>
-        </p:nvSpPr>
-        <p:spPr bwMode="white">
+        </p:nvPicPr>
+        <p:blipFill>
+          <a:blip r:embed="rId4"/>
+          <a:stretch>
+            <a:fillRect/>
+          </a:stretch>
+        </p:blipFill>
+        <p:spPr>
           <a:xfrm>
-            <a:off x="10129544" y="1731611"/>
-            <a:ext cx="5920596" cy="4819091"/>
+            <a:off x="8458196" y="4573250"/>
+            <a:ext cx="7482851" cy="3247275"/>
           </a:xfrm>
           <a:prstGeom prst="rect">
             <a:avLst/>
@@ -18857,252 +19279,11 @@
             </a:solidFill>
           </a:ln>
         </p:spPr>
-        <p:txBody>
-          <a:bodyPr vert="horz" wrap="square" lIns="0" tIns="0" rIns="0" bIns="0" rtlCol="0">
-            <a:noAutofit/>
-          </a:bodyPr>
-          <a:lstStyle>
-            <a:lvl1pPr algn="l" defTabSz="1217613" rtl="0" eaLnBrk="1" fontAlgn="base" hangingPunct="1">
-              <a:spcBef>
-                <a:spcPts val="800"/>
-              </a:spcBef>
-              <a:spcAft>
-                <a:spcPts val="800"/>
-              </a:spcAft>
-              <a:buSzPct val="90000"/>
-              <a:buFont typeface="Arial" charset="0"/>
-              <a:defRPr sz="3200" kern="1200" baseline="0">
-                <a:solidFill>
-                  <a:schemeClr val="accent3">
-                    <a:lumMod val="50000"/>
-                  </a:schemeClr>
-                </a:solidFill>
-                <a:latin typeface="+mn-lt"/>
-                <a:ea typeface="ＭＳ Ｐゴシック" charset="0"/>
-                <a:cs typeface="ＭＳ Ｐゴシック" charset="0"/>
-              </a:defRPr>
-            </a:lvl1pPr>
-            <a:lvl2pPr marL="307975" algn="l" defTabSz="1217613" rtl="0" eaLnBrk="1" fontAlgn="base" hangingPunct="1">
-              <a:spcBef>
-                <a:spcPts val="800"/>
-              </a:spcBef>
-              <a:spcAft>
-                <a:spcPts val="800"/>
-              </a:spcAft>
-              <a:buSzPct val="90000"/>
-              <a:buFont typeface="Arial" charset="0"/>
-              <a:defRPr sz="2800" kern="1200" baseline="0">
-                <a:solidFill>
-                  <a:schemeClr val="accent3">
-                    <a:lumMod val="50000"/>
-                  </a:schemeClr>
-                </a:solidFill>
-                <a:latin typeface="+mn-lt"/>
-                <a:ea typeface="ＭＳ Ｐゴシック" charset="0"/>
-                <a:cs typeface="+mn-cs"/>
-              </a:defRPr>
-            </a:lvl2pPr>
-            <a:lvl3pPr marL="608013" algn="l" defTabSz="1217613" rtl="0" eaLnBrk="1" fontAlgn="base" hangingPunct="1">
-              <a:spcBef>
-                <a:spcPts val="800"/>
-              </a:spcBef>
-              <a:spcAft>
-                <a:spcPts val="800"/>
-              </a:spcAft>
-              <a:buSzPct val="90000"/>
-              <a:buFont typeface="Arial" charset="0"/>
-              <a:defRPr sz="2400" kern="1200" baseline="0">
-                <a:solidFill>
-                  <a:schemeClr val="accent3">
-                    <a:lumMod val="50000"/>
-                  </a:schemeClr>
-                </a:solidFill>
-                <a:latin typeface="+mn-lt"/>
-                <a:ea typeface="ＭＳ Ｐゴシック" charset="0"/>
-                <a:cs typeface="+mn-cs"/>
-              </a:defRPr>
-            </a:lvl3pPr>
-            <a:lvl4pPr marL="839788" algn="l" defTabSz="1217613" rtl="0" eaLnBrk="1" fontAlgn="base" hangingPunct="1">
-              <a:spcBef>
-                <a:spcPts val="800"/>
-              </a:spcBef>
-              <a:spcAft>
-                <a:spcPts val="800"/>
-              </a:spcAft>
-              <a:buSzPct val="90000"/>
-              <a:buFont typeface="Arial" charset="0"/>
-              <a:defRPr sz="2400" kern="1200" baseline="0">
-                <a:solidFill>
-                  <a:schemeClr val="accent3">
-                    <a:lumMod val="50000"/>
-                  </a:schemeClr>
-                </a:solidFill>
-                <a:latin typeface="+mn-lt"/>
-                <a:ea typeface="ＭＳ Ｐゴシック" charset="0"/>
-                <a:cs typeface="+mn-cs"/>
-              </a:defRPr>
-            </a:lvl4pPr>
-            <a:lvl5pPr marL="1068388" algn="l" defTabSz="1217613" rtl="0" eaLnBrk="1" fontAlgn="base" hangingPunct="1">
-              <a:spcBef>
-                <a:spcPts val="800"/>
-              </a:spcBef>
-              <a:spcAft>
-                <a:spcPts val="800"/>
-              </a:spcAft>
-              <a:buSzPct val="90000"/>
-              <a:buFont typeface="Arial" charset="0"/>
-              <a:defRPr sz="2000" kern="1200" baseline="0">
-                <a:solidFill>
-                  <a:schemeClr val="accent3">
-                    <a:lumMod val="50000"/>
-                  </a:schemeClr>
-                </a:solidFill>
-                <a:latin typeface="+mn-lt"/>
-                <a:ea typeface="ＭＳ Ｐゴシック" charset="0"/>
-                <a:cs typeface="+mn-cs"/>
-              </a:defRPr>
-            </a:lvl5pPr>
-            <a:lvl6pPr marL="3352582" indent="-304780" algn="l" defTabSz="1219120" rtl="0" eaLnBrk="1" latinLnBrk="0" hangingPunct="1">
-              <a:spcBef>
-                <a:spcPct val="20000"/>
-              </a:spcBef>
-              <a:buFont typeface="Arial" pitchFamily="34" charset="0"/>
-              <a:buChar char="•"/>
-              <a:defRPr sz="2667" kern="1200">
-                <a:solidFill>
-                  <a:schemeClr val="tx1"/>
-                </a:solidFill>
-                <a:latin typeface="+mn-lt"/>
-                <a:ea typeface="+mn-ea"/>
-                <a:cs typeface="+mn-cs"/>
-              </a:defRPr>
-            </a:lvl6pPr>
-            <a:lvl7pPr marL="3962142" indent="-304780" algn="l" defTabSz="1219120" rtl="0" eaLnBrk="1" latinLnBrk="0" hangingPunct="1">
-              <a:spcBef>
-                <a:spcPct val="20000"/>
-              </a:spcBef>
-              <a:buFont typeface="Arial" pitchFamily="34" charset="0"/>
-              <a:buChar char="•"/>
-              <a:defRPr sz="2667" kern="1200">
-                <a:solidFill>
-                  <a:schemeClr val="tx1"/>
-                </a:solidFill>
-                <a:latin typeface="+mn-lt"/>
-                <a:ea typeface="+mn-ea"/>
-                <a:cs typeface="+mn-cs"/>
-              </a:defRPr>
-            </a:lvl7pPr>
-            <a:lvl8pPr marL="4571703" indent="-304780" algn="l" defTabSz="1219120" rtl="0" eaLnBrk="1" latinLnBrk="0" hangingPunct="1">
-              <a:spcBef>
-                <a:spcPct val="20000"/>
-              </a:spcBef>
-              <a:buFont typeface="Arial" pitchFamily="34" charset="0"/>
-              <a:buChar char="•"/>
-              <a:defRPr sz="2667" kern="1200">
-                <a:solidFill>
-                  <a:schemeClr val="tx1"/>
-                </a:solidFill>
-                <a:latin typeface="+mn-lt"/>
-                <a:ea typeface="+mn-ea"/>
-                <a:cs typeface="+mn-cs"/>
-              </a:defRPr>
-            </a:lvl8pPr>
-            <a:lvl9pPr marL="5181264" indent="-304780" algn="l" defTabSz="1219120" rtl="0" eaLnBrk="1" latinLnBrk="0" hangingPunct="1">
-              <a:spcBef>
-                <a:spcPct val="20000"/>
-              </a:spcBef>
-              <a:buFont typeface="Arial" pitchFamily="34" charset="0"/>
-              <a:buChar char="•"/>
-              <a:defRPr sz="2667" kern="1200">
-                <a:solidFill>
-                  <a:schemeClr val="tx1"/>
-                </a:solidFill>
-                <a:latin typeface="+mn-lt"/>
-                <a:ea typeface="+mn-ea"/>
-                <a:cs typeface="+mn-cs"/>
-              </a:defRPr>
-            </a:lvl9pPr>
-          </a:lstStyle>
-          <a:p>
-            <a:r>
-              <a:rPr lang="en-US" sz="2000" b="1" dirty="0" smtClean="0"/>
-              <a:t>control 'cis-3.1' do</a:t>
-            </a:r>
-          </a:p>
-          <a:p>
-            <a:r>
-              <a:rPr lang="en-US" sz="2000" b="1" dirty="0" smtClean="0"/>
-              <a:t>  impact 0.7</a:t>
-            </a:r>
-          </a:p>
-          <a:p>
-            <a:r>
-              <a:rPr lang="en-US" sz="2000" b="1" dirty="0" smtClean="0"/>
-              <a:t>  title 'Set Daemon </a:t>
-            </a:r>
-            <a:r>
-              <a:rPr lang="en-US" sz="2000" b="1" dirty="0" err="1" smtClean="0"/>
-              <a:t>umask</a:t>
-            </a:r>
-            <a:r>
-              <a:rPr lang="en-US" sz="2000" b="1" dirty="0" smtClean="0"/>
-              <a:t>'</a:t>
-            </a:r>
-          </a:p>
-          <a:p>
-            <a:r>
-              <a:rPr lang="en-US" sz="2000" b="1" dirty="0" smtClean="0"/>
-              <a:t>    describe file('/etc/</a:t>
-            </a:r>
-            <a:r>
-              <a:rPr lang="en-US" sz="2000" b="1" dirty="0" err="1" smtClean="0"/>
-              <a:t>sysconfig</a:t>
-            </a:r>
-            <a:r>
-              <a:rPr lang="en-US" sz="2000" b="1" dirty="0" smtClean="0"/>
-              <a:t>/</a:t>
-            </a:r>
-            <a:r>
-              <a:rPr lang="en-US" sz="2000" b="1" dirty="0" err="1" smtClean="0"/>
-              <a:t>init</a:t>
-            </a:r>
-            <a:r>
-              <a:rPr lang="en-US" sz="2000" b="1" dirty="0" smtClean="0"/>
-              <a:t>') do</a:t>
-            </a:r>
-          </a:p>
-          <a:p>
-            <a:r>
-              <a:rPr lang="en-US" sz="2000" b="1" dirty="0" smtClean="0"/>
-              <a:t>      its('content') {should match '</a:t>
-            </a:r>
-            <a:r>
-              <a:rPr lang="en-US" sz="2000" b="1" dirty="0" err="1" smtClean="0"/>
-              <a:t>umask</a:t>
-            </a:r>
-            <a:r>
-              <a:rPr lang="en-US" sz="2000" b="1" dirty="0" smtClean="0"/>
-              <a:t> 027'}</a:t>
-            </a:r>
-          </a:p>
-          <a:p>
-            <a:r>
-              <a:rPr lang="en-US" sz="2000" b="1" dirty="0" smtClean="0"/>
-              <a:t>    end</a:t>
-            </a:r>
-          </a:p>
-          <a:p>
-            <a:r>
-              <a:rPr lang="en-US" sz="2000" b="1" dirty="0" smtClean="0"/>
-              <a:t>end</a:t>
-            </a:r>
-          </a:p>
-        </p:txBody>
-      </p:sp>
+      </p:pic>
     </p:spTree>
     <p:extLst>
       <p:ext uri="{BB962C8B-B14F-4D97-AF65-F5344CB8AC3E}">
-        <p14:creationId xmlns:p14="http://schemas.microsoft.com/office/powerpoint/2010/main" val="1892693195"/>
+        <p14:creationId xmlns:p14="http://schemas.microsoft.com/office/powerpoint/2010/main" val="3404674426"/>
       </p:ext>
     </p:extLst>
   </p:cSld>
@@ -19310,263 +19491,70 @@
       </p:grpSpPr>
       <p:sp>
         <p:nvSpPr>
-          <p:cNvPr id="8" name="Text Placeholder 7"/>
-          <p:cNvSpPr>
-            <a:spLocks noGrp="1"/>
-          </p:cNvSpPr>
-          <p:nvPr>
-            <p:ph type="body" sz="quarter" idx="11"/>
-          </p:nvPr>
-        </p:nvSpPr>
+          <p:cNvPr id="2" name="Title 1"/>
+          <p:cNvSpPr>
+            <a:spLocks noGrp="1"/>
+          </p:cNvSpPr>
+          <p:nvPr>
+            <p:ph type="title"/>
+          </p:nvPr>
+        </p:nvSpPr>
+        <p:spPr/>
+        <p:txBody>
+          <a:bodyPr>
+            <a:normAutofit/>
+          </a:bodyPr>
+          <a:lstStyle/>
+          <a:p>
+            <a:r>
+              <a:rPr lang="en-US" sz="3600" dirty="0" smtClean="0"/>
+              <a:t>GE: Writing an </a:t>
+            </a:r>
+            <a:r>
+              <a:rPr lang="en-US" sz="3600" dirty="0" err="1" smtClean="0"/>
+              <a:t>InSpec</a:t>
+            </a:r>
+            <a:r>
+              <a:rPr lang="en-US" sz="3600" dirty="0" smtClean="0"/>
+              <a:t> Test for a Windows CIS Benchmark (1 of 3) </a:t>
+            </a:r>
+            <a:endParaRPr lang="en-US" sz="3600" dirty="0"/>
+          </a:p>
+        </p:txBody>
+      </p:sp>
+      <p:pic>
+        <p:nvPicPr>
+          <p:cNvPr id="3" name="Picture 2"/>
+          <p:cNvPicPr>
+            <a:picLocks noChangeAspect="1"/>
+          </p:cNvPicPr>
+          <p:nvPr/>
+        </p:nvPicPr>
+        <p:blipFill>
+          <a:blip r:embed="rId3"/>
+          <a:stretch>
+            <a:fillRect/>
+          </a:stretch>
+        </p:blipFill>
         <p:spPr>
           <a:xfrm>
-            <a:off x="1121104" y="1337149"/>
-            <a:ext cx="14422528" cy="1223172"/>
-          </a:xfrm>
-        </p:spPr>
-        <p:txBody>
-          <a:bodyPr/>
-          <a:lstStyle/>
-          <a:p>
-            <a:r>
-              <a:rPr lang="en-US" dirty="0" smtClean="0"/>
-              <a:t>$ </a:t>
-            </a:r>
-            <a:r>
-              <a:rPr lang="en-US" dirty="0"/>
-              <a:t>cd ~/</a:t>
-            </a:r>
-            <a:r>
-              <a:rPr lang="en-US" dirty="0" err="1" smtClean="0"/>
-              <a:t>compliance_profiles</a:t>
-            </a:r>
-            <a:endParaRPr lang="en-US" dirty="0" smtClean="0"/>
-          </a:p>
-        </p:txBody>
-      </p:sp>
-      <p:sp>
-        <p:nvSpPr>
-          <p:cNvPr id="4" name="Title 3"/>
-          <p:cNvSpPr>
-            <a:spLocks noGrp="1"/>
-          </p:cNvSpPr>
-          <p:nvPr>
-            <p:ph type="title"/>
-          </p:nvPr>
-        </p:nvSpPr>
-        <p:spPr/>
-        <p:txBody>
-          <a:bodyPr>
-            <a:normAutofit fontScale="90000"/>
-          </a:bodyPr>
-          <a:lstStyle/>
-          <a:p>
-            <a:r>
-              <a:rPr lang="en-US" dirty="0" smtClean="0"/>
-              <a:t>TBD GE</a:t>
-            </a:r>
-            <a:r>
-              <a:rPr lang="en-US" dirty="0" smtClean="0"/>
-              <a:t>: Move to ~/</a:t>
-            </a:r>
-            <a:r>
-              <a:rPr lang="en-US" dirty="0" err="1" smtClean="0"/>
-              <a:t>compliance_profiles</a:t>
-            </a:r>
-            <a:r>
-              <a:rPr lang="en-US" dirty="0"/>
-              <a:t/>
-            </a:r>
-            <a:br>
-              <a:rPr lang="en-US" dirty="0"/>
-            </a:br>
-            <a:endParaRPr lang="en-US" dirty="0"/>
-          </a:p>
-        </p:txBody>
-      </p:sp>
-      <p:sp>
-        <p:nvSpPr>
-          <p:cNvPr id="9" name="Text Placeholder 2"/>
-          <p:cNvSpPr txBox="1">
-            <a:spLocks/>
-          </p:cNvSpPr>
-          <p:nvPr/>
-        </p:nvSpPr>
-        <p:spPr>
-          <a:xfrm>
-            <a:off x="650040" y="4137660"/>
-            <a:ext cx="14893592" cy="3064491"/>
+            <a:off x="3889837" y="1034716"/>
+            <a:ext cx="8476327" cy="7049966"/>
           </a:xfrm>
           <a:prstGeom prst="rect">
             <a:avLst/>
           </a:prstGeom>
+          <a:ln>
+            <a:solidFill>
+              <a:schemeClr val="accent1"/>
+            </a:solidFill>
+          </a:ln>
         </p:spPr>
-        <p:txBody>
-          <a:bodyPr/>
-          <a:lstStyle>
-            <a:lvl1pPr algn="l" defTabSz="1217613" rtl="0" eaLnBrk="1" fontAlgn="base" hangingPunct="1">
-              <a:spcBef>
-                <a:spcPts val="800"/>
-              </a:spcBef>
-              <a:spcAft>
-                <a:spcPct val="0"/>
-              </a:spcAft>
-              <a:buSzPct val="90000"/>
-              <a:buFont typeface="Arial" charset="0"/>
-              <a:defRPr sz="3200" kern="1200">
-                <a:solidFill>
-                  <a:srgbClr val="3E4346"/>
-                </a:solidFill>
-                <a:latin typeface="+mn-lt"/>
-                <a:ea typeface="ＭＳ Ｐゴシック" charset="0"/>
-                <a:cs typeface="ＭＳ Ｐゴシック" charset="0"/>
-              </a:defRPr>
-            </a:lvl1pPr>
-            <a:lvl2pPr marL="307975" algn="l" defTabSz="1217613" rtl="0" eaLnBrk="1" fontAlgn="base" hangingPunct="1">
-              <a:spcBef>
-                <a:spcPts val="800"/>
-              </a:spcBef>
-              <a:spcAft>
-                <a:spcPct val="0"/>
-              </a:spcAft>
-              <a:buSzPct val="90000"/>
-              <a:buFont typeface="Arial" charset="0"/>
-              <a:defRPr sz="2800" kern="1200">
-                <a:solidFill>
-                  <a:srgbClr val="3E4346"/>
-                </a:solidFill>
-                <a:latin typeface="+mn-lt"/>
-                <a:ea typeface="ＭＳ Ｐゴシック" charset="0"/>
-                <a:cs typeface="+mn-cs"/>
-              </a:defRPr>
-            </a:lvl2pPr>
-            <a:lvl3pPr marL="608013" algn="l" defTabSz="1217613" rtl="0" eaLnBrk="1" fontAlgn="base" hangingPunct="1">
-              <a:spcBef>
-                <a:spcPts val="800"/>
-              </a:spcBef>
-              <a:spcAft>
-                <a:spcPct val="0"/>
-              </a:spcAft>
-              <a:buSzPct val="90000"/>
-              <a:buFont typeface="Arial" charset="0"/>
-              <a:defRPr sz="2400" kern="1200">
-                <a:solidFill>
-                  <a:srgbClr val="3E4346"/>
-                </a:solidFill>
-                <a:latin typeface="+mn-lt"/>
-                <a:ea typeface="ＭＳ Ｐゴシック" charset="0"/>
-                <a:cs typeface="+mn-cs"/>
-              </a:defRPr>
-            </a:lvl3pPr>
-            <a:lvl4pPr marL="839788" algn="l" defTabSz="1217613" rtl="0" eaLnBrk="1" fontAlgn="base" hangingPunct="1">
-              <a:spcBef>
-                <a:spcPts val="800"/>
-              </a:spcBef>
-              <a:spcAft>
-                <a:spcPct val="0"/>
-              </a:spcAft>
-              <a:buSzPct val="90000"/>
-              <a:buFont typeface="Arial" charset="0"/>
-              <a:defRPr sz="2400" kern="1200">
-                <a:solidFill>
-                  <a:srgbClr val="3E4346"/>
-                </a:solidFill>
-                <a:latin typeface="+mn-lt"/>
-                <a:ea typeface="ＭＳ Ｐゴシック" charset="0"/>
-                <a:cs typeface="+mn-cs"/>
-              </a:defRPr>
-            </a:lvl4pPr>
-            <a:lvl5pPr marL="1068388" algn="l" defTabSz="1217613" rtl="0" eaLnBrk="1" fontAlgn="base" hangingPunct="1">
-              <a:spcBef>
-                <a:spcPts val="800"/>
-              </a:spcBef>
-              <a:spcAft>
-                <a:spcPct val="0"/>
-              </a:spcAft>
-              <a:buSzPct val="90000"/>
-              <a:buFont typeface="Arial" charset="0"/>
-              <a:defRPr sz="2000" kern="1200">
-                <a:solidFill>
-                  <a:srgbClr val="3E4346"/>
-                </a:solidFill>
-                <a:latin typeface="+mn-lt"/>
-                <a:ea typeface="ＭＳ Ｐゴシック" charset="0"/>
-                <a:cs typeface="+mn-cs"/>
-              </a:defRPr>
-            </a:lvl5pPr>
-            <a:lvl6pPr marL="3352582" indent="-304780" algn="l" defTabSz="1219120" rtl="0" eaLnBrk="1" latinLnBrk="0" hangingPunct="1">
-              <a:spcBef>
-                <a:spcPct val="20000"/>
-              </a:spcBef>
-              <a:buFont typeface="Arial" pitchFamily="34" charset="0"/>
-              <a:buChar char="•"/>
-              <a:defRPr sz="2667" kern="1200">
-                <a:solidFill>
-                  <a:schemeClr val="tx1"/>
-                </a:solidFill>
-                <a:latin typeface="+mn-lt"/>
-                <a:ea typeface="+mn-ea"/>
-                <a:cs typeface="+mn-cs"/>
-              </a:defRPr>
-            </a:lvl6pPr>
-            <a:lvl7pPr marL="3962142" indent="-304780" algn="l" defTabSz="1219120" rtl="0" eaLnBrk="1" latinLnBrk="0" hangingPunct="1">
-              <a:spcBef>
-                <a:spcPct val="20000"/>
-              </a:spcBef>
-              <a:buFont typeface="Arial" pitchFamily="34" charset="0"/>
-              <a:buChar char="•"/>
-              <a:defRPr sz="2667" kern="1200">
-                <a:solidFill>
-                  <a:schemeClr val="tx1"/>
-                </a:solidFill>
-                <a:latin typeface="+mn-lt"/>
-                <a:ea typeface="+mn-ea"/>
-                <a:cs typeface="+mn-cs"/>
-              </a:defRPr>
-            </a:lvl7pPr>
-            <a:lvl8pPr marL="4571703" indent="-304780" algn="l" defTabSz="1219120" rtl="0" eaLnBrk="1" latinLnBrk="0" hangingPunct="1">
-              <a:spcBef>
-                <a:spcPct val="20000"/>
-              </a:spcBef>
-              <a:buFont typeface="Arial" pitchFamily="34" charset="0"/>
-              <a:buChar char="•"/>
-              <a:defRPr sz="2667" kern="1200">
-                <a:solidFill>
-                  <a:schemeClr val="tx1"/>
-                </a:solidFill>
-                <a:latin typeface="+mn-lt"/>
-                <a:ea typeface="+mn-ea"/>
-                <a:cs typeface="+mn-cs"/>
-              </a:defRPr>
-            </a:lvl8pPr>
-            <a:lvl9pPr marL="5181264" indent="-304780" algn="l" defTabSz="1219120" rtl="0" eaLnBrk="1" latinLnBrk="0" hangingPunct="1">
-              <a:spcBef>
-                <a:spcPct val="20000"/>
-              </a:spcBef>
-              <a:buFont typeface="Arial" pitchFamily="34" charset="0"/>
-              <a:buChar char="•"/>
-              <a:defRPr sz="2667" kern="1200">
-                <a:solidFill>
-                  <a:schemeClr val="tx1"/>
-                </a:solidFill>
-                <a:latin typeface="+mn-lt"/>
-                <a:ea typeface="+mn-ea"/>
-                <a:cs typeface="+mn-cs"/>
-              </a:defRPr>
-            </a:lvl9pPr>
-          </a:lstStyle>
-          <a:p>
-            <a:r>
-              <a:rPr lang="en-US" dirty="0" smtClean="0"/>
-              <a:t>Ensure you are on your target node for this part of this exercise.</a:t>
-            </a:r>
-          </a:p>
-        </p:txBody>
-      </p:sp>
+      </p:pic>
     </p:spTree>
     <p:extLst>
       <p:ext uri="{BB962C8B-B14F-4D97-AF65-F5344CB8AC3E}">
-        <p14:creationId xmlns:p14="http://schemas.microsoft.com/office/powerpoint/2010/main" val="392738431"/>
+        <p14:creationId xmlns:p14="http://schemas.microsoft.com/office/powerpoint/2010/main" val="1892693195"/>
       </p:ext>
     </p:extLst>
   </p:cSld>
@@ -19605,258 +19593,142 @@
       </p:grpSpPr>
       <p:sp>
         <p:nvSpPr>
-          <p:cNvPr id="8" name="Text Placeholder 7"/>
-          <p:cNvSpPr>
-            <a:spLocks noGrp="1"/>
-          </p:cNvSpPr>
-          <p:nvPr>
-            <p:ph type="body" sz="quarter" idx="11"/>
-          </p:nvPr>
-        </p:nvSpPr>
+          <p:cNvPr id="2" name="Title 1"/>
+          <p:cNvSpPr>
+            <a:spLocks noGrp="1"/>
+          </p:cNvSpPr>
+          <p:nvPr>
+            <p:ph type="title"/>
+          </p:nvPr>
+        </p:nvSpPr>
+        <p:spPr/>
+        <p:txBody>
+          <a:bodyPr>
+            <a:normAutofit/>
+          </a:bodyPr>
+          <a:lstStyle/>
+          <a:p>
+            <a:r>
+              <a:rPr lang="en-US" sz="3600" dirty="0"/>
+              <a:t>GE: Writing an </a:t>
+            </a:r>
+            <a:r>
+              <a:rPr lang="en-US" sz="3600" dirty="0" err="1"/>
+              <a:t>InSpec</a:t>
+            </a:r>
+            <a:r>
+              <a:rPr lang="en-US" sz="3600" dirty="0"/>
+              <a:t> Test for a Windows CIS Benchmark </a:t>
+            </a:r>
+            <a:r>
+              <a:rPr lang="en-US" sz="3600" dirty="0" smtClean="0"/>
+              <a:t>(2 </a:t>
+            </a:r>
+            <a:r>
+              <a:rPr lang="en-US" sz="3600" dirty="0"/>
+              <a:t>of 3) </a:t>
+            </a:r>
+          </a:p>
+        </p:txBody>
+      </p:sp>
+      <p:pic>
+        <p:nvPicPr>
+          <p:cNvPr id="5" name="Picture 4"/>
+          <p:cNvPicPr>
+            <a:picLocks noChangeAspect="1"/>
+          </p:cNvPicPr>
+          <p:nvPr/>
+        </p:nvPicPr>
+        <p:blipFill>
+          <a:blip r:embed="rId3"/>
+          <a:stretch>
+            <a:fillRect/>
+          </a:stretch>
+        </p:blipFill>
         <p:spPr>
           <a:xfrm>
-            <a:off x="1121104" y="1337148"/>
-            <a:ext cx="14422528" cy="2334099"/>
-          </a:xfrm>
-        </p:spPr>
-        <p:txBody>
-          <a:bodyPr/>
-          <a:lstStyle/>
-          <a:p>
-            <a:r>
-              <a:rPr lang="en-US" dirty="0" smtClean="0"/>
-              <a:t>$ </a:t>
-            </a:r>
-            <a:r>
-              <a:rPr lang="en-US" dirty="0"/>
-              <a:t>mkdir </a:t>
-            </a:r>
-            <a:r>
-              <a:rPr lang="en-US" dirty="0" smtClean="0"/>
-              <a:t>profile_02</a:t>
-            </a:r>
-          </a:p>
-          <a:p>
-            <a:r>
-              <a:rPr lang="en-US" dirty="0"/>
-              <a:t>$ cd </a:t>
-            </a:r>
-            <a:r>
-              <a:rPr lang="en-US" dirty="0" smtClean="0"/>
-              <a:t>profile_02</a:t>
-            </a:r>
-            <a:endParaRPr lang="en-US" dirty="0"/>
-          </a:p>
-        </p:txBody>
-      </p:sp>
-      <p:sp>
-        <p:nvSpPr>
-          <p:cNvPr id="4" name="Title 3"/>
-          <p:cNvSpPr>
-            <a:spLocks noGrp="1"/>
-          </p:cNvSpPr>
-          <p:nvPr>
-            <p:ph type="title"/>
-          </p:nvPr>
-        </p:nvSpPr>
-        <p:spPr/>
-        <p:txBody>
-          <a:bodyPr>
-            <a:normAutofit fontScale="90000"/>
-          </a:bodyPr>
-          <a:lstStyle/>
-          <a:p>
-            <a:r>
-              <a:rPr lang="en-US" dirty="0" smtClean="0"/>
-              <a:t>GE: Create the Directory for your New Profile </a:t>
-            </a:r>
-            <a:endParaRPr lang="en-US" dirty="0"/>
-          </a:p>
-        </p:txBody>
-      </p:sp>
-      <p:sp>
-        <p:nvSpPr>
-          <p:cNvPr id="9" name="Text Placeholder 2"/>
-          <p:cNvSpPr txBox="1">
-            <a:spLocks/>
-          </p:cNvSpPr>
-          <p:nvPr/>
-        </p:nvSpPr>
-        <p:spPr>
-          <a:xfrm>
-            <a:off x="650040" y="4137660"/>
-            <a:ext cx="14893592" cy="3064491"/>
+            <a:off x="190274" y="1259159"/>
+            <a:ext cx="9746493" cy="3459794"/>
           </a:xfrm>
           <a:prstGeom prst="rect">
             <a:avLst/>
           </a:prstGeom>
+          <a:ln>
+            <a:solidFill>
+              <a:schemeClr val="accent1"/>
+            </a:solidFill>
+          </a:ln>
         </p:spPr>
-        <p:txBody>
-          <a:bodyPr/>
-          <a:lstStyle>
-            <a:lvl1pPr algn="l" defTabSz="1217613" rtl="0" eaLnBrk="1" fontAlgn="base" hangingPunct="1">
-              <a:spcBef>
-                <a:spcPts val="800"/>
-              </a:spcBef>
-              <a:spcAft>
-                <a:spcPct val="0"/>
-              </a:spcAft>
-              <a:buSzPct val="90000"/>
-              <a:buFont typeface="Arial" charset="0"/>
-              <a:defRPr sz="3200" kern="1200">
-                <a:solidFill>
-                  <a:srgbClr val="3E4346"/>
-                </a:solidFill>
-                <a:latin typeface="+mn-lt"/>
-                <a:ea typeface="ＭＳ Ｐゴシック" charset="0"/>
-                <a:cs typeface="ＭＳ Ｐゴシック" charset="0"/>
-              </a:defRPr>
-            </a:lvl1pPr>
-            <a:lvl2pPr marL="307975" algn="l" defTabSz="1217613" rtl="0" eaLnBrk="1" fontAlgn="base" hangingPunct="1">
-              <a:spcBef>
-                <a:spcPts val="800"/>
-              </a:spcBef>
-              <a:spcAft>
-                <a:spcPct val="0"/>
-              </a:spcAft>
-              <a:buSzPct val="90000"/>
-              <a:buFont typeface="Arial" charset="0"/>
-              <a:defRPr sz="2800" kern="1200">
-                <a:solidFill>
-                  <a:srgbClr val="3E4346"/>
-                </a:solidFill>
-                <a:latin typeface="+mn-lt"/>
-                <a:ea typeface="ＭＳ Ｐゴシック" charset="0"/>
-                <a:cs typeface="+mn-cs"/>
-              </a:defRPr>
-            </a:lvl2pPr>
-            <a:lvl3pPr marL="608013" algn="l" defTabSz="1217613" rtl="0" eaLnBrk="1" fontAlgn="base" hangingPunct="1">
-              <a:spcBef>
-                <a:spcPts val="800"/>
-              </a:spcBef>
-              <a:spcAft>
-                <a:spcPct val="0"/>
-              </a:spcAft>
-              <a:buSzPct val="90000"/>
-              <a:buFont typeface="Arial" charset="0"/>
-              <a:defRPr sz="2400" kern="1200">
-                <a:solidFill>
-                  <a:srgbClr val="3E4346"/>
-                </a:solidFill>
-                <a:latin typeface="+mn-lt"/>
-                <a:ea typeface="ＭＳ Ｐゴシック" charset="0"/>
-                <a:cs typeface="+mn-cs"/>
-              </a:defRPr>
-            </a:lvl3pPr>
-            <a:lvl4pPr marL="839788" algn="l" defTabSz="1217613" rtl="0" eaLnBrk="1" fontAlgn="base" hangingPunct="1">
-              <a:spcBef>
-                <a:spcPts val="800"/>
-              </a:spcBef>
-              <a:spcAft>
-                <a:spcPct val="0"/>
-              </a:spcAft>
-              <a:buSzPct val="90000"/>
-              <a:buFont typeface="Arial" charset="0"/>
-              <a:defRPr sz="2400" kern="1200">
-                <a:solidFill>
-                  <a:srgbClr val="3E4346"/>
-                </a:solidFill>
-                <a:latin typeface="+mn-lt"/>
-                <a:ea typeface="ＭＳ Ｐゴシック" charset="0"/>
-                <a:cs typeface="+mn-cs"/>
-              </a:defRPr>
-            </a:lvl4pPr>
-            <a:lvl5pPr marL="1068388" algn="l" defTabSz="1217613" rtl="0" eaLnBrk="1" fontAlgn="base" hangingPunct="1">
-              <a:spcBef>
-                <a:spcPts val="800"/>
-              </a:spcBef>
-              <a:spcAft>
-                <a:spcPct val="0"/>
-              </a:spcAft>
-              <a:buSzPct val="90000"/>
-              <a:buFont typeface="Arial" charset="0"/>
-              <a:defRPr sz="2000" kern="1200">
-                <a:solidFill>
-                  <a:srgbClr val="3E4346"/>
-                </a:solidFill>
-                <a:latin typeface="+mn-lt"/>
-                <a:ea typeface="ＭＳ Ｐゴシック" charset="0"/>
-                <a:cs typeface="+mn-cs"/>
-              </a:defRPr>
-            </a:lvl5pPr>
-            <a:lvl6pPr marL="3352582" indent="-304780" algn="l" defTabSz="1219120" rtl="0" eaLnBrk="1" latinLnBrk="0" hangingPunct="1">
-              <a:spcBef>
-                <a:spcPct val="20000"/>
-              </a:spcBef>
-              <a:buFont typeface="Arial" pitchFamily="34" charset="0"/>
-              <a:buChar char="•"/>
-              <a:defRPr sz="2667" kern="1200">
-                <a:solidFill>
-                  <a:schemeClr val="tx1"/>
-                </a:solidFill>
-                <a:latin typeface="+mn-lt"/>
-                <a:ea typeface="+mn-ea"/>
-                <a:cs typeface="+mn-cs"/>
-              </a:defRPr>
-            </a:lvl6pPr>
-            <a:lvl7pPr marL="3962142" indent="-304780" algn="l" defTabSz="1219120" rtl="0" eaLnBrk="1" latinLnBrk="0" hangingPunct="1">
-              <a:spcBef>
-                <a:spcPct val="20000"/>
-              </a:spcBef>
-              <a:buFont typeface="Arial" pitchFamily="34" charset="0"/>
-              <a:buChar char="•"/>
-              <a:defRPr sz="2667" kern="1200">
-                <a:solidFill>
-                  <a:schemeClr val="tx1"/>
-                </a:solidFill>
-                <a:latin typeface="+mn-lt"/>
-                <a:ea typeface="+mn-ea"/>
-                <a:cs typeface="+mn-cs"/>
-              </a:defRPr>
-            </a:lvl7pPr>
-            <a:lvl8pPr marL="4571703" indent="-304780" algn="l" defTabSz="1219120" rtl="0" eaLnBrk="1" latinLnBrk="0" hangingPunct="1">
-              <a:spcBef>
-                <a:spcPct val="20000"/>
-              </a:spcBef>
-              <a:buFont typeface="Arial" pitchFamily="34" charset="0"/>
-              <a:buChar char="•"/>
-              <a:defRPr sz="2667" kern="1200">
-                <a:solidFill>
-                  <a:schemeClr val="tx1"/>
-                </a:solidFill>
-                <a:latin typeface="+mn-lt"/>
-                <a:ea typeface="+mn-ea"/>
-                <a:cs typeface="+mn-cs"/>
-              </a:defRPr>
-            </a:lvl8pPr>
-            <a:lvl9pPr marL="5181264" indent="-304780" algn="l" defTabSz="1219120" rtl="0" eaLnBrk="1" latinLnBrk="0" hangingPunct="1">
-              <a:spcBef>
-                <a:spcPct val="20000"/>
-              </a:spcBef>
-              <a:buFont typeface="Arial" pitchFamily="34" charset="0"/>
-              <a:buChar char="•"/>
-              <a:defRPr sz="2667" kern="1200">
-                <a:solidFill>
-                  <a:schemeClr val="tx1"/>
-                </a:solidFill>
-                <a:latin typeface="+mn-lt"/>
-                <a:ea typeface="+mn-ea"/>
-                <a:cs typeface="+mn-cs"/>
-              </a:defRPr>
-            </a:lvl9pPr>
-          </a:lstStyle>
-          <a:p>
-            <a:r>
-              <a:rPr lang="en-US" dirty="0" smtClean="0"/>
-              <a:t>Create and move into the profile_02 directory. </a:t>
-            </a:r>
-          </a:p>
-        </p:txBody>
-      </p:sp>
+      </p:pic>
+      <p:pic>
+        <p:nvPicPr>
+          <p:cNvPr id="3" name="Picture 2"/>
+          <p:cNvPicPr>
+            <a:picLocks noChangeAspect="1"/>
+          </p:cNvPicPr>
+          <p:nvPr/>
+        </p:nvPicPr>
+        <p:blipFill>
+          <a:blip r:embed="rId4"/>
+          <a:stretch>
+            <a:fillRect/>
+          </a:stretch>
+        </p:blipFill>
+        <p:spPr>
+          <a:xfrm>
+            <a:off x="5691191" y="5257800"/>
+            <a:ext cx="10002381" cy="2692173"/>
+          </a:xfrm>
+          <a:prstGeom prst="rect">
+            <a:avLst/>
+          </a:prstGeom>
+          <a:ln>
+            <a:solidFill>
+              <a:schemeClr val="accent1"/>
+            </a:solidFill>
+          </a:ln>
+        </p:spPr>
+      </p:pic>
+      <p:cxnSp>
+        <p:nvCxnSpPr>
+          <p:cNvPr id="6" name="Straight Arrow Connector 5"/>
+          <p:cNvCxnSpPr/>
+          <p:nvPr/>
+        </p:nvCxnSpPr>
+        <p:spPr>
+          <a:xfrm>
+            <a:off x="8866414" y="2188029"/>
+            <a:ext cx="4669972" cy="3363685"/>
+          </a:xfrm>
+          <a:prstGeom prst="straightConnector1">
+            <a:avLst/>
+          </a:prstGeom>
+          <a:ln>
+            <a:solidFill>
+              <a:schemeClr val="accent4"/>
+            </a:solidFill>
+            <a:tailEnd type="triangle"/>
+          </a:ln>
+        </p:spPr>
+        <p:style>
+          <a:lnRef idx="3">
+            <a:schemeClr val="accent1"/>
+          </a:lnRef>
+          <a:fillRef idx="0">
+            <a:schemeClr val="accent1"/>
+          </a:fillRef>
+          <a:effectRef idx="2">
+            <a:schemeClr val="accent1"/>
+          </a:effectRef>
+          <a:fontRef idx="minor">
+            <a:schemeClr val="tx1"/>
+          </a:fontRef>
+        </p:style>
+      </p:cxnSp>
     </p:spTree>
     <p:extLst>
       <p:ext uri="{BB962C8B-B14F-4D97-AF65-F5344CB8AC3E}">
-        <p14:creationId xmlns:p14="http://schemas.microsoft.com/office/powerpoint/2010/main" val="1659792447"/>
+        <p14:creationId xmlns:p14="http://schemas.microsoft.com/office/powerpoint/2010/main" val="1365246784"/>
       </p:ext>
     </p:extLst>
   </p:cSld>
@@ -19866,6 +19738,13 @@
   <p:transition spd="med">
     <p:fade/>
   </p:transition>
+  <p:timing>
+    <p:tnLst>
+      <p:par>
+        <p:cTn id="1" dur="indefinite" restart="never" nodeType="tmRoot"/>
+      </p:par>
+    </p:tnLst>
+  </p:timing>
 </p:sld>
 </file>
 
@@ -19898,129 +19777,331 @@
         </p:nvSpPr>
         <p:spPr/>
         <p:txBody>
-          <a:bodyPr/>
+          <a:bodyPr>
+            <a:normAutofit/>
+          </a:bodyPr>
           <a:lstStyle/>
           <a:p>
             <a:r>
-              <a:rPr lang="en-US" dirty="0"/>
-              <a:t>GE: </a:t>
-            </a:r>
-            <a:r>
-              <a:rPr lang="en-US" dirty="0" smtClean="0"/>
-              <a:t>Create the </a:t>
-            </a:r>
-            <a:r>
-              <a:rPr lang="en-US" dirty="0"/>
-              <a:t>metadata.rb</a:t>
-            </a:r>
-          </a:p>
-        </p:txBody>
-      </p:sp>
-      <p:sp>
-        <p:nvSpPr>
-          <p:cNvPr id="3" name="Content Placeholder 2"/>
-          <p:cNvSpPr>
-            <a:spLocks noGrp="1"/>
-          </p:cNvSpPr>
-          <p:nvPr>
-            <p:ph sz="quarter" idx="10"/>
-          </p:nvPr>
-        </p:nvSpPr>
-        <p:spPr/>
-        <p:txBody>
-          <a:bodyPr/>
-          <a:lstStyle/>
-          <a:p>
-            <a:r>
-              <a:rPr lang="en-US" b="1" dirty="0" smtClean="0"/>
-              <a:t>name '</a:t>
-            </a:r>
-            <a:r>
-              <a:rPr lang="en-US" b="1" dirty="0" err="1" smtClean="0"/>
-              <a:t>myname</a:t>
-            </a:r>
-            <a:r>
-              <a:rPr lang="en-US" b="1" dirty="0" smtClean="0"/>
-              <a:t>/profile-cis-3.1'</a:t>
-            </a:r>
-            <a:endParaRPr lang="en-US" b="1" dirty="0"/>
-          </a:p>
-          <a:p>
-            <a:r>
-              <a:rPr lang="en-US" b="1" dirty="0" smtClean="0"/>
-              <a:t>version </a:t>
-            </a:r>
-            <a:r>
-              <a:rPr lang="en-US" b="1" dirty="0"/>
-              <a:t>'0.1.0'</a:t>
-            </a:r>
-          </a:p>
-          <a:p>
-            <a:r>
-              <a:rPr lang="en-US" b="1" dirty="0"/>
-              <a:t>title </a:t>
-            </a:r>
-            <a:r>
-              <a:rPr lang="en-US" b="1" dirty="0" smtClean="0"/>
-              <a:t>'cis-3.1 </a:t>
-            </a:r>
-            <a:r>
-              <a:rPr lang="en-US" b="1" dirty="0"/>
-              <a:t>Profile'</a:t>
-            </a:r>
-          </a:p>
-          <a:p>
-            <a:r>
-              <a:rPr lang="en-US" b="1" dirty="0"/>
-              <a:t>maintainer 'My Name'</a:t>
-            </a:r>
-          </a:p>
-          <a:p>
-            <a:endParaRPr lang="en-US" dirty="0"/>
-          </a:p>
-        </p:txBody>
-      </p:sp>
-      <p:sp>
-        <p:nvSpPr>
-          <p:cNvPr id="4" name="Text Placeholder 3"/>
-          <p:cNvSpPr>
-            <a:spLocks noGrp="1"/>
-          </p:cNvSpPr>
-          <p:nvPr>
-            <p:ph type="body" sz="quarter" idx="11"/>
-          </p:nvPr>
-        </p:nvSpPr>
-        <p:spPr/>
-        <p:txBody>
-          <a:bodyPr/>
-          <a:lstStyle/>
-          <a:p>
-            <a:endParaRPr lang="en-US" dirty="0" smtClean="0"/>
-          </a:p>
-          <a:p>
-            <a:r>
-              <a:rPr lang="en-US" dirty="0" smtClean="0"/>
-              <a:t>~/</a:t>
-            </a:r>
-            <a:r>
-              <a:rPr lang="en-US" dirty="0" err="1" smtClean="0"/>
-              <a:t>compliance_profiles</a:t>
-            </a:r>
-            <a:r>
-              <a:rPr lang="en-US" dirty="0" smtClean="0"/>
-              <a:t>/profile_02/metadata.rb</a:t>
-            </a:r>
-            <a:endParaRPr lang="en-US" dirty="0"/>
-          </a:p>
-          <a:p>
-            <a:endParaRPr lang="en-US" dirty="0"/>
+              <a:rPr lang="en-US" sz="3600" dirty="0"/>
+              <a:t>GE: Writing an </a:t>
+            </a:r>
+            <a:r>
+              <a:rPr lang="en-US" sz="3600" dirty="0" err="1"/>
+              <a:t>InSpec</a:t>
+            </a:r>
+            <a:r>
+              <a:rPr lang="en-US" sz="3600" dirty="0"/>
+              <a:t> Test for a Windows CIS Benchmark </a:t>
+            </a:r>
+            <a:r>
+              <a:rPr lang="en-US" sz="3600" dirty="0" smtClean="0"/>
+              <a:t>(2 </a:t>
+            </a:r>
+            <a:r>
+              <a:rPr lang="en-US" sz="3600" dirty="0"/>
+              <a:t>of 3) </a:t>
+            </a:r>
+          </a:p>
+        </p:txBody>
+      </p:sp>
+      <p:pic>
+        <p:nvPicPr>
+          <p:cNvPr id="5" name="Picture 4"/>
+          <p:cNvPicPr>
+            <a:picLocks noChangeAspect="1"/>
+          </p:cNvPicPr>
+          <p:nvPr/>
+        </p:nvPicPr>
+        <p:blipFill>
+          <a:blip r:embed="rId3"/>
+          <a:stretch>
+            <a:fillRect/>
+          </a:stretch>
+        </p:blipFill>
+        <p:spPr>
+          <a:xfrm>
+            <a:off x="190274" y="1259159"/>
+            <a:ext cx="9746493" cy="3459794"/>
+          </a:xfrm>
+          <a:prstGeom prst="rect">
+            <a:avLst/>
+          </a:prstGeom>
+          <a:ln>
+            <a:solidFill>
+              <a:schemeClr val="accent1"/>
+            </a:solidFill>
+          </a:ln>
+        </p:spPr>
+      </p:pic>
+      <p:sp>
+        <p:nvSpPr>
+          <p:cNvPr id="7" name="Text Placeholder 2"/>
+          <p:cNvSpPr txBox="1">
+            <a:spLocks/>
+          </p:cNvSpPr>
+          <p:nvPr/>
+        </p:nvSpPr>
+        <p:spPr bwMode="white">
+          <a:xfrm>
+            <a:off x="10129544" y="1731611"/>
+            <a:ext cx="5920596" cy="4819091"/>
+          </a:xfrm>
+          <a:prstGeom prst="rect">
+            <a:avLst/>
+          </a:prstGeom>
+          <a:ln>
+            <a:solidFill>
+              <a:schemeClr val="accent1"/>
+            </a:solidFill>
+          </a:ln>
+        </p:spPr>
+        <p:txBody>
+          <a:bodyPr vert="horz" wrap="square" lIns="0" tIns="0" rIns="0" bIns="0" rtlCol="0">
+            <a:noAutofit/>
+          </a:bodyPr>
+          <a:lstStyle>
+            <a:lvl1pPr algn="l" defTabSz="1217613" rtl="0" eaLnBrk="1" fontAlgn="base" hangingPunct="1">
+              <a:spcBef>
+                <a:spcPts val="800"/>
+              </a:spcBef>
+              <a:spcAft>
+                <a:spcPts val="800"/>
+              </a:spcAft>
+              <a:buSzPct val="90000"/>
+              <a:buFont typeface="Arial" charset="0"/>
+              <a:defRPr sz="3200" kern="1200" baseline="0">
+                <a:solidFill>
+                  <a:schemeClr val="accent3">
+                    <a:lumMod val="50000"/>
+                  </a:schemeClr>
+                </a:solidFill>
+                <a:latin typeface="+mn-lt"/>
+                <a:ea typeface="ＭＳ Ｐゴシック" charset="0"/>
+                <a:cs typeface="ＭＳ Ｐゴシック" charset="0"/>
+              </a:defRPr>
+            </a:lvl1pPr>
+            <a:lvl2pPr marL="307975" algn="l" defTabSz="1217613" rtl="0" eaLnBrk="1" fontAlgn="base" hangingPunct="1">
+              <a:spcBef>
+                <a:spcPts val="800"/>
+              </a:spcBef>
+              <a:spcAft>
+                <a:spcPts val="800"/>
+              </a:spcAft>
+              <a:buSzPct val="90000"/>
+              <a:buFont typeface="Arial" charset="0"/>
+              <a:defRPr sz="2800" kern="1200" baseline="0">
+                <a:solidFill>
+                  <a:schemeClr val="accent3">
+                    <a:lumMod val="50000"/>
+                  </a:schemeClr>
+                </a:solidFill>
+                <a:latin typeface="+mn-lt"/>
+                <a:ea typeface="ＭＳ Ｐゴシック" charset="0"/>
+                <a:cs typeface="+mn-cs"/>
+              </a:defRPr>
+            </a:lvl2pPr>
+            <a:lvl3pPr marL="608013" algn="l" defTabSz="1217613" rtl="0" eaLnBrk="1" fontAlgn="base" hangingPunct="1">
+              <a:spcBef>
+                <a:spcPts val="800"/>
+              </a:spcBef>
+              <a:spcAft>
+                <a:spcPts val="800"/>
+              </a:spcAft>
+              <a:buSzPct val="90000"/>
+              <a:buFont typeface="Arial" charset="0"/>
+              <a:defRPr sz="2400" kern="1200" baseline="0">
+                <a:solidFill>
+                  <a:schemeClr val="accent3">
+                    <a:lumMod val="50000"/>
+                  </a:schemeClr>
+                </a:solidFill>
+                <a:latin typeface="+mn-lt"/>
+                <a:ea typeface="ＭＳ Ｐゴシック" charset="0"/>
+                <a:cs typeface="+mn-cs"/>
+              </a:defRPr>
+            </a:lvl3pPr>
+            <a:lvl4pPr marL="839788" algn="l" defTabSz="1217613" rtl="0" eaLnBrk="1" fontAlgn="base" hangingPunct="1">
+              <a:spcBef>
+                <a:spcPts val="800"/>
+              </a:spcBef>
+              <a:spcAft>
+                <a:spcPts val="800"/>
+              </a:spcAft>
+              <a:buSzPct val="90000"/>
+              <a:buFont typeface="Arial" charset="0"/>
+              <a:defRPr sz="2400" kern="1200" baseline="0">
+                <a:solidFill>
+                  <a:schemeClr val="accent3">
+                    <a:lumMod val="50000"/>
+                  </a:schemeClr>
+                </a:solidFill>
+                <a:latin typeface="+mn-lt"/>
+                <a:ea typeface="ＭＳ Ｐゴシック" charset="0"/>
+                <a:cs typeface="+mn-cs"/>
+              </a:defRPr>
+            </a:lvl4pPr>
+            <a:lvl5pPr marL="1068388" algn="l" defTabSz="1217613" rtl="0" eaLnBrk="1" fontAlgn="base" hangingPunct="1">
+              <a:spcBef>
+                <a:spcPts val="800"/>
+              </a:spcBef>
+              <a:spcAft>
+                <a:spcPts val="800"/>
+              </a:spcAft>
+              <a:buSzPct val="90000"/>
+              <a:buFont typeface="Arial" charset="0"/>
+              <a:defRPr sz="2000" kern="1200" baseline="0">
+                <a:solidFill>
+                  <a:schemeClr val="accent3">
+                    <a:lumMod val="50000"/>
+                  </a:schemeClr>
+                </a:solidFill>
+                <a:latin typeface="+mn-lt"/>
+                <a:ea typeface="ＭＳ Ｐゴシック" charset="0"/>
+                <a:cs typeface="+mn-cs"/>
+              </a:defRPr>
+            </a:lvl5pPr>
+            <a:lvl6pPr marL="3352582" indent="-304780" algn="l" defTabSz="1219120" rtl="0" eaLnBrk="1" latinLnBrk="0" hangingPunct="1">
+              <a:spcBef>
+                <a:spcPct val="20000"/>
+              </a:spcBef>
+              <a:buFont typeface="Arial" pitchFamily="34" charset="0"/>
+              <a:buChar char="•"/>
+              <a:defRPr sz="2667" kern="1200">
+                <a:solidFill>
+                  <a:schemeClr val="tx1"/>
+                </a:solidFill>
+                <a:latin typeface="+mn-lt"/>
+                <a:ea typeface="+mn-ea"/>
+                <a:cs typeface="+mn-cs"/>
+              </a:defRPr>
+            </a:lvl6pPr>
+            <a:lvl7pPr marL="3962142" indent="-304780" algn="l" defTabSz="1219120" rtl="0" eaLnBrk="1" latinLnBrk="0" hangingPunct="1">
+              <a:spcBef>
+                <a:spcPct val="20000"/>
+              </a:spcBef>
+              <a:buFont typeface="Arial" pitchFamily="34" charset="0"/>
+              <a:buChar char="•"/>
+              <a:defRPr sz="2667" kern="1200">
+                <a:solidFill>
+                  <a:schemeClr val="tx1"/>
+                </a:solidFill>
+                <a:latin typeface="+mn-lt"/>
+                <a:ea typeface="+mn-ea"/>
+                <a:cs typeface="+mn-cs"/>
+              </a:defRPr>
+            </a:lvl7pPr>
+            <a:lvl8pPr marL="4571703" indent="-304780" algn="l" defTabSz="1219120" rtl="0" eaLnBrk="1" latinLnBrk="0" hangingPunct="1">
+              <a:spcBef>
+                <a:spcPct val="20000"/>
+              </a:spcBef>
+              <a:buFont typeface="Arial" pitchFamily="34" charset="0"/>
+              <a:buChar char="•"/>
+              <a:defRPr sz="2667" kern="1200">
+                <a:solidFill>
+                  <a:schemeClr val="tx1"/>
+                </a:solidFill>
+                <a:latin typeface="+mn-lt"/>
+                <a:ea typeface="+mn-ea"/>
+                <a:cs typeface="+mn-cs"/>
+              </a:defRPr>
+            </a:lvl8pPr>
+            <a:lvl9pPr marL="5181264" indent="-304780" algn="l" defTabSz="1219120" rtl="0" eaLnBrk="1" latinLnBrk="0" hangingPunct="1">
+              <a:spcBef>
+                <a:spcPct val="20000"/>
+              </a:spcBef>
+              <a:buFont typeface="Arial" pitchFamily="34" charset="0"/>
+              <a:buChar char="•"/>
+              <a:defRPr sz="2667" kern="1200">
+                <a:solidFill>
+                  <a:schemeClr val="tx1"/>
+                </a:solidFill>
+                <a:latin typeface="+mn-lt"/>
+                <a:ea typeface="+mn-ea"/>
+                <a:cs typeface="+mn-cs"/>
+              </a:defRPr>
+            </a:lvl9pPr>
+          </a:lstStyle>
+          <a:p>
+            <a:r>
+              <a:rPr lang="en-US" sz="2000" b="1" dirty="0" smtClean="0"/>
+              <a:t>control 'cis-3.1' do</a:t>
+            </a:r>
+          </a:p>
+          <a:p>
+            <a:r>
+              <a:rPr lang="en-US" sz="2000" b="1" dirty="0" smtClean="0"/>
+              <a:t>  impact 0.7</a:t>
+            </a:r>
+          </a:p>
+          <a:p>
+            <a:r>
+              <a:rPr lang="en-US" sz="2000" b="1" dirty="0" smtClean="0"/>
+              <a:t>  title 'Set Daemon </a:t>
+            </a:r>
+            <a:r>
+              <a:rPr lang="en-US" sz="2000" b="1" dirty="0" err="1" smtClean="0"/>
+              <a:t>umask</a:t>
+            </a:r>
+            <a:r>
+              <a:rPr lang="en-US" sz="2000" b="1" dirty="0" smtClean="0"/>
+              <a:t>'</a:t>
+            </a:r>
+          </a:p>
+          <a:p>
+            <a:r>
+              <a:rPr lang="en-US" sz="2000" b="1" dirty="0" smtClean="0"/>
+              <a:t>    describe file('/etc/</a:t>
+            </a:r>
+            <a:r>
+              <a:rPr lang="en-US" sz="2000" b="1" dirty="0" err="1" smtClean="0"/>
+              <a:t>sysconfig</a:t>
+            </a:r>
+            <a:r>
+              <a:rPr lang="en-US" sz="2000" b="1" dirty="0" smtClean="0"/>
+              <a:t>/</a:t>
+            </a:r>
+            <a:r>
+              <a:rPr lang="en-US" sz="2000" b="1" dirty="0" err="1" smtClean="0"/>
+              <a:t>init</a:t>
+            </a:r>
+            <a:r>
+              <a:rPr lang="en-US" sz="2000" b="1" dirty="0" smtClean="0"/>
+              <a:t>') do</a:t>
+            </a:r>
+          </a:p>
+          <a:p>
+            <a:r>
+              <a:rPr lang="en-US" sz="2000" b="1" dirty="0" smtClean="0"/>
+              <a:t>      its('content') {should match '</a:t>
+            </a:r>
+            <a:r>
+              <a:rPr lang="en-US" sz="2000" b="1" dirty="0" err="1" smtClean="0"/>
+              <a:t>umask</a:t>
+            </a:r>
+            <a:r>
+              <a:rPr lang="en-US" sz="2000" b="1" dirty="0" smtClean="0"/>
+              <a:t> 027'}</a:t>
+            </a:r>
+          </a:p>
+          <a:p>
+            <a:r>
+              <a:rPr lang="en-US" sz="2000" b="1" dirty="0" smtClean="0"/>
+              <a:t>    end</a:t>
+            </a:r>
+          </a:p>
+          <a:p>
+            <a:r>
+              <a:rPr lang="en-US" sz="2000" b="1" dirty="0" smtClean="0"/>
+              <a:t>end</a:t>
+            </a:r>
           </a:p>
         </p:txBody>
       </p:sp>
     </p:spTree>
     <p:extLst>
       <p:ext uri="{BB962C8B-B14F-4D97-AF65-F5344CB8AC3E}">
-        <p14:creationId xmlns:p14="http://schemas.microsoft.com/office/powerpoint/2010/main" val="3097342790"/>
+        <p14:creationId xmlns:p14="http://schemas.microsoft.com/office/powerpoint/2010/main" val="3379893352"/>
       </p:ext>
     </p:extLst>
   </p:cSld>
@@ -20030,6 +20111,13 @@
   <p:transition spd="med">
     <p:fade/>
   </p:transition>
+  <p:timing>
+    <p:tnLst>
+      <p:par>
+        <p:cTn id="1" dur="indefinite" restart="never" nodeType="tmRoot"/>
+      </p:par>
+    </p:tnLst>
+  </p:timing>
 </p:sld>
 </file>
 
@@ -20063,7 +20151,7 @@
         <p:spPr>
           <a:xfrm>
             <a:off x="1121104" y="1337149"/>
-            <a:ext cx="14422528" cy="1214982"/>
+            <a:ext cx="14422528" cy="1223172"/>
           </a:xfrm>
         </p:spPr>
         <p:txBody>
@@ -20072,14 +20160,17 @@
           <a:p>
             <a:r>
               <a:rPr lang="en-US" dirty="0" smtClean="0"/>
-              <a:t>$ mkdir test</a:t>
-            </a:r>
-          </a:p>
-          <a:p>
-            <a:r>
-              <a:rPr lang="en-US" dirty="0" smtClean="0"/>
-              <a:t>$ cd test</a:t>
-            </a:r>
+              <a:t>$ </a:t>
+            </a:r>
+            <a:r>
+              <a:rPr lang="en-US" dirty="0"/>
+              <a:t>cd ~/</a:t>
+            </a:r>
+            <a:r>
+              <a:rPr lang="en-US" dirty="0" err="1" smtClean="0"/>
+              <a:t>compliance_profiles</a:t>
+            </a:r>
+            <a:endParaRPr lang="en-US" dirty="0" smtClean="0"/>
           </a:p>
         </p:txBody>
       </p:sp>
@@ -20102,16 +20193,206 @@
           <a:p>
             <a:r>
               <a:rPr lang="en-US" dirty="0" smtClean="0"/>
-              <a:t>GE: Create and Move into the `test` Directory</a:t>
-            </a:r>
+              <a:t>TBD GE: Move to ~/</a:t>
+            </a:r>
+            <a:r>
+              <a:rPr lang="en-US" dirty="0" err="1" smtClean="0"/>
+              <a:t>compliance_profiles</a:t>
+            </a:r>
+            <a:r>
+              <a:rPr lang="en-US" dirty="0"/>
+              <a:t/>
+            </a:r>
+            <a:br>
+              <a:rPr lang="en-US" dirty="0"/>
+            </a:br>
             <a:endParaRPr lang="en-US" dirty="0"/>
+          </a:p>
+        </p:txBody>
+      </p:sp>
+      <p:sp>
+        <p:nvSpPr>
+          <p:cNvPr id="9" name="Text Placeholder 2"/>
+          <p:cNvSpPr txBox="1">
+            <a:spLocks/>
+          </p:cNvSpPr>
+          <p:nvPr/>
+        </p:nvSpPr>
+        <p:spPr>
+          <a:xfrm>
+            <a:off x="650040" y="4137660"/>
+            <a:ext cx="14893592" cy="3064491"/>
+          </a:xfrm>
+          <a:prstGeom prst="rect">
+            <a:avLst/>
+          </a:prstGeom>
+        </p:spPr>
+        <p:txBody>
+          <a:bodyPr/>
+          <a:lstStyle>
+            <a:lvl1pPr algn="l" defTabSz="1217613" rtl="0" eaLnBrk="1" fontAlgn="base" hangingPunct="1">
+              <a:spcBef>
+                <a:spcPts val="800"/>
+              </a:spcBef>
+              <a:spcAft>
+                <a:spcPct val="0"/>
+              </a:spcAft>
+              <a:buSzPct val="90000"/>
+              <a:buFont typeface="Arial" charset="0"/>
+              <a:defRPr sz="3200" kern="1200">
+                <a:solidFill>
+                  <a:srgbClr val="3E4346"/>
+                </a:solidFill>
+                <a:latin typeface="+mn-lt"/>
+                <a:ea typeface="ＭＳ Ｐゴシック" charset="0"/>
+                <a:cs typeface="ＭＳ Ｐゴシック" charset="0"/>
+              </a:defRPr>
+            </a:lvl1pPr>
+            <a:lvl2pPr marL="307975" algn="l" defTabSz="1217613" rtl="0" eaLnBrk="1" fontAlgn="base" hangingPunct="1">
+              <a:spcBef>
+                <a:spcPts val="800"/>
+              </a:spcBef>
+              <a:spcAft>
+                <a:spcPct val="0"/>
+              </a:spcAft>
+              <a:buSzPct val="90000"/>
+              <a:buFont typeface="Arial" charset="0"/>
+              <a:defRPr sz="2800" kern="1200">
+                <a:solidFill>
+                  <a:srgbClr val="3E4346"/>
+                </a:solidFill>
+                <a:latin typeface="+mn-lt"/>
+                <a:ea typeface="ＭＳ Ｐゴシック" charset="0"/>
+                <a:cs typeface="+mn-cs"/>
+              </a:defRPr>
+            </a:lvl2pPr>
+            <a:lvl3pPr marL="608013" algn="l" defTabSz="1217613" rtl="0" eaLnBrk="1" fontAlgn="base" hangingPunct="1">
+              <a:spcBef>
+                <a:spcPts val="800"/>
+              </a:spcBef>
+              <a:spcAft>
+                <a:spcPct val="0"/>
+              </a:spcAft>
+              <a:buSzPct val="90000"/>
+              <a:buFont typeface="Arial" charset="0"/>
+              <a:defRPr sz="2400" kern="1200">
+                <a:solidFill>
+                  <a:srgbClr val="3E4346"/>
+                </a:solidFill>
+                <a:latin typeface="+mn-lt"/>
+                <a:ea typeface="ＭＳ Ｐゴシック" charset="0"/>
+                <a:cs typeface="+mn-cs"/>
+              </a:defRPr>
+            </a:lvl3pPr>
+            <a:lvl4pPr marL="839788" algn="l" defTabSz="1217613" rtl="0" eaLnBrk="1" fontAlgn="base" hangingPunct="1">
+              <a:spcBef>
+                <a:spcPts val="800"/>
+              </a:spcBef>
+              <a:spcAft>
+                <a:spcPct val="0"/>
+              </a:spcAft>
+              <a:buSzPct val="90000"/>
+              <a:buFont typeface="Arial" charset="0"/>
+              <a:defRPr sz="2400" kern="1200">
+                <a:solidFill>
+                  <a:srgbClr val="3E4346"/>
+                </a:solidFill>
+                <a:latin typeface="+mn-lt"/>
+                <a:ea typeface="ＭＳ Ｐゴシック" charset="0"/>
+                <a:cs typeface="+mn-cs"/>
+              </a:defRPr>
+            </a:lvl4pPr>
+            <a:lvl5pPr marL="1068388" algn="l" defTabSz="1217613" rtl="0" eaLnBrk="1" fontAlgn="base" hangingPunct="1">
+              <a:spcBef>
+                <a:spcPts val="800"/>
+              </a:spcBef>
+              <a:spcAft>
+                <a:spcPct val="0"/>
+              </a:spcAft>
+              <a:buSzPct val="90000"/>
+              <a:buFont typeface="Arial" charset="0"/>
+              <a:defRPr sz="2000" kern="1200">
+                <a:solidFill>
+                  <a:srgbClr val="3E4346"/>
+                </a:solidFill>
+                <a:latin typeface="+mn-lt"/>
+                <a:ea typeface="ＭＳ Ｐゴシック" charset="0"/>
+                <a:cs typeface="+mn-cs"/>
+              </a:defRPr>
+            </a:lvl5pPr>
+            <a:lvl6pPr marL="3352582" indent="-304780" algn="l" defTabSz="1219120" rtl="0" eaLnBrk="1" latinLnBrk="0" hangingPunct="1">
+              <a:spcBef>
+                <a:spcPct val="20000"/>
+              </a:spcBef>
+              <a:buFont typeface="Arial" pitchFamily="34" charset="0"/>
+              <a:buChar char="•"/>
+              <a:defRPr sz="2667" kern="1200">
+                <a:solidFill>
+                  <a:schemeClr val="tx1"/>
+                </a:solidFill>
+                <a:latin typeface="+mn-lt"/>
+                <a:ea typeface="+mn-ea"/>
+                <a:cs typeface="+mn-cs"/>
+              </a:defRPr>
+            </a:lvl6pPr>
+            <a:lvl7pPr marL="3962142" indent="-304780" algn="l" defTabSz="1219120" rtl="0" eaLnBrk="1" latinLnBrk="0" hangingPunct="1">
+              <a:spcBef>
+                <a:spcPct val="20000"/>
+              </a:spcBef>
+              <a:buFont typeface="Arial" pitchFamily="34" charset="0"/>
+              <a:buChar char="•"/>
+              <a:defRPr sz="2667" kern="1200">
+                <a:solidFill>
+                  <a:schemeClr val="tx1"/>
+                </a:solidFill>
+                <a:latin typeface="+mn-lt"/>
+                <a:ea typeface="+mn-ea"/>
+                <a:cs typeface="+mn-cs"/>
+              </a:defRPr>
+            </a:lvl7pPr>
+            <a:lvl8pPr marL="4571703" indent="-304780" algn="l" defTabSz="1219120" rtl="0" eaLnBrk="1" latinLnBrk="0" hangingPunct="1">
+              <a:spcBef>
+                <a:spcPct val="20000"/>
+              </a:spcBef>
+              <a:buFont typeface="Arial" pitchFamily="34" charset="0"/>
+              <a:buChar char="•"/>
+              <a:defRPr sz="2667" kern="1200">
+                <a:solidFill>
+                  <a:schemeClr val="tx1"/>
+                </a:solidFill>
+                <a:latin typeface="+mn-lt"/>
+                <a:ea typeface="+mn-ea"/>
+                <a:cs typeface="+mn-cs"/>
+              </a:defRPr>
+            </a:lvl8pPr>
+            <a:lvl9pPr marL="5181264" indent="-304780" algn="l" defTabSz="1219120" rtl="0" eaLnBrk="1" latinLnBrk="0" hangingPunct="1">
+              <a:spcBef>
+                <a:spcPct val="20000"/>
+              </a:spcBef>
+              <a:buFont typeface="Arial" pitchFamily="34" charset="0"/>
+              <a:buChar char="•"/>
+              <a:defRPr sz="2667" kern="1200">
+                <a:solidFill>
+                  <a:schemeClr val="tx1"/>
+                </a:solidFill>
+                <a:latin typeface="+mn-lt"/>
+                <a:ea typeface="+mn-ea"/>
+                <a:cs typeface="+mn-cs"/>
+              </a:defRPr>
+            </a:lvl9pPr>
+          </a:lstStyle>
+          <a:p>
+            <a:r>
+              <a:rPr lang="en-US" dirty="0" smtClean="0"/>
+              <a:t>Ensure you are on your target node for this part of this exercise.</a:t>
+            </a:r>
           </a:p>
         </p:txBody>
       </p:sp>
     </p:spTree>
     <p:extLst>
       <p:ext uri="{BB962C8B-B14F-4D97-AF65-F5344CB8AC3E}">
-        <p14:creationId xmlns:p14="http://schemas.microsoft.com/office/powerpoint/2010/main" val="2722624365"/>
+        <p14:creationId xmlns:p14="http://schemas.microsoft.com/office/powerpoint/2010/main" val="392738431"/>
       </p:ext>
     </p:extLst>
   </p:cSld>
@@ -20121,6 +20402,13 @@
   <p:transition spd="med">
     <p:fade/>
   </p:transition>
+  <p:timing>
+    <p:tnLst>
+      <p:par>
+        <p:cTn id="1" dur="indefinite" restart="never" nodeType="tmRoot"/>
+      </p:par>
+    </p:tnLst>
+  </p:timing>
 </p:sld>
 </file>
 
@@ -20143,6 +20431,544 @@
       </p:grpSpPr>
       <p:sp>
         <p:nvSpPr>
+          <p:cNvPr id="8" name="Text Placeholder 7"/>
+          <p:cNvSpPr>
+            <a:spLocks noGrp="1"/>
+          </p:cNvSpPr>
+          <p:nvPr>
+            <p:ph type="body" sz="quarter" idx="11"/>
+          </p:nvPr>
+        </p:nvSpPr>
+        <p:spPr>
+          <a:xfrm>
+            <a:off x="1121104" y="1337148"/>
+            <a:ext cx="14422528" cy="2334099"/>
+          </a:xfrm>
+        </p:spPr>
+        <p:txBody>
+          <a:bodyPr/>
+          <a:lstStyle/>
+          <a:p>
+            <a:r>
+              <a:rPr lang="en-US" dirty="0" smtClean="0"/>
+              <a:t>$ </a:t>
+            </a:r>
+            <a:r>
+              <a:rPr lang="en-US" dirty="0"/>
+              <a:t>mkdir </a:t>
+            </a:r>
+            <a:r>
+              <a:rPr lang="en-US" dirty="0" smtClean="0"/>
+              <a:t>profile_02</a:t>
+            </a:r>
+          </a:p>
+          <a:p>
+            <a:r>
+              <a:rPr lang="en-US" dirty="0"/>
+              <a:t>$ cd </a:t>
+            </a:r>
+            <a:r>
+              <a:rPr lang="en-US" dirty="0" smtClean="0"/>
+              <a:t>profile_02</a:t>
+            </a:r>
+            <a:endParaRPr lang="en-US" dirty="0"/>
+          </a:p>
+        </p:txBody>
+      </p:sp>
+      <p:sp>
+        <p:nvSpPr>
+          <p:cNvPr id="4" name="Title 3"/>
+          <p:cNvSpPr>
+            <a:spLocks noGrp="1"/>
+          </p:cNvSpPr>
+          <p:nvPr>
+            <p:ph type="title"/>
+          </p:nvPr>
+        </p:nvSpPr>
+        <p:spPr/>
+        <p:txBody>
+          <a:bodyPr>
+            <a:normAutofit fontScale="90000"/>
+          </a:bodyPr>
+          <a:lstStyle/>
+          <a:p>
+            <a:r>
+              <a:rPr lang="en-US" dirty="0" smtClean="0"/>
+              <a:t>GE: Create the Directory for your New Profile </a:t>
+            </a:r>
+            <a:endParaRPr lang="en-US" dirty="0"/>
+          </a:p>
+        </p:txBody>
+      </p:sp>
+      <p:sp>
+        <p:nvSpPr>
+          <p:cNvPr id="9" name="Text Placeholder 2"/>
+          <p:cNvSpPr txBox="1">
+            <a:spLocks/>
+          </p:cNvSpPr>
+          <p:nvPr/>
+        </p:nvSpPr>
+        <p:spPr>
+          <a:xfrm>
+            <a:off x="650040" y="4137660"/>
+            <a:ext cx="14893592" cy="3064491"/>
+          </a:xfrm>
+          <a:prstGeom prst="rect">
+            <a:avLst/>
+          </a:prstGeom>
+        </p:spPr>
+        <p:txBody>
+          <a:bodyPr/>
+          <a:lstStyle>
+            <a:lvl1pPr algn="l" defTabSz="1217613" rtl="0" eaLnBrk="1" fontAlgn="base" hangingPunct="1">
+              <a:spcBef>
+                <a:spcPts val="800"/>
+              </a:spcBef>
+              <a:spcAft>
+                <a:spcPct val="0"/>
+              </a:spcAft>
+              <a:buSzPct val="90000"/>
+              <a:buFont typeface="Arial" charset="0"/>
+              <a:defRPr sz="3200" kern="1200">
+                <a:solidFill>
+                  <a:srgbClr val="3E4346"/>
+                </a:solidFill>
+                <a:latin typeface="+mn-lt"/>
+                <a:ea typeface="ＭＳ Ｐゴシック" charset="0"/>
+                <a:cs typeface="ＭＳ Ｐゴシック" charset="0"/>
+              </a:defRPr>
+            </a:lvl1pPr>
+            <a:lvl2pPr marL="307975" algn="l" defTabSz="1217613" rtl="0" eaLnBrk="1" fontAlgn="base" hangingPunct="1">
+              <a:spcBef>
+                <a:spcPts val="800"/>
+              </a:spcBef>
+              <a:spcAft>
+                <a:spcPct val="0"/>
+              </a:spcAft>
+              <a:buSzPct val="90000"/>
+              <a:buFont typeface="Arial" charset="0"/>
+              <a:defRPr sz="2800" kern="1200">
+                <a:solidFill>
+                  <a:srgbClr val="3E4346"/>
+                </a:solidFill>
+                <a:latin typeface="+mn-lt"/>
+                <a:ea typeface="ＭＳ Ｐゴシック" charset="0"/>
+                <a:cs typeface="+mn-cs"/>
+              </a:defRPr>
+            </a:lvl2pPr>
+            <a:lvl3pPr marL="608013" algn="l" defTabSz="1217613" rtl="0" eaLnBrk="1" fontAlgn="base" hangingPunct="1">
+              <a:spcBef>
+                <a:spcPts val="800"/>
+              </a:spcBef>
+              <a:spcAft>
+                <a:spcPct val="0"/>
+              </a:spcAft>
+              <a:buSzPct val="90000"/>
+              <a:buFont typeface="Arial" charset="0"/>
+              <a:defRPr sz="2400" kern="1200">
+                <a:solidFill>
+                  <a:srgbClr val="3E4346"/>
+                </a:solidFill>
+                <a:latin typeface="+mn-lt"/>
+                <a:ea typeface="ＭＳ Ｐゴシック" charset="0"/>
+                <a:cs typeface="+mn-cs"/>
+              </a:defRPr>
+            </a:lvl3pPr>
+            <a:lvl4pPr marL="839788" algn="l" defTabSz="1217613" rtl="0" eaLnBrk="1" fontAlgn="base" hangingPunct="1">
+              <a:spcBef>
+                <a:spcPts val="800"/>
+              </a:spcBef>
+              <a:spcAft>
+                <a:spcPct val="0"/>
+              </a:spcAft>
+              <a:buSzPct val="90000"/>
+              <a:buFont typeface="Arial" charset="0"/>
+              <a:defRPr sz="2400" kern="1200">
+                <a:solidFill>
+                  <a:srgbClr val="3E4346"/>
+                </a:solidFill>
+                <a:latin typeface="+mn-lt"/>
+                <a:ea typeface="ＭＳ Ｐゴシック" charset="0"/>
+                <a:cs typeface="+mn-cs"/>
+              </a:defRPr>
+            </a:lvl4pPr>
+            <a:lvl5pPr marL="1068388" algn="l" defTabSz="1217613" rtl="0" eaLnBrk="1" fontAlgn="base" hangingPunct="1">
+              <a:spcBef>
+                <a:spcPts val="800"/>
+              </a:spcBef>
+              <a:spcAft>
+                <a:spcPct val="0"/>
+              </a:spcAft>
+              <a:buSzPct val="90000"/>
+              <a:buFont typeface="Arial" charset="0"/>
+              <a:defRPr sz="2000" kern="1200">
+                <a:solidFill>
+                  <a:srgbClr val="3E4346"/>
+                </a:solidFill>
+                <a:latin typeface="+mn-lt"/>
+                <a:ea typeface="ＭＳ Ｐゴシック" charset="0"/>
+                <a:cs typeface="+mn-cs"/>
+              </a:defRPr>
+            </a:lvl5pPr>
+            <a:lvl6pPr marL="3352582" indent="-304780" algn="l" defTabSz="1219120" rtl="0" eaLnBrk="1" latinLnBrk="0" hangingPunct="1">
+              <a:spcBef>
+                <a:spcPct val="20000"/>
+              </a:spcBef>
+              <a:buFont typeface="Arial" pitchFamily="34" charset="0"/>
+              <a:buChar char="•"/>
+              <a:defRPr sz="2667" kern="1200">
+                <a:solidFill>
+                  <a:schemeClr val="tx1"/>
+                </a:solidFill>
+                <a:latin typeface="+mn-lt"/>
+                <a:ea typeface="+mn-ea"/>
+                <a:cs typeface="+mn-cs"/>
+              </a:defRPr>
+            </a:lvl6pPr>
+            <a:lvl7pPr marL="3962142" indent="-304780" algn="l" defTabSz="1219120" rtl="0" eaLnBrk="1" latinLnBrk="0" hangingPunct="1">
+              <a:spcBef>
+                <a:spcPct val="20000"/>
+              </a:spcBef>
+              <a:buFont typeface="Arial" pitchFamily="34" charset="0"/>
+              <a:buChar char="•"/>
+              <a:defRPr sz="2667" kern="1200">
+                <a:solidFill>
+                  <a:schemeClr val="tx1"/>
+                </a:solidFill>
+                <a:latin typeface="+mn-lt"/>
+                <a:ea typeface="+mn-ea"/>
+                <a:cs typeface="+mn-cs"/>
+              </a:defRPr>
+            </a:lvl7pPr>
+            <a:lvl8pPr marL="4571703" indent="-304780" algn="l" defTabSz="1219120" rtl="0" eaLnBrk="1" latinLnBrk="0" hangingPunct="1">
+              <a:spcBef>
+                <a:spcPct val="20000"/>
+              </a:spcBef>
+              <a:buFont typeface="Arial" pitchFamily="34" charset="0"/>
+              <a:buChar char="•"/>
+              <a:defRPr sz="2667" kern="1200">
+                <a:solidFill>
+                  <a:schemeClr val="tx1"/>
+                </a:solidFill>
+                <a:latin typeface="+mn-lt"/>
+                <a:ea typeface="+mn-ea"/>
+                <a:cs typeface="+mn-cs"/>
+              </a:defRPr>
+            </a:lvl8pPr>
+            <a:lvl9pPr marL="5181264" indent="-304780" algn="l" defTabSz="1219120" rtl="0" eaLnBrk="1" latinLnBrk="0" hangingPunct="1">
+              <a:spcBef>
+                <a:spcPct val="20000"/>
+              </a:spcBef>
+              <a:buFont typeface="Arial" pitchFamily="34" charset="0"/>
+              <a:buChar char="•"/>
+              <a:defRPr sz="2667" kern="1200">
+                <a:solidFill>
+                  <a:schemeClr val="tx1"/>
+                </a:solidFill>
+                <a:latin typeface="+mn-lt"/>
+                <a:ea typeface="+mn-ea"/>
+                <a:cs typeface="+mn-cs"/>
+              </a:defRPr>
+            </a:lvl9pPr>
+          </a:lstStyle>
+          <a:p>
+            <a:r>
+              <a:rPr lang="en-US" dirty="0" smtClean="0"/>
+              <a:t>Create and move into the profile_02 directory. </a:t>
+            </a:r>
+          </a:p>
+        </p:txBody>
+      </p:sp>
+    </p:spTree>
+    <p:extLst>
+      <p:ext uri="{BB962C8B-B14F-4D97-AF65-F5344CB8AC3E}">
+        <p14:creationId xmlns:p14="http://schemas.microsoft.com/office/powerpoint/2010/main" val="1659792447"/>
+      </p:ext>
+    </p:extLst>
+  </p:cSld>
+  <p:clrMapOvr>
+    <a:masterClrMapping/>
+  </p:clrMapOvr>
+  <p:transition spd="med">
+    <p:fade/>
+  </p:transition>
+</p:sld>
+</file>
+
+<file path=ppt/slides/slide25.xml><?xml version="1.0" encoding="utf-8"?>
+<p:sld xmlns:a="http://schemas.openxmlformats.org/drawingml/2006/main" xmlns:r="http://schemas.openxmlformats.org/officeDocument/2006/relationships" xmlns:p="http://schemas.openxmlformats.org/presentationml/2006/main">
+  <p:cSld>
+    <p:spTree>
+      <p:nvGrpSpPr>
+        <p:cNvPr id="1" name=""/>
+        <p:cNvGrpSpPr/>
+        <p:nvPr/>
+      </p:nvGrpSpPr>
+      <p:grpSpPr>
+        <a:xfrm>
+          <a:off x="0" y="0"/>
+          <a:ext cx="0" cy="0"/>
+          <a:chOff x="0" y="0"/>
+          <a:chExt cx="0" cy="0"/>
+        </a:xfrm>
+      </p:grpSpPr>
+      <p:sp>
+        <p:nvSpPr>
+          <p:cNvPr id="2" name="Title 1"/>
+          <p:cNvSpPr>
+            <a:spLocks noGrp="1"/>
+          </p:cNvSpPr>
+          <p:nvPr>
+            <p:ph type="title"/>
+          </p:nvPr>
+        </p:nvSpPr>
+        <p:spPr/>
+        <p:txBody>
+          <a:bodyPr/>
+          <a:lstStyle/>
+          <a:p>
+            <a:r>
+              <a:rPr lang="en-US" dirty="0"/>
+              <a:t>GE: </a:t>
+            </a:r>
+            <a:r>
+              <a:rPr lang="en-US" dirty="0" smtClean="0"/>
+              <a:t>Create the </a:t>
+            </a:r>
+            <a:r>
+              <a:rPr lang="en-US" dirty="0"/>
+              <a:t>metadata.rb</a:t>
+            </a:r>
+          </a:p>
+        </p:txBody>
+      </p:sp>
+      <p:sp>
+        <p:nvSpPr>
+          <p:cNvPr id="3" name="Content Placeholder 2"/>
+          <p:cNvSpPr>
+            <a:spLocks noGrp="1"/>
+          </p:cNvSpPr>
+          <p:nvPr>
+            <p:ph sz="quarter" idx="10"/>
+          </p:nvPr>
+        </p:nvSpPr>
+        <p:spPr/>
+        <p:txBody>
+          <a:bodyPr/>
+          <a:lstStyle/>
+          <a:p>
+            <a:r>
+              <a:rPr lang="en-US" b="1" dirty="0" smtClean="0"/>
+              <a:t>name '</a:t>
+            </a:r>
+            <a:r>
+              <a:rPr lang="en-US" b="1" dirty="0" err="1" smtClean="0"/>
+              <a:t>myname</a:t>
+            </a:r>
+            <a:r>
+              <a:rPr lang="en-US" b="1" dirty="0" smtClean="0"/>
+              <a:t>/profile-cis-3.1'</a:t>
+            </a:r>
+            <a:endParaRPr lang="en-US" b="1" dirty="0"/>
+          </a:p>
+          <a:p>
+            <a:r>
+              <a:rPr lang="en-US" b="1" dirty="0" smtClean="0"/>
+              <a:t>version </a:t>
+            </a:r>
+            <a:r>
+              <a:rPr lang="en-US" b="1" dirty="0"/>
+              <a:t>'0.1.0'</a:t>
+            </a:r>
+          </a:p>
+          <a:p>
+            <a:r>
+              <a:rPr lang="en-US" b="1" dirty="0"/>
+              <a:t>title </a:t>
+            </a:r>
+            <a:r>
+              <a:rPr lang="en-US" b="1" dirty="0" smtClean="0"/>
+              <a:t>'cis-3.1 </a:t>
+            </a:r>
+            <a:r>
+              <a:rPr lang="en-US" b="1" dirty="0"/>
+              <a:t>Profile'</a:t>
+            </a:r>
+          </a:p>
+          <a:p>
+            <a:r>
+              <a:rPr lang="en-US" b="1" dirty="0"/>
+              <a:t>maintainer 'My Name'</a:t>
+            </a:r>
+          </a:p>
+          <a:p>
+            <a:endParaRPr lang="en-US" dirty="0"/>
+          </a:p>
+        </p:txBody>
+      </p:sp>
+      <p:sp>
+        <p:nvSpPr>
+          <p:cNvPr id="4" name="Text Placeholder 3"/>
+          <p:cNvSpPr>
+            <a:spLocks noGrp="1"/>
+          </p:cNvSpPr>
+          <p:nvPr>
+            <p:ph type="body" sz="quarter" idx="11"/>
+          </p:nvPr>
+        </p:nvSpPr>
+        <p:spPr/>
+        <p:txBody>
+          <a:bodyPr/>
+          <a:lstStyle/>
+          <a:p>
+            <a:endParaRPr lang="en-US" dirty="0" smtClean="0"/>
+          </a:p>
+          <a:p>
+            <a:r>
+              <a:rPr lang="en-US" dirty="0" smtClean="0"/>
+              <a:t>~/</a:t>
+            </a:r>
+            <a:r>
+              <a:rPr lang="en-US" dirty="0" err="1" smtClean="0"/>
+              <a:t>compliance_profiles</a:t>
+            </a:r>
+            <a:r>
+              <a:rPr lang="en-US" dirty="0" smtClean="0"/>
+              <a:t>/profile_02/metadata.rb</a:t>
+            </a:r>
+            <a:endParaRPr lang="en-US" dirty="0"/>
+          </a:p>
+          <a:p>
+            <a:endParaRPr lang="en-US" dirty="0"/>
+          </a:p>
+        </p:txBody>
+      </p:sp>
+    </p:spTree>
+    <p:extLst>
+      <p:ext uri="{BB962C8B-B14F-4D97-AF65-F5344CB8AC3E}">
+        <p14:creationId xmlns:p14="http://schemas.microsoft.com/office/powerpoint/2010/main" val="3097342790"/>
+      </p:ext>
+    </p:extLst>
+  </p:cSld>
+  <p:clrMapOvr>
+    <a:masterClrMapping/>
+  </p:clrMapOvr>
+  <p:transition spd="med">
+    <p:fade/>
+  </p:transition>
+</p:sld>
+</file>
+
+<file path=ppt/slides/slide26.xml><?xml version="1.0" encoding="utf-8"?>
+<p:sld xmlns:a="http://schemas.openxmlformats.org/drawingml/2006/main" xmlns:r="http://schemas.openxmlformats.org/officeDocument/2006/relationships" xmlns:p="http://schemas.openxmlformats.org/presentationml/2006/main">
+  <p:cSld>
+    <p:spTree>
+      <p:nvGrpSpPr>
+        <p:cNvPr id="1" name=""/>
+        <p:cNvGrpSpPr/>
+        <p:nvPr/>
+      </p:nvGrpSpPr>
+      <p:grpSpPr>
+        <a:xfrm>
+          <a:off x="0" y="0"/>
+          <a:ext cx="0" cy="0"/>
+          <a:chOff x="0" y="0"/>
+          <a:chExt cx="0" cy="0"/>
+        </a:xfrm>
+      </p:grpSpPr>
+      <p:sp>
+        <p:nvSpPr>
+          <p:cNvPr id="8" name="Text Placeholder 7"/>
+          <p:cNvSpPr>
+            <a:spLocks noGrp="1"/>
+          </p:cNvSpPr>
+          <p:nvPr>
+            <p:ph type="body" sz="quarter" idx="11"/>
+          </p:nvPr>
+        </p:nvSpPr>
+        <p:spPr>
+          <a:xfrm>
+            <a:off x="1121104" y="1337149"/>
+            <a:ext cx="14422528" cy="1214982"/>
+          </a:xfrm>
+        </p:spPr>
+        <p:txBody>
+          <a:bodyPr/>
+          <a:lstStyle/>
+          <a:p>
+            <a:r>
+              <a:rPr lang="en-US" dirty="0" smtClean="0"/>
+              <a:t>$ mkdir test</a:t>
+            </a:r>
+          </a:p>
+          <a:p>
+            <a:r>
+              <a:rPr lang="en-US" dirty="0" smtClean="0"/>
+              <a:t>$ cd test</a:t>
+            </a:r>
+          </a:p>
+        </p:txBody>
+      </p:sp>
+      <p:sp>
+        <p:nvSpPr>
+          <p:cNvPr id="4" name="Title 3"/>
+          <p:cNvSpPr>
+            <a:spLocks noGrp="1"/>
+          </p:cNvSpPr>
+          <p:nvPr>
+            <p:ph type="title"/>
+          </p:nvPr>
+        </p:nvSpPr>
+        <p:spPr/>
+        <p:txBody>
+          <a:bodyPr>
+            <a:normAutofit fontScale="90000"/>
+          </a:bodyPr>
+          <a:lstStyle/>
+          <a:p>
+            <a:r>
+              <a:rPr lang="en-US" dirty="0" smtClean="0"/>
+              <a:t>GE: Create and Move into the `test` Directory</a:t>
+            </a:r>
+            <a:endParaRPr lang="en-US" dirty="0"/>
+          </a:p>
+        </p:txBody>
+      </p:sp>
+    </p:spTree>
+    <p:extLst>
+      <p:ext uri="{BB962C8B-B14F-4D97-AF65-F5344CB8AC3E}">
+        <p14:creationId xmlns:p14="http://schemas.microsoft.com/office/powerpoint/2010/main" val="2722624365"/>
+      </p:ext>
+    </p:extLst>
+  </p:cSld>
+  <p:clrMapOvr>
+    <a:masterClrMapping/>
+  </p:clrMapOvr>
+  <p:transition spd="med">
+    <p:fade/>
+  </p:transition>
+</p:sld>
+</file>
+
+<file path=ppt/slides/slide27.xml><?xml version="1.0" encoding="utf-8"?>
+<p:sld xmlns:a="http://schemas.openxmlformats.org/drawingml/2006/main" xmlns:r="http://schemas.openxmlformats.org/officeDocument/2006/relationships" xmlns:p="http://schemas.openxmlformats.org/presentationml/2006/main">
+  <p:cSld>
+    <p:spTree>
+      <p:nvGrpSpPr>
+        <p:cNvPr id="1" name=""/>
+        <p:cNvGrpSpPr/>
+        <p:nvPr/>
+      </p:nvGrpSpPr>
+      <p:grpSpPr>
+        <a:xfrm>
+          <a:off x="0" y="0"/>
+          <a:ext cx="0" cy="0"/>
+          <a:chOff x="0" y="0"/>
+          <a:chExt cx="0" cy="0"/>
+        </a:xfrm>
+      </p:grpSpPr>
+      <p:sp>
+        <p:nvSpPr>
           <p:cNvPr id="2" name="Title 1"/>
           <p:cNvSpPr>
             <a:spLocks noGrp="1"/>
@@ -20316,7 +21142,7 @@
 </p:sld>
 </file>
 
-<file path=ppt/slides/slide25.xml><?xml version="1.0" encoding="utf-8"?>
+<file path=ppt/slides/slide28.xml><?xml version="1.0" encoding="utf-8"?>
 <p:sld xmlns:a="http://schemas.openxmlformats.org/drawingml/2006/main" xmlns:r="http://schemas.openxmlformats.org/officeDocument/2006/relationships" xmlns:p="http://schemas.openxmlformats.org/presentationml/2006/main">
   <p:cSld>
     <p:spTree>
@@ -20684,7 +21510,7 @@
 </p:sld>
 </file>
 
-<file path=ppt/slides/slide26.xml><?xml version="1.0" encoding="utf-8"?>
+<file path=ppt/slides/slide29.xml><?xml version="1.0" encoding="utf-8"?>
 <p:sld xmlns:a="http://schemas.openxmlformats.org/drawingml/2006/main" xmlns:r="http://schemas.openxmlformats.org/officeDocument/2006/relationships" xmlns:p="http://schemas.openxmlformats.org/presentationml/2006/main">
   <p:cSld>
     <p:spTree>
@@ -20832,7 +21658,7 @@
 </p:sld>
 </file>
 
-<file path=ppt/slides/slide27.xml><?xml version="1.0" encoding="utf-8"?>
+<file path=ppt/slides/slide3.xml><?xml version="1.0" encoding="utf-8"?>
 <p:sld xmlns:a="http://schemas.openxmlformats.org/drawingml/2006/main" xmlns:r="http://schemas.openxmlformats.org/officeDocument/2006/relationships" xmlns:p="http://schemas.openxmlformats.org/presentationml/2006/main">
   <p:cSld>
     <p:spTree>
@@ -20851,6 +21677,153 @@
       </p:grpSpPr>
       <p:sp>
         <p:nvSpPr>
+          <p:cNvPr id="2" name="Title 1"/>
+          <p:cNvSpPr>
+            <a:spLocks noGrp="1"/>
+          </p:cNvSpPr>
+          <p:nvPr>
+            <p:ph type="ctrTitle"/>
+          </p:nvPr>
+        </p:nvSpPr>
+        <p:spPr/>
+        <p:txBody>
+          <a:bodyPr>
+            <a:normAutofit fontScale="90000"/>
+          </a:bodyPr>
+          <a:lstStyle/>
+          <a:p>
+            <a:r>
+              <a:rPr lang="en-US" dirty="0" smtClean="0"/>
+              <a:t>CIS Compliance Frameworks</a:t>
+            </a:r>
+            <a:endParaRPr lang="en-US" dirty="0"/>
+          </a:p>
+        </p:txBody>
+      </p:sp>
+      <p:sp>
+        <p:nvSpPr>
+          <p:cNvPr id="3" name="Subtitle 2"/>
+          <p:cNvSpPr>
+            <a:spLocks noGrp="1"/>
+          </p:cNvSpPr>
+          <p:nvPr>
+            <p:ph type="subTitle" idx="1"/>
+          </p:nvPr>
+        </p:nvSpPr>
+        <p:spPr>
+          <a:xfrm>
+            <a:off x="1671638" y="3271838"/>
+            <a:ext cx="12319000" cy="4317682"/>
+          </a:xfrm>
+        </p:spPr>
+        <p:txBody>
+          <a:bodyPr/>
+          <a:lstStyle/>
+          <a:p>
+            <a:r>
+              <a:rPr lang="en-US" dirty="0" smtClean="0"/>
+              <a:t>The </a:t>
+            </a:r>
+            <a:r>
+              <a:rPr lang="en-US" dirty="0"/>
+              <a:t>CIS </a:t>
+            </a:r>
+            <a:r>
+              <a:rPr lang="en-US" dirty="0" smtClean="0"/>
+              <a:t>Security </a:t>
+            </a:r>
+            <a:r>
+              <a:rPr lang="en-US" dirty="0"/>
+              <a:t>Benchmarks program provides well-defined, un-biased and consensus-based industry best practices to help organizations assess and improve their security. </a:t>
+            </a:r>
+            <a:endParaRPr lang="en-US" dirty="0" smtClean="0"/>
+          </a:p>
+          <a:p>
+            <a:endParaRPr lang="en-US" dirty="0"/>
+          </a:p>
+          <a:p>
+            <a:r>
+              <a:rPr lang="en-US" dirty="0" smtClean="0"/>
+              <a:t>Resources </a:t>
+            </a:r>
+            <a:r>
+              <a:rPr lang="en-US" dirty="0"/>
+              <a:t>include secure configuration benchmarks, automated configuration assessment tools and content, security metrics and security software product certifications</a:t>
+            </a:r>
+            <a:r>
+              <a:rPr lang="en-US" dirty="0" smtClean="0"/>
+              <a:t>.</a:t>
+            </a:r>
+          </a:p>
+          <a:p>
+            <a:endParaRPr lang="en-US" dirty="0"/>
+          </a:p>
+          <a:p>
+            <a:pPr algn="ctr"/>
+            <a:r>
+              <a:rPr lang="en-US" dirty="0">
+                <a:hlinkClick r:id="rId3"/>
+              </a:rPr>
+              <a:t>https://benchmarks.cisecurity.org</a:t>
+            </a:r>
+            <a:r>
+              <a:rPr lang="en-US" dirty="0" smtClean="0">
+                <a:hlinkClick r:id="rId3"/>
+              </a:rPr>
+              <a:t>/</a:t>
+            </a:r>
+            <a:endParaRPr lang="en-US" dirty="0" smtClean="0"/>
+          </a:p>
+          <a:p>
+            <a:endParaRPr lang="en-US" dirty="0"/>
+          </a:p>
+          <a:p>
+            <a:endParaRPr lang="en-US" dirty="0"/>
+          </a:p>
+        </p:txBody>
+      </p:sp>
+    </p:spTree>
+    <p:extLst>
+      <p:ext uri="{BB962C8B-B14F-4D97-AF65-F5344CB8AC3E}">
+        <p14:creationId xmlns:p14="http://schemas.microsoft.com/office/powerpoint/2010/main" val="2733593429"/>
+      </p:ext>
+    </p:extLst>
+  </p:cSld>
+  <p:clrMapOvr>
+    <a:masterClrMapping/>
+  </p:clrMapOvr>
+  <p:transition spd="med">
+    <p:fade/>
+  </p:transition>
+  <p:timing>
+    <p:tnLst>
+      <p:par>
+        <p:cTn id="1" dur="indefinite" restart="never" nodeType="tmRoot"/>
+      </p:par>
+    </p:tnLst>
+  </p:timing>
+</p:sld>
+</file>
+
+<file path=ppt/slides/slide30.xml><?xml version="1.0" encoding="utf-8"?>
+<p:sld xmlns:a="http://schemas.openxmlformats.org/drawingml/2006/main" xmlns:r="http://schemas.openxmlformats.org/officeDocument/2006/relationships" xmlns:p="http://schemas.openxmlformats.org/presentationml/2006/main">
+  <p:cSld>
+    <p:spTree>
+      <p:nvGrpSpPr>
+        <p:cNvPr id="1" name=""/>
+        <p:cNvGrpSpPr/>
+        <p:nvPr/>
+      </p:nvGrpSpPr>
+      <p:grpSpPr>
+        <a:xfrm>
+          <a:off x="0" y="0"/>
+          <a:ext cx="0" cy="0"/>
+          <a:chOff x="0" y="0"/>
+          <a:chExt cx="0" cy="0"/>
+        </a:xfrm>
+      </p:grpSpPr>
+      <p:sp>
+        <p:nvSpPr>
           <p:cNvPr id="2" name="Content Placeholder 1"/>
           <p:cNvSpPr>
             <a:spLocks noGrp="1"/>
@@ -21017,7 +21990,7 @@
 </p:sld>
 </file>
 
-<file path=ppt/slides/slide28.xml><?xml version="1.0" encoding="utf-8"?>
+<file path=ppt/slides/slide31.xml><?xml version="1.0" encoding="utf-8"?>
 <p:sld xmlns:a="http://schemas.openxmlformats.org/drawingml/2006/main" xmlns:r="http://schemas.openxmlformats.org/officeDocument/2006/relationships" xmlns:p="http://schemas.openxmlformats.org/presentationml/2006/main">
   <p:cSld>
     <p:spTree>
@@ -21162,7 +22135,7 @@
 </p:sld>
 </file>
 
-<file path=ppt/slides/slide29.xml><?xml version="1.0" encoding="utf-8"?>
+<file path=ppt/slides/slide32.xml><?xml version="1.0" encoding="utf-8"?>
 <p:sld xmlns:a="http://schemas.openxmlformats.org/drawingml/2006/main" xmlns:r="http://schemas.openxmlformats.org/officeDocument/2006/relationships" xmlns:p="http://schemas.openxmlformats.org/presentationml/2006/main">
   <p:cSld>
     <p:spTree>
@@ -21401,154 +22374,7 @@
 </p:sld>
 </file>
 
-<file path=ppt/slides/slide3.xml><?xml version="1.0" encoding="utf-8"?>
-<p:sld xmlns:a="http://schemas.openxmlformats.org/drawingml/2006/main" xmlns:r="http://schemas.openxmlformats.org/officeDocument/2006/relationships" xmlns:p="http://schemas.openxmlformats.org/presentationml/2006/main">
-  <p:cSld>
-    <p:spTree>
-      <p:nvGrpSpPr>
-        <p:cNvPr id="1" name=""/>
-        <p:cNvGrpSpPr/>
-        <p:nvPr/>
-      </p:nvGrpSpPr>
-      <p:grpSpPr>
-        <a:xfrm>
-          <a:off x="0" y="0"/>
-          <a:ext cx="0" cy="0"/>
-          <a:chOff x="0" y="0"/>
-          <a:chExt cx="0" cy="0"/>
-        </a:xfrm>
-      </p:grpSpPr>
-      <p:sp>
-        <p:nvSpPr>
-          <p:cNvPr id="2" name="Title 1"/>
-          <p:cNvSpPr>
-            <a:spLocks noGrp="1"/>
-          </p:cNvSpPr>
-          <p:nvPr>
-            <p:ph type="ctrTitle"/>
-          </p:nvPr>
-        </p:nvSpPr>
-        <p:spPr/>
-        <p:txBody>
-          <a:bodyPr>
-            <a:normAutofit fontScale="90000"/>
-          </a:bodyPr>
-          <a:lstStyle/>
-          <a:p>
-            <a:r>
-              <a:rPr lang="en-US" dirty="0" smtClean="0"/>
-              <a:t>CIS Compliance Frameworks</a:t>
-            </a:r>
-            <a:endParaRPr lang="en-US" dirty="0"/>
-          </a:p>
-        </p:txBody>
-      </p:sp>
-      <p:sp>
-        <p:nvSpPr>
-          <p:cNvPr id="3" name="Subtitle 2"/>
-          <p:cNvSpPr>
-            <a:spLocks noGrp="1"/>
-          </p:cNvSpPr>
-          <p:nvPr>
-            <p:ph type="subTitle" idx="1"/>
-          </p:nvPr>
-        </p:nvSpPr>
-        <p:spPr>
-          <a:xfrm>
-            <a:off x="1671638" y="3271838"/>
-            <a:ext cx="12319000" cy="4317682"/>
-          </a:xfrm>
-        </p:spPr>
-        <p:txBody>
-          <a:bodyPr/>
-          <a:lstStyle/>
-          <a:p>
-            <a:r>
-              <a:rPr lang="en-US" dirty="0" smtClean="0"/>
-              <a:t>The </a:t>
-            </a:r>
-            <a:r>
-              <a:rPr lang="en-US" dirty="0"/>
-              <a:t>CIS </a:t>
-            </a:r>
-            <a:r>
-              <a:rPr lang="en-US" dirty="0" smtClean="0"/>
-              <a:t>Security </a:t>
-            </a:r>
-            <a:r>
-              <a:rPr lang="en-US" dirty="0"/>
-              <a:t>Benchmarks program provides well-defined, un-biased and consensus-based industry best practices to help organizations assess and improve their security. </a:t>
-            </a:r>
-            <a:endParaRPr lang="en-US" dirty="0" smtClean="0"/>
-          </a:p>
-          <a:p>
-            <a:endParaRPr lang="en-US" dirty="0"/>
-          </a:p>
-          <a:p>
-            <a:r>
-              <a:rPr lang="en-US" dirty="0" smtClean="0"/>
-              <a:t>Resources </a:t>
-            </a:r>
-            <a:r>
-              <a:rPr lang="en-US" dirty="0"/>
-              <a:t>include secure configuration benchmarks, automated configuration assessment tools and content, security metrics and security software product certifications</a:t>
-            </a:r>
-            <a:r>
-              <a:rPr lang="en-US" dirty="0" smtClean="0"/>
-              <a:t>.</a:t>
-            </a:r>
-          </a:p>
-          <a:p>
-            <a:endParaRPr lang="en-US" dirty="0"/>
-          </a:p>
-          <a:p>
-            <a:pPr algn="ctr"/>
-            <a:r>
-              <a:rPr lang="en-US" dirty="0">
-                <a:hlinkClick r:id="rId3"/>
-              </a:rPr>
-              <a:t>https://benchmarks.cisecurity.org</a:t>
-            </a:r>
-            <a:r>
-              <a:rPr lang="en-US" dirty="0" smtClean="0">
-                <a:hlinkClick r:id="rId3"/>
-              </a:rPr>
-              <a:t>/</a:t>
-            </a:r>
-            <a:endParaRPr lang="en-US" dirty="0" smtClean="0"/>
-          </a:p>
-          <a:p>
-            <a:endParaRPr lang="en-US" dirty="0"/>
-          </a:p>
-          <a:p>
-            <a:endParaRPr lang="en-US" dirty="0"/>
-          </a:p>
-        </p:txBody>
-      </p:sp>
-    </p:spTree>
-    <p:extLst>
-      <p:ext uri="{BB962C8B-B14F-4D97-AF65-F5344CB8AC3E}">
-        <p14:creationId xmlns:p14="http://schemas.microsoft.com/office/powerpoint/2010/main" val="2733593429"/>
-      </p:ext>
-    </p:extLst>
-  </p:cSld>
-  <p:clrMapOvr>
-    <a:masterClrMapping/>
-  </p:clrMapOvr>
-  <p:transition spd="med">
-    <p:fade/>
-  </p:transition>
-  <p:timing>
-    <p:tnLst>
-      <p:par>
-        <p:cTn id="1" dur="indefinite" restart="never" nodeType="tmRoot"/>
-      </p:par>
-    </p:tnLst>
-  </p:timing>
-</p:sld>
-</file>
-
-<file path=ppt/slides/slide30.xml><?xml version="1.0" encoding="utf-8"?>
+<file path=ppt/slides/slide33.xml><?xml version="1.0" encoding="utf-8"?>
 <p:sld xmlns:a="http://schemas.openxmlformats.org/drawingml/2006/main" xmlns:r="http://schemas.openxmlformats.org/officeDocument/2006/relationships" xmlns:p="http://schemas.openxmlformats.org/presentationml/2006/main">
   <p:cSld>
     <p:spTree>
@@ -21692,7 +22518,7 @@
 </p:sld>
 </file>
 
-<file path=ppt/slides/slide31.xml><?xml version="1.0" encoding="utf-8"?>
+<file path=ppt/slides/slide34.xml><?xml version="1.0" encoding="utf-8"?>
 <p:sld xmlns:a="http://schemas.openxmlformats.org/drawingml/2006/main" xmlns:r="http://schemas.openxmlformats.org/officeDocument/2006/relationships" xmlns:p="http://schemas.openxmlformats.org/presentationml/2006/main">
   <p:cSld>
     <p:spTree>
@@ -21873,7 +22699,7 @@
 </p:sld>
 </file>
 
-<file path=ppt/slides/slide32.xml><?xml version="1.0" encoding="utf-8"?>
+<file path=ppt/slides/slide35.xml><?xml version="1.0" encoding="utf-8"?>
 <p:sld xmlns:a="http://schemas.openxmlformats.org/drawingml/2006/main" xmlns:r="http://schemas.openxmlformats.org/officeDocument/2006/relationships" xmlns:p="http://schemas.openxmlformats.org/presentationml/2006/main">
   <p:cSld>
     <p:spTree>
@@ -22005,7 +22831,7 @@
 </p:sld>
 </file>
 
-<file path=ppt/slides/slide33.xml><?xml version="1.0" encoding="utf-8"?>
+<file path=ppt/slides/slide36.xml><?xml version="1.0" encoding="utf-8"?>
 <p:sld xmlns:a="http://schemas.openxmlformats.org/drawingml/2006/main" xmlns:r="http://schemas.openxmlformats.org/officeDocument/2006/relationships" xmlns:p="http://schemas.openxmlformats.org/presentationml/2006/main">
   <p:cSld>
     <p:spTree>
@@ -22143,7 +22969,7 @@
 </p:sld>
 </file>
 
-<file path=ppt/slides/slide34.xml><?xml version="1.0" encoding="utf-8"?>
+<file path=ppt/slides/slide37.xml><?xml version="1.0" encoding="utf-8"?>
 <p:sld xmlns:a="http://schemas.openxmlformats.org/drawingml/2006/main" xmlns:r="http://schemas.openxmlformats.org/officeDocument/2006/relationships" xmlns:p="http://schemas.openxmlformats.org/presentationml/2006/main">
   <p:cSld>
     <p:spTree>
@@ -22281,7 +23107,7 @@
 </p:sld>
 </file>
 
-<file path=ppt/slides/slide35.xml><?xml version="1.0" encoding="utf-8"?>
+<file path=ppt/slides/slide38.xml><?xml version="1.0" encoding="utf-8"?>
 <p:sld xmlns:a="http://schemas.openxmlformats.org/drawingml/2006/main" xmlns:r="http://schemas.openxmlformats.org/officeDocument/2006/relationships" xmlns:p="http://schemas.openxmlformats.org/presentationml/2006/main">
   <p:cSld>
     <p:spTree>
@@ -22390,7 +23216,7 @@
 </p:sld>
 </file>
 
-<file path=ppt/slides/slide36.xml><?xml version="1.0" encoding="utf-8"?>
+<file path=ppt/slides/slide39.xml><?xml version="1.0" encoding="utf-8"?>
 <p:sld xmlns:a="http://schemas.openxmlformats.org/drawingml/2006/main" xmlns:r="http://schemas.openxmlformats.org/officeDocument/2006/relationships" xmlns:p="http://schemas.openxmlformats.org/presentationml/2006/main">
   <p:cSld>
     <p:spTree>
@@ -22538,7 +23364,229 @@
 </p:sld>
 </file>
 
-<file path=ppt/slides/slide37.xml><?xml version="1.0" encoding="utf-8"?>
+<file path=ppt/slides/slide4.xml><?xml version="1.0" encoding="utf-8"?>
+<p:sld xmlns:a="http://schemas.openxmlformats.org/drawingml/2006/main" xmlns:r="http://schemas.openxmlformats.org/officeDocument/2006/relationships" xmlns:p="http://schemas.openxmlformats.org/presentationml/2006/main">
+  <p:cSld>
+    <p:spTree>
+      <p:nvGrpSpPr>
+        <p:cNvPr id="1" name=""/>
+        <p:cNvGrpSpPr/>
+        <p:nvPr/>
+      </p:nvGrpSpPr>
+      <p:grpSpPr>
+        <a:xfrm>
+          <a:off x="0" y="0"/>
+          <a:ext cx="0" cy="0"/>
+          <a:chOff x="0" y="0"/>
+          <a:chExt cx="0" cy="0"/>
+        </a:xfrm>
+      </p:grpSpPr>
+      <p:sp>
+        <p:nvSpPr>
+          <p:cNvPr id="2" name="Title 1"/>
+          <p:cNvSpPr>
+            <a:spLocks noGrp="1"/>
+          </p:cNvSpPr>
+          <p:nvPr>
+            <p:ph type="ctrTitle"/>
+          </p:nvPr>
+        </p:nvSpPr>
+        <p:spPr/>
+        <p:txBody>
+          <a:bodyPr>
+            <a:normAutofit fontScale="90000"/>
+          </a:bodyPr>
+          <a:lstStyle/>
+          <a:p>
+            <a:r>
+              <a:rPr lang="en-US" dirty="0" smtClean="0"/>
+              <a:t>GE: Compliance Frameworks - CIS</a:t>
+            </a:r>
+            <a:endParaRPr lang="en-US" dirty="0"/>
+          </a:p>
+        </p:txBody>
+      </p:sp>
+      <p:sp>
+        <p:nvSpPr>
+          <p:cNvPr id="4" name="Content Placeholder 3"/>
+          <p:cNvSpPr>
+            <a:spLocks noGrp="1"/>
+          </p:cNvSpPr>
+          <p:nvPr>
+            <p:ph sz="quarter" idx="11"/>
+          </p:nvPr>
+        </p:nvSpPr>
+        <p:spPr/>
+        <p:txBody>
+          <a:bodyPr/>
+          <a:lstStyle/>
+          <a:p>
+            <a:r>
+              <a:rPr lang="en-US" dirty="0" smtClean="0"/>
+              <a:t>Translating a CIS benchmark into an </a:t>
+            </a:r>
+            <a:r>
+              <a:rPr lang="en-US" dirty="0" err="1" smtClean="0"/>
+              <a:t>InSpec</a:t>
+            </a:r>
+            <a:r>
+              <a:rPr lang="en-US" dirty="0" smtClean="0"/>
+              <a:t> control and Compliance profile.</a:t>
+            </a:r>
+            <a:endParaRPr lang="en-US" dirty="0"/>
+          </a:p>
+        </p:txBody>
+      </p:sp>
+      <p:sp>
+        <p:nvSpPr>
+          <p:cNvPr id="3" name="Subtitle 2"/>
+          <p:cNvSpPr>
+            <a:spLocks noGrp="1"/>
+          </p:cNvSpPr>
+          <p:nvPr>
+            <p:ph type="body" sz="quarter" idx="10"/>
+          </p:nvPr>
+        </p:nvSpPr>
+        <p:spPr/>
+        <p:txBody>
+          <a:bodyPr/>
+          <a:lstStyle/>
+          <a:p>
+            <a:pPr marL="342900" indent="-342900">
+              <a:buFont typeface="Wingdings" panose="05000000000000000000" pitchFamily="2" charset="2"/>
+              <a:buChar char="q"/>
+            </a:pPr>
+            <a:r>
+              <a:rPr lang="en-US" dirty="0" smtClean="0"/>
+              <a:t>Download </a:t>
+            </a:r>
+            <a:r>
+              <a:rPr lang="en-US" dirty="0"/>
+              <a:t>the benchmark PDF for the </a:t>
+            </a:r>
+            <a:r>
+              <a:rPr lang="en-US" dirty="0" smtClean="0"/>
+              <a:t>platform </a:t>
+            </a:r>
+            <a:r>
+              <a:rPr lang="en-US" dirty="0"/>
+              <a:t>of your scanning </a:t>
+            </a:r>
+            <a:r>
+              <a:rPr lang="en-US" dirty="0" smtClean="0"/>
+              <a:t>target</a:t>
+            </a:r>
+            <a:endParaRPr lang="en-US" dirty="0"/>
+          </a:p>
+          <a:p>
+            <a:pPr marL="342900" indent="-342900">
+              <a:buFont typeface="Wingdings" panose="05000000000000000000" pitchFamily="2" charset="2"/>
+              <a:buChar char="q"/>
+            </a:pPr>
+            <a:r>
+              <a:rPr lang="en-US" dirty="0" smtClean="0"/>
+              <a:t>Implement </a:t>
+            </a:r>
+            <a:r>
+              <a:rPr lang="en-US" dirty="0"/>
+              <a:t>Section 3 - Specialty Purpose Services as </a:t>
+            </a:r>
+            <a:r>
+              <a:rPr lang="en-US" dirty="0" err="1"/>
+              <a:t>InSpec</a:t>
+            </a:r>
+            <a:r>
+              <a:rPr lang="en-US" dirty="0"/>
+              <a:t> </a:t>
+            </a:r>
+            <a:r>
+              <a:rPr lang="en-US" dirty="0" smtClean="0"/>
+              <a:t>controls.</a:t>
+            </a:r>
+          </a:p>
+          <a:p>
+            <a:pPr marL="342900" indent="-342900">
+              <a:buFont typeface="Wingdings" panose="05000000000000000000" pitchFamily="2" charset="2"/>
+              <a:buChar char="q"/>
+            </a:pPr>
+            <a:r>
+              <a:rPr lang="en-US" dirty="0" smtClean="0"/>
+              <a:t>Use </a:t>
+            </a:r>
+            <a:r>
+              <a:rPr lang="en-US" dirty="0"/>
+              <a:t>`</a:t>
+            </a:r>
+            <a:r>
+              <a:rPr lang="en-US" dirty="0" err="1"/>
+              <a:t>inspec</a:t>
+            </a:r>
+            <a:r>
+              <a:rPr lang="en-US" dirty="0"/>
+              <a:t> exec` to run the tests against your Linux </a:t>
+            </a:r>
+            <a:r>
+              <a:rPr lang="en-US" dirty="0" smtClean="0"/>
+              <a:t>target.</a:t>
+            </a:r>
+          </a:p>
+          <a:p>
+            <a:pPr marL="342900" indent="-342900">
+              <a:buFont typeface="Wingdings" panose="05000000000000000000" pitchFamily="2" charset="2"/>
+              <a:buChar char="q"/>
+            </a:pPr>
+            <a:r>
+              <a:rPr lang="en-US" dirty="0" smtClean="0"/>
+              <a:t>Package the profile </a:t>
+            </a:r>
+            <a:r>
+              <a:rPr lang="en-US" dirty="0"/>
+              <a:t>and upload </a:t>
+            </a:r>
+            <a:r>
+              <a:rPr lang="en-US" dirty="0" smtClean="0"/>
+              <a:t>it to </a:t>
+            </a:r>
+            <a:r>
+              <a:rPr lang="en-US" dirty="0"/>
+              <a:t>your Compliance server.</a:t>
+            </a:r>
+          </a:p>
+          <a:p>
+            <a:endParaRPr lang="en-US" dirty="0"/>
+          </a:p>
+          <a:p>
+            <a:endParaRPr lang="en-US" dirty="0" smtClean="0"/>
+          </a:p>
+          <a:p>
+            <a:endParaRPr lang="en-US" dirty="0"/>
+          </a:p>
+        </p:txBody>
+      </p:sp>
+    </p:spTree>
+    <p:extLst>
+      <p:ext uri="{BB962C8B-B14F-4D97-AF65-F5344CB8AC3E}">
+        <p14:creationId xmlns:p14="http://schemas.microsoft.com/office/powerpoint/2010/main" val="422149947"/>
+      </p:ext>
+    </p:extLst>
+  </p:cSld>
+  <p:clrMapOvr>
+    <a:masterClrMapping/>
+  </p:clrMapOvr>
+  <p:transition spd="med">
+    <p:fade/>
+  </p:transition>
+  <p:timing>
+    <p:tnLst>
+      <p:par>
+        <p:cTn id="1" dur="indefinite" restart="never" nodeType="tmRoot"/>
+      </p:par>
+    </p:tnLst>
+  </p:timing>
+</p:sld>
+</file>
+
+<file path=ppt/slides/slide40.xml><?xml version="1.0" encoding="utf-8"?>
 <p:sld xmlns:a="http://schemas.openxmlformats.org/drawingml/2006/main" xmlns:r="http://schemas.openxmlformats.org/officeDocument/2006/relationships" xmlns:p="http://schemas.openxmlformats.org/presentationml/2006/main">
   <p:cSld>
     <p:spTree>
@@ -22727,7 +23775,7 @@
 </p:sld>
 </file>
 
-<file path=ppt/slides/slide38.xml><?xml version="1.0" encoding="utf-8"?>
+<file path=ppt/slides/slide41.xml><?xml version="1.0" encoding="utf-8"?>
 <p:sld xmlns:a="http://schemas.openxmlformats.org/drawingml/2006/main" xmlns:r="http://schemas.openxmlformats.org/officeDocument/2006/relationships" xmlns:p="http://schemas.openxmlformats.org/presentationml/2006/main">
   <p:cSld>
     <p:spTree>
@@ -22889,7 +23937,7 @@
 </p:sld>
 </file>
 
-<file path=ppt/slides/slide39.xml><?xml version="1.0" encoding="utf-8"?>
+<file path=ppt/slides/slide42.xml><?xml version="1.0" encoding="utf-8"?>
 <p:sld xmlns:a="http://schemas.openxmlformats.org/drawingml/2006/main" xmlns:r="http://schemas.openxmlformats.org/officeDocument/2006/relationships" xmlns:p="http://schemas.openxmlformats.org/presentationml/2006/main">
   <p:cSld>
     <p:spTree>
@@ -23058,229 +24106,7 @@
 </p:sld>
 </file>
 
-<file path=ppt/slides/slide4.xml><?xml version="1.0" encoding="utf-8"?>
-<p:sld xmlns:a="http://schemas.openxmlformats.org/drawingml/2006/main" xmlns:r="http://schemas.openxmlformats.org/officeDocument/2006/relationships" xmlns:p="http://schemas.openxmlformats.org/presentationml/2006/main">
-  <p:cSld>
-    <p:spTree>
-      <p:nvGrpSpPr>
-        <p:cNvPr id="1" name=""/>
-        <p:cNvGrpSpPr/>
-        <p:nvPr/>
-      </p:nvGrpSpPr>
-      <p:grpSpPr>
-        <a:xfrm>
-          <a:off x="0" y="0"/>
-          <a:ext cx="0" cy="0"/>
-          <a:chOff x="0" y="0"/>
-          <a:chExt cx="0" cy="0"/>
-        </a:xfrm>
-      </p:grpSpPr>
-      <p:sp>
-        <p:nvSpPr>
-          <p:cNvPr id="2" name="Title 1"/>
-          <p:cNvSpPr>
-            <a:spLocks noGrp="1"/>
-          </p:cNvSpPr>
-          <p:nvPr>
-            <p:ph type="ctrTitle"/>
-          </p:nvPr>
-        </p:nvSpPr>
-        <p:spPr/>
-        <p:txBody>
-          <a:bodyPr>
-            <a:normAutofit fontScale="90000"/>
-          </a:bodyPr>
-          <a:lstStyle/>
-          <a:p>
-            <a:r>
-              <a:rPr lang="en-US" dirty="0" smtClean="0"/>
-              <a:t>GE: Compliance Frameworks - CIS</a:t>
-            </a:r>
-            <a:endParaRPr lang="en-US" dirty="0"/>
-          </a:p>
-        </p:txBody>
-      </p:sp>
-      <p:sp>
-        <p:nvSpPr>
-          <p:cNvPr id="4" name="Content Placeholder 3"/>
-          <p:cNvSpPr>
-            <a:spLocks noGrp="1"/>
-          </p:cNvSpPr>
-          <p:nvPr>
-            <p:ph sz="quarter" idx="11"/>
-          </p:nvPr>
-        </p:nvSpPr>
-        <p:spPr/>
-        <p:txBody>
-          <a:bodyPr/>
-          <a:lstStyle/>
-          <a:p>
-            <a:r>
-              <a:rPr lang="en-US" dirty="0" smtClean="0"/>
-              <a:t>Translating a CIS benchmark into an </a:t>
-            </a:r>
-            <a:r>
-              <a:rPr lang="en-US" dirty="0" err="1" smtClean="0"/>
-              <a:t>InSpec</a:t>
-            </a:r>
-            <a:r>
-              <a:rPr lang="en-US" dirty="0" smtClean="0"/>
-              <a:t> control and Compliance profile.</a:t>
-            </a:r>
-            <a:endParaRPr lang="en-US" dirty="0"/>
-          </a:p>
-        </p:txBody>
-      </p:sp>
-      <p:sp>
-        <p:nvSpPr>
-          <p:cNvPr id="3" name="Subtitle 2"/>
-          <p:cNvSpPr>
-            <a:spLocks noGrp="1"/>
-          </p:cNvSpPr>
-          <p:nvPr>
-            <p:ph type="body" sz="quarter" idx="10"/>
-          </p:nvPr>
-        </p:nvSpPr>
-        <p:spPr/>
-        <p:txBody>
-          <a:bodyPr/>
-          <a:lstStyle/>
-          <a:p>
-            <a:pPr marL="342900" indent="-342900">
-              <a:buFont typeface="Wingdings" panose="05000000000000000000" pitchFamily="2" charset="2"/>
-              <a:buChar char="q"/>
-            </a:pPr>
-            <a:r>
-              <a:rPr lang="en-US" dirty="0" smtClean="0"/>
-              <a:t>Download </a:t>
-            </a:r>
-            <a:r>
-              <a:rPr lang="en-US" dirty="0"/>
-              <a:t>the benchmark PDF for the </a:t>
-            </a:r>
-            <a:r>
-              <a:rPr lang="en-US" dirty="0" smtClean="0"/>
-              <a:t>platform </a:t>
-            </a:r>
-            <a:r>
-              <a:rPr lang="en-US" dirty="0"/>
-              <a:t>of your scanning </a:t>
-            </a:r>
-            <a:r>
-              <a:rPr lang="en-US" dirty="0" smtClean="0"/>
-              <a:t>target</a:t>
-            </a:r>
-            <a:endParaRPr lang="en-US" dirty="0"/>
-          </a:p>
-          <a:p>
-            <a:pPr marL="342900" indent="-342900">
-              <a:buFont typeface="Wingdings" panose="05000000000000000000" pitchFamily="2" charset="2"/>
-              <a:buChar char="q"/>
-            </a:pPr>
-            <a:r>
-              <a:rPr lang="en-US" dirty="0" smtClean="0"/>
-              <a:t>Implement </a:t>
-            </a:r>
-            <a:r>
-              <a:rPr lang="en-US" dirty="0"/>
-              <a:t>Section 3 - Specialty Purpose Services as </a:t>
-            </a:r>
-            <a:r>
-              <a:rPr lang="en-US" dirty="0" err="1"/>
-              <a:t>InSpec</a:t>
-            </a:r>
-            <a:r>
-              <a:rPr lang="en-US" dirty="0"/>
-              <a:t> </a:t>
-            </a:r>
-            <a:r>
-              <a:rPr lang="en-US" dirty="0" smtClean="0"/>
-              <a:t>controls.</a:t>
-            </a:r>
-          </a:p>
-          <a:p>
-            <a:pPr marL="342900" indent="-342900">
-              <a:buFont typeface="Wingdings" panose="05000000000000000000" pitchFamily="2" charset="2"/>
-              <a:buChar char="q"/>
-            </a:pPr>
-            <a:r>
-              <a:rPr lang="en-US" dirty="0" smtClean="0"/>
-              <a:t>Use </a:t>
-            </a:r>
-            <a:r>
-              <a:rPr lang="en-US" dirty="0"/>
-              <a:t>`</a:t>
-            </a:r>
-            <a:r>
-              <a:rPr lang="en-US" dirty="0" err="1"/>
-              <a:t>inspec</a:t>
-            </a:r>
-            <a:r>
-              <a:rPr lang="en-US" dirty="0"/>
-              <a:t> exec` to run the tests against your Linux </a:t>
-            </a:r>
-            <a:r>
-              <a:rPr lang="en-US" dirty="0" smtClean="0"/>
-              <a:t>target.</a:t>
-            </a:r>
-          </a:p>
-          <a:p>
-            <a:pPr marL="342900" indent="-342900">
-              <a:buFont typeface="Wingdings" panose="05000000000000000000" pitchFamily="2" charset="2"/>
-              <a:buChar char="q"/>
-            </a:pPr>
-            <a:r>
-              <a:rPr lang="en-US" dirty="0" smtClean="0"/>
-              <a:t>Package the profile </a:t>
-            </a:r>
-            <a:r>
-              <a:rPr lang="en-US" dirty="0"/>
-              <a:t>and upload </a:t>
-            </a:r>
-            <a:r>
-              <a:rPr lang="en-US" dirty="0" smtClean="0"/>
-              <a:t>it to </a:t>
-            </a:r>
-            <a:r>
-              <a:rPr lang="en-US" dirty="0"/>
-              <a:t>your Compliance server.</a:t>
-            </a:r>
-          </a:p>
-          <a:p>
-            <a:endParaRPr lang="en-US" dirty="0"/>
-          </a:p>
-          <a:p>
-            <a:endParaRPr lang="en-US" dirty="0" smtClean="0"/>
-          </a:p>
-          <a:p>
-            <a:endParaRPr lang="en-US" dirty="0"/>
-          </a:p>
-        </p:txBody>
-      </p:sp>
-    </p:spTree>
-    <p:extLst>
-      <p:ext uri="{BB962C8B-B14F-4D97-AF65-F5344CB8AC3E}">
-        <p14:creationId xmlns:p14="http://schemas.microsoft.com/office/powerpoint/2010/main" val="422149947"/>
-      </p:ext>
-    </p:extLst>
-  </p:cSld>
-  <p:clrMapOvr>
-    <a:masterClrMapping/>
-  </p:clrMapOvr>
-  <p:transition spd="med">
-    <p:fade/>
-  </p:transition>
-  <p:timing>
-    <p:tnLst>
-      <p:par>
-        <p:cTn id="1" dur="indefinite" restart="never" nodeType="tmRoot"/>
-      </p:par>
-    </p:tnLst>
-  </p:timing>
-</p:sld>
-</file>
-
-<file path=ppt/slides/slide40.xml><?xml version="1.0" encoding="utf-8"?>
+<file path=ppt/slides/slide43.xml><?xml version="1.0" encoding="utf-8"?>
 <p:sld xmlns:a="http://schemas.openxmlformats.org/drawingml/2006/main" xmlns:r="http://schemas.openxmlformats.org/officeDocument/2006/relationships" xmlns:p="http://schemas.openxmlformats.org/presentationml/2006/main">
   <p:cSld>
     <p:bg>
@@ -23460,7 +24286,7 @@
 </p:sld>
 </file>
 
-<file path=ppt/slides/slide41.xml><?xml version="1.0" encoding="utf-8"?>
+<file path=ppt/slides/slide44.xml><?xml version="1.0" encoding="utf-8"?>
 <p:sld xmlns:a="http://schemas.openxmlformats.org/drawingml/2006/main" xmlns:r="http://schemas.openxmlformats.org/officeDocument/2006/relationships" xmlns:p="http://schemas.openxmlformats.org/presentationml/2006/main">
   <p:cSld>
     <p:spTree>
@@ -23600,7 +24426,7 @@
 </p:sld>
 </file>
 
-<file path=ppt/slides/slide42.xml><?xml version="1.0" encoding="utf-8"?>
+<file path=ppt/slides/slide45.xml><?xml version="1.0" encoding="utf-8"?>
 <p:sld xmlns:a="http://schemas.openxmlformats.org/drawingml/2006/main" xmlns:r="http://schemas.openxmlformats.org/officeDocument/2006/relationships" xmlns:p="http://schemas.openxmlformats.org/presentationml/2006/main">
   <p:cSld>
     <p:spTree>

--- a/07-compliance-frameworks-inspec.pptx
+++ b/07-compliance-frameworks-inspec.pptx
@@ -318,7 +318,7 @@
               <a:pPr>
                 <a:defRPr/>
               </a:pPr>
-              <a:t>2016-01-21</a:t>
+              <a:t>2016-01-25</a:t>
             </a:fld>
             <a:endParaRPr lang="en-US" dirty="0"/>
           </a:p>
@@ -501,7 +501,7 @@
               <a:pPr>
                 <a:defRPr/>
               </a:pPr>
-              <a:t>2016-01-21</a:t>
+              <a:t>2016-01-25</a:t>
             </a:fld>
             <a:endParaRPr lang="en-US" dirty="0"/>
           </a:p>
@@ -2529,40 +2529,7 @@
                 <a:ea typeface="ＭＳ Ｐゴシック" charset="0"/>
                 <a:cs typeface="Arial" panose="020B0604020202020204" pitchFamily="34" charset="0"/>
               </a:rPr>
-              <a:t>If you </a:t>
-            </a:r>
-            <a:r>
-              <a:rPr lang="en-US" sz="1200" b="0" i="0" u="none" strike="noStrike" kern="1200" baseline="0" dirty="0" smtClean="0">
-                <a:solidFill>
-                  <a:schemeClr val="tx1"/>
-                </a:solidFill>
-                <a:latin typeface="Arial" panose="020B0604020202020204" pitchFamily="34" charset="0"/>
-                <a:ea typeface="ＭＳ Ｐゴシック" charset="0"/>
-                <a:cs typeface="Arial" panose="020B0604020202020204" pitchFamily="34" charset="0"/>
-              </a:rPr>
-              <a:t>scroll </a:t>
-            </a:r>
-            <a:r>
-              <a:rPr lang="en-US" sz="1200" b="0" i="0" u="none" strike="noStrike" kern="1200" baseline="0" dirty="0" smtClean="0">
-                <a:solidFill>
-                  <a:schemeClr val="tx1"/>
-                </a:solidFill>
-                <a:latin typeface="Arial" panose="020B0604020202020204" pitchFamily="34" charset="0"/>
-                <a:ea typeface="ＭＳ Ｐゴシック" charset="0"/>
-                <a:cs typeface="Arial" panose="020B0604020202020204" pitchFamily="34" charset="0"/>
-              </a:rPr>
-              <a:t>down in that section, you will see a CIS Audit example</a:t>
-            </a:r>
-            <a:r>
-              <a:rPr lang="en-US" sz="1200" b="0" i="0" u="none" strike="noStrike" kern="1200" baseline="0" dirty="0" smtClean="0">
-                <a:solidFill>
-                  <a:schemeClr val="tx1"/>
-                </a:solidFill>
-                <a:latin typeface="Arial" panose="020B0604020202020204" pitchFamily="34" charset="0"/>
-                <a:ea typeface="ＭＳ Ｐゴシック" charset="0"/>
-                <a:cs typeface="Arial" panose="020B0604020202020204" pitchFamily="34" charset="0"/>
-              </a:rPr>
-              <a:t>. The image at the bottom shows that the Windows node's `Enforce password history' setting is out of compliance. </a:t>
+              <a:t>If you scroll down in that section, you will see a CIS Audit example. The image at the bottom shows that the Windows node's `Enforce password history' setting is out of compliance. </a:t>
             </a:r>
             <a:endParaRPr lang="nb-NO" sz="1200" b="0" i="0" u="none" strike="noStrike" kern="1200" baseline="0" dirty="0" smtClean="0">
               <a:solidFill>
@@ -2736,40 +2703,7 @@
                 <a:ea typeface="ＭＳ Ｐゴシック" charset="0"/>
                 <a:cs typeface="Arial" panose="020B0604020202020204" pitchFamily="34" charset="0"/>
               </a:rPr>
-              <a:t>So </a:t>
-            </a:r>
-            <a:r>
-              <a:rPr lang="en-US" sz="1200" b="0" i="0" u="none" strike="noStrike" kern="1200" baseline="0" dirty="0" smtClean="0">
-                <a:solidFill>
-                  <a:schemeClr val="tx1"/>
-                </a:solidFill>
-                <a:latin typeface="Arial" panose="020B0604020202020204" pitchFamily="34" charset="0"/>
-                <a:ea typeface="ＭＳ Ｐゴシック" charset="0"/>
-                <a:cs typeface="Arial" panose="020B0604020202020204" pitchFamily="34" charset="0"/>
-              </a:rPr>
-              <a:t>based on </a:t>
-            </a:r>
-            <a:r>
-              <a:rPr lang="en-US" sz="1200" b="0" i="0" u="none" strike="noStrike" kern="1200" baseline="0" dirty="0" smtClean="0">
-                <a:solidFill>
-                  <a:schemeClr val="tx1"/>
-                </a:solidFill>
-                <a:latin typeface="Arial" panose="020B0604020202020204" pitchFamily="34" charset="0"/>
-                <a:ea typeface="ＭＳ Ｐゴシック" charset="0"/>
-                <a:cs typeface="Arial" panose="020B0604020202020204" pitchFamily="34" charset="0"/>
-              </a:rPr>
-              <a:t>the </a:t>
-            </a:r>
-            <a:r>
-              <a:rPr lang="en-US" sz="1200" b="0" i="0" u="none" strike="noStrike" kern="1200" baseline="0" dirty="0" smtClean="0">
-                <a:solidFill>
-                  <a:schemeClr val="tx1"/>
-                </a:solidFill>
-                <a:latin typeface="Arial" panose="020B0604020202020204" pitchFamily="34" charset="0"/>
-                <a:ea typeface="ＭＳ Ｐゴシック" charset="0"/>
-                <a:cs typeface="Arial" panose="020B0604020202020204" pitchFamily="34" charset="0"/>
-              </a:rPr>
-              <a:t>audit example on the left (and the path to that configuration below that), you could write an </a:t>
+              <a:t>So based on the audit example on the left (and the path to that configuration below that), you could write an </a:t>
             </a:r>
             <a:r>
               <a:rPr lang="en-US" sz="1200" b="0" i="0" u="none" strike="noStrike" kern="1200" baseline="0" dirty="0" err="1" smtClean="0">
@@ -2791,51 +2725,7 @@
                 <a:ea typeface="ＭＳ Ｐゴシック" charset="0"/>
                 <a:cs typeface="Arial" panose="020B0604020202020204" pitchFamily="34" charset="0"/>
               </a:rPr>
-              <a:t> </a:t>
-            </a:r>
-            <a:r>
-              <a:rPr lang="en-US" sz="1200" b="0" i="0" u="none" strike="noStrike" kern="1200" baseline="0" dirty="0" smtClean="0">
-                <a:solidFill>
-                  <a:schemeClr val="tx1"/>
-                </a:solidFill>
-                <a:latin typeface="Arial" panose="020B0604020202020204" pitchFamily="34" charset="0"/>
-                <a:ea typeface="ＭＳ Ｐゴシック" charset="0"/>
-                <a:cs typeface="Arial" panose="020B0604020202020204" pitchFamily="34" charset="0"/>
-              </a:rPr>
-              <a:t>test, </a:t>
-            </a:r>
-            <a:r>
-              <a:rPr lang="en-US" sz="1200" b="0" i="0" u="none" strike="noStrike" kern="1200" baseline="0" dirty="0" smtClean="0">
-                <a:solidFill>
-                  <a:schemeClr val="tx1"/>
-                </a:solidFill>
-                <a:latin typeface="Arial" panose="020B0604020202020204" pitchFamily="34" charset="0"/>
-                <a:ea typeface="ＭＳ Ｐゴシック" charset="0"/>
-                <a:cs typeface="Arial" panose="020B0604020202020204" pitchFamily="34" charset="0"/>
-              </a:rPr>
-              <a:t>as shown on the </a:t>
-            </a:r>
-            <a:r>
-              <a:rPr lang="en-US" sz="1200" b="0" i="0" u="none" strike="noStrike" kern="1200" baseline="0" dirty="0" smtClean="0">
-                <a:solidFill>
-                  <a:schemeClr val="tx1"/>
-                </a:solidFill>
-                <a:latin typeface="Arial" panose="020B0604020202020204" pitchFamily="34" charset="0"/>
-                <a:ea typeface="ＭＳ Ｐゴシック" charset="0"/>
-                <a:cs typeface="Arial" panose="020B0604020202020204" pitchFamily="34" charset="0"/>
-              </a:rPr>
-              <a:t>right, </a:t>
-            </a:r>
-            <a:r>
-              <a:rPr lang="en-US" sz="1200" b="0" i="0" u="none" strike="noStrike" kern="1200" baseline="0" dirty="0" smtClean="0">
-                <a:solidFill>
-                  <a:schemeClr val="tx1"/>
-                </a:solidFill>
-                <a:latin typeface="Arial" panose="020B0604020202020204" pitchFamily="34" charset="0"/>
-                <a:ea typeface="ＭＳ Ｐゴシック" charset="0"/>
-                <a:cs typeface="Arial" panose="020B0604020202020204" pitchFamily="34" charset="0"/>
-              </a:rPr>
-              <a:t>and add it to a Chef Compliance custom profile. In this way you can subsequently use the custom profiles to scan nodes for password history compliance.</a:t>
+              <a:t> test, as shown on the right, and add it to a Chef Compliance custom profile. In this way you can subsequently use the custom profiles to scan nodes for password history compliance.</a:t>
             </a:r>
           </a:p>
           <a:p>
@@ -17124,7 +17014,7 @@
           <a:p>
             <a:r>
               <a:rPr lang="en-US" dirty="0" smtClean="0"/>
-              <a:t>GE: CIS </a:t>
+              <a:t>GL: CIS </a:t>
             </a:r>
             <a:r>
               <a:rPr lang="en-US" dirty="0"/>
@@ -18189,7 +18079,7 @@
           <a:p>
             <a:r>
               <a:rPr lang="en-US" sz="4400" dirty="0" smtClean="0"/>
-              <a:t>GE: Downloading the CIS Benchmarks for Windows </a:t>
+              <a:t>GL: Downloading the CIS Benchmarks for Windows </a:t>
             </a:r>
             <a:endParaRPr lang="en-US" sz="4400" dirty="0"/>
           </a:p>
@@ -18423,8 +18313,12 @@
           <a:lstStyle/>
           <a:p>
             <a:r>
+              <a:rPr lang="en-US" sz="4400" dirty="0" smtClean="0"/>
+              <a:t>GL: </a:t>
+            </a:r>
+            <a:r>
               <a:rPr lang="en-US" sz="4400" dirty="0"/>
-              <a:t>GE: Downloading the CIS Benchmarks for Windows </a:t>
+              <a:t>Downloading the CIS Benchmarks for Windows </a:t>
             </a:r>
           </a:p>
         </p:txBody>
@@ -18622,7 +18516,7 @@
           <a:p>
             <a:r>
               <a:rPr lang="en-US" sz="4400" dirty="0" smtClean="0"/>
-              <a:t>GE: Downloading the CIS </a:t>
+              <a:t>GL: Downloading the CIS </a:t>
             </a:r>
             <a:r>
               <a:rPr lang="en-US" sz="4400" dirty="0"/>
@@ -18762,8 +18656,12 @@
           <a:lstStyle/>
           <a:p>
             <a:r>
+              <a:rPr lang="en-US" dirty="0" smtClean="0"/>
+              <a:t>GL: </a:t>
+            </a:r>
+            <a:r>
               <a:rPr lang="en-US" dirty="0"/>
-              <a:t>GE: Downloading t</a:t>
+              <a:t>Downloading t</a:t>
             </a:r>
             <a:r>
               <a:rPr lang="en-US" dirty="0" smtClean="0"/>
@@ -19028,8 +18926,12 @@
           <a:lstStyle/>
           <a:p>
             <a:r>
+              <a:rPr lang="en-US" sz="4400" dirty="0" smtClean="0"/>
+              <a:t>GL: </a:t>
+            </a:r>
+            <a:r>
               <a:rPr lang="en-US" sz="4400" dirty="0"/>
-              <a:t>GE: Downloading the CIS Benchmarks for Windows </a:t>
+              <a:t>Downloading the CIS Benchmarks for Windows </a:t>
             </a:r>
           </a:p>
         </p:txBody>
@@ -19150,7 +19052,7 @@
           <a:p>
             <a:r>
               <a:rPr lang="en-US" dirty="0" smtClean="0"/>
-              <a:t>GE: CIS Benchmarks for Windows</a:t>
+              <a:t>GL: CIS Benchmarks for Windows</a:t>
             </a:r>
             <a:endParaRPr lang="en-US" dirty="0">
               <a:solidFill>
@@ -19508,7 +19410,7 @@
           <a:p>
             <a:r>
               <a:rPr lang="en-US" sz="3600" dirty="0" smtClean="0"/>
-              <a:t>GE: Writing an </a:t>
+              <a:t>GL: Writing an </a:t>
             </a:r>
             <a:r>
               <a:rPr lang="en-US" sz="3600" dirty="0" err="1" smtClean="0"/>
@@ -19609,8 +19511,12 @@
           <a:lstStyle/>
           <a:p>
             <a:r>
+              <a:rPr lang="en-US" sz="3600" dirty="0" smtClean="0"/>
+              <a:t>GL: </a:t>
+            </a:r>
+            <a:r>
               <a:rPr lang="en-US" sz="3600" dirty="0"/>
-              <a:t>GE: Writing an </a:t>
+              <a:t>Writing an </a:t>
             </a:r>
             <a:r>
               <a:rPr lang="en-US" sz="3600" dirty="0" err="1"/>
@@ -19783,8 +19689,12 @@
           <a:lstStyle/>
           <a:p>
             <a:r>
+              <a:rPr lang="en-US" sz="3600" dirty="0" smtClean="0"/>
+              <a:t>GL: </a:t>
+            </a:r>
+            <a:r>
               <a:rPr lang="en-US" sz="3600" dirty="0"/>
-              <a:t>GE: Writing an </a:t>
+              <a:t>Writing an </a:t>
             </a:r>
             <a:r>
               <a:rPr lang="en-US" sz="3600" dirty="0" err="1"/>
@@ -19821,8 +19731,8 @@
         </p:blipFill>
         <p:spPr>
           <a:xfrm>
-            <a:off x="190274" y="1259159"/>
-            <a:ext cx="9746493" cy="3459794"/>
+            <a:off x="190274" y="878159"/>
+            <a:ext cx="9148521" cy="3247527"/>
           </a:xfrm>
           <a:prstGeom prst="rect">
             <a:avLst/>
@@ -19844,8 +19754,8 @@
         </p:nvSpPr>
         <p:spPr bwMode="white">
           <a:xfrm>
-            <a:off x="10129544" y="1731611"/>
-            <a:ext cx="5920596" cy="4819091"/>
+            <a:off x="5910944" y="4218997"/>
+            <a:ext cx="10106540" cy="3950732"/>
           </a:xfrm>
           <a:prstGeom prst="rect">
             <a:avLst/>
@@ -20025,76 +19935,128 @@
           <a:p>
             <a:r>
               <a:rPr lang="en-US" sz="2000" b="1" dirty="0" smtClean="0"/>
-              <a:t>control 'cis-3.1' do</a:t>
-            </a:r>
-          </a:p>
-          <a:p>
+              <a:t>control </a:t>
+            </a:r>
+            <a:r>
+              <a:rPr lang="en-US" sz="2000" b="1" dirty="0"/>
+              <a:t>'cis-enforce-password-history-1.1.1' do</a:t>
+            </a:r>
+          </a:p>
+          <a:p>
+            <a:r>
+              <a:rPr lang="en-US" sz="2000" b="1" dirty="0"/>
+              <a:t> </a:t>
+            </a:r>
             <a:r>
               <a:rPr lang="en-US" sz="2000" b="1" dirty="0" smtClean="0"/>
-              <a:t>  impact 0.7</a:t>
-            </a:r>
-          </a:p>
-          <a:p>
+              <a:t> impact </a:t>
+            </a:r>
+            <a:r>
+              <a:rPr lang="en-US" sz="2000" b="1" dirty="0"/>
+              <a:t>0.7</a:t>
+            </a:r>
+          </a:p>
+          <a:p>
+            <a:r>
+              <a:rPr lang="en-US" sz="2000" b="1" dirty="0"/>
+              <a:t> </a:t>
+            </a:r>
             <a:r>
               <a:rPr lang="en-US" sz="2000" b="1" dirty="0" smtClean="0"/>
-              <a:t>  title 'Set Daemon </a:t>
+              <a:t> title </a:t>
+            </a:r>
+            <a:r>
+              <a:rPr lang="en-US" sz="2000" b="1" dirty="0"/>
+              <a:t>'1.1.1 Set Enforce password history to 24 or more passwords'</a:t>
+            </a:r>
+          </a:p>
+          <a:p>
+            <a:r>
+              <a:rPr lang="en-US" sz="2000" b="1" dirty="0"/>
+              <a:t> </a:t>
+            </a:r>
+            <a:r>
+              <a:rPr lang="en-US" sz="2000" b="1" dirty="0" smtClean="0"/>
+              <a:t> </a:t>
             </a:r>
             <a:r>
               <a:rPr lang="en-US" sz="2000" b="1" dirty="0" err="1" smtClean="0"/>
-              <a:t>umask</a:t>
+              <a:t>desc</a:t>
             </a:r>
             <a:r>
               <a:rPr lang="en-US" sz="2000" b="1" dirty="0" smtClean="0"/>
+              <a:t> </a:t>
+            </a:r>
+            <a:r>
+              <a:rPr lang="en-US" sz="2000" b="1" dirty="0"/>
+              <a:t>'Set Enforce password history to 24 or </a:t>
+            </a:r>
+            <a:r>
+              <a:rPr lang="en-US" sz="2000" b="1" dirty="0" smtClean="0"/>
+              <a:t>more passwords</a:t>
+            </a:r>
+            <a:r>
+              <a:rPr lang="en-US" sz="2000" b="1" dirty="0"/>
               <a:t>'</a:t>
             </a:r>
           </a:p>
           <a:p>
             <a:r>
+              <a:rPr lang="en-US" sz="2000" b="1" dirty="0"/>
+              <a:t> </a:t>
+            </a:r>
+            <a:r>
               <a:rPr lang="en-US" sz="2000" b="1" dirty="0" smtClean="0"/>
-              <a:t>    describe file('/etc/</a:t>
-            </a:r>
-            <a:r>
-              <a:rPr lang="en-US" sz="2000" b="1" dirty="0" err="1" smtClean="0"/>
-              <a:t>sysconfig</a:t>
+              <a:t> describe </a:t>
+            </a:r>
+            <a:r>
+              <a:rPr lang="en-US" sz="2000" b="1" dirty="0" err="1"/>
+              <a:t>security_policy</a:t>
+            </a:r>
+            <a:r>
+              <a:rPr lang="en-US" sz="2000" b="1" dirty="0"/>
+              <a:t> do</a:t>
+            </a:r>
+          </a:p>
+          <a:p>
+            <a:r>
+              <a:rPr lang="en-US" sz="2000" b="1" dirty="0"/>
+              <a:t> </a:t>
             </a:r>
             <a:r>
               <a:rPr lang="en-US" sz="2000" b="1" dirty="0" smtClean="0"/>
-              <a:t>/</a:t>
-            </a:r>
-            <a:r>
-              <a:rPr lang="en-US" sz="2000" b="1" dirty="0" err="1" smtClean="0"/>
-              <a:t>init</a:t>
+              <a:t>   its</a:t>
+            </a:r>
+            <a:r>
+              <a:rPr lang="en-US" sz="2000" b="1" dirty="0"/>
+              <a:t>('</a:t>
+            </a:r>
+            <a:r>
+              <a:rPr lang="en-US" sz="2000" b="1" dirty="0" err="1"/>
+              <a:t>PasswordHistorySize</a:t>
+            </a:r>
+            <a:r>
+              <a:rPr lang="en-US" sz="2000" b="1" dirty="0"/>
+              <a:t>') { should be &gt;= 24 }</a:t>
+            </a:r>
+          </a:p>
+          <a:p>
+            <a:r>
+              <a:rPr lang="en-US" sz="2000" b="1" dirty="0"/>
+              <a:t> </a:t>
             </a:r>
             <a:r>
               <a:rPr lang="en-US" sz="2000" b="1" dirty="0" smtClean="0"/>
-              <a:t>') do</a:t>
-            </a:r>
-          </a:p>
-          <a:p>
-            <a:r>
-              <a:rPr lang="en-US" sz="2000" b="1" dirty="0" smtClean="0"/>
-              <a:t>      its('content') {should match '</a:t>
-            </a:r>
-            <a:r>
-              <a:rPr lang="en-US" sz="2000" b="1" dirty="0" err="1" smtClean="0"/>
-              <a:t>umask</a:t>
-            </a:r>
-            <a:r>
-              <a:rPr lang="en-US" sz="2000" b="1" dirty="0" smtClean="0"/>
-              <a:t> 027'}</a:t>
-            </a:r>
-          </a:p>
-          <a:p>
-            <a:r>
-              <a:rPr lang="en-US" sz="2000" b="1" dirty="0" smtClean="0"/>
-              <a:t>    end</a:t>
-            </a:r>
+              <a:t> end</a:t>
+            </a:r>
+            <a:endParaRPr lang="en-US" sz="2000" b="1" dirty="0"/>
           </a:p>
           <a:p>
             <a:r>
               <a:rPr lang="en-US" sz="2000" b="1" dirty="0" smtClean="0"/>
               <a:t>end</a:t>
             </a:r>
+            <a:endParaRPr lang="en-US" sz="2000" b="1" dirty="0"/>
           </a:p>
         </p:txBody>
       </p:sp>
@@ -20193,7 +20155,7 @@
           <a:p>
             <a:r>
               <a:rPr lang="en-US" dirty="0" smtClean="0"/>
-              <a:t>TBD GE: Move to ~/</a:t>
+              <a:t>TBD GL: Move to ~/</a:t>
             </a:r>
             <a:r>
               <a:rPr lang="en-US" dirty="0" err="1" smtClean="0"/>
@@ -20494,7 +20456,7 @@
           <a:p>
             <a:r>
               <a:rPr lang="en-US" dirty="0" smtClean="0"/>
-              <a:t>GE: Create the Directory for your New Profile </a:t>
+              <a:t>GL: Create the Directory for your New Profile </a:t>
             </a:r>
             <a:endParaRPr lang="en-US" dirty="0"/>
           </a:p>
@@ -20728,12 +20690,8 @@
           <a:lstStyle/>
           <a:p>
             <a:r>
-              <a:rPr lang="en-US" dirty="0"/>
-              <a:t>GE: </a:t>
-            </a:r>
-            <a:r>
-              <a:rPr lang="en-US" dirty="0" smtClean="0"/>
-              <a:t>Create the </a:t>
+              <a:rPr lang="en-US" dirty="0" smtClean="0"/>
+              <a:t>GL: Create the </a:t>
             </a:r>
             <a:r>
               <a:rPr lang="en-US" dirty="0"/>
@@ -20928,7 +20886,7 @@
           <a:p>
             <a:r>
               <a:rPr lang="en-US" dirty="0" smtClean="0"/>
-              <a:t>GE: Create and Move into the `test` Directory</a:t>
+              <a:t>GL: Create and Move into the `test` Directory</a:t>
             </a:r>
             <a:endParaRPr lang="en-US" dirty="0"/>
           </a:p>
@@ -20983,8 +20941,12 @@
           <a:lstStyle/>
           <a:p>
             <a:r>
+              <a:rPr lang="en-US" dirty="0" smtClean="0"/>
+              <a:t>GL: </a:t>
+            </a:r>
+            <a:r>
               <a:rPr lang="en-US" dirty="0"/>
-              <a:t>GE: Create a </a:t>
+              <a:t>Create a </a:t>
             </a:r>
             <a:r>
               <a:rPr lang="en-US" dirty="0" smtClean="0"/>
@@ -21415,7 +21377,7 @@
           <a:p>
             <a:r>
               <a:rPr lang="en-US" dirty="0" smtClean="0"/>
-              <a:t>GE: Test the Control with `</a:t>
+              <a:t>GL: Test the Control with `</a:t>
             </a:r>
             <a:r>
               <a:rPr lang="en-US" dirty="0" err="1" smtClean="0"/>
@@ -21636,7 +21598,7 @@
           <a:p>
             <a:r>
               <a:rPr lang="en-US" dirty="0" smtClean="0"/>
-              <a:t>GE: Zip up your New Profile</a:t>
+              <a:t>GL: Zip up your New Profile</a:t>
             </a:r>
             <a:endParaRPr lang="en-US" dirty="0"/>
           </a:p>
@@ -21968,7 +21930,7 @@
           <a:p>
             <a:r>
               <a:rPr lang="en-US" dirty="0" smtClean="0"/>
-              <a:t>GE: Verify the zip File's Creation</a:t>
+              <a:t>GL: Verify the zip File's Creation</a:t>
             </a:r>
             <a:endParaRPr lang="en-US" dirty="0"/>
           </a:p>
@@ -22098,7 +22060,7 @@
           <a:p>
             <a:r>
               <a:rPr lang="en-US" dirty="0" smtClean="0"/>
-              <a:t>GE: From your Laptop Run the </a:t>
+              <a:t>GL: From your Laptop Run the </a:t>
             </a:r>
             <a:r>
               <a:rPr lang="en-US" dirty="0" err="1" smtClean="0"/>
@@ -22171,7 +22133,7 @@
           <a:p>
             <a:r>
               <a:rPr lang="en-US" dirty="0" smtClean="0"/>
-              <a:t>GE: </a:t>
+              <a:t>GL: </a:t>
             </a:r>
             <a:r>
               <a:rPr lang="en-US" dirty="0"/>
@@ -22410,7 +22372,7 @@
           <a:p>
             <a:r>
               <a:rPr lang="en-US" dirty="0" smtClean="0"/>
-              <a:t>GE: </a:t>
+              <a:t>GL: </a:t>
             </a:r>
             <a:r>
               <a:rPr lang="en-US" dirty="0"/>
@@ -22554,7 +22516,7 @@
           <a:p>
             <a:r>
               <a:rPr lang="en-US" dirty="0" smtClean="0"/>
-              <a:t>GE: </a:t>
+              <a:t>GL: </a:t>
             </a:r>
             <a:r>
               <a:rPr lang="en-US" dirty="0"/>
@@ -22735,7 +22697,7 @@
           <a:p>
             <a:r>
               <a:rPr lang="en-US" dirty="0" smtClean="0"/>
-              <a:t>GE: Scan Using the New Profile</a:t>
+              <a:t>GL: Scan Using the New Profile</a:t>
             </a:r>
             <a:endParaRPr lang="en-US" dirty="0"/>
           </a:p>
@@ -22867,7 +22829,7 @@
           <a:p>
             <a:r>
               <a:rPr lang="en-US" dirty="0" smtClean="0"/>
-              <a:t>GE: Results of the Custom Profile Scan</a:t>
+              <a:t>GL: Results of the Custom Profile Scan</a:t>
             </a:r>
             <a:endParaRPr lang="en-US" dirty="0"/>
           </a:p>
@@ -23005,7 +22967,7 @@
           <a:p>
             <a:r>
               <a:rPr lang="en-US" dirty="0" smtClean="0"/>
-              <a:t>GE: Results of the Custom Profile Scan</a:t>
+              <a:t>GL: Results of the Custom Profile Scan</a:t>
             </a:r>
             <a:endParaRPr lang="en-US" dirty="0"/>
           </a:p>
@@ -23400,7 +23362,14 @@
           <a:p>
             <a:r>
               <a:rPr lang="en-US" dirty="0" smtClean="0"/>
-              <a:t>GE: Compliance Frameworks - CIS</a:t>
+              <a:t>Group Lab:</a:t>
+            </a:r>
+            <a:br>
+              <a:rPr lang="en-US" dirty="0" smtClean="0"/>
+            </a:br>
+            <a:r>
+              <a:rPr lang="en-US" dirty="0" smtClean="0"/>
+              <a:t> Compliance Frameworks - CIS</a:t>
             </a:r>
             <a:endParaRPr lang="en-US" dirty="0"/>
           </a:p>
@@ -23627,7 +23596,7 @@
           <a:p>
             <a:r>
               <a:rPr lang="en-US" dirty="0" smtClean="0"/>
-              <a:t>GE: Compliance Frameworks - DoD</a:t>
+              <a:t>GL: Compliance Frameworks - DoD</a:t>
             </a:r>
             <a:endParaRPr lang="en-US" dirty="0"/>
           </a:p>
@@ -23811,7 +23780,7 @@
           <a:p>
             <a:r>
               <a:rPr lang="en-US" dirty="0" smtClean="0"/>
-              <a:t>GE: </a:t>
+              <a:t>GL: </a:t>
             </a:r>
             <a:r>
               <a:rPr lang="en-US" dirty="0"/>
@@ -23973,7 +23942,7 @@
           <a:p>
             <a:r>
               <a:rPr lang="en-US" dirty="0" smtClean="0"/>
-              <a:t>GE: </a:t>
+              <a:t>GL: </a:t>
             </a:r>
             <a:r>
               <a:rPr lang="en-US" dirty="0"/>
@@ -24656,7 +24625,7 @@
           <a:p>
             <a:r>
               <a:rPr lang="en-US" sz="4800" dirty="0" smtClean="0"/>
-              <a:t>GE: Downloading the CIS Benchmarks for Linux </a:t>
+              <a:t>GL: Downloading the CIS Benchmarks for Linux </a:t>
             </a:r>
             <a:endParaRPr lang="en-US" sz="4800" dirty="0"/>
           </a:p>
@@ -24889,7 +24858,7 @@
           <a:p>
             <a:r>
               <a:rPr lang="en-US" dirty="0" smtClean="0"/>
-              <a:t>GE: Downloading the CIS Benchmarks </a:t>
+              <a:t>GL: Downloading the CIS Benchmarks </a:t>
             </a:r>
             <a:endParaRPr lang="en-US" dirty="0"/>
           </a:p>
@@ -25059,7 +25028,7 @@
           <a:p>
             <a:r>
               <a:rPr lang="en-US" dirty="0" smtClean="0"/>
-              <a:t>GE: Downloading the CIS Linux Benchmarks </a:t>
+              <a:t>GL: Downloading the CIS Linux Benchmarks </a:t>
             </a:r>
             <a:endParaRPr lang="en-US" dirty="0"/>
           </a:p>
@@ -25233,8 +25202,12 @@
           <a:lstStyle/>
           <a:p>
             <a:r>
+              <a:rPr lang="en-US" dirty="0" smtClean="0"/>
+              <a:t>GL: </a:t>
+            </a:r>
+            <a:r>
               <a:rPr lang="en-US" dirty="0"/>
-              <a:t>GE: Downloading t</a:t>
+              <a:t>Downloading t</a:t>
             </a:r>
             <a:r>
               <a:rPr lang="en-US" dirty="0" smtClean="0"/>
@@ -25497,8 +25470,12 @@
           <a:lstStyle/>
           <a:p>
             <a:r>
+              <a:rPr lang="en-US" dirty="0" smtClean="0"/>
+              <a:t>GL: </a:t>
+            </a:r>
+            <a:r>
               <a:rPr lang="en-US" dirty="0"/>
-              <a:t>GE: Downloading the CIS Benchmarks </a:t>
+              <a:t>Downloading the CIS Benchmarks </a:t>
             </a:r>
           </a:p>
         </p:txBody>

--- a/07-compliance-frameworks-inspec.pptx
+++ b/07-compliance-frameworks-inspec.pptx
@@ -6,10 +6,10 @@
     <p:sldMasterId id="2147483847" r:id="rId6"/>
   </p:sldMasterIdLst>
   <p:notesMasterIdLst>
-    <p:notesMasterId r:id="rId52"/>
+    <p:notesMasterId r:id="rId51"/>
   </p:notesMasterIdLst>
   <p:handoutMasterIdLst>
-    <p:handoutMasterId r:id="rId53"/>
+    <p:handoutMasterId r:id="rId52"/>
   </p:handoutMasterIdLst>
   <p:sldIdLst>
     <p:sldId id="256" r:id="rId7"/>
@@ -55,8 +55,7 @@
     <p:sldId id="351" r:id="rId47"/>
     <p:sldId id="352" r:id="rId48"/>
     <p:sldId id="276" r:id="rId49"/>
-    <p:sldId id="331" r:id="rId50"/>
-    <p:sldId id="267" r:id="rId51"/>
+    <p:sldId id="267" r:id="rId50"/>
   </p:sldIdLst>
   <p:sldSz cx="16256000" cy="9144000"/>
   <p:notesSz cx="6858000" cy="9144000"/>
@@ -318,7 +317,7 @@
               <a:pPr>
                 <a:defRPr/>
               </a:pPr>
-              <a:t>2016-01-25</a:t>
+              <a:t>2016-01-27</a:t>
             </a:fld>
             <a:endParaRPr lang="en-US" dirty="0"/>
           </a:p>
@@ -501,7 +500,7 @@
               <a:pPr>
                 <a:defRPr/>
               </a:pPr>
-              <a:t>2016-01-25</a:t>
+              <a:t>2016-01-27</a:t>
             </a:fld>
             <a:endParaRPr lang="en-US" dirty="0"/>
           </a:p>
@@ -946,46 +945,6 @@
           <a:bodyPr/>
           <a:lstStyle/>
           <a:p>
-            <a:pPr marL="0" marR="0" indent="0" algn="l" defTabSz="1217613" rtl="0" eaLnBrk="1" fontAlgn="base" latinLnBrk="0" hangingPunct="1">
-              <a:lnSpc>
-                <a:spcPct val="90000"/>
-              </a:lnSpc>
-              <a:spcBef>
-                <a:spcPct val="30000"/>
-              </a:spcBef>
-              <a:spcAft>
-                <a:spcPts val="450"/>
-              </a:spcAft>
-              <a:buClrTx/>
-              <a:buSzTx/>
-              <a:buFontTx/>
-              <a:buNone/>
-              <a:tabLst/>
-              <a:defRPr/>
-            </a:pPr>
-            <a:r>
-              <a:rPr lang="en-US" dirty="0" smtClean="0"/>
-              <a:t>TBD Delete later:</a:t>
-            </a:r>
-            <a:br>
-              <a:rPr lang="en-US" dirty="0" smtClean="0"/>
-            </a:br>
-            <a:r>
-              <a:rPr lang="en-US" dirty="0" smtClean="0"/>
-              <a:t/>
-            </a:r>
-            <a:br>
-              <a:rPr lang="en-US" dirty="0" smtClean="0"/>
-            </a:br>
-            <a:r>
-              <a:rPr lang="en-US" dirty="0" smtClean="0">
-                <a:hlinkClick r:id="rId3"/>
-              </a:rPr>
-              <a:t>https://chefio.atlassian.net/wiki/pages/viewpage.action?spaceKey=SE&amp;title=Week+2+-+Use+Cases#Week2-UseCases-Exercises-CIS</a:t>
-            </a:r>
-            <a:endParaRPr lang="en-US" dirty="0" smtClean="0"/>
-          </a:p>
-          <a:p>
             <a:endParaRPr lang="en-US" dirty="0" smtClean="0"/>
           </a:p>
           <a:p>
@@ -2081,7 +2040,11 @@
           <a:p>
             <a:r>
               <a:rPr lang="en-US" dirty="0" smtClean="0"/>
-              <a:t>https://chefio.atlassian.net/wiki/pages/viewpage.action?spaceKey=SE&amp;title=Week+2+-+Use+Cases#Week2-UseCases-Exercises-CIS</a:t>
+              <a:t>TODO delete? https</a:t>
+            </a:r>
+            <a:r>
+              <a:rPr lang="en-US" dirty="0" smtClean="0"/>
+              <a:t>://chefio.atlassian.net/wiki/pages/viewpage.action?spaceKey=SE&amp;title=Week+2+-+Use+Cases#Week2-UseCases-Exercises-CIS</a:t>
             </a:r>
           </a:p>
           <a:p>
@@ -3009,7 +2972,28 @@
           <a:p>
             <a:r>
               <a:rPr lang="en-US" dirty="0" smtClean="0"/>
-              <a:t>On your target node, create the directory for your new profile and then move into it.</a:t>
+              <a:t>TODO: Delete this lab?</a:t>
+            </a:r>
+          </a:p>
+          <a:p>
+            <a:endParaRPr lang="en-US" dirty="0" smtClean="0"/>
+          </a:p>
+          <a:p>
+            <a:r>
+              <a:rPr lang="en-US" dirty="0" smtClean="0"/>
+              <a:t>On </a:t>
+            </a:r>
+            <a:r>
+              <a:rPr lang="en-US" dirty="0" smtClean="0"/>
+              <a:t>your target node, create the directory for your new profile and then move </a:t>
+            </a:r>
+            <a:r>
+              <a:rPr lang="en-US" dirty="0" smtClean="0"/>
+              <a:t>in to </a:t>
+            </a:r>
+            <a:r>
+              <a:rPr lang="en-US" dirty="0" smtClean="0"/>
+              <a:t>it.</a:t>
             </a:r>
             <a:endParaRPr lang="en-US" dirty="0"/>
           </a:p>
@@ -6084,7 +6068,15 @@
             </a:r>
             <a:r>
               <a:rPr lang="en-US" baseline="0" dirty="0" smtClean="0"/>
-              <a:t> into the Chef Compliance UI as 'admin', your profile is called 'admin/profile' on the 'Scan nodes' page. </a:t>
+              <a:t> </a:t>
+            </a:r>
+            <a:r>
+              <a:rPr lang="en-US" baseline="0" dirty="0" smtClean="0"/>
+              <a:t>in to </a:t>
+            </a:r>
+            <a:r>
+              <a:rPr lang="en-US" baseline="0" dirty="0" smtClean="0"/>
+              <a:t>the Chef Compliance UI as 'admin', your profile is called 'admin/profile' on the 'Scan nodes' page. </a:t>
             </a:r>
           </a:p>
           <a:p>
@@ -7148,7 +7140,20 @@
           <a:p>
             <a:r>
               <a:rPr lang="en-US" dirty="0" smtClean="0"/>
-              <a:t>Go to this site...</a:t>
+              <a:t>TODO finish this DoD section</a:t>
+            </a:r>
+          </a:p>
+          <a:p>
+            <a:endParaRPr lang="en-US" dirty="0" smtClean="0"/>
+          </a:p>
+          <a:p>
+            <a:r>
+              <a:rPr lang="en-US" dirty="0" smtClean="0"/>
+              <a:t>Go </a:t>
+            </a:r>
+            <a:r>
+              <a:rPr lang="en-US" dirty="0" smtClean="0"/>
+              <a:t>to this site...</a:t>
             </a:r>
           </a:p>
           <a:p>
@@ -8993,14 +8998,14 @@
           </a:ln>
           <a:extLst>
             <a:ext uri="{909E8E84-426E-40dd-AFC4-6F175D3DCCD1}">
-              <a14:hiddenFill xmlns:a14="http://schemas.microsoft.com/office/drawing/2010/main" xmlns="">
+              <a14:hiddenFill xmlns="" xmlns:a14="http://schemas.microsoft.com/office/drawing/2010/main">
                 <a:solidFill>
                   <a:srgbClr val="FFFFFF"/>
                 </a:solidFill>
               </a14:hiddenFill>
             </a:ext>
             <a:ext uri="{91240B29-F687-4f45-9708-019B960494DF}">
-              <a14:hiddenLine xmlns:a14="http://schemas.microsoft.com/office/drawing/2010/main" xmlns="" w="9525">
+              <a14:hiddenLine xmlns="" xmlns:a14="http://schemas.microsoft.com/office/drawing/2010/main" w="9525">
                 <a:solidFill>
                   <a:srgbClr val="000000"/>
                 </a:solidFill>
@@ -9148,14 +9153,14 @@
           </a:ln>
           <a:extLst>
             <a:ext uri="{909E8E84-426E-40dd-AFC4-6F175D3DCCD1}">
-              <a14:hiddenFill xmlns:a14="http://schemas.microsoft.com/office/drawing/2010/main" xmlns="">
+              <a14:hiddenFill xmlns="" xmlns:a14="http://schemas.microsoft.com/office/drawing/2010/main">
                 <a:solidFill>
                   <a:srgbClr val="FFFFFF"/>
                 </a:solidFill>
               </a14:hiddenFill>
             </a:ext>
             <a:ext uri="{91240B29-F687-4f45-9708-019B960494DF}">
-              <a14:hiddenLine xmlns:a14="http://schemas.microsoft.com/office/drawing/2010/main" xmlns="" w="9525">
+              <a14:hiddenLine xmlns="" xmlns:a14="http://schemas.microsoft.com/office/drawing/2010/main" w="9525">
                 <a:solidFill>
                   <a:srgbClr val="000000"/>
                 </a:solidFill>
@@ -9646,14 +9651,14 @@
           </a:ln>
           <a:extLst>
             <a:ext uri="{909E8E84-426E-40dd-AFC4-6F175D3DCCD1}">
-              <a14:hiddenFill xmlns:a14="http://schemas.microsoft.com/office/drawing/2010/main" xmlns="">
+              <a14:hiddenFill xmlns="" xmlns:a14="http://schemas.microsoft.com/office/drawing/2010/main">
                 <a:solidFill>
                   <a:srgbClr val="FFFFFF"/>
                 </a:solidFill>
               </a14:hiddenFill>
             </a:ext>
             <a:ext uri="{91240B29-F687-4f45-9708-019B960494DF}">
-              <a14:hiddenLine xmlns:a14="http://schemas.microsoft.com/office/drawing/2010/main" xmlns="" w="9525">
+              <a14:hiddenLine xmlns="" xmlns:a14="http://schemas.microsoft.com/office/drawing/2010/main" w="9525">
                 <a:solidFill>
                   <a:srgbClr val="000000"/>
                 </a:solidFill>
@@ -10179,14 +10184,14 @@
           </a:ln>
           <a:extLst>
             <a:ext uri="{909E8E84-426E-40dd-AFC4-6F175D3DCCD1}">
-              <a14:hiddenFill xmlns:a14="http://schemas.microsoft.com/office/drawing/2010/main" xmlns="">
+              <a14:hiddenFill xmlns="" xmlns:a14="http://schemas.microsoft.com/office/drawing/2010/main">
                 <a:solidFill>
                   <a:srgbClr val="FFFFFF"/>
                 </a:solidFill>
               </a14:hiddenFill>
             </a:ext>
             <a:ext uri="{91240B29-F687-4f45-9708-019B960494DF}">
-              <a14:hiddenLine xmlns:a14="http://schemas.microsoft.com/office/drawing/2010/main" xmlns="" w="9525">
+              <a14:hiddenLine xmlns="" xmlns:a14="http://schemas.microsoft.com/office/drawing/2010/main" w="9525">
                 <a:solidFill>
                   <a:srgbClr val="000000"/>
                 </a:solidFill>
@@ -11810,14 +11815,14 @@
           </a:ln>
           <a:extLst>
             <a:ext uri="{909E8E84-426E-40dd-AFC4-6F175D3DCCD1}">
-              <a14:hiddenFill xmlns:a14="http://schemas.microsoft.com/office/drawing/2010/main" xmlns="">
+              <a14:hiddenFill xmlns="" xmlns:a14="http://schemas.microsoft.com/office/drawing/2010/main">
                 <a:solidFill>
                   <a:srgbClr val="FFFFFF"/>
                 </a:solidFill>
               </a14:hiddenFill>
             </a:ext>
             <a:ext uri="{91240B29-F687-4f45-9708-019B960494DF}">
-              <a14:hiddenLine xmlns:a14="http://schemas.microsoft.com/office/drawing/2010/main" xmlns="" w="9525">
+              <a14:hiddenLine xmlns="" xmlns:a14="http://schemas.microsoft.com/office/drawing/2010/main" w="9525">
                 <a:solidFill>
                   <a:srgbClr val="000000"/>
                 </a:solidFill>
@@ -13351,14 +13356,14 @@
           </a:ln>
           <a:extLst>
             <a:ext uri="{909E8E84-426E-40dd-AFC4-6F175D3DCCD1}">
-              <a14:hiddenFill xmlns:a14="http://schemas.microsoft.com/office/drawing/2010/main" xmlns="">
+              <a14:hiddenFill xmlns="" xmlns:a14="http://schemas.microsoft.com/office/drawing/2010/main">
                 <a:solidFill>
                   <a:srgbClr val="FFFFFF"/>
                 </a:solidFill>
               </a14:hiddenFill>
             </a:ext>
             <a:ext uri="{91240B29-F687-4f45-9708-019B960494DF}">
-              <a14:hiddenLine xmlns:a14="http://schemas.microsoft.com/office/drawing/2010/main" xmlns="" w="9525">
+              <a14:hiddenLine xmlns="" xmlns:a14="http://schemas.microsoft.com/office/drawing/2010/main" w="9525">
                 <a:solidFill>
                   <a:srgbClr val="000000"/>
                 </a:solidFill>
@@ -13864,14 +13869,14 @@
           </a:ln>
           <a:extLst>
             <a:ext uri="{909E8E84-426E-40dd-AFC4-6F175D3DCCD1}">
-              <a14:hiddenFill xmlns:a14="http://schemas.microsoft.com/office/drawing/2010/main" xmlns="">
+              <a14:hiddenFill xmlns="" xmlns:a14="http://schemas.microsoft.com/office/drawing/2010/main">
                 <a:solidFill>
                   <a:srgbClr val="FFFFFF"/>
                 </a:solidFill>
               </a14:hiddenFill>
             </a:ext>
             <a:ext uri="{91240B29-F687-4f45-9708-019B960494DF}">
-              <a14:hiddenLine xmlns:a14="http://schemas.microsoft.com/office/drawing/2010/main" xmlns="" w="9525">
+              <a14:hiddenLine xmlns="" xmlns:a14="http://schemas.microsoft.com/office/drawing/2010/main" w="9525">
                 <a:solidFill>
                   <a:srgbClr val="000000"/>
                 </a:solidFill>
@@ -14438,14 +14443,14 @@
           </a:ln>
           <a:extLst>
             <a:ext uri="{909E8E84-426E-40dd-AFC4-6F175D3DCCD1}">
-              <a14:hiddenFill xmlns:a14="http://schemas.microsoft.com/office/drawing/2010/main" xmlns="">
+              <a14:hiddenFill xmlns="" xmlns:a14="http://schemas.microsoft.com/office/drawing/2010/main">
                 <a:solidFill>
                   <a:srgbClr val="FFFFFF"/>
                 </a:solidFill>
               </a14:hiddenFill>
             </a:ext>
             <a:ext uri="{91240B29-F687-4f45-9708-019B960494DF}">
-              <a14:hiddenLine xmlns:a14="http://schemas.microsoft.com/office/drawing/2010/main" xmlns="" w="9525">
+              <a14:hiddenLine xmlns="" xmlns:a14="http://schemas.microsoft.com/office/drawing/2010/main" w="9525">
                 <a:solidFill>
                   <a:srgbClr val="000000"/>
                 </a:solidFill>
@@ -15385,14 +15390,14 @@
           </a:ln>
           <a:extLst>
             <a:ext uri="{909E8E84-426E-40dd-AFC4-6F175D3DCCD1}">
-              <a14:hiddenFill xmlns:a14="http://schemas.microsoft.com/office/drawing/2010/main" xmlns="">
+              <a14:hiddenFill xmlns="" xmlns:a14="http://schemas.microsoft.com/office/drawing/2010/main">
                 <a:solidFill>
                   <a:srgbClr val="FFFFFF"/>
                 </a:solidFill>
               </a14:hiddenFill>
             </a:ext>
             <a:ext uri="{91240B29-F687-4f45-9708-019B960494DF}">
-              <a14:hiddenLine xmlns:a14="http://schemas.microsoft.com/office/drawing/2010/main" xmlns="" w="9525">
+              <a14:hiddenLine xmlns="" xmlns:a14="http://schemas.microsoft.com/office/drawing/2010/main" w="9525">
                 <a:solidFill>
                   <a:srgbClr val="000000"/>
                 </a:solidFill>
@@ -16145,14 +16150,14 @@
           </a:ln>
           <a:extLst>
             <a:ext uri="{909E8E84-426E-40dd-AFC4-6F175D3DCCD1}">
-              <a14:hiddenFill xmlns:a14="http://schemas.microsoft.com/office/drawing/2010/main" xmlns="">
+              <a14:hiddenFill xmlns="" xmlns:a14="http://schemas.microsoft.com/office/drawing/2010/main">
                 <a:solidFill>
                   <a:srgbClr val="FFFFFF"/>
                 </a:solidFill>
               </a14:hiddenFill>
             </a:ext>
             <a:ext uri="{91240B29-F687-4f45-9708-019B960494DF}">
-              <a14:hiddenLine xmlns:a14="http://schemas.microsoft.com/office/drawing/2010/main" xmlns="" w="9525">
+              <a14:hiddenLine xmlns="" xmlns:a14="http://schemas.microsoft.com/office/drawing/2010/main" w="9525">
                 <a:solidFill>
                   <a:srgbClr val="000000"/>
                 </a:solidFill>
@@ -20155,7 +20160,11 @@
           <a:p>
             <a:r>
               <a:rPr lang="en-US" dirty="0" smtClean="0"/>
-              <a:t>TBD GL: Move to ~/</a:t>
+              <a:t>TODO </a:t>
+            </a:r>
+            <a:r>
+              <a:rPr lang="en-US" dirty="0" smtClean="0"/>
+              <a:t>GL: Move to ~/</a:t>
             </a:r>
             <a:r>
               <a:rPr lang="en-US" dirty="0" err="1" smtClean="0"/>
@@ -20886,7 +20895,15 @@
           <a:p>
             <a:r>
               <a:rPr lang="en-US" dirty="0" smtClean="0"/>
-              <a:t>GL: Create and Move into the `test` Directory</a:t>
+              <a:t>GL: Create and Move </a:t>
+            </a:r>
+            <a:r>
+              <a:rPr lang="en-US" dirty="0" smtClean="0"/>
+              <a:t>in to </a:t>
+            </a:r>
+            <a:r>
+              <a:rPr lang="en-US" dirty="0" smtClean="0"/>
+              <a:t>the `test` Directory</a:t>
             </a:r>
             <a:endParaRPr lang="en-US" dirty="0"/>
           </a:p>
@@ -24256,146 +24273,6 @@
 </file>
 
 <file path=ppt/slides/slide44.xml><?xml version="1.0" encoding="utf-8"?>
-<p:sld xmlns:a="http://schemas.openxmlformats.org/drawingml/2006/main" xmlns:r="http://schemas.openxmlformats.org/officeDocument/2006/relationships" xmlns:p="http://schemas.openxmlformats.org/presentationml/2006/main">
-  <p:cSld>
-    <p:spTree>
-      <p:nvGrpSpPr>
-        <p:cNvPr id="1" name=""/>
-        <p:cNvGrpSpPr/>
-        <p:nvPr/>
-      </p:nvGrpSpPr>
-      <p:grpSpPr>
-        <a:xfrm>
-          <a:off x="0" y="0"/>
-          <a:ext cx="0" cy="0"/>
-          <a:chOff x="0" y="0"/>
-          <a:chExt cx="0" cy="0"/>
-        </a:xfrm>
-      </p:grpSpPr>
-      <p:sp>
-        <p:nvSpPr>
-          <p:cNvPr id="2" name="Title 1"/>
-          <p:cNvSpPr>
-            <a:spLocks noGrp="1"/>
-          </p:cNvSpPr>
-          <p:nvPr>
-            <p:ph type="title"/>
-          </p:nvPr>
-        </p:nvSpPr>
-        <p:spPr/>
-        <p:txBody>
-          <a:bodyPr/>
-          <a:lstStyle/>
-          <a:p>
-            <a:r>
-              <a:rPr lang="en-US" dirty="0" smtClean="0"/>
-              <a:t>Delete </a:t>
-            </a:r>
-            <a:r>
-              <a:rPr lang="en-US" dirty="0" err="1" smtClean="0"/>
-              <a:t>tbd</a:t>
-            </a:r>
-            <a:endParaRPr lang="en-US" dirty="0"/>
-          </a:p>
-        </p:txBody>
-      </p:sp>
-      <p:sp>
-        <p:nvSpPr>
-          <p:cNvPr id="3" name="Text Placeholder 2"/>
-          <p:cNvSpPr>
-            <a:spLocks noGrp="1"/>
-          </p:cNvSpPr>
-          <p:nvPr>
-            <p:ph type="body" sz="quarter" idx="12"/>
-          </p:nvPr>
-        </p:nvSpPr>
-        <p:spPr>
-          <a:xfrm>
-            <a:off x="650040" y="1856198"/>
-            <a:ext cx="10925875" cy="5345953"/>
-          </a:xfrm>
-        </p:spPr>
-        <p:txBody>
-          <a:bodyPr/>
-          <a:lstStyle/>
-          <a:p>
-            <a:r>
-              <a:rPr lang="en-US" dirty="0"/>
-              <a:t> </a:t>
-            </a:r>
-            <a:r>
-              <a:rPr lang="en-US" dirty="0" smtClean="0"/>
-              <a:t>The latest CIS benchmarks in PDF format can be downloaded from here:</a:t>
-            </a:r>
-            <a:endParaRPr lang="en-US" dirty="0">
-              <a:hlinkClick r:id="rId2"/>
-            </a:endParaRPr>
-          </a:p>
-          <a:p>
-            <a:r>
-              <a:rPr lang="en-US" dirty="0" smtClean="0">
-                <a:hlinkClick r:id="rId2"/>
-              </a:rPr>
-              <a:t>https</a:t>
-            </a:r>
-            <a:r>
-              <a:rPr lang="en-US" dirty="0">
-                <a:hlinkClick r:id="rId2"/>
-              </a:rPr>
-              <a:t>://benchmarks.cisecurity.org/downloads/latest/</a:t>
-            </a:r>
-            <a:r>
-              <a:rPr lang="en-US" dirty="0" smtClean="0"/>
-              <a:t> </a:t>
-            </a:r>
-          </a:p>
-          <a:p>
-            <a:r>
-              <a:rPr lang="en-US" dirty="0" smtClean="0"/>
-              <a:t>From that link, scroll down to and download the </a:t>
-            </a:r>
-          </a:p>
-          <a:p>
-            <a:r>
-              <a:rPr lang="pt-BR" dirty="0" smtClean="0"/>
-              <a:t>CIS </a:t>
-            </a:r>
-            <a:r>
-              <a:rPr lang="pt-BR" dirty="0"/>
-              <a:t>CentOS Linux 6 </a:t>
-            </a:r>
-            <a:r>
-              <a:rPr lang="pt-BR" dirty="0" smtClean="0"/>
-              <a:t>Benchmark PDF.</a:t>
-            </a:r>
-            <a:endParaRPr lang="en-US" dirty="0"/>
-          </a:p>
-        </p:txBody>
-      </p:sp>
-    </p:spTree>
-    <p:extLst>
-      <p:ext uri="{BB962C8B-B14F-4D97-AF65-F5344CB8AC3E}">
-        <p14:creationId xmlns:p14="http://schemas.microsoft.com/office/powerpoint/2010/main" val="103202851"/>
-      </p:ext>
-    </p:extLst>
-  </p:cSld>
-  <p:clrMapOvr>
-    <a:masterClrMapping/>
-  </p:clrMapOvr>
-  <p:transition spd="med">
-    <p:fade/>
-  </p:transition>
-  <p:timing>
-    <p:tnLst>
-      <p:par>
-        <p:cTn id="1" dur="indefinite" restart="never" nodeType="tmRoot"/>
-      </p:par>
-    </p:tnLst>
-  </p:timing>
-</p:sld>
-</file>
-
-<file path=ppt/slides/slide45.xml><?xml version="1.0" encoding="utf-8"?>
 <p:sld xmlns:a="http://schemas.openxmlformats.org/drawingml/2006/main" xmlns:r="http://schemas.openxmlformats.org/officeDocument/2006/relationships" xmlns:p="http://schemas.openxmlformats.org/presentationml/2006/main">
   <p:cSld>
     <p:spTree>
@@ -26892,15 +26769,6 @@
 
 <file path=customXml/item1.xml><?xml version="1.0" encoding="utf-8"?>
 <?mso-contentType ?>
-<FormTemplates xmlns="http://schemas.microsoft.com/sharepoint/v3/contenttype/forms">
-  <Display>DocumentLibraryForm</Display>
-  <Edit>DocumentLibraryForm</Edit>
-  <New>DocumentLibraryForm</New>
-</FormTemplates>
-</file>
-
-<file path=customXml/item2.xml><?xml version="1.0" encoding="utf-8"?>
-<?mso-contentType ?>
 <spe:Receivers xmlns:spe="http://schemas.microsoft.com/sharepoint/events">
   <Receiver>
     <Name>Document ID Generator</Name>
@@ -26945,7 +26813,28 @@
 </spe:Receivers>
 </file>
 
+<file path=customXml/item2.xml><?xml version="1.0" encoding="utf-8"?>
+<?mso-contentType ?>
+<FormTemplates xmlns="http://schemas.microsoft.com/sharepoint/v3/contenttype/forms">
+  <Display>DocumentLibraryForm</Display>
+  <Edit>DocumentLibraryForm</Edit>
+  <New>DocumentLibraryForm</New>
+</FormTemplates>
+</file>
+
 <file path=customXml/item3.xml><?xml version="1.0" encoding="utf-8"?>
+<p:properties xmlns:p="http://schemas.microsoft.com/office/2006/metadata/properties" xmlns:xsi="http://www.w3.org/2001/XMLSchema-instance" xmlns:pc="http://schemas.microsoft.com/office/infopath/2007/PartnerControls">
+  <documentManagement>
+    <_dlc_DocId xmlns="7bb5d761-a2ea-4873-95f7-7a6658fb3ef0">M4CWTKMW727E-592-73</_dlc_DocId>
+    <_dlc_DocIdUrl xmlns="7bb5d761-a2ea-4873-95f7-7a6658fb3ef0">
+      <Url>https://kms.vci.local/marketing/team/_layouts/DocIdRedir.aspx?ID=M4CWTKMW727E-592-73</Url>
+      <Description>M4CWTKMW727E-592-73</Description>
+    </_dlc_DocIdUrl>
+  </documentManagement>
+</p:properties>
+</file>
+
+<file path=customXml/item4.xml><?xml version="1.0" encoding="utf-8"?>
 <ct:contentTypeSchema xmlns:ct="http://schemas.microsoft.com/office/2006/metadata/contentType" xmlns:ma="http://schemas.microsoft.com/office/2006/metadata/properties/metaAttributes" ct:_="" ma:_="" ma:contentTypeName="Document" ma:contentTypeID="0x0101000812F700BE7F874999720E88173FE491" ma:contentTypeVersion="0" ma:contentTypeDescription="Create a new document." ma:contentTypeScope="" ma:versionID="3f79f408e2ca720b7aba6e0e32464d0c">
   <xsd:schema xmlns:xsd="http://www.w3.org/2001/XMLSchema" xmlns:xs="http://www.w3.org/2001/XMLSchema" xmlns:p="http://schemas.microsoft.com/office/2006/metadata/properties" xmlns:ns2="7bb5d761-a2ea-4873-95f7-7a6658fb3ef0" targetNamespace="http://schemas.microsoft.com/office/2006/metadata/properties" ma:root="true" ma:fieldsID="1e062cd38ba31e406bfc4340fbc7f87a" ns2:_="">
     <xsd:import namespace="7bb5d761-a2ea-4873-95f7-7a6658fb3ef0"/>
@@ -27090,19 +26979,15 @@
 </ct:contentTypeSchema>
 </file>
 
-<file path=customXml/item4.xml><?xml version="1.0" encoding="utf-8"?>
-<p:properties xmlns:p="http://schemas.microsoft.com/office/2006/metadata/properties" xmlns:xsi="http://www.w3.org/2001/XMLSchema-instance" xmlns:pc="http://schemas.microsoft.com/office/infopath/2007/PartnerControls">
-  <documentManagement>
-    <_dlc_DocId xmlns="7bb5d761-a2ea-4873-95f7-7a6658fb3ef0">M4CWTKMW727E-592-73</_dlc_DocId>
-    <_dlc_DocIdUrl xmlns="7bb5d761-a2ea-4873-95f7-7a6658fb3ef0">
-      <Url>https://kms.vci.local/marketing/team/_layouts/DocIdRedir.aspx?ID=M4CWTKMW727E-592-73</Url>
-      <Description>M4CWTKMW727E-592-73</Description>
-    </_dlc_DocIdUrl>
-  </documentManagement>
-</p:properties>
+<file path=customXml/itemProps1.xml><?xml version="1.0" encoding="utf-8"?>
+<ds:datastoreItem xmlns:ds="http://schemas.openxmlformats.org/officeDocument/2006/customXml" ds:itemID="{B13EBC30-FE27-4C6A-B723-23FC2188F7DC}">
+  <ds:schemaRefs>
+    <ds:schemaRef ds:uri="http://schemas.microsoft.com/sharepoint/events"/>
+  </ds:schemaRefs>
+</ds:datastoreItem>
 </file>
 
-<file path=customXml/itemProps1.xml><?xml version="1.0" encoding="utf-8"?>
+<file path=customXml/itemProps2.xml><?xml version="1.0" encoding="utf-8"?>
 <ds:datastoreItem xmlns:ds="http://schemas.openxmlformats.org/officeDocument/2006/customXml" ds:itemID="{5CDEB364-43EC-4510-9881-539C2A3FCE9E}">
   <ds:schemaRefs>
     <ds:schemaRef ds:uri="http://schemas.microsoft.com/sharepoint/v3/contenttype/forms"/>
@@ -27110,15 +26995,23 @@
 </ds:datastoreItem>
 </file>
 
-<file path=customXml/itemProps2.xml><?xml version="1.0" encoding="utf-8"?>
-<ds:datastoreItem xmlns:ds="http://schemas.openxmlformats.org/officeDocument/2006/customXml" ds:itemID="{B13EBC30-FE27-4C6A-B723-23FC2188F7DC}">
+<file path=customXml/itemProps3.xml><?xml version="1.0" encoding="utf-8"?>
+<ds:datastoreItem xmlns:ds="http://schemas.openxmlformats.org/officeDocument/2006/customXml" ds:itemID="{6921749B-AEB7-461B-845F-603CABD25259}">
   <ds:schemaRefs>
-    <ds:schemaRef ds:uri="http://schemas.microsoft.com/sharepoint/events"/>
+    <ds:schemaRef ds:uri="http://schemas.microsoft.com/office/2006/documentManagement/types"/>
+    <ds:schemaRef ds:uri="http://schemas.microsoft.com/office/infopath/2007/PartnerControls"/>
+    <ds:schemaRef ds:uri="http://purl.org/dc/elements/1.1/"/>
+    <ds:schemaRef ds:uri="http://schemas.microsoft.com/office/2006/metadata/properties"/>
+    <ds:schemaRef ds:uri="7bb5d761-a2ea-4873-95f7-7a6658fb3ef0"/>
+    <ds:schemaRef ds:uri="http://purl.org/dc/terms/"/>
+    <ds:schemaRef ds:uri="http://schemas.openxmlformats.org/package/2006/metadata/core-properties"/>
+    <ds:schemaRef ds:uri="http://www.w3.org/XML/1998/namespace"/>
+    <ds:schemaRef ds:uri="http://purl.org/dc/dcmitype/"/>
   </ds:schemaRefs>
 </ds:datastoreItem>
 </file>
 
-<file path=customXml/itemProps3.xml><?xml version="1.0" encoding="utf-8"?>
+<file path=customXml/itemProps4.xml><?xml version="1.0" encoding="utf-8"?>
 <ds:datastoreItem xmlns:ds="http://schemas.openxmlformats.org/officeDocument/2006/customXml" ds:itemID="{164479E5-0B02-49AC-B79E-EC1D6164DDD3}">
   <ds:schemaRefs>
     <ds:schemaRef ds:uri="http://schemas.microsoft.com/office/2006/metadata/contentType"/>
@@ -27134,20 +27027,4 @@
     <ds:schemaRef ds:uri="http://schemas.microsoft.com/internal/obd"/>
   </ds:schemaRefs>
 </ds:datastoreItem>
-</file>
-
-<file path=customXml/itemProps4.xml><?xml version="1.0" encoding="utf-8"?>
-<ds:datastoreItem xmlns:ds="http://schemas.openxmlformats.org/officeDocument/2006/customXml" ds:itemID="{6921749B-AEB7-461B-845F-603CABD25259}">
-  <ds:schemaRefs>
-    <ds:schemaRef ds:uri="http://schemas.microsoft.com/office/2006/documentManagement/types"/>
-    <ds:schemaRef ds:uri="http://schemas.microsoft.com/office/infopath/2007/PartnerControls"/>
-    <ds:schemaRef ds:uri="http://purl.org/dc/elements/1.1/"/>
-    <ds:schemaRef ds:uri="http://schemas.microsoft.com/office/2006/metadata/properties"/>
-    <ds:schemaRef ds:uri="7bb5d761-a2ea-4873-95f7-7a6658fb3ef0"/>
-    <ds:schemaRef ds:uri="http://purl.org/dc/terms/"/>
-    <ds:schemaRef ds:uri="http://schemas.openxmlformats.org/package/2006/metadata/core-properties"/>
-    <ds:schemaRef ds:uri="http://www.w3.org/XML/1998/namespace"/>
-    <ds:schemaRef ds:uri="http://purl.org/dc/dcmitype/"/>
-  </ds:schemaRefs>
-</ds:datastoreItem>
 </file>
--- a/07-compliance-frameworks-inspec.pptx
+++ b/07-compliance-frameworks-inspec.pptx
@@ -6,10 +6,10 @@
     <p:sldMasterId id="2147483847" r:id="rId6"/>
   </p:sldMasterIdLst>
   <p:notesMasterIdLst>
-    <p:notesMasterId r:id="rId51"/>
+    <p:notesMasterId r:id="rId36"/>
   </p:notesMasterIdLst>
   <p:handoutMasterIdLst>
-    <p:handoutMasterId r:id="rId52"/>
+    <p:handoutMasterId r:id="rId37"/>
   </p:handoutMasterIdLst>
   <p:sldIdLst>
     <p:sldId id="256" r:id="rId7"/>
@@ -34,28 +34,13 @@
     <p:sldId id="361" r:id="rId26"/>
     <p:sldId id="364" r:id="rId27"/>
     <p:sldId id="367" r:id="rId28"/>
-    <p:sldId id="341" r:id="rId29"/>
-    <p:sldId id="346" r:id="rId30"/>
-    <p:sldId id="344" r:id="rId31"/>
-    <p:sldId id="342" r:id="rId32"/>
-    <p:sldId id="329" r:id="rId33"/>
-    <p:sldId id="330" r:id="rId34"/>
-    <p:sldId id="347" r:id="rId35"/>
-    <p:sldId id="333" r:id="rId36"/>
-    <p:sldId id="334" r:id="rId37"/>
-    <p:sldId id="335" r:id="rId38"/>
-    <p:sldId id="336" r:id="rId39"/>
-    <p:sldId id="337" r:id="rId40"/>
-    <p:sldId id="338" r:id="rId41"/>
-    <p:sldId id="339" r:id="rId42"/>
-    <p:sldId id="340" r:id="rId43"/>
-    <p:sldId id="348" r:id="rId44"/>
-    <p:sldId id="349" r:id="rId45"/>
-    <p:sldId id="350" r:id="rId46"/>
-    <p:sldId id="351" r:id="rId47"/>
-    <p:sldId id="352" r:id="rId48"/>
-    <p:sldId id="276" r:id="rId49"/>
-    <p:sldId id="267" r:id="rId50"/>
+    <p:sldId id="348" r:id="rId29"/>
+    <p:sldId id="349" r:id="rId30"/>
+    <p:sldId id="350" r:id="rId31"/>
+    <p:sldId id="351" r:id="rId32"/>
+    <p:sldId id="352" r:id="rId33"/>
+    <p:sldId id="276" r:id="rId34"/>
+    <p:sldId id="267" r:id="rId35"/>
   </p:sldIdLst>
   <p:sldSz cx="16256000" cy="9144000"/>
   <p:notesSz cx="6858000" cy="9144000"/>
@@ -317,7 +302,7 @@
               <a:pPr>
                 <a:defRPr/>
               </a:pPr>
-              <a:t>2016-01-27</a:t>
+              <a:t>2016-01-29</a:t>
             </a:fld>
             <a:endParaRPr lang="en-US" dirty="0"/>
           </a:p>
@@ -500,7 +485,7 @@
               <a:pPr>
                 <a:defRPr/>
               </a:pPr>
-              <a:t>2016-01-27</a:t>
+              <a:t>2016-01-29</a:t>
             </a:fld>
             <a:endParaRPr lang="en-US" dirty="0"/>
           </a:p>
@@ -2040,11 +2025,7 @@
           <a:p>
             <a:r>
               <a:rPr lang="en-US" dirty="0" smtClean="0"/>
-              <a:t>TODO delete? https</a:t>
-            </a:r>
-            <a:r>
-              <a:rPr lang="en-US" dirty="0" smtClean="0"/>
-              <a:t>://chefio.atlassian.net/wiki/pages/viewpage.action?spaceKey=SE&amp;title=Week+2+-+Use+Cases#Week2-UseCases-Exercises-CIS</a:t>
+              <a:t>TODO delete? https://chefio.atlassian.net/wiki/pages/viewpage.action?spaceKey=SE&amp;title=Week+2+-+Use+Cases#Week2-UseCases-Exercises-CIS</a:t>
             </a:r>
           </a:p>
           <a:p>
@@ -2972,28 +2953,7 @@
           <a:p>
             <a:r>
               <a:rPr lang="en-US" dirty="0" smtClean="0"/>
-              <a:t>TODO: Delete this lab?</a:t>
-            </a:r>
-          </a:p>
-          <a:p>
-            <a:endParaRPr lang="en-US" dirty="0" smtClean="0"/>
-          </a:p>
-          <a:p>
-            <a:r>
-              <a:rPr lang="en-US" dirty="0" smtClean="0"/>
-              <a:t>On </a:t>
-            </a:r>
-            <a:r>
-              <a:rPr lang="en-US" dirty="0" smtClean="0"/>
-              <a:t>your target node, create the directory for your new profile and then move </a:t>
-            </a:r>
-            <a:r>
-              <a:rPr lang="en-US" dirty="0" smtClean="0"/>
-              <a:t>in to </a:t>
-            </a:r>
-            <a:r>
-              <a:rPr lang="en-US" dirty="0" smtClean="0"/>
-              <a:t>it.</a:t>
+              <a:t>TBD: Do this lab as windows.</a:t>
             </a:r>
             <a:endParaRPr lang="en-US" dirty="0"/>
           </a:p>
@@ -3075,7 +3035,7 @@
     </p:spTree>
     <p:extLst>
       <p:ext uri="{BB962C8B-B14F-4D97-AF65-F5344CB8AC3E}">
-        <p14:creationId xmlns:p14="http://schemas.microsoft.com/office/powerpoint/2010/main" val="3149171153"/>
+        <p14:creationId xmlns:p14="http://schemas.microsoft.com/office/powerpoint/2010/main" val="920071033"/>
       </p:ext>
     </p:extLst>
   </p:cSld>
@@ -3129,10 +3089,6 @@
           <a:bodyPr/>
           <a:lstStyle/>
           <a:p>
-            <a:r>
-              <a:rPr lang="en-US" dirty="0" smtClean="0"/>
-              <a:t>On your target node, create the directory for your new profile and then move into it.</a:t>
-            </a:r>
             <a:endParaRPr lang="en-US" dirty="0"/>
           </a:p>
         </p:txBody>
@@ -3213,7 +3169,7 @@
     </p:spTree>
     <p:extLst>
       <p:ext uri="{BB962C8B-B14F-4D97-AF65-F5344CB8AC3E}">
-        <p14:creationId xmlns:p14="http://schemas.microsoft.com/office/powerpoint/2010/main" val="1688635634"/>
+        <p14:creationId xmlns:p14="http://schemas.microsoft.com/office/powerpoint/2010/main" val="4127888083"/>
       </p:ext>
     </p:extLst>
   </p:cSld>
@@ -3267,214 +3223,6 @@
           <a:bodyPr/>
           <a:lstStyle/>
           <a:p>
-            <a:r>
-              <a:rPr lang="en-US" dirty="0" smtClean="0"/>
-              <a:t>TBD:</a:t>
-            </a:r>
-            <a:r>
-              <a:rPr lang="en-US" baseline="0" dirty="0" smtClean="0"/>
-              <a:t> Naming conventions for `name` line? TBD check metadata name.</a:t>
-            </a:r>
-          </a:p>
-          <a:p>
-            <a:endParaRPr lang="en-US" baseline="0" dirty="0" smtClean="0"/>
-          </a:p>
-          <a:p>
-            <a:pPr marL="0" marR="0" indent="0" algn="l" defTabSz="1217613" rtl="0" eaLnBrk="1" fontAlgn="base" latinLnBrk="0" hangingPunct="1">
-              <a:lnSpc>
-                <a:spcPct val="90000"/>
-              </a:lnSpc>
-              <a:spcBef>
-                <a:spcPct val="30000"/>
-              </a:spcBef>
-              <a:spcAft>
-                <a:spcPts val="450"/>
-              </a:spcAft>
-              <a:buClrTx/>
-              <a:buSzTx/>
-              <a:buFontTx/>
-              <a:buNone/>
-              <a:tabLst/>
-              <a:defRPr/>
-            </a:pPr>
-            <a:r>
-              <a:rPr lang="en-US" baseline="0" dirty="0" smtClean="0"/>
-              <a:t>Instructor Note: It seems that </a:t>
-            </a:r>
-            <a:r>
-              <a:rPr lang="en-US" sz="1200" b="0" i="0" kern="1200" dirty="0" smtClean="0">
-                <a:solidFill>
-                  <a:schemeClr val="tx1"/>
-                </a:solidFill>
-                <a:effectLst/>
-                <a:latin typeface="Arial" panose="020B0604020202020204" pitchFamily="34" charset="0"/>
-                <a:ea typeface="ＭＳ Ｐゴシック" charset="0"/>
-                <a:cs typeface="Arial" panose="020B0604020202020204" pitchFamily="34" charset="0"/>
-              </a:rPr>
-              <a:t>in the </a:t>
-            </a:r>
-            <a:r>
-              <a:rPr lang="en-US" dirty="0" smtClean="0">
-                <a:effectLst/>
-              </a:rPr>
-              <a:t>`</a:t>
-            </a:r>
-            <a:r>
-              <a:rPr lang="en-US" dirty="0" smtClean="0"/>
-              <a:t>name</a:t>
-            </a:r>
-            <a:r>
-              <a:rPr lang="en-US" dirty="0" smtClean="0">
-                <a:effectLst/>
-              </a:rPr>
-              <a:t>`</a:t>
-            </a:r>
-            <a:r>
-              <a:rPr lang="en-US" sz="1200" b="0" i="0" kern="1200" dirty="0" smtClean="0">
-                <a:solidFill>
-                  <a:schemeClr val="tx1"/>
-                </a:solidFill>
-                <a:effectLst/>
-                <a:latin typeface="Arial" panose="020B0604020202020204" pitchFamily="34" charset="0"/>
-                <a:ea typeface="ＭＳ Ｐゴシック" charset="0"/>
-                <a:cs typeface="Arial" panose="020B0604020202020204" pitchFamily="34" charset="0"/>
-              </a:rPr>
-              <a:t> line in metadata.rb,</a:t>
-            </a:r>
-            <a:r>
-              <a:rPr lang="en-US" sz="1200" b="0" i="0" kern="1200" baseline="0" dirty="0" smtClean="0">
-                <a:solidFill>
-                  <a:schemeClr val="tx1"/>
-                </a:solidFill>
-                <a:effectLst/>
-                <a:latin typeface="Arial" panose="020B0604020202020204" pitchFamily="34" charset="0"/>
-                <a:ea typeface="ＭＳ Ｐゴシック" charset="0"/>
-                <a:cs typeface="Arial" panose="020B0604020202020204" pitchFamily="34" charset="0"/>
-              </a:rPr>
-              <a:t> the Compliance code </a:t>
-            </a:r>
-            <a:r>
-              <a:rPr lang="en-US" sz="1200" b="0" i="0" kern="1200" dirty="0" smtClean="0">
-                <a:solidFill>
-                  <a:schemeClr val="tx1"/>
-                </a:solidFill>
-                <a:effectLst/>
-                <a:latin typeface="Arial" panose="020B0604020202020204" pitchFamily="34" charset="0"/>
-                <a:ea typeface="ＭＳ Ｐゴシック" charset="0"/>
-                <a:cs typeface="Arial" panose="020B0604020202020204" pitchFamily="34" charset="0"/>
-              </a:rPr>
-              <a:t>treats anything before the first </a:t>
-            </a:r>
-            <a:r>
-              <a:rPr lang="en-US" dirty="0" smtClean="0">
-                <a:effectLst/>
-              </a:rPr>
-              <a:t>`</a:t>
-            </a:r>
-            <a:r>
-              <a:rPr lang="en-US" dirty="0" smtClean="0"/>
-              <a:t>/</a:t>
-            </a:r>
-            <a:r>
-              <a:rPr lang="en-US" dirty="0" smtClean="0">
-                <a:effectLst/>
-              </a:rPr>
-              <a:t>`</a:t>
-            </a:r>
-            <a:r>
-              <a:rPr lang="en-US" sz="1200" b="0" i="0" kern="1200" dirty="0" smtClean="0">
-                <a:solidFill>
-                  <a:schemeClr val="tx1"/>
-                </a:solidFill>
-                <a:effectLst/>
-                <a:latin typeface="Arial" panose="020B0604020202020204" pitchFamily="34" charset="0"/>
-                <a:ea typeface="ＭＳ Ｐゴシック" charset="0"/>
-                <a:cs typeface="Arial" panose="020B0604020202020204" pitchFamily="34" charset="0"/>
-              </a:rPr>
-              <a:t> as the username variable. For example, </a:t>
-            </a:r>
-            <a:r>
-              <a:rPr lang="en-US" b="0" dirty="0" smtClean="0"/>
-              <a:t>name '</a:t>
-            </a:r>
-            <a:r>
-              <a:rPr lang="en-US" b="0" dirty="0" err="1" smtClean="0"/>
-              <a:t>fooooo</a:t>
-            </a:r>
-            <a:r>
-              <a:rPr lang="en-US" b="0" dirty="0" smtClean="0"/>
-              <a:t>/profile-cis-3.1' will appear as `admin/profile-cis-3.1`</a:t>
-            </a:r>
-            <a:r>
-              <a:rPr lang="en-US" b="0" baseline="0" dirty="0" smtClean="0"/>
-              <a:t> in the UI if the user who uploaded that profile was the `admin` user.</a:t>
-            </a:r>
-            <a:endParaRPr lang="en-US" b="1" dirty="0" smtClean="0"/>
-          </a:p>
-          <a:p>
-            <a:pPr marL="0" marR="0" indent="0" algn="l" defTabSz="1217613" rtl="0" eaLnBrk="1" fontAlgn="base" latinLnBrk="0" hangingPunct="1">
-              <a:lnSpc>
-                <a:spcPct val="90000"/>
-              </a:lnSpc>
-              <a:spcBef>
-                <a:spcPct val="30000"/>
-              </a:spcBef>
-              <a:spcAft>
-                <a:spcPts val="450"/>
-              </a:spcAft>
-              <a:buClrTx/>
-              <a:buSzTx/>
-              <a:buFontTx/>
-              <a:buNone/>
-              <a:tabLst/>
-              <a:defRPr/>
-            </a:pPr>
-            <a:endParaRPr lang="en-US" b="1" dirty="0" smtClean="0"/>
-          </a:p>
-          <a:p>
-            <a:endParaRPr lang="en-US" dirty="0" smtClean="0"/>
-          </a:p>
-          <a:p>
-            <a:pPr marL="0" marR="0" indent="0" algn="l" defTabSz="1217613" rtl="0" eaLnBrk="1" fontAlgn="base" latinLnBrk="0" hangingPunct="1">
-              <a:lnSpc>
-                <a:spcPct val="90000"/>
-              </a:lnSpc>
-              <a:spcBef>
-                <a:spcPct val="30000"/>
-              </a:spcBef>
-              <a:spcAft>
-                <a:spcPts val="450"/>
-              </a:spcAft>
-              <a:buClrTx/>
-              <a:buSzTx/>
-              <a:buFontTx/>
-              <a:buNone/>
-              <a:tabLst/>
-              <a:defRPr/>
-            </a:pPr>
-            <a:endParaRPr lang="en-US" dirty="0" smtClean="0"/>
-          </a:p>
-          <a:p>
-            <a:pPr marL="0" marR="0" indent="0" algn="l" defTabSz="1217613" rtl="0" eaLnBrk="1" fontAlgn="base" latinLnBrk="0" hangingPunct="1">
-              <a:lnSpc>
-                <a:spcPct val="90000"/>
-              </a:lnSpc>
-              <a:spcBef>
-                <a:spcPct val="30000"/>
-              </a:spcBef>
-              <a:spcAft>
-                <a:spcPts val="450"/>
-              </a:spcAft>
-              <a:buClrTx/>
-              <a:buSzTx/>
-              <a:buFontTx/>
-              <a:buNone/>
-              <a:tabLst/>
-              <a:defRPr/>
-            </a:pPr>
-            <a:endParaRPr lang="en-US" dirty="0" smtClean="0"/>
-          </a:p>
-          <a:p>
             <a:endParaRPr lang="en-US" dirty="0"/>
           </a:p>
         </p:txBody>
@@ -3555,7 +3303,7 @@
     </p:spTree>
     <p:extLst>
       <p:ext uri="{BB962C8B-B14F-4D97-AF65-F5344CB8AC3E}">
-        <p14:creationId xmlns:p14="http://schemas.microsoft.com/office/powerpoint/2010/main" val="2578822014"/>
+        <p14:creationId xmlns:p14="http://schemas.microsoft.com/office/powerpoint/2010/main" val="3107302973"/>
       </p:ext>
     </p:extLst>
   </p:cSld>
@@ -3606,10 +3354,64 @@
         </p:nvSpPr>
         <p:spPr/>
         <p:txBody>
-          <a:bodyPr/>
+          <a:bodyPr>
+            <a:normAutofit/>
+          </a:bodyPr>
           <a:lstStyle/>
           <a:p>
-            <a:endParaRPr lang="en-US" dirty="0"/>
+            <a:r>
+              <a:rPr lang="en-US" smtClean="0"/>
+              <a:t>TBD </a:t>
+            </a:r>
+            <a:r>
+              <a:rPr lang="en-US" dirty="0" smtClean="0"/>
+              <a:t>finish this DoD section</a:t>
+            </a:r>
+          </a:p>
+          <a:p>
+            <a:endParaRPr lang="en-US" dirty="0" smtClean="0"/>
+          </a:p>
+          <a:p>
+            <a:r>
+              <a:rPr lang="en-US" dirty="0" smtClean="0"/>
+              <a:t>Go to this site...</a:t>
+            </a:r>
+          </a:p>
+          <a:p>
+            <a:r>
+              <a:rPr lang="en-US" dirty="0" smtClean="0">
+                <a:hlinkClick r:id="rId3"/>
+              </a:rPr>
+              <a:t>http://iase.disa.mil/stigs/Pages/stig-viewing-guidance.aspx</a:t>
+            </a:r>
+            <a:endParaRPr lang="en-US" dirty="0" smtClean="0"/>
+          </a:p>
+          <a:p>
+            <a:endParaRPr lang="en-US" dirty="0" smtClean="0"/>
+          </a:p>
+          <a:p>
+            <a:r>
+              <a:rPr lang="en-US" dirty="0" smtClean="0"/>
+              <a:t>...and download the latest version of the STIG Viewer. In this example we are downloading Version 2.1.</a:t>
+            </a:r>
+          </a:p>
+          <a:p>
+            <a:endParaRPr lang="en-US" dirty="0" smtClean="0"/>
+          </a:p>
+          <a:p>
+            <a:r>
+              <a:rPr lang="en-US" dirty="0" smtClean="0"/>
+              <a:t>Try to run the STIG Viewer.</a:t>
+            </a:r>
+          </a:p>
+          <a:p>
+            <a:endParaRPr lang="en-US" dirty="0" smtClean="0"/>
+          </a:p>
+          <a:p>
+            <a:endParaRPr lang="en-US" dirty="0" smtClean="0"/>
+          </a:p>
+          <a:p>
+            <a:endParaRPr lang="en-US" dirty="0" smtClean="0"/>
           </a:p>
         </p:txBody>
       </p:sp>
@@ -3689,7 +3491,7 @@
     </p:spTree>
     <p:extLst>
       <p:ext uri="{BB962C8B-B14F-4D97-AF65-F5344CB8AC3E}">
-        <p14:creationId xmlns:p14="http://schemas.microsoft.com/office/powerpoint/2010/main" val="3865287312"/>
+        <p14:creationId xmlns:p14="http://schemas.microsoft.com/office/powerpoint/2010/main" val="3280149511"/>
       </p:ext>
     </p:extLst>
   </p:cSld>
@@ -3740,35 +3542,36 @@
         </p:nvSpPr>
         <p:spPr/>
         <p:txBody>
-          <a:bodyPr/>
+          <a:bodyPr>
+            <a:normAutofit/>
+          </a:bodyPr>
           <a:lstStyle/>
           <a:p>
             <a:r>
               <a:rPr lang="en-US" dirty="0" smtClean="0"/>
-              <a:t>TBD: Need to provide</a:t>
+              <a:t>TBD: ask </a:t>
+            </a:r>
+            <a:r>
+              <a:rPr lang="en-US" dirty="0" err="1" smtClean="0"/>
+              <a:t>sean</a:t>
+            </a:r>
+            <a:r>
+              <a:rPr lang="en-US" dirty="0" smtClean="0"/>
+              <a:t> about setting</a:t>
             </a:r>
             <a:r>
               <a:rPr lang="en-US" baseline="0" dirty="0" smtClean="0"/>
-              <a:t> explanation on how to write this.</a:t>
+              <a:t> path to </a:t>
+            </a:r>
+            <a:r>
+              <a:rPr lang="en-US" baseline="0" dirty="0" err="1" smtClean="0"/>
+              <a:t>inspec</a:t>
+            </a:r>
+            <a:r>
+              <a:rPr lang="en-US" baseline="0" dirty="0" smtClean="0"/>
+              <a:t>.</a:t>
             </a:r>
             <a:endParaRPr lang="en-US" dirty="0" smtClean="0"/>
-          </a:p>
-          <a:p>
-            <a:endParaRPr lang="en-US" dirty="0" smtClean="0"/>
-          </a:p>
-          <a:p>
-            <a:endParaRPr lang="en-US" dirty="0" smtClean="0"/>
-          </a:p>
-          <a:p>
-            <a:r>
-              <a:rPr lang="en-US" dirty="0" smtClean="0"/>
-              <a:t>For anything</a:t>
-            </a:r>
-            <a:r>
-              <a:rPr lang="en-US" baseline="0" dirty="0" smtClean="0"/>
-              <a:t> scored by CIS we'll score it 0.7. For anything not scored you should score it 0.0.</a:t>
-            </a:r>
-            <a:endParaRPr lang="en-US" dirty="0"/>
           </a:p>
         </p:txBody>
       </p:sp>
@@ -3848,1747 +3651,7 @@
     </p:spTree>
     <p:extLst>
       <p:ext uri="{BB962C8B-B14F-4D97-AF65-F5344CB8AC3E}">
-        <p14:creationId xmlns:p14="http://schemas.microsoft.com/office/powerpoint/2010/main" val="1587686027"/>
-      </p:ext>
-    </p:extLst>
-  </p:cSld>
-  <p:clrMapOvr>
-    <a:masterClrMapping/>
-  </p:clrMapOvr>
-</p:notes>
-</file>
-
-<file path=ppt/notesSlides/notesSlide25.xml><?xml version="1.0" encoding="utf-8"?>
-<p:notes xmlns:a="http://schemas.openxmlformats.org/drawingml/2006/main" xmlns:r="http://schemas.openxmlformats.org/officeDocument/2006/relationships" xmlns:p="http://schemas.openxmlformats.org/presentationml/2006/main">
-  <p:cSld>
-    <p:spTree>
-      <p:nvGrpSpPr>
-        <p:cNvPr id="1" name=""/>
-        <p:cNvGrpSpPr/>
-        <p:nvPr/>
-      </p:nvGrpSpPr>
-      <p:grpSpPr>
-        <a:xfrm>
-          <a:off x="0" y="0"/>
-          <a:ext cx="0" cy="0"/>
-          <a:chOff x="0" y="0"/>
-          <a:chExt cx="0" cy="0"/>
-        </a:xfrm>
-      </p:grpSpPr>
-      <p:sp>
-        <p:nvSpPr>
-          <p:cNvPr id="2" name="Slide Image Placeholder 1"/>
-          <p:cNvSpPr>
-            <a:spLocks noGrp="1" noRot="1" noChangeAspect="1"/>
-          </p:cNvSpPr>
-          <p:nvPr>
-            <p:ph type="sldImg"/>
-          </p:nvPr>
-        </p:nvSpPr>
-        <p:spPr/>
-      </p:sp>
-      <p:sp>
-        <p:nvSpPr>
-          <p:cNvPr id="3" name="Notes Placeholder 2"/>
-          <p:cNvSpPr>
-            <a:spLocks noGrp="1"/>
-          </p:cNvSpPr>
-          <p:nvPr>
-            <p:ph type="body" idx="1"/>
-          </p:nvPr>
-        </p:nvSpPr>
-        <p:spPr/>
-        <p:txBody>
-          <a:bodyPr>
-            <a:normAutofit fontScale="25000" lnSpcReduction="20000"/>
-          </a:bodyPr>
-          <a:lstStyle/>
-          <a:p>
-            <a:r>
-              <a:rPr lang="en-US" dirty="0" smtClean="0"/>
-              <a:t>This is the kind of failure we should see</a:t>
-            </a:r>
-            <a:r>
-              <a:rPr lang="en-US" baseline="0" dirty="0" smtClean="0"/>
-              <a:t> because the </a:t>
-            </a:r>
-            <a:r>
-              <a:rPr lang="en-US" baseline="0" dirty="0" err="1" smtClean="0"/>
-              <a:t>umask</a:t>
-            </a:r>
-            <a:r>
-              <a:rPr lang="en-US" baseline="0" dirty="0" smtClean="0"/>
-              <a:t> of the </a:t>
-            </a:r>
-            <a:r>
-              <a:rPr lang="en-US" sz="1200" dirty="0" smtClean="0"/>
-              <a:t>etc/</a:t>
-            </a:r>
-            <a:r>
-              <a:rPr lang="en-US" sz="1200" dirty="0" err="1" smtClean="0"/>
-              <a:t>sysconfig</a:t>
-            </a:r>
-            <a:r>
-              <a:rPr lang="en-US" sz="1200" dirty="0" smtClean="0"/>
-              <a:t>/</a:t>
-            </a:r>
-            <a:r>
-              <a:rPr lang="en-US" sz="1200" dirty="0" err="1" smtClean="0"/>
-              <a:t>init</a:t>
-            </a:r>
-            <a:r>
-              <a:rPr lang="en-US" sz="1200" dirty="0" smtClean="0"/>
-              <a:t> is</a:t>
-            </a:r>
-            <a:r>
-              <a:rPr lang="en-US" sz="1200" baseline="0" dirty="0" smtClean="0"/>
-              <a:t> not </a:t>
-            </a:r>
-            <a:r>
-              <a:rPr lang="en-US" sz="1200" dirty="0" smtClean="0"/>
-              <a:t>027.</a:t>
-            </a:r>
-          </a:p>
-          <a:p>
-            <a:endParaRPr lang="en-US" dirty="0" smtClean="0"/>
-          </a:p>
-          <a:p>
-            <a:r>
-              <a:rPr lang="en-US" dirty="0" smtClean="0"/>
-              <a:t>F</a:t>
-            </a:r>
-          </a:p>
-          <a:p>
-            <a:endParaRPr lang="en-US" dirty="0" smtClean="0"/>
-          </a:p>
-          <a:p>
-            <a:r>
-              <a:rPr lang="en-US" dirty="0" smtClean="0"/>
-              <a:t>Failures:</a:t>
-            </a:r>
-          </a:p>
-          <a:p>
-            <a:endParaRPr lang="en-US" dirty="0" smtClean="0"/>
-          </a:p>
-          <a:p>
-            <a:r>
-              <a:rPr lang="en-US" dirty="0" smtClean="0"/>
-              <a:t>  1) File /etc/</a:t>
-            </a:r>
-            <a:r>
-              <a:rPr lang="en-US" dirty="0" err="1" smtClean="0"/>
-              <a:t>sysconfig</a:t>
-            </a:r>
-            <a:r>
-              <a:rPr lang="en-US" dirty="0" smtClean="0"/>
-              <a:t>/</a:t>
-            </a:r>
-            <a:r>
-              <a:rPr lang="en-US" dirty="0" err="1" smtClean="0"/>
-              <a:t>init</a:t>
-            </a:r>
-            <a:r>
-              <a:rPr lang="en-US" dirty="0" smtClean="0"/>
-              <a:t> content should match "</a:t>
-            </a:r>
-            <a:r>
-              <a:rPr lang="en-US" dirty="0" err="1" smtClean="0"/>
-              <a:t>umask</a:t>
-            </a:r>
-            <a:r>
-              <a:rPr lang="en-US" dirty="0" smtClean="0"/>
-              <a:t> 027"</a:t>
-            </a:r>
-          </a:p>
-          <a:p>
-            <a:r>
-              <a:rPr lang="en-US" dirty="0" smtClean="0"/>
-              <a:t>     Failure/Error: its('content') {should match '</a:t>
-            </a:r>
-            <a:r>
-              <a:rPr lang="en-US" dirty="0" err="1" smtClean="0"/>
-              <a:t>umask</a:t>
-            </a:r>
-            <a:r>
-              <a:rPr lang="en-US" dirty="0" smtClean="0"/>
-              <a:t> 027'}</a:t>
-            </a:r>
-          </a:p>
-          <a:p>
-            <a:endParaRPr lang="en-US" dirty="0" smtClean="0"/>
-          </a:p>
-          <a:p>
-            <a:r>
-              <a:rPr lang="en-US" dirty="0" smtClean="0"/>
-              <a:t>Note: At the end of the output you  will see a reference to </a:t>
-            </a:r>
-            <a:r>
-              <a:rPr lang="en-US" dirty="0" err="1" smtClean="0"/>
-              <a:t>rspec</a:t>
-            </a:r>
-            <a:r>
-              <a:rPr lang="en-US" dirty="0" smtClean="0"/>
-              <a:t>.</a:t>
-            </a:r>
-            <a:r>
-              <a:rPr lang="en-US" baseline="0" dirty="0" smtClean="0"/>
-              <a:t> This is because </a:t>
-            </a:r>
-            <a:r>
-              <a:rPr lang="en-US" sz="1200" b="0" i="0" kern="1200" dirty="0" err="1" smtClean="0">
-                <a:solidFill>
-                  <a:schemeClr val="tx1"/>
-                </a:solidFill>
-                <a:effectLst/>
-                <a:latin typeface="Arial" panose="020B0604020202020204" pitchFamily="34" charset="0"/>
-                <a:ea typeface="ＭＳ Ｐゴシック" charset="0"/>
-                <a:cs typeface="Arial" panose="020B0604020202020204" pitchFamily="34" charset="0"/>
-              </a:rPr>
-              <a:t>inspec</a:t>
-            </a:r>
-            <a:r>
-              <a:rPr lang="en-US" sz="1200" b="0" i="0" kern="1200" dirty="0" smtClean="0">
-                <a:solidFill>
-                  <a:schemeClr val="tx1"/>
-                </a:solidFill>
-                <a:effectLst/>
-                <a:latin typeface="Arial" panose="020B0604020202020204" pitchFamily="34" charset="0"/>
-                <a:ea typeface="ＭＳ Ｐゴシック" charset="0"/>
-                <a:cs typeface="Arial" panose="020B0604020202020204" pitchFamily="34" charset="0"/>
-              </a:rPr>
-              <a:t> is based on </a:t>
-            </a:r>
-            <a:r>
-              <a:rPr lang="en-US" sz="1200" b="0" i="0" kern="1200" dirty="0" err="1" smtClean="0">
-                <a:solidFill>
-                  <a:schemeClr val="tx1"/>
-                </a:solidFill>
-                <a:effectLst/>
-                <a:latin typeface="Arial" panose="020B0604020202020204" pitchFamily="34" charset="0"/>
-                <a:ea typeface="ＭＳ Ｐゴシック" charset="0"/>
-                <a:cs typeface="Arial" panose="020B0604020202020204" pitchFamily="34" charset="0"/>
-              </a:rPr>
-              <a:t>rspec</a:t>
-            </a:r>
-            <a:r>
-              <a:rPr lang="en-US" sz="1200" b="0" i="0" kern="1200" dirty="0" smtClean="0">
-                <a:solidFill>
-                  <a:schemeClr val="tx1"/>
-                </a:solidFill>
-                <a:effectLst/>
-                <a:latin typeface="Arial" panose="020B0604020202020204" pitchFamily="34" charset="0"/>
-                <a:ea typeface="ＭＳ Ｐゴシック" charset="0"/>
-                <a:cs typeface="Arial" panose="020B0604020202020204" pitchFamily="34" charset="0"/>
-              </a:rPr>
-              <a:t>.</a:t>
-            </a:r>
-          </a:p>
-          <a:p>
-            <a:endParaRPr lang="en-US" dirty="0" smtClean="0"/>
-          </a:p>
-          <a:p>
-            <a:r>
-              <a:rPr lang="en-US" dirty="0" smtClean="0"/>
-              <a:t>       expected "# color =&gt; new RH6.0 </a:t>
-            </a:r>
-            <a:r>
-              <a:rPr lang="en-US" dirty="0" err="1" smtClean="0"/>
-              <a:t>bootup</a:t>
-            </a:r>
-            <a:r>
-              <a:rPr lang="en-US" dirty="0" smtClean="0"/>
-              <a:t>\n# verbose =&gt; old-style </a:t>
-            </a:r>
-            <a:r>
-              <a:rPr lang="en-US" dirty="0" err="1" smtClean="0"/>
-              <a:t>bootup</a:t>
-            </a:r>
-            <a:r>
-              <a:rPr lang="en-US" dirty="0" smtClean="0"/>
-              <a:t>\n# anything else =&gt; new style </a:t>
-            </a:r>
-            <a:r>
-              <a:rPr lang="en-US" dirty="0" err="1" smtClean="0"/>
-              <a:t>bootup</a:t>
-            </a:r>
-            <a:r>
-              <a:rPr lang="en-US" dirty="0" smtClean="0"/>
-              <a:t> without ANSI colors or positioning\</a:t>
-            </a:r>
-            <a:r>
-              <a:rPr lang="en-US" dirty="0" err="1" smtClean="0"/>
-              <a:t>nBOOTUP</a:t>
-            </a:r>
-            <a:r>
-              <a:rPr lang="en-US" dirty="0" smtClean="0"/>
-              <a:t>=color\n# column to start \"[  OK  ]\" label in \</a:t>
-            </a:r>
-            <a:r>
-              <a:rPr lang="en-US" dirty="0" err="1" smtClean="0"/>
-              <a:t>nRES_COL</a:t>
-            </a:r>
-            <a:r>
-              <a:rPr lang="en-US" dirty="0" smtClean="0"/>
-              <a:t>=60\n# terminal sequence to move to that column. You could change this\n# to something like \"</a:t>
-            </a:r>
-            <a:r>
-              <a:rPr lang="en-US" dirty="0" err="1" smtClean="0"/>
-              <a:t>tput</a:t>
-            </a:r>
-            <a:r>
-              <a:rPr lang="en-US" dirty="0" smtClean="0"/>
-              <a:t> </a:t>
-            </a:r>
-            <a:r>
-              <a:rPr lang="en-US" dirty="0" err="1" smtClean="0"/>
-              <a:t>hpa</a:t>
-            </a:r>
-            <a:r>
-              <a:rPr lang="en-US" dirty="0" smtClean="0"/>
-              <a:t> ${RES_COL}\" if your terminal supports it\</a:t>
-            </a:r>
-            <a:r>
-              <a:rPr lang="en-US" dirty="0" err="1" smtClean="0"/>
-              <a:t>nMOVE_TO_COL</a:t>
-            </a:r>
-            <a:r>
-              <a:rPr lang="en-US" dirty="0" smtClean="0"/>
-              <a:t>=\"echo -</a:t>
-            </a:r>
-            <a:r>
-              <a:rPr lang="en-US" dirty="0" err="1" smtClean="0"/>
-              <a:t>en</a:t>
-            </a:r>
-            <a:r>
-              <a:rPr lang="en-US" dirty="0" smtClean="0"/>
-              <a:t> \\\\033[${RES_COL}G\"\n# terminal sequence to set color to a 'success' color (currently: green)\</a:t>
-            </a:r>
-            <a:r>
-              <a:rPr lang="en-US" dirty="0" err="1" smtClean="0"/>
-              <a:t>nSETCOLOR_SUCCESS</a:t>
-            </a:r>
-            <a:r>
-              <a:rPr lang="en-US" dirty="0" smtClean="0"/>
-              <a:t>=\"echo -</a:t>
-            </a:r>
-            <a:r>
-              <a:rPr lang="en-US" dirty="0" err="1" smtClean="0"/>
-              <a:t>en</a:t>
-            </a:r>
-            <a:r>
-              <a:rPr lang="en-US" dirty="0" smtClean="0"/>
-              <a:t> \\\\033[0;32m\"\n# terminal sequence to set color to a 'failure' color (currently: red)\</a:t>
-            </a:r>
-            <a:r>
-              <a:rPr lang="en-US" dirty="0" err="1" smtClean="0"/>
-              <a:t>nSETCOLOR_FAILURE</a:t>
-            </a:r>
-            <a:r>
-              <a:rPr lang="en-US" dirty="0" smtClean="0"/>
-              <a:t>=\"echo -</a:t>
-            </a:r>
-            <a:r>
-              <a:rPr lang="en-US" dirty="0" err="1" smtClean="0"/>
-              <a:t>en</a:t>
-            </a:r>
-            <a:r>
-              <a:rPr lang="en-US" dirty="0" smtClean="0"/>
-              <a:t> \\\\033[0;31m\"\n# terminal sequence to set color to a 'warning' color (currently: yellow)\</a:t>
-            </a:r>
-            <a:r>
-              <a:rPr lang="en-US" dirty="0" err="1" smtClean="0"/>
-              <a:t>nSETCOLOR_WARNING</a:t>
-            </a:r>
-            <a:r>
-              <a:rPr lang="en-US" dirty="0" smtClean="0"/>
-              <a:t>=\"echo -</a:t>
-            </a:r>
-            <a:r>
-              <a:rPr lang="en-US" dirty="0" err="1" smtClean="0"/>
-              <a:t>en</a:t>
-            </a:r>
-            <a:r>
-              <a:rPr lang="en-US" dirty="0" smtClean="0"/>
-              <a:t> \\\\033[0;33m\"\n# terminal sequence to reset to the default color.\</a:t>
-            </a:r>
-            <a:r>
-              <a:rPr lang="en-US" dirty="0" err="1" smtClean="0"/>
-              <a:t>nSETCOLOR_NORMAL</a:t>
-            </a:r>
-            <a:r>
-              <a:rPr lang="en-US" dirty="0" smtClean="0"/>
-              <a:t>=\"echo -</a:t>
-            </a:r>
-            <a:r>
-              <a:rPr lang="en-US" dirty="0" err="1" smtClean="0"/>
-              <a:t>en</a:t>
-            </a:r>
-            <a:r>
-              <a:rPr lang="en-US" dirty="0" smtClean="0"/>
-              <a:t> \\\\033[0;39m\"\n# Set to anything other than 'no' to allow hotkey interactive startup...\</a:t>
-            </a:r>
-            <a:r>
-              <a:rPr lang="en-US" dirty="0" err="1" smtClean="0"/>
-              <a:t>nPROMPT</a:t>
-            </a:r>
-            <a:r>
-              <a:rPr lang="en-US" dirty="0" smtClean="0"/>
-              <a:t>=yes\n# Set to 'yes' to allow probing for devices with swap signatures\</a:t>
-            </a:r>
-            <a:r>
-              <a:rPr lang="en-US" dirty="0" err="1" smtClean="0"/>
-              <a:t>nAUTOSWAP</a:t>
-            </a:r>
-            <a:r>
-              <a:rPr lang="en-US" dirty="0" smtClean="0"/>
-              <a:t>=no\n# What </a:t>
-            </a:r>
-            <a:r>
-              <a:rPr lang="en-US" dirty="0" err="1" smtClean="0"/>
-              <a:t>ttys</a:t>
-            </a:r>
-            <a:r>
-              <a:rPr lang="en-US" dirty="0" smtClean="0"/>
-              <a:t> should </a:t>
-            </a:r>
-            <a:r>
-              <a:rPr lang="en-US" dirty="0" err="1" smtClean="0"/>
-              <a:t>gettys</a:t>
-            </a:r>
-            <a:r>
-              <a:rPr lang="en-US" dirty="0" smtClean="0"/>
-              <a:t> be started on?\</a:t>
-            </a:r>
-            <a:r>
-              <a:rPr lang="en-US" dirty="0" err="1" smtClean="0"/>
-              <a:t>nACTIVE_CONSOLES</a:t>
-            </a:r>
-            <a:r>
-              <a:rPr lang="en-US" dirty="0" smtClean="0"/>
-              <a:t>=/dev/tty1\n# Set to '/</a:t>
-            </a:r>
-            <a:r>
-              <a:rPr lang="en-US" dirty="0" err="1" smtClean="0"/>
-              <a:t>sbin</a:t>
-            </a:r>
-            <a:r>
-              <a:rPr lang="en-US" dirty="0" smtClean="0"/>
-              <a:t>/</a:t>
-            </a:r>
-            <a:r>
-              <a:rPr lang="en-US" dirty="0" err="1" smtClean="0"/>
-              <a:t>sulogin</a:t>
-            </a:r>
-            <a:r>
-              <a:rPr lang="en-US" dirty="0" smtClean="0"/>
-              <a:t>' to prompt for password on single-user mode\n# Set to '/</a:t>
-            </a:r>
-            <a:r>
-              <a:rPr lang="en-US" dirty="0" err="1" smtClean="0"/>
-              <a:t>sbin</a:t>
-            </a:r>
-            <a:r>
-              <a:rPr lang="en-US" dirty="0" smtClean="0"/>
-              <a:t>/</a:t>
-            </a:r>
-            <a:r>
-              <a:rPr lang="en-US" dirty="0" err="1" smtClean="0"/>
-              <a:t>sushell</a:t>
-            </a:r>
-            <a:r>
-              <a:rPr lang="en-US" dirty="0" smtClean="0"/>
-              <a:t>' otherwise\</a:t>
-            </a:r>
-            <a:r>
-              <a:rPr lang="en-US" dirty="0" err="1" smtClean="0"/>
-              <a:t>nSINGLE</a:t>
-            </a:r>
-            <a:r>
-              <a:rPr lang="en-US" dirty="0" smtClean="0"/>
-              <a:t>=/</a:t>
-            </a:r>
-            <a:r>
-              <a:rPr lang="en-US" dirty="0" err="1" smtClean="0"/>
-              <a:t>sbin</a:t>
-            </a:r>
-            <a:r>
-              <a:rPr lang="en-US" dirty="0" smtClean="0"/>
-              <a:t>/</a:t>
-            </a:r>
-            <a:r>
-              <a:rPr lang="en-US" dirty="0" err="1" smtClean="0"/>
-              <a:t>sushell</a:t>
-            </a:r>
-            <a:r>
-              <a:rPr lang="en-US" dirty="0" smtClean="0"/>
-              <a:t>\n" to match "</a:t>
-            </a:r>
-            <a:r>
-              <a:rPr lang="en-US" dirty="0" err="1" smtClean="0"/>
-              <a:t>umask</a:t>
-            </a:r>
-            <a:r>
-              <a:rPr lang="en-US" dirty="0" smtClean="0"/>
-              <a:t> 027"</a:t>
-            </a:r>
-          </a:p>
-          <a:p>
-            <a:r>
-              <a:rPr lang="en-US" dirty="0" smtClean="0"/>
-              <a:t>       Diff:</a:t>
-            </a:r>
-          </a:p>
-          <a:p>
-            <a:r>
-              <a:rPr lang="en-US" dirty="0" smtClean="0"/>
-              <a:t>       @@ -1,2 +1,27 @@</a:t>
-            </a:r>
-          </a:p>
-          <a:p>
-            <a:r>
-              <a:rPr lang="en-US" dirty="0" smtClean="0"/>
-              <a:t>       -</a:t>
-            </a:r>
-            <a:r>
-              <a:rPr lang="en-US" dirty="0" err="1" smtClean="0"/>
-              <a:t>umask</a:t>
-            </a:r>
-            <a:r>
-              <a:rPr lang="en-US" dirty="0" smtClean="0"/>
-              <a:t> 027</a:t>
-            </a:r>
-          </a:p>
-          <a:p>
-            <a:r>
-              <a:rPr lang="en-US" dirty="0" smtClean="0"/>
-              <a:t>       +# color =&gt; new RH6.0 </a:t>
-            </a:r>
-            <a:r>
-              <a:rPr lang="en-US" dirty="0" err="1" smtClean="0"/>
-              <a:t>bootup</a:t>
-            </a:r>
-            <a:endParaRPr lang="en-US" dirty="0" smtClean="0"/>
-          </a:p>
-          <a:p>
-            <a:r>
-              <a:rPr lang="en-US" dirty="0" smtClean="0"/>
-              <a:t>       +# verbose =&gt; old-style </a:t>
-            </a:r>
-            <a:r>
-              <a:rPr lang="en-US" dirty="0" err="1" smtClean="0"/>
-              <a:t>bootup</a:t>
-            </a:r>
-            <a:endParaRPr lang="en-US" dirty="0" smtClean="0"/>
-          </a:p>
-          <a:p>
-            <a:r>
-              <a:rPr lang="en-US" dirty="0" smtClean="0"/>
-              <a:t>       +# anything else =&gt; new style </a:t>
-            </a:r>
-            <a:r>
-              <a:rPr lang="en-US" dirty="0" err="1" smtClean="0"/>
-              <a:t>bootup</a:t>
-            </a:r>
-            <a:r>
-              <a:rPr lang="en-US" dirty="0" smtClean="0"/>
-              <a:t> without ANSI colors or positioning</a:t>
-            </a:r>
-          </a:p>
-          <a:p>
-            <a:r>
-              <a:rPr lang="en-US" dirty="0" smtClean="0"/>
-              <a:t>       +BOOTUP=color</a:t>
-            </a:r>
-          </a:p>
-          <a:p>
-            <a:r>
-              <a:rPr lang="en-US" dirty="0" smtClean="0"/>
-              <a:t>       +# column to start "[  OK  ]" label in</a:t>
-            </a:r>
-          </a:p>
-          <a:p>
-            <a:r>
-              <a:rPr lang="en-US" dirty="0" smtClean="0"/>
-              <a:t>       +RES_COL=60</a:t>
-            </a:r>
-          </a:p>
-          <a:p>
-            <a:r>
-              <a:rPr lang="en-US" dirty="0" smtClean="0"/>
-              <a:t>       +# terminal sequence to move to that column. You could change this</a:t>
-            </a:r>
-          </a:p>
-          <a:p>
-            <a:r>
-              <a:rPr lang="en-US" dirty="0" smtClean="0"/>
-              <a:t>       +# to something like "</a:t>
-            </a:r>
-            <a:r>
-              <a:rPr lang="en-US" dirty="0" err="1" smtClean="0"/>
-              <a:t>tput</a:t>
-            </a:r>
-            <a:r>
-              <a:rPr lang="en-US" dirty="0" smtClean="0"/>
-              <a:t> </a:t>
-            </a:r>
-            <a:r>
-              <a:rPr lang="en-US" dirty="0" err="1" smtClean="0"/>
-              <a:t>hpa</a:t>
-            </a:r>
-            <a:r>
-              <a:rPr lang="en-US" dirty="0" smtClean="0"/>
-              <a:t> ${RES_COL}" if your terminal supports it</a:t>
-            </a:r>
-          </a:p>
-          <a:p>
-            <a:r>
-              <a:rPr lang="en-US" dirty="0" smtClean="0"/>
-              <a:t>       +MOVE_TO_COL="echo -</a:t>
-            </a:r>
-            <a:r>
-              <a:rPr lang="en-US" dirty="0" err="1" smtClean="0"/>
-              <a:t>en</a:t>
-            </a:r>
-            <a:r>
-              <a:rPr lang="en-US" dirty="0" smtClean="0"/>
-              <a:t> \\033[${RES_COL}G"</a:t>
-            </a:r>
-          </a:p>
-          <a:p>
-            <a:r>
-              <a:rPr lang="en-US" dirty="0" smtClean="0"/>
-              <a:t>       +# terminal sequence to set color to a 'success' color (currently: green)</a:t>
-            </a:r>
-          </a:p>
-          <a:p>
-            <a:r>
-              <a:rPr lang="en-US" dirty="0" smtClean="0"/>
-              <a:t>       +SETCOLOR_SUCCESS="echo -</a:t>
-            </a:r>
-            <a:r>
-              <a:rPr lang="en-US" dirty="0" err="1" smtClean="0"/>
-              <a:t>en</a:t>
-            </a:r>
-            <a:r>
-              <a:rPr lang="en-US" dirty="0" smtClean="0"/>
-              <a:t> \\033[0;32m"</a:t>
-            </a:r>
-          </a:p>
-          <a:p>
-            <a:r>
-              <a:rPr lang="en-US" dirty="0" smtClean="0"/>
-              <a:t>       +# terminal sequence to set color to a 'failure' color (currently: red)</a:t>
-            </a:r>
-          </a:p>
-          <a:p>
-            <a:r>
-              <a:rPr lang="en-US" dirty="0" smtClean="0"/>
-              <a:t>       +SETCOLOR_FAILURE="echo -</a:t>
-            </a:r>
-            <a:r>
-              <a:rPr lang="en-US" dirty="0" err="1" smtClean="0"/>
-              <a:t>en</a:t>
-            </a:r>
-            <a:r>
-              <a:rPr lang="en-US" dirty="0" smtClean="0"/>
-              <a:t> \\033[0;31m"</a:t>
-            </a:r>
-          </a:p>
-          <a:p>
-            <a:r>
-              <a:rPr lang="en-US" dirty="0" smtClean="0"/>
-              <a:t>       +# terminal sequence to set color to a 'warning' color (currently: yellow)</a:t>
-            </a:r>
-          </a:p>
-          <a:p>
-            <a:r>
-              <a:rPr lang="en-US" dirty="0" smtClean="0"/>
-              <a:t>       +SETCOLOR_WARNING="echo -</a:t>
-            </a:r>
-            <a:r>
-              <a:rPr lang="en-US" dirty="0" err="1" smtClean="0"/>
-              <a:t>en</a:t>
-            </a:r>
-            <a:r>
-              <a:rPr lang="en-US" dirty="0" smtClean="0"/>
-              <a:t> \\033[0;33m"</a:t>
-            </a:r>
-          </a:p>
-          <a:p>
-            <a:r>
-              <a:rPr lang="en-US" dirty="0" smtClean="0"/>
-              <a:t>       +# terminal sequence to reset to the default color.</a:t>
-            </a:r>
-          </a:p>
-          <a:p>
-            <a:r>
-              <a:rPr lang="en-US" dirty="0" smtClean="0"/>
-              <a:t>       +SETCOLOR_NORMAL="echo -</a:t>
-            </a:r>
-            <a:r>
-              <a:rPr lang="en-US" dirty="0" err="1" smtClean="0"/>
-              <a:t>en</a:t>
-            </a:r>
-            <a:r>
-              <a:rPr lang="en-US" dirty="0" smtClean="0"/>
-              <a:t> \\033[0;39m"</a:t>
-            </a:r>
-          </a:p>
-          <a:p>
-            <a:r>
-              <a:rPr lang="en-US" dirty="0" smtClean="0"/>
-              <a:t>       +# Set to anything other than 'no' to allow hotkey interactive startup...</a:t>
-            </a:r>
-          </a:p>
-          <a:p>
-            <a:r>
-              <a:rPr lang="en-US" dirty="0" smtClean="0"/>
-              <a:t>       +PROMPT=yes</a:t>
-            </a:r>
-          </a:p>
-          <a:p>
-            <a:r>
-              <a:rPr lang="en-US" dirty="0" smtClean="0"/>
-              <a:t>       +# Set to 'yes' to allow probing for devices with swap signatures</a:t>
-            </a:r>
-          </a:p>
-          <a:p>
-            <a:r>
-              <a:rPr lang="en-US" dirty="0" smtClean="0"/>
-              <a:t>       +AUTOSWAP=no</a:t>
-            </a:r>
-          </a:p>
-          <a:p>
-            <a:r>
-              <a:rPr lang="en-US" dirty="0" smtClean="0"/>
-              <a:t>       +# What </a:t>
-            </a:r>
-            <a:r>
-              <a:rPr lang="en-US" dirty="0" err="1" smtClean="0"/>
-              <a:t>ttys</a:t>
-            </a:r>
-            <a:r>
-              <a:rPr lang="en-US" dirty="0" smtClean="0"/>
-              <a:t> should </a:t>
-            </a:r>
-            <a:r>
-              <a:rPr lang="en-US" dirty="0" err="1" smtClean="0"/>
-              <a:t>gettys</a:t>
-            </a:r>
-            <a:r>
-              <a:rPr lang="en-US" dirty="0" smtClean="0"/>
-              <a:t> be started on?</a:t>
-            </a:r>
-          </a:p>
-          <a:p>
-            <a:r>
-              <a:rPr lang="en-US" dirty="0" smtClean="0"/>
-              <a:t>       +ACTIVE_CONSOLES=/dev/tty1</a:t>
-            </a:r>
-          </a:p>
-          <a:p>
-            <a:r>
-              <a:rPr lang="en-US" dirty="0" smtClean="0"/>
-              <a:t>       +# Set to '/</a:t>
-            </a:r>
-            <a:r>
-              <a:rPr lang="en-US" dirty="0" err="1" smtClean="0"/>
-              <a:t>sbin</a:t>
-            </a:r>
-            <a:r>
-              <a:rPr lang="en-US" dirty="0" smtClean="0"/>
-              <a:t>/</a:t>
-            </a:r>
-            <a:r>
-              <a:rPr lang="en-US" dirty="0" err="1" smtClean="0"/>
-              <a:t>sulogin</a:t>
-            </a:r>
-            <a:r>
-              <a:rPr lang="en-US" dirty="0" smtClean="0"/>
-              <a:t>' to prompt for password on single-user mode</a:t>
-            </a:r>
-          </a:p>
-          <a:p>
-            <a:r>
-              <a:rPr lang="en-US" dirty="0" smtClean="0"/>
-              <a:t>       +# Set to '/</a:t>
-            </a:r>
-            <a:r>
-              <a:rPr lang="en-US" dirty="0" err="1" smtClean="0"/>
-              <a:t>sbin</a:t>
-            </a:r>
-            <a:r>
-              <a:rPr lang="en-US" dirty="0" smtClean="0"/>
-              <a:t>/</a:t>
-            </a:r>
-            <a:r>
-              <a:rPr lang="en-US" dirty="0" err="1" smtClean="0"/>
-              <a:t>sushell</a:t>
-            </a:r>
-            <a:r>
-              <a:rPr lang="en-US" dirty="0" smtClean="0"/>
-              <a:t>' otherwise</a:t>
-            </a:r>
-          </a:p>
-          <a:p>
-            <a:r>
-              <a:rPr lang="en-US" dirty="0" smtClean="0"/>
-              <a:t>       +SINGLE=/</a:t>
-            </a:r>
-            <a:r>
-              <a:rPr lang="en-US" dirty="0" err="1" smtClean="0"/>
-              <a:t>sbin</a:t>
-            </a:r>
-            <a:r>
-              <a:rPr lang="en-US" dirty="0" smtClean="0"/>
-              <a:t>/</a:t>
-            </a:r>
-            <a:r>
-              <a:rPr lang="en-US" dirty="0" err="1" smtClean="0"/>
-              <a:t>sushell</a:t>
-            </a:r>
-            <a:endParaRPr lang="en-US" dirty="0" smtClean="0"/>
-          </a:p>
-          <a:p>
-            <a:r>
-              <a:rPr lang="en-US" dirty="0" smtClean="0"/>
-              <a:t>     # cis31.rb:5:in `block (3 levels) in load'</a:t>
-            </a:r>
-          </a:p>
-          <a:p>
-            <a:endParaRPr lang="en-US" dirty="0" smtClean="0"/>
-          </a:p>
-          <a:p>
-            <a:r>
-              <a:rPr lang="en-US" dirty="0" smtClean="0"/>
-              <a:t>Finished in 0.03515 seconds (files took 0.50435 seconds to load)</a:t>
-            </a:r>
-          </a:p>
-          <a:p>
-            <a:r>
-              <a:rPr lang="en-US" dirty="0" smtClean="0"/>
-              <a:t>1 example, 1 failure</a:t>
-            </a:r>
-          </a:p>
-          <a:p>
-            <a:endParaRPr lang="en-US" dirty="0" smtClean="0"/>
-          </a:p>
-          <a:p>
-            <a:r>
-              <a:rPr lang="en-US" dirty="0" smtClean="0"/>
-              <a:t>Failed examples:</a:t>
-            </a:r>
-          </a:p>
-          <a:p>
-            <a:endParaRPr lang="en-US" dirty="0" smtClean="0"/>
-          </a:p>
-          <a:p>
-            <a:r>
-              <a:rPr lang="en-US" dirty="0" err="1" smtClean="0"/>
-              <a:t>rspec</a:t>
-            </a:r>
-            <a:r>
-              <a:rPr lang="en-US" dirty="0" smtClean="0"/>
-              <a:t>  # File /etc/</a:t>
-            </a:r>
-            <a:r>
-              <a:rPr lang="en-US" dirty="0" err="1" smtClean="0"/>
-              <a:t>sysconfig</a:t>
-            </a:r>
-            <a:r>
-              <a:rPr lang="en-US" dirty="0" smtClean="0"/>
-              <a:t>/</a:t>
-            </a:r>
-            <a:r>
-              <a:rPr lang="en-US" dirty="0" err="1" smtClean="0"/>
-              <a:t>init</a:t>
-            </a:r>
-            <a:r>
-              <a:rPr lang="en-US" dirty="0" smtClean="0"/>
-              <a:t> content should match "</a:t>
-            </a:r>
-            <a:r>
-              <a:rPr lang="en-US" dirty="0" err="1" smtClean="0"/>
-              <a:t>umask</a:t>
-            </a:r>
-            <a:r>
-              <a:rPr lang="en-US" dirty="0" smtClean="0"/>
-              <a:t> 027"</a:t>
-            </a:r>
-          </a:p>
-          <a:p>
-            <a:endParaRPr lang="en-US" dirty="0" smtClean="0"/>
-          </a:p>
-          <a:p>
-            <a:r>
-              <a:rPr lang="en-US" dirty="0" smtClean="0"/>
-              <a:t>Note: The references to color i</a:t>
-            </a:r>
-            <a:r>
-              <a:rPr lang="en-US" sz="1200" b="0" i="0" kern="1200" dirty="0" smtClean="0">
-                <a:solidFill>
-                  <a:schemeClr val="tx1"/>
-                </a:solidFill>
-                <a:effectLst/>
-                <a:latin typeface="Arial" panose="020B0604020202020204" pitchFamily="34" charset="0"/>
-                <a:ea typeface="ＭＳ Ｐゴシック" charset="0"/>
-                <a:cs typeface="Arial" panose="020B0604020202020204" pitchFamily="34" charset="0"/>
-              </a:rPr>
-              <a:t>s just </a:t>
-            </a:r>
-            <a:r>
-              <a:rPr lang="en-US" sz="1200" b="0" i="0" kern="1200" dirty="0" err="1" smtClean="0">
-                <a:solidFill>
-                  <a:schemeClr val="tx1"/>
-                </a:solidFill>
-                <a:effectLst/>
-                <a:latin typeface="Arial" panose="020B0604020202020204" pitchFamily="34" charset="0"/>
-                <a:ea typeface="ＭＳ Ｐゴシック" charset="0"/>
-                <a:cs typeface="Arial" panose="020B0604020202020204" pitchFamily="34" charset="0"/>
-              </a:rPr>
-              <a:t>inspec</a:t>
-            </a:r>
-            <a:r>
-              <a:rPr lang="en-US" sz="1200" b="0" i="0" kern="1200" dirty="0" smtClean="0">
-                <a:solidFill>
-                  <a:schemeClr val="tx1"/>
-                </a:solidFill>
-                <a:effectLst/>
-                <a:latin typeface="Arial" panose="020B0604020202020204" pitchFamily="34" charset="0"/>
-                <a:ea typeface="ＭＳ Ｐゴシック" charset="0"/>
-                <a:cs typeface="Arial" panose="020B0604020202020204" pitchFamily="34" charset="0"/>
-              </a:rPr>
-              <a:t> reading the contents of the file you are checking, even though you aren't testing for</a:t>
-            </a:r>
-            <a:r>
-              <a:rPr lang="en-US" sz="1200" b="0" i="0" kern="1200" baseline="0" dirty="0" smtClean="0">
-                <a:solidFill>
-                  <a:schemeClr val="tx1"/>
-                </a:solidFill>
-                <a:effectLst/>
-                <a:latin typeface="Arial" panose="020B0604020202020204" pitchFamily="34" charset="0"/>
-                <a:ea typeface="ＭＳ Ｐゴシック" charset="0"/>
-                <a:cs typeface="Arial" panose="020B0604020202020204" pitchFamily="34" charset="0"/>
-              </a:rPr>
-              <a:t> color.</a:t>
-            </a:r>
-            <a:endParaRPr lang="en-US" dirty="0" smtClean="0"/>
-          </a:p>
-          <a:p>
-            <a:endParaRPr lang="en-US" dirty="0" smtClean="0"/>
-          </a:p>
-        </p:txBody>
-      </p:sp>
-      <p:sp>
-        <p:nvSpPr>
-          <p:cNvPr id="4" name="Slide Number Placeholder 3"/>
-          <p:cNvSpPr>
-            <a:spLocks noGrp="1"/>
-          </p:cNvSpPr>
-          <p:nvPr>
-            <p:ph type="sldNum" sz="quarter" idx="10"/>
-          </p:nvPr>
-        </p:nvSpPr>
-        <p:spPr/>
-        <p:txBody>
-          <a:bodyPr/>
-          <a:lstStyle/>
-          <a:p>
-            <a:pPr>
-              <a:defRPr/>
-            </a:pPr>
-            <a:fld id="{DC3734AA-3150-D947-AC52-2F5DF48BFCD5}" type="slidenum">
-              <a:rPr lang="en-US" smtClean="0"/>
-              <a:pPr>
-                <a:defRPr/>
-              </a:pPr>
-              <a:t>28</a:t>
-            </a:fld>
-            <a:endParaRPr lang="en-US" dirty="0"/>
-          </a:p>
-        </p:txBody>
-      </p:sp>
-      <p:sp>
-        <p:nvSpPr>
-          <p:cNvPr id="5" name="Header Placeholder 4"/>
-          <p:cNvSpPr>
-            <a:spLocks noGrp="1"/>
-          </p:cNvSpPr>
-          <p:nvPr>
-            <p:ph type="hdr" sz="quarter" idx="11"/>
-          </p:nvPr>
-        </p:nvSpPr>
-        <p:spPr/>
-        <p:txBody>
-          <a:bodyPr/>
-          <a:lstStyle/>
-          <a:p>
-            <a:pPr>
-              <a:defRPr/>
-            </a:pPr>
-            <a:endParaRPr lang="en-US"/>
-          </a:p>
-        </p:txBody>
-      </p:sp>
-      <p:sp>
-        <p:nvSpPr>
-          <p:cNvPr id="6" name="Footer Placeholder 5"/>
-          <p:cNvSpPr>
-            <a:spLocks noGrp="1"/>
-          </p:cNvSpPr>
-          <p:nvPr>
-            <p:ph type="ftr" sz="quarter" idx="12"/>
-          </p:nvPr>
-        </p:nvSpPr>
-        <p:spPr/>
-        <p:txBody>
-          <a:bodyPr/>
-          <a:lstStyle/>
-          <a:p>
-            <a:pPr>
-              <a:defRPr/>
-            </a:pPr>
-            <a:endParaRPr lang="en-US"/>
-          </a:p>
-        </p:txBody>
-      </p:sp>
-    </p:spTree>
-    <p:extLst>
-      <p:ext uri="{BB962C8B-B14F-4D97-AF65-F5344CB8AC3E}">
-        <p14:creationId xmlns:p14="http://schemas.microsoft.com/office/powerpoint/2010/main" val="2295904465"/>
-      </p:ext>
-    </p:extLst>
-  </p:cSld>
-  <p:clrMapOvr>
-    <a:masterClrMapping/>
-  </p:clrMapOvr>
-</p:notes>
-</file>
-
-<file path=ppt/notesSlides/notesSlide26.xml><?xml version="1.0" encoding="utf-8"?>
-<p:notes xmlns:a="http://schemas.openxmlformats.org/drawingml/2006/main" xmlns:r="http://schemas.openxmlformats.org/officeDocument/2006/relationships" xmlns:p="http://schemas.openxmlformats.org/presentationml/2006/main">
-  <p:cSld>
-    <p:spTree>
-      <p:nvGrpSpPr>
-        <p:cNvPr id="1" name=""/>
-        <p:cNvGrpSpPr/>
-        <p:nvPr/>
-      </p:nvGrpSpPr>
-      <p:grpSpPr>
-        <a:xfrm>
-          <a:off x="0" y="0"/>
-          <a:ext cx="0" cy="0"/>
-          <a:chOff x="0" y="0"/>
-          <a:chExt cx="0" cy="0"/>
-        </a:xfrm>
-      </p:grpSpPr>
-      <p:sp>
-        <p:nvSpPr>
-          <p:cNvPr id="2" name="Slide Image Placeholder 1"/>
-          <p:cNvSpPr>
-            <a:spLocks noGrp="1" noRot="1" noChangeAspect="1"/>
-          </p:cNvSpPr>
-          <p:nvPr>
-            <p:ph type="sldImg"/>
-          </p:nvPr>
-        </p:nvSpPr>
-        <p:spPr/>
-      </p:sp>
-      <p:sp>
-        <p:nvSpPr>
-          <p:cNvPr id="3" name="Notes Placeholder 2"/>
-          <p:cNvSpPr>
-            <a:spLocks noGrp="1"/>
-          </p:cNvSpPr>
-          <p:nvPr>
-            <p:ph type="body" idx="1"/>
-          </p:nvPr>
-        </p:nvSpPr>
-        <p:spPr/>
-        <p:txBody>
-          <a:bodyPr/>
-          <a:lstStyle/>
-          <a:p>
-            <a:pPr marL="0" marR="0" indent="0" algn="l" defTabSz="1217613" rtl="0" eaLnBrk="1" fontAlgn="base" latinLnBrk="0" hangingPunct="1">
-              <a:lnSpc>
-                <a:spcPct val="90000"/>
-              </a:lnSpc>
-              <a:spcBef>
-                <a:spcPct val="30000"/>
-              </a:spcBef>
-              <a:spcAft>
-                <a:spcPts val="450"/>
-              </a:spcAft>
-              <a:buClrTx/>
-              <a:buSzTx/>
-              <a:buFontTx/>
-              <a:buNone/>
-              <a:tabLst/>
-              <a:defRPr/>
-            </a:pPr>
-            <a:r>
-              <a:rPr lang="en-US" dirty="0" smtClean="0"/>
-              <a:t>Because `</a:t>
-            </a:r>
-            <a:r>
-              <a:rPr lang="en-US" dirty="0" err="1" smtClean="0"/>
-              <a:t>inspec</a:t>
-            </a:r>
-            <a:r>
-              <a:rPr lang="en-US" baseline="0" dirty="0" smtClean="0"/>
-              <a:t> exec` proved that the new profile is working correctly, let's prepare to upload our new profile to the Compliance server.</a:t>
-            </a:r>
-          </a:p>
-          <a:p>
-            <a:pPr marL="0" marR="0" indent="0" algn="l" defTabSz="1217613" rtl="0" eaLnBrk="1" fontAlgn="base" latinLnBrk="0" hangingPunct="1">
-              <a:lnSpc>
-                <a:spcPct val="90000"/>
-              </a:lnSpc>
-              <a:spcBef>
-                <a:spcPct val="30000"/>
-              </a:spcBef>
-              <a:spcAft>
-                <a:spcPts val="450"/>
-              </a:spcAft>
-              <a:buClrTx/>
-              <a:buSzTx/>
-              <a:buFontTx/>
-              <a:buNone/>
-              <a:tabLst/>
-              <a:defRPr/>
-            </a:pPr>
-            <a:endParaRPr lang="en-US" dirty="0" smtClean="0"/>
-          </a:p>
-          <a:p>
-            <a:pPr marL="0" marR="0" indent="0" algn="l" defTabSz="1217613" rtl="0" eaLnBrk="1" fontAlgn="base" latinLnBrk="0" hangingPunct="1">
-              <a:lnSpc>
-                <a:spcPct val="90000"/>
-              </a:lnSpc>
-              <a:spcBef>
-                <a:spcPct val="30000"/>
-              </a:spcBef>
-              <a:spcAft>
-                <a:spcPts val="450"/>
-              </a:spcAft>
-              <a:buClrTx/>
-              <a:buSzTx/>
-              <a:buFontTx/>
-              <a:buNone/>
-              <a:tabLst/>
-              <a:defRPr/>
-            </a:pPr>
-            <a:r>
-              <a:rPr lang="en-US" dirty="0" smtClean="0"/>
-              <a:t>Move to ~/</a:t>
-            </a:r>
-            <a:r>
-              <a:rPr lang="en-US" dirty="0" err="1" smtClean="0"/>
-              <a:t>compliance_profiles</a:t>
-            </a:r>
-            <a:r>
-              <a:rPr lang="en-US" dirty="0" smtClean="0"/>
-              <a:t> and then run `zip -r profile_01.zip profile_01`.</a:t>
-            </a:r>
-          </a:p>
-          <a:p>
-            <a:endParaRPr lang="en-US" dirty="0"/>
-          </a:p>
-        </p:txBody>
-      </p:sp>
-      <p:sp>
-        <p:nvSpPr>
-          <p:cNvPr id="4" name="Slide Number Placeholder 3"/>
-          <p:cNvSpPr>
-            <a:spLocks noGrp="1"/>
-          </p:cNvSpPr>
-          <p:nvPr>
-            <p:ph type="sldNum" sz="quarter" idx="10"/>
-          </p:nvPr>
-        </p:nvSpPr>
-        <p:spPr/>
-        <p:txBody>
-          <a:bodyPr/>
-          <a:lstStyle/>
-          <a:p>
-            <a:pPr>
-              <a:defRPr/>
-            </a:pPr>
-            <a:fld id="{DC3734AA-3150-D947-AC52-2F5DF48BFCD5}" type="slidenum">
-              <a:rPr lang="en-US" smtClean="0"/>
-              <a:pPr>
-                <a:defRPr/>
-              </a:pPr>
-              <a:t>29</a:t>
-            </a:fld>
-            <a:endParaRPr lang="en-US" dirty="0"/>
-          </a:p>
-        </p:txBody>
-      </p:sp>
-      <p:sp>
-        <p:nvSpPr>
-          <p:cNvPr id="5" name="Header Placeholder 4"/>
-          <p:cNvSpPr>
-            <a:spLocks noGrp="1"/>
-          </p:cNvSpPr>
-          <p:nvPr>
-            <p:ph type="hdr" sz="quarter" idx="11"/>
-          </p:nvPr>
-        </p:nvSpPr>
-        <p:spPr/>
-        <p:txBody>
-          <a:bodyPr/>
-          <a:lstStyle/>
-          <a:p>
-            <a:pPr>
-              <a:defRPr/>
-            </a:pPr>
-            <a:endParaRPr lang="en-US"/>
-          </a:p>
-        </p:txBody>
-      </p:sp>
-      <p:sp>
-        <p:nvSpPr>
-          <p:cNvPr id="6" name="Footer Placeholder 5"/>
-          <p:cNvSpPr>
-            <a:spLocks noGrp="1"/>
-          </p:cNvSpPr>
-          <p:nvPr>
-            <p:ph type="ftr" sz="quarter" idx="12"/>
-          </p:nvPr>
-        </p:nvSpPr>
-        <p:spPr/>
-        <p:txBody>
-          <a:bodyPr/>
-          <a:lstStyle/>
-          <a:p>
-            <a:pPr>
-              <a:defRPr/>
-            </a:pPr>
-            <a:endParaRPr lang="en-US"/>
-          </a:p>
-        </p:txBody>
-      </p:sp>
-    </p:spTree>
-    <p:extLst>
-      <p:ext uri="{BB962C8B-B14F-4D97-AF65-F5344CB8AC3E}">
-        <p14:creationId xmlns:p14="http://schemas.microsoft.com/office/powerpoint/2010/main" val="2946107104"/>
-      </p:ext>
-    </p:extLst>
-  </p:cSld>
-  <p:clrMapOvr>
-    <a:masterClrMapping/>
-  </p:clrMapOvr>
-</p:notes>
-</file>
-
-<file path=ppt/notesSlides/notesSlide27.xml><?xml version="1.0" encoding="utf-8"?>
-<p:notes xmlns:a="http://schemas.openxmlformats.org/drawingml/2006/main" xmlns:r="http://schemas.openxmlformats.org/officeDocument/2006/relationships" xmlns:p="http://schemas.openxmlformats.org/presentationml/2006/main">
-  <p:cSld>
-    <p:spTree>
-      <p:nvGrpSpPr>
-        <p:cNvPr id="1" name=""/>
-        <p:cNvGrpSpPr/>
-        <p:nvPr/>
-      </p:nvGrpSpPr>
-      <p:grpSpPr>
-        <a:xfrm>
-          <a:off x="0" y="0"/>
-          <a:ext cx="0" cy="0"/>
-          <a:chOff x="0" y="0"/>
-          <a:chExt cx="0" cy="0"/>
-        </a:xfrm>
-      </p:grpSpPr>
-      <p:sp>
-        <p:nvSpPr>
-          <p:cNvPr id="2" name="Slide Image Placeholder 1"/>
-          <p:cNvSpPr>
-            <a:spLocks noGrp="1" noRot="1" noChangeAspect="1"/>
-          </p:cNvSpPr>
-          <p:nvPr>
-            <p:ph type="sldImg"/>
-          </p:nvPr>
-        </p:nvSpPr>
-        <p:spPr/>
-      </p:sp>
-      <p:sp>
-        <p:nvSpPr>
-          <p:cNvPr id="3" name="Notes Placeholder 2"/>
-          <p:cNvSpPr>
-            <a:spLocks noGrp="1"/>
-          </p:cNvSpPr>
-          <p:nvPr>
-            <p:ph type="body" idx="1"/>
-          </p:nvPr>
-        </p:nvSpPr>
-        <p:spPr/>
-        <p:txBody>
-          <a:bodyPr/>
-          <a:lstStyle/>
-          <a:p>
-            <a:pPr marL="0" marR="0" indent="0" algn="l" defTabSz="1217613" rtl="0" eaLnBrk="1" fontAlgn="base" latinLnBrk="0" hangingPunct="1">
-              <a:lnSpc>
-                <a:spcPct val="90000"/>
-              </a:lnSpc>
-              <a:spcBef>
-                <a:spcPct val="30000"/>
-              </a:spcBef>
-              <a:spcAft>
-                <a:spcPts val="450"/>
-              </a:spcAft>
-              <a:buClrTx/>
-              <a:buSzTx/>
-              <a:buFontTx/>
-              <a:buNone/>
-              <a:tabLst/>
-              <a:defRPr/>
-            </a:pPr>
-            <a:r>
-              <a:rPr lang="en-US" dirty="0" smtClean="0"/>
-              <a:t>Type `ls</a:t>
-            </a:r>
-            <a:r>
-              <a:rPr lang="en-US" baseline="0" dirty="0" smtClean="0"/>
-              <a:t> -l` to verify the new zip file's creation.</a:t>
-            </a:r>
-            <a:endParaRPr lang="en-US" dirty="0" smtClean="0"/>
-          </a:p>
-          <a:p>
-            <a:endParaRPr lang="en-US" dirty="0"/>
-          </a:p>
-        </p:txBody>
-      </p:sp>
-      <p:sp>
-        <p:nvSpPr>
-          <p:cNvPr id="4" name="Slide Number Placeholder 3"/>
-          <p:cNvSpPr>
-            <a:spLocks noGrp="1"/>
-          </p:cNvSpPr>
-          <p:nvPr>
-            <p:ph type="sldNum" sz="quarter" idx="10"/>
-          </p:nvPr>
-        </p:nvSpPr>
-        <p:spPr/>
-        <p:txBody>
-          <a:bodyPr/>
-          <a:lstStyle/>
-          <a:p>
-            <a:pPr>
-              <a:defRPr/>
-            </a:pPr>
-            <a:fld id="{DC3734AA-3150-D947-AC52-2F5DF48BFCD5}" type="slidenum">
-              <a:rPr lang="en-US" smtClean="0"/>
-              <a:pPr>
-                <a:defRPr/>
-              </a:pPr>
-              <a:t>30</a:t>
-            </a:fld>
-            <a:endParaRPr lang="en-US" dirty="0"/>
-          </a:p>
-        </p:txBody>
-      </p:sp>
-      <p:sp>
-        <p:nvSpPr>
-          <p:cNvPr id="5" name="Header Placeholder 4"/>
-          <p:cNvSpPr>
-            <a:spLocks noGrp="1"/>
-          </p:cNvSpPr>
-          <p:nvPr>
-            <p:ph type="hdr" sz="quarter" idx="11"/>
-          </p:nvPr>
-        </p:nvSpPr>
-        <p:spPr/>
-        <p:txBody>
-          <a:bodyPr/>
-          <a:lstStyle/>
-          <a:p>
-            <a:pPr>
-              <a:defRPr/>
-            </a:pPr>
-            <a:endParaRPr lang="en-US"/>
-          </a:p>
-        </p:txBody>
-      </p:sp>
-      <p:sp>
-        <p:nvSpPr>
-          <p:cNvPr id="6" name="Footer Placeholder 5"/>
-          <p:cNvSpPr>
-            <a:spLocks noGrp="1"/>
-          </p:cNvSpPr>
-          <p:nvPr>
-            <p:ph type="ftr" sz="quarter" idx="12"/>
-          </p:nvPr>
-        </p:nvSpPr>
-        <p:spPr/>
-        <p:txBody>
-          <a:bodyPr/>
-          <a:lstStyle/>
-          <a:p>
-            <a:pPr>
-              <a:defRPr/>
-            </a:pPr>
-            <a:endParaRPr lang="en-US"/>
-          </a:p>
-        </p:txBody>
-      </p:sp>
-    </p:spTree>
-    <p:extLst>
-      <p:ext uri="{BB962C8B-B14F-4D97-AF65-F5344CB8AC3E}">
-        <p14:creationId xmlns:p14="http://schemas.microsoft.com/office/powerpoint/2010/main" val="3489376245"/>
-      </p:ext>
-    </p:extLst>
-  </p:cSld>
-  <p:clrMapOvr>
-    <a:masterClrMapping/>
-  </p:clrMapOvr>
-</p:notes>
-</file>
-
-<file path=ppt/notesSlides/notesSlide28.xml><?xml version="1.0" encoding="utf-8"?>
-<p:notes xmlns:a="http://schemas.openxmlformats.org/drawingml/2006/main" xmlns:r="http://schemas.openxmlformats.org/officeDocument/2006/relationships" xmlns:p="http://schemas.openxmlformats.org/presentationml/2006/main">
-  <p:cSld>
-    <p:spTree>
-      <p:nvGrpSpPr>
-        <p:cNvPr id="1" name=""/>
-        <p:cNvGrpSpPr/>
-        <p:nvPr/>
-      </p:nvGrpSpPr>
-      <p:grpSpPr>
-        <a:xfrm>
-          <a:off x="0" y="0"/>
-          <a:ext cx="0" cy="0"/>
-          <a:chOff x="0" y="0"/>
-          <a:chExt cx="0" cy="0"/>
-        </a:xfrm>
-      </p:grpSpPr>
-      <p:sp>
-        <p:nvSpPr>
-          <p:cNvPr id="2" name="Slide Image Placeholder 1"/>
-          <p:cNvSpPr>
-            <a:spLocks noGrp="1" noRot="1" noChangeAspect="1"/>
-          </p:cNvSpPr>
-          <p:nvPr>
-            <p:ph type="sldImg"/>
-          </p:nvPr>
-        </p:nvSpPr>
-        <p:spPr/>
-      </p:sp>
-      <p:sp>
-        <p:nvSpPr>
-          <p:cNvPr id="3" name="Notes Placeholder 2"/>
-          <p:cNvSpPr>
-            <a:spLocks noGrp="1"/>
-          </p:cNvSpPr>
-          <p:nvPr>
-            <p:ph type="body" idx="1"/>
-          </p:nvPr>
-        </p:nvSpPr>
-        <p:spPr/>
-        <p:txBody>
-          <a:bodyPr/>
-          <a:lstStyle/>
-          <a:p>
-            <a:pPr marL="0" marR="0" indent="0" algn="l" defTabSz="1217613" rtl="0" eaLnBrk="1" fontAlgn="base" latinLnBrk="0" hangingPunct="1">
-              <a:lnSpc>
-                <a:spcPct val="90000"/>
-              </a:lnSpc>
-              <a:spcBef>
-                <a:spcPct val="30000"/>
-              </a:spcBef>
-              <a:spcAft>
-                <a:spcPts val="450"/>
-              </a:spcAft>
-              <a:buClrTx/>
-              <a:buSzTx/>
-              <a:buFontTx/>
-              <a:buNone/>
-              <a:tabLst/>
-              <a:defRPr/>
-            </a:pPr>
-            <a:r>
-              <a:rPr lang="en-US" b="1" dirty="0" smtClean="0"/>
-              <a:t>Important</a:t>
-            </a:r>
-            <a:r>
-              <a:rPr lang="en-US" dirty="0" smtClean="0"/>
-              <a:t>: Be sure to run this command from your laptop. You can first move to whatever directory on</a:t>
-            </a:r>
-            <a:r>
-              <a:rPr lang="en-US" baseline="0" dirty="0" smtClean="0"/>
-              <a:t> your laptop that you like.</a:t>
-            </a:r>
-          </a:p>
-          <a:p>
-            <a:pPr marL="0" marR="0" indent="0" algn="l" defTabSz="1217613" rtl="0" eaLnBrk="1" fontAlgn="base" latinLnBrk="0" hangingPunct="1">
-              <a:lnSpc>
-                <a:spcPct val="90000"/>
-              </a:lnSpc>
-              <a:spcBef>
-                <a:spcPct val="30000"/>
-              </a:spcBef>
-              <a:spcAft>
-                <a:spcPts val="450"/>
-              </a:spcAft>
-              <a:buClrTx/>
-              <a:buSzTx/>
-              <a:buFontTx/>
-              <a:buNone/>
-              <a:tabLst/>
-              <a:defRPr/>
-            </a:pPr>
-            <a:endParaRPr lang="en-US" baseline="0" dirty="0" smtClean="0"/>
-          </a:p>
-          <a:p>
-            <a:pPr marL="0" marR="0" indent="0" algn="l" defTabSz="1217613" rtl="0" eaLnBrk="1" fontAlgn="base" latinLnBrk="0" hangingPunct="1">
-              <a:lnSpc>
-                <a:spcPct val="90000"/>
-              </a:lnSpc>
-              <a:spcBef>
-                <a:spcPct val="30000"/>
-              </a:spcBef>
-              <a:spcAft>
-                <a:spcPts val="450"/>
-              </a:spcAft>
-              <a:buClrTx/>
-              <a:buSzTx/>
-              <a:buFontTx/>
-              <a:buNone/>
-              <a:tabLst/>
-              <a:defRPr/>
-            </a:pPr>
-            <a:r>
-              <a:rPr lang="en-US" baseline="0" dirty="0" smtClean="0"/>
-              <a:t>In this Windows example, the user created and moved to the C:\tmp location and then ran the above command. The </a:t>
-            </a:r>
-            <a:r>
-              <a:rPr lang="en-US" dirty="0" smtClean="0"/>
-              <a:t>IP address after the `chef@`</a:t>
-            </a:r>
-            <a:r>
-              <a:rPr lang="en-US" baseline="0" dirty="0" smtClean="0"/>
-              <a:t> is the IP address of the target node where the profile_01.zip was created.</a:t>
-            </a:r>
-          </a:p>
-        </p:txBody>
-      </p:sp>
-      <p:sp>
-        <p:nvSpPr>
-          <p:cNvPr id="4" name="Slide Number Placeholder 3"/>
-          <p:cNvSpPr>
-            <a:spLocks noGrp="1"/>
-          </p:cNvSpPr>
-          <p:nvPr>
-            <p:ph type="sldNum" sz="quarter" idx="10"/>
-          </p:nvPr>
-        </p:nvSpPr>
-        <p:spPr/>
-        <p:txBody>
-          <a:bodyPr/>
-          <a:lstStyle/>
-          <a:p>
-            <a:pPr>
-              <a:defRPr/>
-            </a:pPr>
-            <a:fld id="{DC3734AA-3150-D947-AC52-2F5DF48BFCD5}" type="slidenum">
-              <a:rPr lang="en-US" smtClean="0"/>
-              <a:pPr>
-                <a:defRPr/>
-              </a:pPr>
-              <a:t>31</a:t>
-            </a:fld>
-            <a:endParaRPr lang="en-US" dirty="0"/>
-          </a:p>
-        </p:txBody>
-      </p:sp>
-      <p:sp>
-        <p:nvSpPr>
-          <p:cNvPr id="5" name="Header Placeholder 4"/>
-          <p:cNvSpPr>
-            <a:spLocks noGrp="1"/>
-          </p:cNvSpPr>
-          <p:nvPr>
-            <p:ph type="hdr" sz="quarter" idx="11"/>
-          </p:nvPr>
-        </p:nvSpPr>
-        <p:spPr/>
-        <p:txBody>
-          <a:bodyPr/>
-          <a:lstStyle/>
-          <a:p>
-            <a:pPr>
-              <a:defRPr/>
-            </a:pPr>
-            <a:endParaRPr lang="en-US"/>
-          </a:p>
-        </p:txBody>
-      </p:sp>
-      <p:sp>
-        <p:nvSpPr>
-          <p:cNvPr id="6" name="Footer Placeholder 5"/>
-          <p:cNvSpPr>
-            <a:spLocks noGrp="1"/>
-          </p:cNvSpPr>
-          <p:nvPr>
-            <p:ph type="ftr" sz="quarter" idx="12"/>
-          </p:nvPr>
-        </p:nvSpPr>
-        <p:spPr/>
-        <p:txBody>
-          <a:bodyPr/>
-          <a:lstStyle/>
-          <a:p>
-            <a:pPr>
-              <a:defRPr/>
-            </a:pPr>
-            <a:endParaRPr lang="en-US"/>
-          </a:p>
-        </p:txBody>
-      </p:sp>
-    </p:spTree>
-    <p:extLst>
-      <p:ext uri="{BB962C8B-B14F-4D97-AF65-F5344CB8AC3E}">
-        <p14:creationId xmlns:p14="http://schemas.microsoft.com/office/powerpoint/2010/main" val="3177917486"/>
-      </p:ext>
-    </p:extLst>
-  </p:cSld>
-  <p:clrMapOvr>
-    <a:masterClrMapping/>
-  </p:clrMapOvr>
-</p:notes>
-</file>
-
-<file path=ppt/notesSlides/notesSlide29.xml><?xml version="1.0" encoding="utf-8"?>
-<p:notes xmlns:a="http://schemas.openxmlformats.org/drawingml/2006/main" xmlns:r="http://schemas.openxmlformats.org/officeDocument/2006/relationships" xmlns:p="http://schemas.openxmlformats.org/presentationml/2006/main">
-  <p:cSld>
-    <p:spTree>
-      <p:nvGrpSpPr>
-        <p:cNvPr id="1" name=""/>
-        <p:cNvGrpSpPr/>
-        <p:nvPr/>
-      </p:nvGrpSpPr>
-      <p:grpSpPr>
-        <a:xfrm>
-          <a:off x="0" y="0"/>
-          <a:ext cx="0" cy="0"/>
-          <a:chOff x="0" y="0"/>
-          <a:chExt cx="0" cy="0"/>
-        </a:xfrm>
-      </p:grpSpPr>
-      <p:sp>
-        <p:nvSpPr>
-          <p:cNvPr id="2" name="Slide Image Placeholder 1"/>
-          <p:cNvSpPr>
-            <a:spLocks noGrp="1" noRot="1" noChangeAspect="1"/>
-          </p:cNvSpPr>
-          <p:nvPr>
-            <p:ph type="sldImg"/>
-          </p:nvPr>
-        </p:nvSpPr>
-        <p:spPr/>
-      </p:sp>
-      <p:sp>
-        <p:nvSpPr>
-          <p:cNvPr id="3" name="Notes Placeholder 2"/>
-          <p:cNvSpPr>
-            <a:spLocks noGrp="1"/>
-          </p:cNvSpPr>
-          <p:nvPr>
-            <p:ph type="body" idx="1"/>
-          </p:nvPr>
-        </p:nvSpPr>
-        <p:spPr/>
-        <p:txBody>
-          <a:bodyPr>
-            <a:normAutofit/>
-          </a:bodyPr>
-          <a:lstStyle/>
-          <a:p>
-            <a:endParaRPr lang="en-US" dirty="0" smtClean="0"/>
-          </a:p>
-          <a:p>
-            <a:endParaRPr lang="en-US" dirty="0" smtClean="0"/>
-          </a:p>
-          <a:p>
-            <a:endParaRPr lang="en-US" dirty="0" smtClean="0"/>
-          </a:p>
-        </p:txBody>
-      </p:sp>
-      <p:sp>
-        <p:nvSpPr>
-          <p:cNvPr id="4" name="Slide Number Placeholder 3"/>
-          <p:cNvSpPr>
-            <a:spLocks noGrp="1"/>
-          </p:cNvSpPr>
-          <p:nvPr>
-            <p:ph type="sldNum" sz="quarter" idx="10"/>
-          </p:nvPr>
-        </p:nvSpPr>
-        <p:spPr/>
-        <p:txBody>
-          <a:bodyPr/>
-          <a:lstStyle/>
-          <a:p>
-            <a:pPr>
-              <a:defRPr/>
-            </a:pPr>
-            <a:fld id="{DC3734AA-3150-D947-AC52-2F5DF48BFCD5}" type="slidenum">
-              <a:rPr lang="en-US" smtClean="0"/>
-              <a:pPr>
-                <a:defRPr/>
-              </a:pPr>
-              <a:t>32</a:t>
-            </a:fld>
-            <a:endParaRPr lang="en-US" dirty="0"/>
-          </a:p>
-        </p:txBody>
-      </p:sp>
-      <p:sp>
-        <p:nvSpPr>
-          <p:cNvPr id="5" name="Header Placeholder 4"/>
-          <p:cNvSpPr>
-            <a:spLocks noGrp="1"/>
-          </p:cNvSpPr>
-          <p:nvPr>
-            <p:ph type="hdr" sz="quarter" idx="11"/>
-          </p:nvPr>
-        </p:nvSpPr>
-        <p:spPr/>
-        <p:txBody>
-          <a:bodyPr/>
-          <a:lstStyle/>
-          <a:p>
-            <a:pPr>
-              <a:defRPr/>
-            </a:pPr>
-            <a:endParaRPr lang="en-US"/>
-          </a:p>
-        </p:txBody>
-      </p:sp>
-      <p:sp>
-        <p:nvSpPr>
-          <p:cNvPr id="6" name="Footer Placeholder 5"/>
-          <p:cNvSpPr>
-            <a:spLocks noGrp="1"/>
-          </p:cNvSpPr>
-          <p:nvPr>
-            <p:ph type="ftr" sz="quarter" idx="12"/>
-          </p:nvPr>
-        </p:nvSpPr>
-        <p:spPr/>
-        <p:txBody>
-          <a:bodyPr/>
-          <a:lstStyle/>
-          <a:p>
-            <a:pPr>
-              <a:defRPr/>
-            </a:pPr>
-            <a:endParaRPr lang="en-US"/>
-          </a:p>
-        </p:txBody>
-      </p:sp>
-    </p:spTree>
-    <p:extLst>
-      <p:ext uri="{BB962C8B-B14F-4D97-AF65-F5344CB8AC3E}">
-        <p14:creationId xmlns:p14="http://schemas.microsoft.com/office/powerpoint/2010/main" val="621470605"/>
+        <p14:creationId xmlns:p14="http://schemas.microsoft.com/office/powerpoint/2010/main" val="2235935683"/>
       </p:ext>
     </p:extLst>
   </p:cSld>
@@ -5723,1714 +3786,6 @@
     <p:extLst>
       <p:ext uri="{BB962C8B-B14F-4D97-AF65-F5344CB8AC3E}">
         <p14:creationId xmlns:p14="http://schemas.microsoft.com/office/powerpoint/2010/main" val="2328116393"/>
-      </p:ext>
-    </p:extLst>
-  </p:cSld>
-  <p:clrMapOvr>
-    <a:masterClrMapping/>
-  </p:clrMapOvr>
-</p:notes>
-</file>
-
-<file path=ppt/notesSlides/notesSlide30.xml><?xml version="1.0" encoding="utf-8"?>
-<p:notes xmlns:a="http://schemas.openxmlformats.org/drawingml/2006/main" xmlns:r="http://schemas.openxmlformats.org/officeDocument/2006/relationships" xmlns:p="http://schemas.openxmlformats.org/presentationml/2006/main">
-  <p:cSld>
-    <p:spTree>
-      <p:nvGrpSpPr>
-        <p:cNvPr id="1" name=""/>
-        <p:cNvGrpSpPr/>
-        <p:nvPr/>
-      </p:nvGrpSpPr>
-      <p:grpSpPr>
-        <a:xfrm>
-          <a:off x="0" y="0"/>
-          <a:ext cx="0" cy="0"/>
-          <a:chOff x="0" y="0"/>
-          <a:chExt cx="0" cy="0"/>
-        </a:xfrm>
-      </p:grpSpPr>
-      <p:sp>
-        <p:nvSpPr>
-          <p:cNvPr id="2" name="Slide Image Placeholder 1"/>
-          <p:cNvSpPr>
-            <a:spLocks noGrp="1" noRot="1" noChangeAspect="1"/>
-          </p:cNvSpPr>
-          <p:nvPr>
-            <p:ph type="sldImg"/>
-          </p:nvPr>
-        </p:nvSpPr>
-        <p:spPr/>
-      </p:sp>
-      <p:sp>
-        <p:nvSpPr>
-          <p:cNvPr id="3" name="Notes Placeholder 2"/>
-          <p:cNvSpPr>
-            <a:spLocks noGrp="1"/>
-          </p:cNvSpPr>
-          <p:nvPr>
-            <p:ph type="body" idx="1"/>
-          </p:nvPr>
-        </p:nvSpPr>
-        <p:spPr/>
-        <p:txBody>
-          <a:bodyPr>
-            <a:normAutofit/>
-          </a:bodyPr>
-          <a:lstStyle/>
-          <a:p>
-            <a:endParaRPr lang="en-US" dirty="0" smtClean="0"/>
-          </a:p>
-          <a:p>
-            <a:endParaRPr lang="en-US" dirty="0" smtClean="0"/>
-          </a:p>
-          <a:p>
-            <a:endParaRPr lang="en-US" dirty="0" smtClean="0"/>
-          </a:p>
-        </p:txBody>
-      </p:sp>
-      <p:sp>
-        <p:nvSpPr>
-          <p:cNvPr id="4" name="Slide Number Placeholder 3"/>
-          <p:cNvSpPr>
-            <a:spLocks noGrp="1"/>
-          </p:cNvSpPr>
-          <p:nvPr>
-            <p:ph type="sldNum" sz="quarter" idx="10"/>
-          </p:nvPr>
-        </p:nvSpPr>
-        <p:spPr/>
-        <p:txBody>
-          <a:bodyPr/>
-          <a:lstStyle/>
-          <a:p>
-            <a:pPr>
-              <a:defRPr/>
-            </a:pPr>
-            <a:fld id="{DC3734AA-3150-D947-AC52-2F5DF48BFCD5}" type="slidenum">
-              <a:rPr lang="en-US" smtClean="0"/>
-              <a:pPr>
-                <a:defRPr/>
-              </a:pPr>
-              <a:t>33</a:t>
-            </a:fld>
-            <a:endParaRPr lang="en-US" dirty="0"/>
-          </a:p>
-        </p:txBody>
-      </p:sp>
-      <p:sp>
-        <p:nvSpPr>
-          <p:cNvPr id="5" name="Header Placeholder 4"/>
-          <p:cNvSpPr>
-            <a:spLocks noGrp="1"/>
-          </p:cNvSpPr>
-          <p:nvPr>
-            <p:ph type="hdr" sz="quarter" idx="11"/>
-          </p:nvPr>
-        </p:nvSpPr>
-        <p:spPr/>
-        <p:txBody>
-          <a:bodyPr/>
-          <a:lstStyle/>
-          <a:p>
-            <a:pPr>
-              <a:defRPr/>
-            </a:pPr>
-            <a:endParaRPr lang="en-US"/>
-          </a:p>
-        </p:txBody>
-      </p:sp>
-      <p:sp>
-        <p:nvSpPr>
-          <p:cNvPr id="6" name="Footer Placeholder 5"/>
-          <p:cNvSpPr>
-            <a:spLocks noGrp="1"/>
-          </p:cNvSpPr>
-          <p:nvPr>
-            <p:ph type="ftr" sz="quarter" idx="12"/>
-          </p:nvPr>
-        </p:nvSpPr>
-        <p:spPr/>
-        <p:txBody>
-          <a:bodyPr/>
-          <a:lstStyle/>
-          <a:p>
-            <a:pPr>
-              <a:defRPr/>
-            </a:pPr>
-            <a:endParaRPr lang="en-US"/>
-          </a:p>
-        </p:txBody>
-      </p:sp>
-    </p:spTree>
-    <p:extLst>
-      <p:ext uri="{BB962C8B-B14F-4D97-AF65-F5344CB8AC3E}">
-        <p14:creationId xmlns:p14="http://schemas.microsoft.com/office/powerpoint/2010/main" val="1582936886"/>
-      </p:ext>
-    </p:extLst>
-  </p:cSld>
-  <p:clrMapOvr>
-    <a:masterClrMapping/>
-  </p:clrMapOvr>
-</p:notes>
-</file>
-
-<file path=ppt/notesSlides/notesSlide31.xml><?xml version="1.0" encoding="utf-8"?>
-<p:notes xmlns:a="http://schemas.openxmlformats.org/drawingml/2006/main" xmlns:r="http://schemas.openxmlformats.org/officeDocument/2006/relationships" xmlns:p="http://schemas.openxmlformats.org/presentationml/2006/main">
-  <p:cSld>
-    <p:spTree>
-      <p:nvGrpSpPr>
-        <p:cNvPr id="1" name=""/>
-        <p:cNvGrpSpPr/>
-        <p:nvPr/>
-      </p:nvGrpSpPr>
-      <p:grpSpPr>
-        <a:xfrm>
-          <a:off x="0" y="0"/>
-          <a:ext cx="0" cy="0"/>
-          <a:chOff x="0" y="0"/>
-          <a:chExt cx="0" cy="0"/>
-        </a:xfrm>
-      </p:grpSpPr>
-      <p:sp>
-        <p:nvSpPr>
-          <p:cNvPr id="2" name="Slide Image Placeholder 1"/>
-          <p:cNvSpPr>
-            <a:spLocks noGrp="1" noRot="1" noChangeAspect="1"/>
-          </p:cNvSpPr>
-          <p:nvPr>
-            <p:ph type="sldImg"/>
-          </p:nvPr>
-        </p:nvSpPr>
-        <p:spPr/>
-      </p:sp>
-      <p:sp>
-        <p:nvSpPr>
-          <p:cNvPr id="3" name="Notes Placeholder 2"/>
-          <p:cNvSpPr>
-            <a:spLocks noGrp="1"/>
-          </p:cNvSpPr>
-          <p:nvPr>
-            <p:ph type="body" idx="1"/>
-          </p:nvPr>
-        </p:nvSpPr>
-        <p:spPr/>
-        <p:txBody>
-          <a:bodyPr>
-            <a:normAutofit/>
-          </a:bodyPr>
-          <a:lstStyle/>
-          <a:p>
-            <a:endParaRPr lang="en-US" dirty="0" smtClean="0"/>
-          </a:p>
-          <a:p>
-            <a:endParaRPr lang="en-US" dirty="0" smtClean="0"/>
-          </a:p>
-          <a:p>
-            <a:endParaRPr lang="en-US" dirty="0" smtClean="0"/>
-          </a:p>
-        </p:txBody>
-      </p:sp>
-      <p:sp>
-        <p:nvSpPr>
-          <p:cNvPr id="4" name="Slide Number Placeholder 3"/>
-          <p:cNvSpPr>
-            <a:spLocks noGrp="1"/>
-          </p:cNvSpPr>
-          <p:nvPr>
-            <p:ph type="sldNum" sz="quarter" idx="10"/>
-          </p:nvPr>
-        </p:nvSpPr>
-        <p:spPr/>
-        <p:txBody>
-          <a:bodyPr/>
-          <a:lstStyle/>
-          <a:p>
-            <a:pPr>
-              <a:defRPr/>
-            </a:pPr>
-            <a:fld id="{DC3734AA-3150-D947-AC52-2F5DF48BFCD5}" type="slidenum">
-              <a:rPr lang="en-US" smtClean="0"/>
-              <a:pPr>
-                <a:defRPr/>
-              </a:pPr>
-              <a:t>34</a:t>
-            </a:fld>
-            <a:endParaRPr lang="en-US" dirty="0"/>
-          </a:p>
-        </p:txBody>
-      </p:sp>
-      <p:sp>
-        <p:nvSpPr>
-          <p:cNvPr id="5" name="Header Placeholder 4"/>
-          <p:cNvSpPr>
-            <a:spLocks noGrp="1"/>
-          </p:cNvSpPr>
-          <p:nvPr>
-            <p:ph type="hdr" sz="quarter" idx="11"/>
-          </p:nvPr>
-        </p:nvSpPr>
-        <p:spPr/>
-        <p:txBody>
-          <a:bodyPr/>
-          <a:lstStyle/>
-          <a:p>
-            <a:pPr>
-              <a:defRPr/>
-            </a:pPr>
-            <a:endParaRPr lang="en-US"/>
-          </a:p>
-        </p:txBody>
-      </p:sp>
-      <p:sp>
-        <p:nvSpPr>
-          <p:cNvPr id="6" name="Footer Placeholder 5"/>
-          <p:cNvSpPr>
-            <a:spLocks noGrp="1"/>
-          </p:cNvSpPr>
-          <p:nvPr>
-            <p:ph type="ftr" sz="quarter" idx="12"/>
-          </p:nvPr>
-        </p:nvSpPr>
-        <p:spPr/>
-        <p:txBody>
-          <a:bodyPr/>
-          <a:lstStyle/>
-          <a:p>
-            <a:pPr>
-              <a:defRPr/>
-            </a:pPr>
-            <a:endParaRPr lang="en-US"/>
-          </a:p>
-        </p:txBody>
-      </p:sp>
-    </p:spTree>
-    <p:extLst>
-      <p:ext uri="{BB962C8B-B14F-4D97-AF65-F5344CB8AC3E}">
-        <p14:creationId xmlns:p14="http://schemas.microsoft.com/office/powerpoint/2010/main" val="1374099120"/>
-      </p:ext>
-    </p:extLst>
-  </p:cSld>
-  <p:clrMapOvr>
-    <a:masterClrMapping/>
-  </p:clrMapOvr>
-</p:notes>
-</file>
-
-<file path=ppt/notesSlides/notesSlide32.xml><?xml version="1.0" encoding="utf-8"?>
-<p:notes xmlns:a="http://schemas.openxmlformats.org/drawingml/2006/main" xmlns:r="http://schemas.openxmlformats.org/officeDocument/2006/relationships" xmlns:p="http://schemas.openxmlformats.org/presentationml/2006/main">
-  <p:cSld>
-    <p:spTree>
-      <p:nvGrpSpPr>
-        <p:cNvPr id="1" name=""/>
-        <p:cNvGrpSpPr/>
-        <p:nvPr/>
-      </p:nvGrpSpPr>
-      <p:grpSpPr>
-        <a:xfrm>
-          <a:off x="0" y="0"/>
-          <a:ext cx="0" cy="0"/>
-          <a:chOff x="0" y="0"/>
-          <a:chExt cx="0" cy="0"/>
-        </a:xfrm>
-      </p:grpSpPr>
-      <p:sp>
-        <p:nvSpPr>
-          <p:cNvPr id="2" name="Slide Image Placeholder 1"/>
-          <p:cNvSpPr>
-            <a:spLocks noGrp="1" noRot="1" noChangeAspect="1"/>
-          </p:cNvSpPr>
-          <p:nvPr>
-            <p:ph type="sldImg"/>
-          </p:nvPr>
-        </p:nvSpPr>
-        <p:spPr/>
-      </p:sp>
-      <p:sp>
-        <p:nvSpPr>
-          <p:cNvPr id="3" name="Notes Placeholder 2"/>
-          <p:cNvSpPr>
-            <a:spLocks noGrp="1"/>
-          </p:cNvSpPr>
-          <p:nvPr>
-            <p:ph type="body" idx="1"/>
-          </p:nvPr>
-        </p:nvSpPr>
-        <p:spPr/>
-        <p:txBody>
-          <a:bodyPr>
-            <a:normAutofit/>
-          </a:bodyPr>
-          <a:lstStyle/>
-          <a:p>
-            <a:r>
-              <a:rPr lang="en-US" dirty="0" smtClean="0"/>
-              <a:t>Since you are logged</a:t>
-            </a:r>
-            <a:r>
-              <a:rPr lang="en-US" baseline="0" dirty="0" smtClean="0"/>
-              <a:t> </a:t>
-            </a:r>
-            <a:r>
-              <a:rPr lang="en-US" baseline="0" dirty="0" smtClean="0"/>
-              <a:t>in to </a:t>
-            </a:r>
-            <a:r>
-              <a:rPr lang="en-US" baseline="0" dirty="0" smtClean="0"/>
-              <a:t>the Chef Compliance UI as 'admin', your profile is called 'admin/profile' on the 'Scan nodes' page. </a:t>
-            </a:r>
-          </a:p>
-          <a:p>
-            <a:endParaRPr lang="en-US" baseline="0" dirty="0" smtClean="0"/>
-          </a:p>
-          <a:p>
-            <a:pPr marL="0" marR="0" indent="0" algn="l" defTabSz="1217613" rtl="0" eaLnBrk="1" fontAlgn="base" latinLnBrk="0" hangingPunct="1">
-              <a:lnSpc>
-                <a:spcPct val="90000"/>
-              </a:lnSpc>
-              <a:spcBef>
-                <a:spcPct val="30000"/>
-              </a:spcBef>
-              <a:spcAft>
-                <a:spcPts val="450"/>
-              </a:spcAft>
-              <a:buClrTx/>
-              <a:buSzTx/>
-              <a:buFontTx/>
-              <a:buNone/>
-              <a:tabLst/>
-              <a:defRPr/>
-            </a:pPr>
-            <a:r>
-              <a:rPr lang="en-US" baseline="0" dirty="0" smtClean="0"/>
-              <a:t>Instructor Note: Regarding this note above--`</a:t>
-            </a:r>
-            <a:r>
-              <a:rPr lang="en-US" b="1" dirty="0" smtClean="0"/>
-              <a:t>Note</a:t>
-            </a:r>
-            <a:r>
-              <a:rPr lang="en-US" dirty="0" smtClean="0"/>
-              <a:t>: The profile name in this view is based on the name space in your metadata.rb.`--</a:t>
-            </a:r>
-            <a:r>
-              <a:rPr lang="en-US" baseline="0" dirty="0" smtClean="0"/>
-              <a:t>the compliance team may have improved that Compliance profile name field on the "Scan nodes" page by now to include whatever is the </a:t>
-            </a:r>
-            <a:r>
-              <a:rPr lang="en-US" dirty="0" smtClean="0">
-                <a:effectLst/>
-              </a:rPr>
-              <a:t>`</a:t>
-            </a:r>
-            <a:r>
-              <a:rPr lang="en-US" dirty="0" smtClean="0"/>
-              <a:t>title</a:t>
-            </a:r>
-            <a:r>
-              <a:rPr lang="en-US" dirty="0" smtClean="0">
-                <a:effectLst/>
-              </a:rPr>
-              <a:t>` </a:t>
-            </a:r>
-            <a:r>
-              <a:rPr lang="en-US" sz="1200" b="0" i="0" kern="1200" dirty="0" smtClean="0">
-                <a:solidFill>
-                  <a:schemeClr val="tx1"/>
-                </a:solidFill>
-                <a:effectLst/>
-                <a:latin typeface="Arial" panose="020B0604020202020204" pitchFamily="34" charset="0"/>
-                <a:ea typeface="ＭＳ Ｐゴシック" charset="0"/>
-                <a:cs typeface="Arial" panose="020B0604020202020204" pitchFamily="34" charset="0"/>
-              </a:rPr>
-              <a:t>value from the metadata.rb. Therefore it would match the name as displayed in the Compliance profiles</a:t>
-            </a:r>
-            <a:r>
-              <a:rPr lang="en-US" sz="1200" b="0" i="0" kern="1200" baseline="0" dirty="0" smtClean="0">
-                <a:solidFill>
-                  <a:schemeClr val="tx1"/>
-                </a:solidFill>
-                <a:effectLst/>
-                <a:latin typeface="Arial" panose="020B0604020202020204" pitchFamily="34" charset="0"/>
-                <a:ea typeface="ＭＳ Ｐゴシック" charset="0"/>
-                <a:cs typeface="Arial" panose="020B0604020202020204" pitchFamily="34" charset="0"/>
-              </a:rPr>
-              <a:t> </a:t>
-            </a:r>
-            <a:r>
-              <a:rPr lang="en-US" sz="1200" b="0" i="0" kern="1200" dirty="0" smtClean="0">
-                <a:solidFill>
-                  <a:schemeClr val="tx1"/>
-                </a:solidFill>
-                <a:effectLst/>
-                <a:latin typeface="Arial" panose="020B0604020202020204" pitchFamily="34" charset="0"/>
-                <a:ea typeface="ＭＳ Ｐゴシック" charset="0"/>
-                <a:cs typeface="Arial" panose="020B0604020202020204" pitchFamily="34" charset="0"/>
-              </a:rPr>
-              <a:t>page.</a:t>
-            </a:r>
-            <a:endParaRPr lang="en-US" dirty="0" smtClean="0"/>
-          </a:p>
-          <a:p>
-            <a:endParaRPr lang="en-US" dirty="0" smtClean="0"/>
-          </a:p>
-          <a:p>
-            <a:endParaRPr lang="en-US" dirty="0" smtClean="0"/>
-          </a:p>
-        </p:txBody>
-      </p:sp>
-      <p:sp>
-        <p:nvSpPr>
-          <p:cNvPr id="4" name="Slide Number Placeholder 3"/>
-          <p:cNvSpPr>
-            <a:spLocks noGrp="1"/>
-          </p:cNvSpPr>
-          <p:nvPr>
-            <p:ph type="sldNum" sz="quarter" idx="10"/>
-          </p:nvPr>
-        </p:nvSpPr>
-        <p:spPr/>
-        <p:txBody>
-          <a:bodyPr/>
-          <a:lstStyle/>
-          <a:p>
-            <a:pPr>
-              <a:defRPr/>
-            </a:pPr>
-            <a:fld id="{DC3734AA-3150-D947-AC52-2F5DF48BFCD5}" type="slidenum">
-              <a:rPr lang="en-US" smtClean="0"/>
-              <a:pPr>
-                <a:defRPr/>
-              </a:pPr>
-              <a:t>35</a:t>
-            </a:fld>
-            <a:endParaRPr lang="en-US" dirty="0"/>
-          </a:p>
-        </p:txBody>
-      </p:sp>
-      <p:sp>
-        <p:nvSpPr>
-          <p:cNvPr id="5" name="Header Placeholder 4"/>
-          <p:cNvSpPr>
-            <a:spLocks noGrp="1"/>
-          </p:cNvSpPr>
-          <p:nvPr>
-            <p:ph type="hdr" sz="quarter" idx="11"/>
-          </p:nvPr>
-        </p:nvSpPr>
-        <p:spPr/>
-        <p:txBody>
-          <a:bodyPr/>
-          <a:lstStyle/>
-          <a:p>
-            <a:pPr>
-              <a:defRPr/>
-            </a:pPr>
-            <a:endParaRPr lang="en-US"/>
-          </a:p>
-        </p:txBody>
-      </p:sp>
-      <p:sp>
-        <p:nvSpPr>
-          <p:cNvPr id="6" name="Footer Placeholder 5"/>
-          <p:cNvSpPr>
-            <a:spLocks noGrp="1"/>
-          </p:cNvSpPr>
-          <p:nvPr>
-            <p:ph type="ftr" sz="quarter" idx="12"/>
-          </p:nvPr>
-        </p:nvSpPr>
-        <p:spPr/>
-        <p:txBody>
-          <a:bodyPr/>
-          <a:lstStyle/>
-          <a:p>
-            <a:pPr>
-              <a:defRPr/>
-            </a:pPr>
-            <a:endParaRPr lang="en-US"/>
-          </a:p>
-        </p:txBody>
-      </p:sp>
-    </p:spTree>
-    <p:extLst>
-      <p:ext uri="{BB962C8B-B14F-4D97-AF65-F5344CB8AC3E}">
-        <p14:creationId xmlns:p14="http://schemas.microsoft.com/office/powerpoint/2010/main" val="2291975385"/>
-      </p:ext>
-    </p:extLst>
-  </p:cSld>
-  <p:clrMapOvr>
-    <a:masterClrMapping/>
-  </p:clrMapOvr>
-</p:notes>
-</file>
-
-<file path=ppt/notesSlides/notesSlide33.xml><?xml version="1.0" encoding="utf-8"?>
-<p:notes xmlns:a="http://schemas.openxmlformats.org/drawingml/2006/main" xmlns:r="http://schemas.openxmlformats.org/officeDocument/2006/relationships" xmlns:p="http://schemas.openxmlformats.org/presentationml/2006/main">
-  <p:cSld>
-    <p:spTree>
-      <p:nvGrpSpPr>
-        <p:cNvPr id="1" name=""/>
-        <p:cNvGrpSpPr/>
-        <p:nvPr/>
-      </p:nvGrpSpPr>
-      <p:grpSpPr>
-        <a:xfrm>
-          <a:off x="0" y="0"/>
-          <a:ext cx="0" cy="0"/>
-          <a:chOff x="0" y="0"/>
-          <a:chExt cx="0" cy="0"/>
-        </a:xfrm>
-      </p:grpSpPr>
-      <p:sp>
-        <p:nvSpPr>
-          <p:cNvPr id="2" name="Slide Image Placeholder 1"/>
-          <p:cNvSpPr>
-            <a:spLocks noGrp="1" noRot="1" noChangeAspect="1"/>
-          </p:cNvSpPr>
-          <p:nvPr>
-            <p:ph type="sldImg"/>
-          </p:nvPr>
-        </p:nvSpPr>
-        <p:spPr/>
-      </p:sp>
-      <p:sp>
-        <p:nvSpPr>
-          <p:cNvPr id="3" name="Notes Placeholder 2"/>
-          <p:cNvSpPr>
-            <a:spLocks noGrp="1"/>
-          </p:cNvSpPr>
-          <p:nvPr>
-            <p:ph type="body" idx="1"/>
-          </p:nvPr>
-        </p:nvSpPr>
-        <p:spPr/>
-        <p:txBody>
-          <a:bodyPr>
-            <a:normAutofit/>
-          </a:bodyPr>
-          <a:lstStyle/>
-          <a:p>
-            <a:pPr marL="0" marR="0" indent="0" algn="l" defTabSz="1217613" rtl="0" eaLnBrk="1" fontAlgn="base" latinLnBrk="0" hangingPunct="1">
-              <a:lnSpc>
-                <a:spcPct val="90000"/>
-              </a:lnSpc>
-              <a:spcBef>
-                <a:spcPct val="30000"/>
-              </a:spcBef>
-              <a:spcAft>
-                <a:spcPts val="450"/>
-              </a:spcAft>
-              <a:buClrTx/>
-              <a:buSzTx/>
-              <a:buFontTx/>
-              <a:buNone/>
-              <a:tabLst/>
-              <a:defRPr/>
-            </a:pPr>
-            <a:r>
-              <a:rPr lang="en-US" dirty="0" smtClean="0"/>
-              <a:t>The results of your scan should look like this example.</a:t>
-            </a:r>
-          </a:p>
-          <a:p>
-            <a:endParaRPr lang="en-US" dirty="0" smtClean="0"/>
-          </a:p>
-          <a:p>
-            <a:r>
-              <a:rPr lang="en-US" dirty="0" smtClean="0"/>
-              <a:t>In this case, the scan should show a critical issue because /etc/</a:t>
-            </a:r>
-            <a:r>
-              <a:rPr lang="en-US" dirty="0" err="1" smtClean="0"/>
-              <a:t>sysconfig</a:t>
-            </a:r>
-            <a:r>
-              <a:rPr lang="en-US" dirty="0" smtClean="0"/>
-              <a:t>/</a:t>
-            </a:r>
-            <a:r>
-              <a:rPr lang="en-US" dirty="0" err="1" smtClean="0"/>
-              <a:t>init</a:t>
-            </a:r>
-            <a:r>
-              <a:rPr lang="en-US" baseline="0" dirty="0" smtClean="0"/>
-              <a:t> does not set </a:t>
-            </a:r>
-            <a:r>
-              <a:rPr lang="en-US" dirty="0" err="1" smtClean="0"/>
-              <a:t>umask</a:t>
-            </a:r>
-            <a:r>
-              <a:rPr lang="en-US" dirty="0" smtClean="0"/>
-              <a:t> to 027.</a:t>
-            </a:r>
-          </a:p>
-          <a:p>
-            <a:endParaRPr lang="en-US" dirty="0" smtClean="0"/>
-          </a:p>
-          <a:p>
-            <a:r>
-              <a:rPr lang="en-US" dirty="0" smtClean="0"/>
-              <a:t>In the workplace you would want to write a recipe to remediate the /etc/</a:t>
-            </a:r>
-            <a:r>
-              <a:rPr lang="en-US" dirty="0" err="1" smtClean="0"/>
-              <a:t>sysconfig</a:t>
-            </a:r>
-            <a:r>
-              <a:rPr lang="en-US" dirty="0" smtClean="0"/>
-              <a:t>/</a:t>
-            </a:r>
-            <a:r>
-              <a:rPr lang="en-US" dirty="0" err="1" smtClean="0"/>
-              <a:t>init</a:t>
-            </a:r>
-            <a:r>
-              <a:rPr lang="en-US" baseline="0" dirty="0" smtClean="0"/>
-              <a:t> </a:t>
-            </a:r>
-            <a:r>
-              <a:rPr lang="en-US" dirty="0" err="1" smtClean="0"/>
-              <a:t>umask</a:t>
-            </a:r>
-            <a:r>
-              <a:rPr lang="en-US" dirty="0" smtClean="0"/>
-              <a:t> issue</a:t>
-            </a:r>
-            <a:r>
-              <a:rPr lang="en-US" baseline="0" dirty="0" smtClean="0"/>
-              <a:t> and then you could run the scan again to ensure you have corrected the issue.</a:t>
-            </a:r>
-          </a:p>
-          <a:p>
-            <a:endParaRPr lang="en-US" baseline="0" dirty="0" smtClean="0"/>
-          </a:p>
-          <a:p>
-            <a:r>
-              <a:rPr lang="en-US" baseline="0" dirty="0" smtClean="0"/>
-              <a:t>For example, your remediation recipe should add this line to </a:t>
-            </a:r>
-            <a:r>
-              <a:rPr lang="en-US" dirty="0" smtClean="0"/>
-              <a:t>/etc/</a:t>
-            </a:r>
-            <a:r>
-              <a:rPr lang="en-US" dirty="0" err="1" smtClean="0"/>
-              <a:t>sysconfig</a:t>
-            </a:r>
-            <a:r>
-              <a:rPr lang="en-US" dirty="0" smtClean="0"/>
-              <a:t>/</a:t>
-            </a:r>
-            <a:r>
-              <a:rPr lang="en-US" dirty="0" err="1" smtClean="0"/>
-              <a:t>init</a:t>
-            </a:r>
-            <a:r>
-              <a:rPr lang="en-US" baseline="0" dirty="0" smtClean="0"/>
-              <a:t>:</a:t>
-            </a:r>
-            <a:br>
-              <a:rPr lang="en-US" baseline="0" dirty="0" smtClean="0"/>
-            </a:br>
-            <a:r>
-              <a:rPr lang="en-US" baseline="0" dirty="0" smtClean="0"/>
-              <a:t/>
-            </a:r>
-            <a:br>
-              <a:rPr lang="en-US" baseline="0" dirty="0" smtClean="0"/>
-            </a:br>
-            <a:r>
-              <a:rPr lang="en-US" baseline="0" dirty="0" err="1" smtClean="0"/>
-              <a:t>umask</a:t>
-            </a:r>
-            <a:r>
-              <a:rPr lang="en-US" baseline="0" dirty="0" smtClean="0"/>
-              <a:t> 027</a:t>
-            </a:r>
-            <a:endParaRPr lang="en-US" dirty="0" smtClean="0"/>
-          </a:p>
-          <a:p>
-            <a:endParaRPr lang="en-US" dirty="0" smtClean="0"/>
-          </a:p>
-          <a:p>
-            <a:endParaRPr lang="en-US" dirty="0" smtClean="0"/>
-          </a:p>
-        </p:txBody>
-      </p:sp>
-      <p:sp>
-        <p:nvSpPr>
-          <p:cNvPr id="4" name="Slide Number Placeholder 3"/>
-          <p:cNvSpPr>
-            <a:spLocks noGrp="1"/>
-          </p:cNvSpPr>
-          <p:nvPr>
-            <p:ph type="sldNum" sz="quarter" idx="10"/>
-          </p:nvPr>
-        </p:nvSpPr>
-        <p:spPr/>
-        <p:txBody>
-          <a:bodyPr/>
-          <a:lstStyle/>
-          <a:p>
-            <a:pPr>
-              <a:defRPr/>
-            </a:pPr>
-            <a:fld id="{DC3734AA-3150-D947-AC52-2F5DF48BFCD5}" type="slidenum">
-              <a:rPr lang="en-US" smtClean="0"/>
-              <a:pPr>
-                <a:defRPr/>
-              </a:pPr>
-              <a:t>36</a:t>
-            </a:fld>
-            <a:endParaRPr lang="en-US" dirty="0"/>
-          </a:p>
-        </p:txBody>
-      </p:sp>
-      <p:sp>
-        <p:nvSpPr>
-          <p:cNvPr id="5" name="Header Placeholder 4"/>
-          <p:cNvSpPr>
-            <a:spLocks noGrp="1"/>
-          </p:cNvSpPr>
-          <p:nvPr>
-            <p:ph type="hdr" sz="quarter" idx="11"/>
-          </p:nvPr>
-        </p:nvSpPr>
-        <p:spPr/>
-        <p:txBody>
-          <a:bodyPr/>
-          <a:lstStyle/>
-          <a:p>
-            <a:pPr>
-              <a:defRPr/>
-            </a:pPr>
-            <a:endParaRPr lang="en-US"/>
-          </a:p>
-        </p:txBody>
-      </p:sp>
-      <p:sp>
-        <p:nvSpPr>
-          <p:cNvPr id="6" name="Footer Placeholder 5"/>
-          <p:cNvSpPr>
-            <a:spLocks noGrp="1"/>
-          </p:cNvSpPr>
-          <p:nvPr>
-            <p:ph type="ftr" sz="quarter" idx="12"/>
-          </p:nvPr>
-        </p:nvSpPr>
-        <p:spPr/>
-        <p:txBody>
-          <a:bodyPr/>
-          <a:lstStyle/>
-          <a:p>
-            <a:pPr>
-              <a:defRPr/>
-            </a:pPr>
-            <a:endParaRPr lang="en-US"/>
-          </a:p>
-        </p:txBody>
-      </p:sp>
-    </p:spTree>
-    <p:extLst>
-      <p:ext uri="{BB962C8B-B14F-4D97-AF65-F5344CB8AC3E}">
-        <p14:creationId xmlns:p14="http://schemas.microsoft.com/office/powerpoint/2010/main" val="1594543438"/>
-      </p:ext>
-    </p:extLst>
-  </p:cSld>
-  <p:clrMapOvr>
-    <a:masterClrMapping/>
-  </p:clrMapOvr>
-</p:notes>
-</file>
-
-<file path=ppt/notesSlides/notesSlide34.xml><?xml version="1.0" encoding="utf-8"?>
-<p:notes xmlns:a="http://schemas.openxmlformats.org/drawingml/2006/main" xmlns:r="http://schemas.openxmlformats.org/officeDocument/2006/relationships" xmlns:p="http://schemas.openxmlformats.org/presentationml/2006/main">
-  <p:cSld>
-    <p:spTree>
-      <p:nvGrpSpPr>
-        <p:cNvPr id="1" name=""/>
-        <p:cNvGrpSpPr/>
-        <p:nvPr/>
-      </p:nvGrpSpPr>
-      <p:grpSpPr>
-        <a:xfrm>
-          <a:off x="0" y="0"/>
-          <a:ext cx="0" cy="0"/>
-          <a:chOff x="0" y="0"/>
-          <a:chExt cx="0" cy="0"/>
-        </a:xfrm>
-      </p:grpSpPr>
-      <p:sp>
-        <p:nvSpPr>
-          <p:cNvPr id="2" name="Slide Image Placeholder 1"/>
-          <p:cNvSpPr>
-            <a:spLocks noGrp="1" noRot="1" noChangeAspect="1"/>
-          </p:cNvSpPr>
-          <p:nvPr>
-            <p:ph type="sldImg"/>
-          </p:nvPr>
-        </p:nvSpPr>
-        <p:spPr/>
-      </p:sp>
-      <p:sp>
-        <p:nvSpPr>
-          <p:cNvPr id="3" name="Notes Placeholder 2"/>
-          <p:cNvSpPr>
-            <a:spLocks noGrp="1"/>
-          </p:cNvSpPr>
-          <p:nvPr>
-            <p:ph type="body" idx="1"/>
-          </p:nvPr>
-        </p:nvSpPr>
-        <p:spPr/>
-        <p:txBody>
-          <a:bodyPr>
-            <a:normAutofit/>
-          </a:bodyPr>
-          <a:lstStyle/>
-          <a:p>
-            <a:endParaRPr lang="en-US" dirty="0" smtClean="0"/>
-          </a:p>
-          <a:p>
-            <a:endParaRPr lang="en-US" dirty="0" smtClean="0"/>
-          </a:p>
-          <a:p>
-            <a:endParaRPr lang="en-US" dirty="0" smtClean="0"/>
-          </a:p>
-        </p:txBody>
-      </p:sp>
-      <p:sp>
-        <p:nvSpPr>
-          <p:cNvPr id="4" name="Slide Number Placeholder 3"/>
-          <p:cNvSpPr>
-            <a:spLocks noGrp="1"/>
-          </p:cNvSpPr>
-          <p:nvPr>
-            <p:ph type="sldNum" sz="quarter" idx="10"/>
-          </p:nvPr>
-        </p:nvSpPr>
-        <p:spPr/>
-        <p:txBody>
-          <a:bodyPr/>
-          <a:lstStyle/>
-          <a:p>
-            <a:pPr>
-              <a:defRPr/>
-            </a:pPr>
-            <a:fld id="{DC3734AA-3150-D947-AC52-2F5DF48BFCD5}" type="slidenum">
-              <a:rPr lang="en-US" smtClean="0"/>
-              <a:pPr>
-                <a:defRPr/>
-              </a:pPr>
-              <a:t>37</a:t>
-            </a:fld>
-            <a:endParaRPr lang="en-US" dirty="0"/>
-          </a:p>
-        </p:txBody>
-      </p:sp>
-      <p:sp>
-        <p:nvSpPr>
-          <p:cNvPr id="5" name="Header Placeholder 4"/>
-          <p:cNvSpPr>
-            <a:spLocks noGrp="1"/>
-          </p:cNvSpPr>
-          <p:nvPr>
-            <p:ph type="hdr" sz="quarter" idx="11"/>
-          </p:nvPr>
-        </p:nvSpPr>
-        <p:spPr/>
-        <p:txBody>
-          <a:bodyPr/>
-          <a:lstStyle/>
-          <a:p>
-            <a:pPr>
-              <a:defRPr/>
-            </a:pPr>
-            <a:endParaRPr lang="en-US"/>
-          </a:p>
-        </p:txBody>
-      </p:sp>
-      <p:sp>
-        <p:nvSpPr>
-          <p:cNvPr id="6" name="Footer Placeholder 5"/>
-          <p:cNvSpPr>
-            <a:spLocks noGrp="1"/>
-          </p:cNvSpPr>
-          <p:nvPr>
-            <p:ph type="ftr" sz="quarter" idx="12"/>
-          </p:nvPr>
-        </p:nvSpPr>
-        <p:spPr/>
-        <p:txBody>
-          <a:bodyPr/>
-          <a:lstStyle/>
-          <a:p>
-            <a:pPr>
-              <a:defRPr/>
-            </a:pPr>
-            <a:endParaRPr lang="en-US"/>
-          </a:p>
-        </p:txBody>
-      </p:sp>
-    </p:spTree>
-    <p:extLst>
-      <p:ext uri="{BB962C8B-B14F-4D97-AF65-F5344CB8AC3E}">
-        <p14:creationId xmlns:p14="http://schemas.microsoft.com/office/powerpoint/2010/main" val="2036843285"/>
-      </p:ext>
-    </p:extLst>
-  </p:cSld>
-  <p:clrMapOvr>
-    <a:masterClrMapping/>
-  </p:clrMapOvr>
-</p:notes>
-</file>
-
-<file path=ppt/notesSlides/notesSlide35.xml><?xml version="1.0" encoding="utf-8"?>
-<p:notes xmlns:a="http://schemas.openxmlformats.org/drawingml/2006/main" xmlns:r="http://schemas.openxmlformats.org/officeDocument/2006/relationships" xmlns:p="http://schemas.openxmlformats.org/presentationml/2006/main">
-  <p:cSld>
-    <p:spTree>
-      <p:nvGrpSpPr>
-        <p:cNvPr id="1" name=""/>
-        <p:cNvGrpSpPr/>
-        <p:nvPr/>
-      </p:nvGrpSpPr>
-      <p:grpSpPr>
-        <a:xfrm>
-          <a:off x="0" y="0"/>
-          <a:ext cx="0" cy="0"/>
-          <a:chOff x="0" y="0"/>
-          <a:chExt cx="0" cy="0"/>
-        </a:xfrm>
-      </p:grpSpPr>
-      <p:sp>
-        <p:nvSpPr>
-          <p:cNvPr id="2" name="Slide Image Placeholder 1"/>
-          <p:cNvSpPr>
-            <a:spLocks noGrp="1" noRot="1" noChangeAspect="1"/>
-          </p:cNvSpPr>
-          <p:nvPr>
-            <p:ph type="sldImg"/>
-          </p:nvPr>
-        </p:nvSpPr>
-        <p:spPr/>
-      </p:sp>
-      <p:sp>
-        <p:nvSpPr>
-          <p:cNvPr id="3" name="Notes Placeholder 2"/>
-          <p:cNvSpPr>
-            <a:spLocks noGrp="1"/>
-          </p:cNvSpPr>
-          <p:nvPr>
-            <p:ph type="body" idx="1"/>
-          </p:nvPr>
-        </p:nvSpPr>
-        <p:spPr/>
-        <p:txBody>
-          <a:bodyPr/>
-          <a:lstStyle/>
-          <a:p>
-            <a:r>
-              <a:rPr lang="en-US" dirty="0" smtClean="0"/>
-              <a:t>TBD: Do this lab as windows.</a:t>
-            </a:r>
-            <a:endParaRPr lang="en-US" dirty="0"/>
-          </a:p>
-        </p:txBody>
-      </p:sp>
-      <p:sp>
-        <p:nvSpPr>
-          <p:cNvPr id="4" name="Slide Number Placeholder 3"/>
-          <p:cNvSpPr>
-            <a:spLocks noGrp="1"/>
-          </p:cNvSpPr>
-          <p:nvPr>
-            <p:ph type="sldNum" sz="quarter" idx="10"/>
-          </p:nvPr>
-        </p:nvSpPr>
-        <p:spPr/>
-        <p:txBody>
-          <a:bodyPr/>
-          <a:lstStyle/>
-          <a:p>
-            <a:pPr>
-              <a:defRPr/>
-            </a:pPr>
-            <a:fld id="{DC3734AA-3150-D947-AC52-2F5DF48BFCD5}" type="slidenum">
-              <a:rPr lang="en-US" smtClean="0"/>
-              <a:pPr>
-                <a:defRPr/>
-              </a:pPr>
-              <a:t>38</a:t>
-            </a:fld>
-            <a:endParaRPr lang="en-US" dirty="0"/>
-          </a:p>
-        </p:txBody>
-      </p:sp>
-      <p:sp>
-        <p:nvSpPr>
-          <p:cNvPr id="5" name="Header Placeholder 4"/>
-          <p:cNvSpPr>
-            <a:spLocks noGrp="1"/>
-          </p:cNvSpPr>
-          <p:nvPr>
-            <p:ph type="hdr" sz="quarter" idx="11"/>
-          </p:nvPr>
-        </p:nvSpPr>
-        <p:spPr/>
-        <p:txBody>
-          <a:bodyPr/>
-          <a:lstStyle/>
-          <a:p>
-            <a:pPr>
-              <a:defRPr/>
-            </a:pPr>
-            <a:endParaRPr lang="en-US"/>
-          </a:p>
-        </p:txBody>
-      </p:sp>
-      <p:sp>
-        <p:nvSpPr>
-          <p:cNvPr id="6" name="Footer Placeholder 5"/>
-          <p:cNvSpPr>
-            <a:spLocks noGrp="1"/>
-          </p:cNvSpPr>
-          <p:nvPr>
-            <p:ph type="ftr" sz="quarter" idx="12"/>
-          </p:nvPr>
-        </p:nvSpPr>
-        <p:spPr/>
-        <p:txBody>
-          <a:bodyPr/>
-          <a:lstStyle/>
-          <a:p>
-            <a:pPr>
-              <a:defRPr/>
-            </a:pPr>
-            <a:endParaRPr lang="en-US"/>
-          </a:p>
-        </p:txBody>
-      </p:sp>
-    </p:spTree>
-    <p:extLst>
-      <p:ext uri="{BB962C8B-B14F-4D97-AF65-F5344CB8AC3E}">
-        <p14:creationId xmlns:p14="http://schemas.microsoft.com/office/powerpoint/2010/main" val="920071033"/>
-      </p:ext>
-    </p:extLst>
-  </p:cSld>
-  <p:clrMapOvr>
-    <a:masterClrMapping/>
-  </p:clrMapOvr>
-</p:notes>
-</file>
-
-<file path=ppt/notesSlides/notesSlide36.xml><?xml version="1.0" encoding="utf-8"?>
-<p:notes xmlns:a="http://schemas.openxmlformats.org/drawingml/2006/main" xmlns:r="http://schemas.openxmlformats.org/officeDocument/2006/relationships" xmlns:p="http://schemas.openxmlformats.org/presentationml/2006/main">
-  <p:cSld>
-    <p:spTree>
-      <p:nvGrpSpPr>
-        <p:cNvPr id="1" name=""/>
-        <p:cNvGrpSpPr/>
-        <p:nvPr/>
-      </p:nvGrpSpPr>
-      <p:grpSpPr>
-        <a:xfrm>
-          <a:off x="0" y="0"/>
-          <a:ext cx="0" cy="0"/>
-          <a:chOff x="0" y="0"/>
-          <a:chExt cx="0" cy="0"/>
-        </a:xfrm>
-      </p:grpSpPr>
-      <p:sp>
-        <p:nvSpPr>
-          <p:cNvPr id="2" name="Slide Image Placeholder 1"/>
-          <p:cNvSpPr>
-            <a:spLocks noGrp="1" noRot="1" noChangeAspect="1"/>
-          </p:cNvSpPr>
-          <p:nvPr>
-            <p:ph type="sldImg"/>
-          </p:nvPr>
-        </p:nvSpPr>
-        <p:spPr/>
-      </p:sp>
-      <p:sp>
-        <p:nvSpPr>
-          <p:cNvPr id="3" name="Notes Placeholder 2"/>
-          <p:cNvSpPr>
-            <a:spLocks noGrp="1"/>
-          </p:cNvSpPr>
-          <p:nvPr>
-            <p:ph type="body" idx="1"/>
-          </p:nvPr>
-        </p:nvSpPr>
-        <p:spPr/>
-        <p:txBody>
-          <a:bodyPr/>
-          <a:lstStyle/>
-          <a:p>
-            <a:endParaRPr lang="en-US" dirty="0"/>
-          </a:p>
-        </p:txBody>
-      </p:sp>
-      <p:sp>
-        <p:nvSpPr>
-          <p:cNvPr id="4" name="Slide Number Placeholder 3"/>
-          <p:cNvSpPr>
-            <a:spLocks noGrp="1"/>
-          </p:cNvSpPr>
-          <p:nvPr>
-            <p:ph type="sldNum" sz="quarter" idx="10"/>
-          </p:nvPr>
-        </p:nvSpPr>
-        <p:spPr/>
-        <p:txBody>
-          <a:bodyPr/>
-          <a:lstStyle/>
-          <a:p>
-            <a:pPr>
-              <a:defRPr/>
-            </a:pPr>
-            <a:fld id="{DC3734AA-3150-D947-AC52-2F5DF48BFCD5}" type="slidenum">
-              <a:rPr lang="en-US" smtClean="0"/>
-              <a:pPr>
-                <a:defRPr/>
-              </a:pPr>
-              <a:t>39</a:t>
-            </a:fld>
-            <a:endParaRPr lang="en-US" dirty="0"/>
-          </a:p>
-        </p:txBody>
-      </p:sp>
-      <p:sp>
-        <p:nvSpPr>
-          <p:cNvPr id="5" name="Header Placeholder 4"/>
-          <p:cNvSpPr>
-            <a:spLocks noGrp="1"/>
-          </p:cNvSpPr>
-          <p:nvPr>
-            <p:ph type="hdr" sz="quarter" idx="11"/>
-          </p:nvPr>
-        </p:nvSpPr>
-        <p:spPr/>
-        <p:txBody>
-          <a:bodyPr/>
-          <a:lstStyle/>
-          <a:p>
-            <a:pPr>
-              <a:defRPr/>
-            </a:pPr>
-            <a:endParaRPr lang="en-US"/>
-          </a:p>
-        </p:txBody>
-      </p:sp>
-      <p:sp>
-        <p:nvSpPr>
-          <p:cNvPr id="6" name="Footer Placeholder 5"/>
-          <p:cNvSpPr>
-            <a:spLocks noGrp="1"/>
-          </p:cNvSpPr>
-          <p:nvPr>
-            <p:ph type="ftr" sz="quarter" idx="12"/>
-          </p:nvPr>
-        </p:nvSpPr>
-        <p:spPr/>
-        <p:txBody>
-          <a:bodyPr/>
-          <a:lstStyle/>
-          <a:p>
-            <a:pPr>
-              <a:defRPr/>
-            </a:pPr>
-            <a:endParaRPr lang="en-US"/>
-          </a:p>
-        </p:txBody>
-      </p:sp>
-    </p:spTree>
-    <p:extLst>
-      <p:ext uri="{BB962C8B-B14F-4D97-AF65-F5344CB8AC3E}">
-        <p14:creationId xmlns:p14="http://schemas.microsoft.com/office/powerpoint/2010/main" val="4127888083"/>
-      </p:ext>
-    </p:extLst>
-  </p:cSld>
-  <p:clrMapOvr>
-    <a:masterClrMapping/>
-  </p:clrMapOvr>
-</p:notes>
-</file>
-
-<file path=ppt/notesSlides/notesSlide37.xml><?xml version="1.0" encoding="utf-8"?>
-<p:notes xmlns:a="http://schemas.openxmlformats.org/drawingml/2006/main" xmlns:r="http://schemas.openxmlformats.org/officeDocument/2006/relationships" xmlns:p="http://schemas.openxmlformats.org/presentationml/2006/main">
-  <p:cSld>
-    <p:spTree>
-      <p:nvGrpSpPr>
-        <p:cNvPr id="1" name=""/>
-        <p:cNvGrpSpPr/>
-        <p:nvPr/>
-      </p:nvGrpSpPr>
-      <p:grpSpPr>
-        <a:xfrm>
-          <a:off x="0" y="0"/>
-          <a:ext cx="0" cy="0"/>
-          <a:chOff x="0" y="0"/>
-          <a:chExt cx="0" cy="0"/>
-        </a:xfrm>
-      </p:grpSpPr>
-      <p:sp>
-        <p:nvSpPr>
-          <p:cNvPr id="2" name="Slide Image Placeholder 1"/>
-          <p:cNvSpPr>
-            <a:spLocks noGrp="1" noRot="1" noChangeAspect="1"/>
-          </p:cNvSpPr>
-          <p:nvPr>
-            <p:ph type="sldImg"/>
-          </p:nvPr>
-        </p:nvSpPr>
-        <p:spPr/>
-      </p:sp>
-      <p:sp>
-        <p:nvSpPr>
-          <p:cNvPr id="3" name="Notes Placeholder 2"/>
-          <p:cNvSpPr>
-            <a:spLocks noGrp="1"/>
-          </p:cNvSpPr>
-          <p:nvPr>
-            <p:ph type="body" idx="1"/>
-          </p:nvPr>
-        </p:nvSpPr>
-        <p:spPr/>
-        <p:txBody>
-          <a:bodyPr/>
-          <a:lstStyle/>
-          <a:p>
-            <a:endParaRPr lang="en-US" dirty="0"/>
-          </a:p>
-        </p:txBody>
-      </p:sp>
-      <p:sp>
-        <p:nvSpPr>
-          <p:cNvPr id="4" name="Slide Number Placeholder 3"/>
-          <p:cNvSpPr>
-            <a:spLocks noGrp="1"/>
-          </p:cNvSpPr>
-          <p:nvPr>
-            <p:ph type="sldNum" sz="quarter" idx="10"/>
-          </p:nvPr>
-        </p:nvSpPr>
-        <p:spPr/>
-        <p:txBody>
-          <a:bodyPr/>
-          <a:lstStyle/>
-          <a:p>
-            <a:pPr>
-              <a:defRPr/>
-            </a:pPr>
-            <a:fld id="{DC3734AA-3150-D947-AC52-2F5DF48BFCD5}" type="slidenum">
-              <a:rPr lang="en-US" smtClean="0"/>
-              <a:pPr>
-                <a:defRPr/>
-              </a:pPr>
-              <a:t>40</a:t>
-            </a:fld>
-            <a:endParaRPr lang="en-US" dirty="0"/>
-          </a:p>
-        </p:txBody>
-      </p:sp>
-      <p:sp>
-        <p:nvSpPr>
-          <p:cNvPr id="5" name="Header Placeholder 4"/>
-          <p:cNvSpPr>
-            <a:spLocks noGrp="1"/>
-          </p:cNvSpPr>
-          <p:nvPr>
-            <p:ph type="hdr" sz="quarter" idx="11"/>
-          </p:nvPr>
-        </p:nvSpPr>
-        <p:spPr/>
-        <p:txBody>
-          <a:bodyPr/>
-          <a:lstStyle/>
-          <a:p>
-            <a:pPr>
-              <a:defRPr/>
-            </a:pPr>
-            <a:endParaRPr lang="en-US"/>
-          </a:p>
-        </p:txBody>
-      </p:sp>
-      <p:sp>
-        <p:nvSpPr>
-          <p:cNvPr id="6" name="Footer Placeholder 5"/>
-          <p:cNvSpPr>
-            <a:spLocks noGrp="1"/>
-          </p:cNvSpPr>
-          <p:nvPr>
-            <p:ph type="ftr" sz="quarter" idx="12"/>
-          </p:nvPr>
-        </p:nvSpPr>
-        <p:spPr/>
-        <p:txBody>
-          <a:bodyPr/>
-          <a:lstStyle/>
-          <a:p>
-            <a:pPr>
-              <a:defRPr/>
-            </a:pPr>
-            <a:endParaRPr lang="en-US"/>
-          </a:p>
-        </p:txBody>
-      </p:sp>
-    </p:spTree>
-    <p:extLst>
-      <p:ext uri="{BB962C8B-B14F-4D97-AF65-F5344CB8AC3E}">
-        <p14:creationId xmlns:p14="http://schemas.microsoft.com/office/powerpoint/2010/main" val="3107302973"/>
-      </p:ext>
-    </p:extLst>
-  </p:cSld>
-  <p:clrMapOvr>
-    <a:masterClrMapping/>
-  </p:clrMapOvr>
-</p:notes>
-</file>
-
-<file path=ppt/notesSlides/notesSlide38.xml><?xml version="1.0" encoding="utf-8"?>
-<p:notes xmlns:a="http://schemas.openxmlformats.org/drawingml/2006/main" xmlns:r="http://schemas.openxmlformats.org/officeDocument/2006/relationships" xmlns:p="http://schemas.openxmlformats.org/presentationml/2006/main">
-  <p:cSld>
-    <p:spTree>
-      <p:nvGrpSpPr>
-        <p:cNvPr id="1" name=""/>
-        <p:cNvGrpSpPr/>
-        <p:nvPr/>
-      </p:nvGrpSpPr>
-      <p:grpSpPr>
-        <a:xfrm>
-          <a:off x="0" y="0"/>
-          <a:ext cx="0" cy="0"/>
-          <a:chOff x="0" y="0"/>
-          <a:chExt cx="0" cy="0"/>
-        </a:xfrm>
-      </p:grpSpPr>
-      <p:sp>
-        <p:nvSpPr>
-          <p:cNvPr id="2" name="Slide Image Placeholder 1"/>
-          <p:cNvSpPr>
-            <a:spLocks noGrp="1" noRot="1" noChangeAspect="1"/>
-          </p:cNvSpPr>
-          <p:nvPr>
-            <p:ph type="sldImg"/>
-          </p:nvPr>
-        </p:nvSpPr>
-        <p:spPr/>
-      </p:sp>
-      <p:sp>
-        <p:nvSpPr>
-          <p:cNvPr id="3" name="Notes Placeholder 2"/>
-          <p:cNvSpPr>
-            <a:spLocks noGrp="1"/>
-          </p:cNvSpPr>
-          <p:nvPr>
-            <p:ph type="body" idx="1"/>
-          </p:nvPr>
-        </p:nvSpPr>
-        <p:spPr/>
-        <p:txBody>
-          <a:bodyPr>
-            <a:normAutofit/>
-          </a:bodyPr>
-          <a:lstStyle/>
-          <a:p>
-            <a:r>
-              <a:rPr lang="en-US" dirty="0" smtClean="0"/>
-              <a:t>TODO finish this DoD section</a:t>
-            </a:r>
-          </a:p>
-          <a:p>
-            <a:endParaRPr lang="en-US" dirty="0" smtClean="0"/>
-          </a:p>
-          <a:p>
-            <a:r>
-              <a:rPr lang="en-US" dirty="0" smtClean="0"/>
-              <a:t>Go </a:t>
-            </a:r>
-            <a:r>
-              <a:rPr lang="en-US" dirty="0" smtClean="0"/>
-              <a:t>to this site...</a:t>
-            </a:r>
-          </a:p>
-          <a:p>
-            <a:r>
-              <a:rPr lang="en-US" dirty="0" smtClean="0">
-                <a:hlinkClick r:id="rId3"/>
-              </a:rPr>
-              <a:t>http://iase.disa.mil/stigs/Pages/stig-viewing-guidance.aspx</a:t>
-            </a:r>
-            <a:endParaRPr lang="en-US" dirty="0" smtClean="0"/>
-          </a:p>
-          <a:p>
-            <a:endParaRPr lang="en-US" dirty="0" smtClean="0"/>
-          </a:p>
-          <a:p>
-            <a:r>
-              <a:rPr lang="en-US" dirty="0" smtClean="0"/>
-              <a:t>...and download the latest version of the STIG Viewer. In this example we are downloading Version 2.1.</a:t>
-            </a:r>
-          </a:p>
-          <a:p>
-            <a:endParaRPr lang="en-US" dirty="0" smtClean="0"/>
-          </a:p>
-          <a:p>
-            <a:r>
-              <a:rPr lang="en-US" dirty="0" smtClean="0"/>
-              <a:t>Try to run the STIG Viewer.</a:t>
-            </a:r>
-          </a:p>
-          <a:p>
-            <a:endParaRPr lang="en-US" dirty="0" smtClean="0"/>
-          </a:p>
-          <a:p>
-            <a:endParaRPr lang="en-US" dirty="0" smtClean="0"/>
-          </a:p>
-          <a:p>
-            <a:endParaRPr lang="en-US" dirty="0" smtClean="0"/>
-          </a:p>
-        </p:txBody>
-      </p:sp>
-      <p:sp>
-        <p:nvSpPr>
-          <p:cNvPr id="4" name="Slide Number Placeholder 3"/>
-          <p:cNvSpPr>
-            <a:spLocks noGrp="1"/>
-          </p:cNvSpPr>
-          <p:nvPr>
-            <p:ph type="sldNum" sz="quarter" idx="10"/>
-          </p:nvPr>
-        </p:nvSpPr>
-        <p:spPr/>
-        <p:txBody>
-          <a:bodyPr/>
-          <a:lstStyle/>
-          <a:p>
-            <a:pPr>
-              <a:defRPr/>
-            </a:pPr>
-            <a:fld id="{DC3734AA-3150-D947-AC52-2F5DF48BFCD5}" type="slidenum">
-              <a:rPr lang="en-US" smtClean="0"/>
-              <a:pPr>
-                <a:defRPr/>
-              </a:pPr>
-              <a:t>41</a:t>
-            </a:fld>
-            <a:endParaRPr lang="en-US" dirty="0"/>
-          </a:p>
-        </p:txBody>
-      </p:sp>
-      <p:sp>
-        <p:nvSpPr>
-          <p:cNvPr id="5" name="Header Placeholder 4"/>
-          <p:cNvSpPr>
-            <a:spLocks noGrp="1"/>
-          </p:cNvSpPr>
-          <p:nvPr>
-            <p:ph type="hdr" sz="quarter" idx="11"/>
-          </p:nvPr>
-        </p:nvSpPr>
-        <p:spPr/>
-        <p:txBody>
-          <a:bodyPr/>
-          <a:lstStyle/>
-          <a:p>
-            <a:pPr>
-              <a:defRPr/>
-            </a:pPr>
-            <a:endParaRPr lang="en-US"/>
-          </a:p>
-        </p:txBody>
-      </p:sp>
-      <p:sp>
-        <p:nvSpPr>
-          <p:cNvPr id="6" name="Footer Placeholder 5"/>
-          <p:cNvSpPr>
-            <a:spLocks noGrp="1"/>
-          </p:cNvSpPr>
-          <p:nvPr>
-            <p:ph type="ftr" sz="quarter" idx="12"/>
-          </p:nvPr>
-        </p:nvSpPr>
-        <p:spPr/>
-        <p:txBody>
-          <a:bodyPr/>
-          <a:lstStyle/>
-          <a:p>
-            <a:pPr>
-              <a:defRPr/>
-            </a:pPr>
-            <a:endParaRPr lang="en-US"/>
-          </a:p>
-        </p:txBody>
-      </p:sp>
-    </p:spTree>
-    <p:extLst>
-      <p:ext uri="{BB962C8B-B14F-4D97-AF65-F5344CB8AC3E}">
-        <p14:creationId xmlns:p14="http://schemas.microsoft.com/office/powerpoint/2010/main" val="3280149511"/>
-      </p:ext>
-    </p:extLst>
-  </p:cSld>
-  <p:clrMapOvr>
-    <a:masterClrMapping/>
-  </p:clrMapOvr>
-</p:notes>
-</file>
-
-<file path=ppt/notesSlides/notesSlide39.xml><?xml version="1.0" encoding="utf-8"?>
-<p:notes xmlns:a="http://schemas.openxmlformats.org/drawingml/2006/main" xmlns:r="http://schemas.openxmlformats.org/officeDocument/2006/relationships" xmlns:p="http://schemas.openxmlformats.org/presentationml/2006/main">
-  <p:cSld>
-    <p:spTree>
-      <p:nvGrpSpPr>
-        <p:cNvPr id="1" name=""/>
-        <p:cNvGrpSpPr/>
-        <p:nvPr/>
-      </p:nvGrpSpPr>
-      <p:grpSpPr>
-        <a:xfrm>
-          <a:off x="0" y="0"/>
-          <a:ext cx="0" cy="0"/>
-          <a:chOff x="0" y="0"/>
-          <a:chExt cx="0" cy="0"/>
-        </a:xfrm>
-      </p:grpSpPr>
-      <p:sp>
-        <p:nvSpPr>
-          <p:cNvPr id="2" name="Slide Image Placeholder 1"/>
-          <p:cNvSpPr>
-            <a:spLocks noGrp="1" noRot="1" noChangeAspect="1"/>
-          </p:cNvSpPr>
-          <p:nvPr>
-            <p:ph type="sldImg"/>
-          </p:nvPr>
-        </p:nvSpPr>
-        <p:spPr/>
-      </p:sp>
-      <p:sp>
-        <p:nvSpPr>
-          <p:cNvPr id="3" name="Notes Placeholder 2"/>
-          <p:cNvSpPr>
-            <a:spLocks noGrp="1"/>
-          </p:cNvSpPr>
-          <p:nvPr>
-            <p:ph type="body" idx="1"/>
-          </p:nvPr>
-        </p:nvSpPr>
-        <p:spPr/>
-        <p:txBody>
-          <a:bodyPr>
-            <a:normAutofit/>
-          </a:bodyPr>
-          <a:lstStyle/>
-          <a:p>
-            <a:r>
-              <a:rPr lang="en-US" dirty="0" smtClean="0"/>
-              <a:t>TBD: ask </a:t>
-            </a:r>
-            <a:r>
-              <a:rPr lang="en-US" dirty="0" err="1" smtClean="0"/>
-              <a:t>sean</a:t>
-            </a:r>
-            <a:r>
-              <a:rPr lang="en-US" dirty="0" smtClean="0"/>
-              <a:t> about setting</a:t>
-            </a:r>
-            <a:r>
-              <a:rPr lang="en-US" baseline="0" dirty="0" smtClean="0"/>
-              <a:t> path to </a:t>
-            </a:r>
-            <a:r>
-              <a:rPr lang="en-US" baseline="0" dirty="0" err="1" smtClean="0"/>
-              <a:t>inspec</a:t>
-            </a:r>
-            <a:r>
-              <a:rPr lang="en-US" baseline="0" dirty="0" smtClean="0"/>
-              <a:t>.</a:t>
-            </a:r>
-            <a:endParaRPr lang="en-US" dirty="0" smtClean="0"/>
-          </a:p>
-        </p:txBody>
-      </p:sp>
-      <p:sp>
-        <p:nvSpPr>
-          <p:cNvPr id="4" name="Slide Number Placeholder 3"/>
-          <p:cNvSpPr>
-            <a:spLocks noGrp="1"/>
-          </p:cNvSpPr>
-          <p:nvPr>
-            <p:ph type="sldNum" sz="quarter" idx="10"/>
-          </p:nvPr>
-        </p:nvSpPr>
-        <p:spPr/>
-        <p:txBody>
-          <a:bodyPr/>
-          <a:lstStyle/>
-          <a:p>
-            <a:pPr>
-              <a:defRPr/>
-            </a:pPr>
-            <a:fld id="{DC3734AA-3150-D947-AC52-2F5DF48BFCD5}" type="slidenum">
-              <a:rPr lang="en-US" smtClean="0"/>
-              <a:pPr>
-                <a:defRPr/>
-              </a:pPr>
-              <a:t>42</a:t>
-            </a:fld>
-            <a:endParaRPr lang="en-US" dirty="0"/>
-          </a:p>
-        </p:txBody>
-      </p:sp>
-      <p:sp>
-        <p:nvSpPr>
-          <p:cNvPr id="5" name="Header Placeholder 4"/>
-          <p:cNvSpPr>
-            <a:spLocks noGrp="1"/>
-          </p:cNvSpPr>
-          <p:nvPr>
-            <p:ph type="hdr" sz="quarter" idx="11"/>
-          </p:nvPr>
-        </p:nvSpPr>
-        <p:spPr/>
-        <p:txBody>
-          <a:bodyPr/>
-          <a:lstStyle/>
-          <a:p>
-            <a:pPr>
-              <a:defRPr/>
-            </a:pPr>
-            <a:endParaRPr lang="en-US"/>
-          </a:p>
-        </p:txBody>
-      </p:sp>
-      <p:sp>
-        <p:nvSpPr>
-          <p:cNvPr id="6" name="Footer Placeholder 5"/>
-          <p:cNvSpPr>
-            <a:spLocks noGrp="1"/>
-          </p:cNvSpPr>
-          <p:nvPr>
-            <p:ph type="ftr" sz="quarter" idx="12"/>
-          </p:nvPr>
-        </p:nvSpPr>
-        <p:spPr/>
-        <p:txBody>
-          <a:bodyPr/>
-          <a:lstStyle/>
-          <a:p>
-            <a:pPr>
-              <a:defRPr/>
-            </a:pPr>
-            <a:endParaRPr lang="en-US"/>
-          </a:p>
-        </p:txBody>
-      </p:sp>
-    </p:spTree>
-    <p:extLst>
-      <p:ext uri="{BB962C8B-B14F-4D97-AF65-F5344CB8AC3E}">
-        <p14:creationId xmlns:p14="http://schemas.microsoft.com/office/powerpoint/2010/main" val="2235935683"/>
       </p:ext>
     </p:extLst>
   </p:cSld>
@@ -8998,14 +5353,14 @@
           </a:ln>
           <a:extLst>
             <a:ext uri="{909E8E84-426E-40dd-AFC4-6F175D3DCCD1}">
-              <a14:hiddenFill xmlns="" xmlns:a14="http://schemas.microsoft.com/office/drawing/2010/main">
+              <a14:hiddenFill xmlns:a14="http://schemas.microsoft.com/office/drawing/2010/main" xmlns="">
                 <a:solidFill>
                   <a:srgbClr val="FFFFFF"/>
                 </a:solidFill>
               </a14:hiddenFill>
             </a:ext>
             <a:ext uri="{91240B29-F687-4f45-9708-019B960494DF}">
-              <a14:hiddenLine xmlns="" xmlns:a14="http://schemas.microsoft.com/office/drawing/2010/main" w="9525">
+              <a14:hiddenLine xmlns:a14="http://schemas.microsoft.com/office/drawing/2010/main" xmlns="" w="9525">
                 <a:solidFill>
                   <a:srgbClr val="000000"/>
                 </a:solidFill>
@@ -9153,14 +5508,14 @@
           </a:ln>
           <a:extLst>
             <a:ext uri="{909E8E84-426E-40dd-AFC4-6F175D3DCCD1}">
-              <a14:hiddenFill xmlns="" xmlns:a14="http://schemas.microsoft.com/office/drawing/2010/main">
+              <a14:hiddenFill xmlns:a14="http://schemas.microsoft.com/office/drawing/2010/main" xmlns="">
                 <a:solidFill>
                   <a:srgbClr val="FFFFFF"/>
                 </a:solidFill>
               </a14:hiddenFill>
             </a:ext>
             <a:ext uri="{91240B29-F687-4f45-9708-019B960494DF}">
-              <a14:hiddenLine xmlns="" xmlns:a14="http://schemas.microsoft.com/office/drawing/2010/main" w="9525">
+              <a14:hiddenLine xmlns:a14="http://schemas.microsoft.com/office/drawing/2010/main" xmlns="" w="9525">
                 <a:solidFill>
                   <a:srgbClr val="000000"/>
                 </a:solidFill>
@@ -9651,14 +6006,14 @@
           </a:ln>
           <a:extLst>
             <a:ext uri="{909E8E84-426E-40dd-AFC4-6F175D3DCCD1}">
-              <a14:hiddenFill xmlns="" xmlns:a14="http://schemas.microsoft.com/office/drawing/2010/main">
+              <a14:hiddenFill xmlns:a14="http://schemas.microsoft.com/office/drawing/2010/main" xmlns="">
                 <a:solidFill>
                   <a:srgbClr val="FFFFFF"/>
                 </a:solidFill>
               </a14:hiddenFill>
             </a:ext>
             <a:ext uri="{91240B29-F687-4f45-9708-019B960494DF}">
-              <a14:hiddenLine xmlns="" xmlns:a14="http://schemas.microsoft.com/office/drawing/2010/main" w="9525">
+              <a14:hiddenLine xmlns:a14="http://schemas.microsoft.com/office/drawing/2010/main" xmlns="" w="9525">
                 <a:solidFill>
                   <a:srgbClr val="000000"/>
                 </a:solidFill>
@@ -10184,14 +6539,14 @@
           </a:ln>
           <a:extLst>
             <a:ext uri="{909E8E84-426E-40dd-AFC4-6F175D3DCCD1}">
-              <a14:hiddenFill xmlns="" xmlns:a14="http://schemas.microsoft.com/office/drawing/2010/main">
+              <a14:hiddenFill xmlns:a14="http://schemas.microsoft.com/office/drawing/2010/main" xmlns="">
                 <a:solidFill>
                   <a:srgbClr val="FFFFFF"/>
                 </a:solidFill>
               </a14:hiddenFill>
             </a:ext>
             <a:ext uri="{91240B29-F687-4f45-9708-019B960494DF}">
-              <a14:hiddenLine xmlns="" xmlns:a14="http://schemas.microsoft.com/office/drawing/2010/main" w="9525">
+              <a14:hiddenLine xmlns:a14="http://schemas.microsoft.com/office/drawing/2010/main" xmlns="" w="9525">
                 <a:solidFill>
                   <a:srgbClr val="000000"/>
                 </a:solidFill>
@@ -11815,14 +8170,14 @@
           </a:ln>
           <a:extLst>
             <a:ext uri="{909E8E84-426E-40dd-AFC4-6F175D3DCCD1}">
-              <a14:hiddenFill xmlns="" xmlns:a14="http://schemas.microsoft.com/office/drawing/2010/main">
+              <a14:hiddenFill xmlns:a14="http://schemas.microsoft.com/office/drawing/2010/main" xmlns="">
                 <a:solidFill>
                   <a:srgbClr val="FFFFFF"/>
                 </a:solidFill>
               </a14:hiddenFill>
             </a:ext>
             <a:ext uri="{91240B29-F687-4f45-9708-019B960494DF}">
-              <a14:hiddenLine xmlns="" xmlns:a14="http://schemas.microsoft.com/office/drawing/2010/main" w="9525">
+              <a14:hiddenLine xmlns:a14="http://schemas.microsoft.com/office/drawing/2010/main" xmlns="" w="9525">
                 <a:solidFill>
                   <a:srgbClr val="000000"/>
                 </a:solidFill>
@@ -13356,14 +9711,14 @@
           </a:ln>
           <a:extLst>
             <a:ext uri="{909E8E84-426E-40dd-AFC4-6F175D3DCCD1}">
-              <a14:hiddenFill xmlns="" xmlns:a14="http://schemas.microsoft.com/office/drawing/2010/main">
+              <a14:hiddenFill xmlns:a14="http://schemas.microsoft.com/office/drawing/2010/main" xmlns="">
                 <a:solidFill>
                   <a:srgbClr val="FFFFFF"/>
                 </a:solidFill>
               </a14:hiddenFill>
             </a:ext>
             <a:ext uri="{91240B29-F687-4f45-9708-019B960494DF}">
-              <a14:hiddenLine xmlns="" xmlns:a14="http://schemas.microsoft.com/office/drawing/2010/main" w="9525">
+              <a14:hiddenLine xmlns:a14="http://schemas.microsoft.com/office/drawing/2010/main" xmlns="" w="9525">
                 <a:solidFill>
                   <a:srgbClr val="000000"/>
                 </a:solidFill>
@@ -13869,14 +10224,14 @@
           </a:ln>
           <a:extLst>
             <a:ext uri="{909E8E84-426E-40dd-AFC4-6F175D3DCCD1}">
-              <a14:hiddenFill xmlns="" xmlns:a14="http://schemas.microsoft.com/office/drawing/2010/main">
+              <a14:hiddenFill xmlns:a14="http://schemas.microsoft.com/office/drawing/2010/main" xmlns="">
                 <a:solidFill>
                   <a:srgbClr val="FFFFFF"/>
                 </a:solidFill>
               </a14:hiddenFill>
             </a:ext>
             <a:ext uri="{91240B29-F687-4f45-9708-019B960494DF}">
-              <a14:hiddenLine xmlns="" xmlns:a14="http://schemas.microsoft.com/office/drawing/2010/main" w="9525">
+              <a14:hiddenLine xmlns:a14="http://schemas.microsoft.com/office/drawing/2010/main" xmlns="" w="9525">
                 <a:solidFill>
                   <a:srgbClr val="000000"/>
                 </a:solidFill>
@@ -14443,14 +10798,14 @@
           </a:ln>
           <a:extLst>
             <a:ext uri="{909E8E84-426E-40dd-AFC4-6F175D3DCCD1}">
-              <a14:hiddenFill xmlns="" xmlns:a14="http://schemas.microsoft.com/office/drawing/2010/main">
+              <a14:hiddenFill xmlns:a14="http://schemas.microsoft.com/office/drawing/2010/main" xmlns="">
                 <a:solidFill>
                   <a:srgbClr val="FFFFFF"/>
                 </a:solidFill>
               </a14:hiddenFill>
             </a:ext>
             <a:ext uri="{91240B29-F687-4f45-9708-019B960494DF}">
-              <a14:hiddenLine xmlns="" xmlns:a14="http://schemas.microsoft.com/office/drawing/2010/main" w="9525">
+              <a14:hiddenLine xmlns:a14="http://schemas.microsoft.com/office/drawing/2010/main" xmlns="" w="9525">
                 <a:solidFill>
                   <a:srgbClr val="000000"/>
                 </a:solidFill>
@@ -15390,14 +11745,14 @@
           </a:ln>
           <a:extLst>
             <a:ext uri="{909E8E84-426E-40dd-AFC4-6F175D3DCCD1}">
-              <a14:hiddenFill xmlns="" xmlns:a14="http://schemas.microsoft.com/office/drawing/2010/main">
+              <a14:hiddenFill xmlns:a14="http://schemas.microsoft.com/office/drawing/2010/main" xmlns="">
                 <a:solidFill>
                   <a:srgbClr val="FFFFFF"/>
                 </a:solidFill>
               </a14:hiddenFill>
             </a:ext>
             <a:ext uri="{91240B29-F687-4f45-9708-019B960494DF}">
-              <a14:hiddenLine xmlns="" xmlns:a14="http://schemas.microsoft.com/office/drawing/2010/main" w="9525">
+              <a14:hiddenLine xmlns:a14="http://schemas.microsoft.com/office/drawing/2010/main" xmlns="" w="9525">
                 <a:solidFill>
                   <a:srgbClr val="000000"/>
                 </a:solidFill>
@@ -16150,14 +12505,14 @@
           </a:ln>
           <a:extLst>
             <a:ext uri="{909E8E84-426E-40dd-AFC4-6F175D3DCCD1}">
-              <a14:hiddenFill xmlns="" xmlns:a14="http://schemas.microsoft.com/office/drawing/2010/main">
+              <a14:hiddenFill xmlns:a14="http://schemas.microsoft.com/office/drawing/2010/main" xmlns="">
                 <a:solidFill>
                   <a:srgbClr val="FFFFFF"/>
                 </a:solidFill>
               </a14:hiddenFill>
             </a:ext>
             <a:ext uri="{91240B29-F687-4f45-9708-019B960494DF}">
-              <a14:hiddenLine xmlns="" xmlns:a14="http://schemas.microsoft.com/office/drawing/2010/main" w="9525">
+              <a14:hiddenLine xmlns:a14="http://schemas.microsoft.com/office/drawing/2010/main" xmlns="" w="9525">
                 <a:solidFill>
                   <a:srgbClr val="000000"/>
                 </a:solidFill>
@@ -20107,48 +16462,12 @@
       </p:grpSpPr>
       <p:sp>
         <p:nvSpPr>
-          <p:cNvPr id="8" name="Text Placeholder 7"/>
-          <p:cNvSpPr>
-            <a:spLocks noGrp="1"/>
-          </p:cNvSpPr>
-          <p:nvPr>
-            <p:ph type="body" sz="quarter" idx="11"/>
-          </p:nvPr>
-        </p:nvSpPr>
-        <p:spPr>
-          <a:xfrm>
-            <a:off x="1121104" y="1337149"/>
-            <a:ext cx="14422528" cy="1223172"/>
-          </a:xfrm>
-        </p:spPr>
-        <p:txBody>
-          <a:bodyPr/>
-          <a:lstStyle/>
-          <a:p>
-            <a:r>
-              <a:rPr lang="en-US" dirty="0" smtClean="0"/>
-              <a:t>$ </a:t>
-            </a:r>
-            <a:r>
-              <a:rPr lang="en-US" dirty="0"/>
-              <a:t>cd ~/</a:t>
-            </a:r>
-            <a:r>
-              <a:rPr lang="en-US" dirty="0" err="1" smtClean="0"/>
-              <a:t>compliance_profiles</a:t>
-            </a:r>
-            <a:endParaRPr lang="en-US" dirty="0" smtClean="0"/>
-          </a:p>
-        </p:txBody>
-      </p:sp>
-      <p:sp>
-        <p:nvSpPr>
-          <p:cNvPr id="4" name="Title 3"/>
-          <p:cNvSpPr>
-            <a:spLocks noGrp="1"/>
-          </p:cNvSpPr>
-          <p:nvPr>
-            <p:ph type="title"/>
+          <p:cNvPr id="2" name="Title 1"/>
+          <p:cNvSpPr>
+            <a:spLocks noGrp="1"/>
+          </p:cNvSpPr>
+          <p:nvPr>
+            <p:ph type="ctrTitle"/>
           </p:nvPr>
         </p:nvSpPr>
         <p:spPr/>
@@ -20160,210 +16479,74 @@
           <a:p>
             <a:r>
               <a:rPr lang="en-US" dirty="0" smtClean="0"/>
-              <a:t>TODO </a:t>
-            </a:r>
-            <a:r>
-              <a:rPr lang="en-US" dirty="0" smtClean="0"/>
-              <a:t>GL: Move to ~/</a:t>
-            </a:r>
-            <a:r>
-              <a:rPr lang="en-US" dirty="0" err="1" smtClean="0"/>
-              <a:t>compliance_profiles</a:t>
-            </a:r>
-            <a:r>
-              <a:rPr lang="en-US" dirty="0"/>
-              <a:t/>
-            </a:r>
-            <a:br>
-              <a:rPr lang="en-US" dirty="0"/>
-            </a:br>
+              <a:t>DoD Compliance Frameworks</a:t>
+            </a:r>
             <a:endParaRPr lang="en-US" dirty="0"/>
           </a:p>
         </p:txBody>
       </p:sp>
       <p:sp>
         <p:nvSpPr>
-          <p:cNvPr id="9" name="Text Placeholder 2"/>
-          <p:cNvSpPr txBox="1">
-            <a:spLocks/>
-          </p:cNvSpPr>
-          <p:nvPr/>
+          <p:cNvPr id="3" name="Subtitle 2"/>
+          <p:cNvSpPr>
+            <a:spLocks noGrp="1"/>
+          </p:cNvSpPr>
+          <p:nvPr>
+            <p:ph type="subTitle" idx="1"/>
+          </p:nvPr>
         </p:nvSpPr>
         <p:spPr>
           <a:xfrm>
-            <a:off x="650040" y="4137660"/>
-            <a:ext cx="14893592" cy="3064491"/>
+            <a:off x="1671638" y="3271838"/>
+            <a:ext cx="12319000" cy="4317682"/>
           </a:xfrm>
-          <a:prstGeom prst="rect">
-            <a:avLst/>
-          </a:prstGeom>
         </p:spPr>
         <p:txBody>
           <a:bodyPr/>
-          <a:lstStyle>
-            <a:lvl1pPr algn="l" defTabSz="1217613" rtl="0" eaLnBrk="1" fontAlgn="base" hangingPunct="1">
-              <a:spcBef>
-                <a:spcPts val="800"/>
-              </a:spcBef>
-              <a:spcAft>
-                <a:spcPct val="0"/>
-              </a:spcAft>
-              <a:buSzPct val="90000"/>
-              <a:buFont typeface="Arial" charset="0"/>
-              <a:defRPr sz="3200" kern="1200">
-                <a:solidFill>
-                  <a:srgbClr val="3E4346"/>
-                </a:solidFill>
-                <a:latin typeface="+mn-lt"/>
-                <a:ea typeface="ＭＳ Ｐゴシック" charset="0"/>
-                <a:cs typeface="ＭＳ Ｐゴシック" charset="0"/>
-              </a:defRPr>
-            </a:lvl1pPr>
-            <a:lvl2pPr marL="307975" algn="l" defTabSz="1217613" rtl="0" eaLnBrk="1" fontAlgn="base" hangingPunct="1">
-              <a:spcBef>
-                <a:spcPts val="800"/>
-              </a:spcBef>
-              <a:spcAft>
-                <a:spcPct val="0"/>
-              </a:spcAft>
-              <a:buSzPct val="90000"/>
-              <a:buFont typeface="Arial" charset="0"/>
-              <a:defRPr sz="2800" kern="1200">
-                <a:solidFill>
-                  <a:srgbClr val="3E4346"/>
-                </a:solidFill>
-                <a:latin typeface="+mn-lt"/>
-                <a:ea typeface="ＭＳ Ｐゴシック" charset="0"/>
-                <a:cs typeface="+mn-cs"/>
-              </a:defRPr>
-            </a:lvl2pPr>
-            <a:lvl3pPr marL="608013" algn="l" defTabSz="1217613" rtl="0" eaLnBrk="1" fontAlgn="base" hangingPunct="1">
-              <a:spcBef>
-                <a:spcPts val="800"/>
-              </a:spcBef>
-              <a:spcAft>
-                <a:spcPct val="0"/>
-              </a:spcAft>
-              <a:buSzPct val="90000"/>
-              <a:buFont typeface="Arial" charset="0"/>
-              <a:defRPr sz="2400" kern="1200">
-                <a:solidFill>
-                  <a:srgbClr val="3E4346"/>
-                </a:solidFill>
-                <a:latin typeface="+mn-lt"/>
-                <a:ea typeface="ＭＳ Ｐゴシック" charset="0"/>
-                <a:cs typeface="+mn-cs"/>
-              </a:defRPr>
-            </a:lvl3pPr>
-            <a:lvl4pPr marL="839788" algn="l" defTabSz="1217613" rtl="0" eaLnBrk="1" fontAlgn="base" hangingPunct="1">
-              <a:spcBef>
-                <a:spcPts val="800"/>
-              </a:spcBef>
-              <a:spcAft>
-                <a:spcPct val="0"/>
-              </a:spcAft>
-              <a:buSzPct val="90000"/>
-              <a:buFont typeface="Arial" charset="0"/>
-              <a:defRPr sz="2400" kern="1200">
-                <a:solidFill>
-                  <a:srgbClr val="3E4346"/>
-                </a:solidFill>
-                <a:latin typeface="+mn-lt"/>
-                <a:ea typeface="ＭＳ Ｐゴシック" charset="0"/>
-                <a:cs typeface="+mn-cs"/>
-              </a:defRPr>
-            </a:lvl4pPr>
-            <a:lvl5pPr marL="1068388" algn="l" defTabSz="1217613" rtl="0" eaLnBrk="1" fontAlgn="base" hangingPunct="1">
-              <a:spcBef>
-                <a:spcPts val="800"/>
-              </a:spcBef>
-              <a:spcAft>
-                <a:spcPct val="0"/>
-              </a:spcAft>
-              <a:buSzPct val="90000"/>
-              <a:buFont typeface="Arial" charset="0"/>
-              <a:defRPr sz="2000" kern="1200">
-                <a:solidFill>
-                  <a:srgbClr val="3E4346"/>
-                </a:solidFill>
-                <a:latin typeface="+mn-lt"/>
-                <a:ea typeface="ＭＳ Ｐゴシック" charset="0"/>
-                <a:cs typeface="+mn-cs"/>
-              </a:defRPr>
-            </a:lvl5pPr>
-            <a:lvl6pPr marL="3352582" indent="-304780" algn="l" defTabSz="1219120" rtl="0" eaLnBrk="1" latinLnBrk="0" hangingPunct="1">
-              <a:spcBef>
-                <a:spcPct val="20000"/>
-              </a:spcBef>
-              <a:buFont typeface="Arial" pitchFamily="34" charset="0"/>
-              <a:buChar char="•"/>
-              <a:defRPr sz="2667" kern="1200">
-                <a:solidFill>
-                  <a:schemeClr val="tx1"/>
-                </a:solidFill>
-                <a:latin typeface="+mn-lt"/>
-                <a:ea typeface="+mn-ea"/>
-                <a:cs typeface="+mn-cs"/>
-              </a:defRPr>
-            </a:lvl6pPr>
-            <a:lvl7pPr marL="3962142" indent="-304780" algn="l" defTabSz="1219120" rtl="0" eaLnBrk="1" latinLnBrk="0" hangingPunct="1">
-              <a:spcBef>
-                <a:spcPct val="20000"/>
-              </a:spcBef>
-              <a:buFont typeface="Arial" pitchFamily="34" charset="0"/>
-              <a:buChar char="•"/>
-              <a:defRPr sz="2667" kern="1200">
-                <a:solidFill>
-                  <a:schemeClr val="tx1"/>
-                </a:solidFill>
-                <a:latin typeface="+mn-lt"/>
-                <a:ea typeface="+mn-ea"/>
-                <a:cs typeface="+mn-cs"/>
-              </a:defRPr>
-            </a:lvl7pPr>
-            <a:lvl8pPr marL="4571703" indent="-304780" algn="l" defTabSz="1219120" rtl="0" eaLnBrk="1" latinLnBrk="0" hangingPunct="1">
-              <a:spcBef>
-                <a:spcPct val="20000"/>
-              </a:spcBef>
-              <a:buFont typeface="Arial" pitchFamily="34" charset="0"/>
-              <a:buChar char="•"/>
-              <a:defRPr sz="2667" kern="1200">
-                <a:solidFill>
-                  <a:schemeClr val="tx1"/>
-                </a:solidFill>
-                <a:latin typeface="+mn-lt"/>
-                <a:ea typeface="+mn-ea"/>
-                <a:cs typeface="+mn-cs"/>
-              </a:defRPr>
-            </a:lvl8pPr>
-            <a:lvl9pPr marL="5181264" indent="-304780" algn="l" defTabSz="1219120" rtl="0" eaLnBrk="1" latinLnBrk="0" hangingPunct="1">
-              <a:spcBef>
-                <a:spcPct val="20000"/>
-              </a:spcBef>
-              <a:buFont typeface="Arial" pitchFamily="34" charset="0"/>
-              <a:buChar char="•"/>
-              <a:defRPr sz="2667" kern="1200">
-                <a:solidFill>
-                  <a:schemeClr val="tx1"/>
-                </a:solidFill>
-                <a:latin typeface="+mn-lt"/>
-                <a:ea typeface="+mn-ea"/>
-                <a:cs typeface="+mn-cs"/>
-              </a:defRPr>
-            </a:lvl9pPr>
-          </a:lstStyle>
+          <a:lstStyle/>
           <a:p>
             <a:r>
               <a:rPr lang="en-US" dirty="0" smtClean="0"/>
-              <a:t>Ensure you are on your target node for this part of this exercise.</a:t>
-            </a:r>
+              <a:t>Department of Defense (DoD) STIGs</a:t>
+            </a:r>
+            <a:endParaRPr lang="en-US" dirty="0"/>
+          </a:p>
+          <a:p>
+            <a:endParaRPr lang="en-US" dirty="0" smtClean="0"/>
+          </a:p>
+          <a:p>
+            <a:r>
+              <a:rPr lang="en-US" dirty="0" smtClean="0"/>
+              <a:t>The </a:t>
+            </a:r>
+            <a:r>
+              <a:rPr lang="en-US" dirty="0"/>
+              <a:t>Security Technical Implementation Guides (STIGs) and the NSA Guides are the configuration standards for DOD IA and IA-enabled devices/systems. </a:t>
+            </a:r>
+            <a:endParaRPr lang="en-US" dirty="0" smtClean="0"/>
+          </a:p>
+          <a:p>
+            <a:endParaRPr lang="en-US" dirty="0"/>
+          </a:p>
+          <a:p>
+            <a:endParaRPr lang="en-US" dirty="0" smtClean="0"/>
+          </a:p>
+          <a:p>
+            <a:r>
+              <a:rPr lang="en-US" dirty="0" smtClean="0"/>
+              <a:t>TBD this module is not finished.</a:t>
+            </a:r>
+            <a:endParaRPr lang="en-US" dirty="0"/>
+          </a:p>
+          <a:p>
+            <a:endParaRPr lang="en-US" dirty="0"/>
           </a:p>
         </p:txBody>
       </p:sp>
     </p:spTree>
     <p:extLst>
       <p:ext uri="{BB962C8B-B14F-4D97-AF65-F5344CB8AC3E}">
-        <p14:creationId xmlns:p14="http://schemas.microsoft.com/office/powerpoint/2010/main" val="392738431"/>
+        <p14:creationId xmlns:p14="http://schemas.microsoft.com/office/powerpoint/2010/main" val="2951886090"/>
       </p:ext>
     </p:extLst>
   </p:cSld>
@@ -20402,2818 +16585,6 @@
       </p:grpSpPr>
       <p:sp>
         <p:nvSpPr>
-          <p:cNvPr id="8" name="Text Placeholder 7"/>
-          <p:cNvSpPr>
-            <a:spLocks noGrp="1"/>
-          </p:cNvSpPr>
-          <p:nvPr>
-            <p:ph type="body" sz="quarter" idx="11"/>
-          </p:nvPr>
-        </p:nvSpPr>
-        <p:spPr>
-          <a:xfrm>
-            <a:off x="1121104" y="1337148"/>
-            <a:ext cx="14422528" cy="2334099"/>
-          </a:xfrm>
-        </p:spPr>
-        <p:txBody>
-          <a:bodyPr/>
-          <a:lstStyle/>
-          <a:p>
-            <a:r>
-              <a:rPr lang="en-US" dirty="0" smtClean="0"/>
-              <a:t>$ </a:t>
-            </a:r>
-            <a:r>
-              <a:rPr lang="en-US" dirty="0"/>
-              <a:t>mkdir </a:t>
-            </a:r>
-            <a:r>
-              <a:rPr lang="en-US" dirty="0" smtClean="0"/>
-              <a:t>profile_02</a:t>
-            </a:r>
-          </a:p>
-          <a:p>
-            <a:r>
-              <a:rPr lang="en-US" dirty="0"/>
-              <a:t>$ cd </a:t>
-            </a:r>
-            <a:r>
-              <a:rPr lang="en-US" dirty="0" smtClean="0"/>
-              <a:t>profile_02</a:t>
-            </a:r>
-            <a:endParaRPr lang="en-US" dirty="0"/>
-          </a:p>
-        </p:txBody>
-      </p:sp>
-      <p:sp>
-        <p:nvSpPr>
-          <p:cNvPr id="4" name="Title 3"/>
-          <p:cNvSpPr>
-            <a:spLocks noGrp="1"/>
-          </p:cNvSpPr>
-          <p:nvPr>
-            <p:ph type="title"/>
-          </p:nvPr>
-        </p:nvSpPr>
-        <p:spPr/>
-        <p:txBody>
-          <a:bodyPr>
-            <a:normAutofit fontScale="90000"/>
-          </a:bodyPr>
-          <a:lstStyle/>
-          <a:p>
-            <a:r>
-              <a:rPr lang="en-US" dirty="0" smtClean="0"/>
-              <a:t>GL: Create the Directory for your New Profile </a:t>
-            </a:r>
-            <a:endParaRPr lang="en-US" dirty="0"/>
-          </a:p>
-        </p:txBody>
-      </p:sp>
-      <p:sp>
-        <p:nvSpPr>
-          <p:cNvPr id="9" name="Text Placeholder 2"/>
-          <p:cNvSpPr txBox="1">
-            <a:spLocks/>
-          </p:cNvSpPr>
-          <p:nvPr/>
-        </p:nvSpPr>
-        <p:spPr>
-          <a:xfrm>
-            <a:off x="650040" y="4137660"/>
-            <a:ext cx="14893592" cy="3064491"/>
-          </a:xfrm>
-          <a:prstGeom prst="rect">
-            <a:avLst/>
-          </a:prstGeom>
-        </p:spPr>
-        <p:txBody>
-          <a:bodyPr/>
-          <a:lstStyle>
-            <a:lvl1pPr algn="l" defTabSz="1217613" rtl="0" eaLnBrk="1" fontAlgn="base" hangingPunct="1">
-              <a:spcBef>
-                <a:spcPts val="800"/>
-              </a:spcBef>
-              <a:spcAft>
-                <a:spcPct val="0"/>
-              </a:spcAft>
-              <a:buSzPct val="90000"/>
-              <a:buFont typeface="Arial" charset="0"/>
-              <a:defRPr sz="3200" kern="1200">
-                <a:solidFill>
-                  <a:srgbClr val="3E4346"/>
-                </a:solidFill>
-                <a:latin typeface="+mn-lt"/>
-                <a:ea typeface="ＭＳ Ｐゴシック" charset="0"/>
-                <a:cs typeface="ＭＳ Ｐゴシック" charset="0"/>
-              </a:defRPr>
-            </a:lvl1pPr>
-            <a:lvl2pPr marL="307975" algn="l" defTabSz="1217613" rtl="0" eaLnBrk="1" fontAlgn="base" hangingPunct="1">
-              <a:spcBef>
-                <a:spcPts val="800"/>
-              </a:spcBef>
-              <a:spcAft>
-                <a:spcPct val="0"/>
-              </a:spcAft>
-              <a:buSzPct val="90000"/>
-              <a:buFont typeface="Arial" charset="0"/>
-              <a:defRPr sz="2800" kern="1200">
-                <a:solidFill>
-                  <a:srgbClr val="3E4346"/>
-                </a:solidFill>
-                <a:latin typeface="+mn-lt"/>
-                <a:ea typeface="ＭＳ Ｐゴシック" charset="0"/>
-                <a:cs typeface="+mn-cs"/>
-              </a:defRPr>
-            </a:lvl2pPr>
-            <a:lvl3pPr marL="608013" algn="l" defTabSz="1217613" rtl="0" eaLnBrk="1" fontAlgn="base" hangingPunct="1">
-              <a:spcBef>
-                <a:spcPts val="800"/>
-              </a:spcBef>
-              <a:spcAft>
-                <a:spcPct val="0"/>
-              </a:spcAft>
-              <a:buSzPct val="90000"/>
-              <a:buFont typeface="Arial" charset="0"/>
-              <a:defRPr sz="2400" kern="1200">
-                <a:solidFill>
-                  <a:srgbClr val="3E4346"/>
-                </a:solidFill>
-                <a:latin typeface="+mn-lt"/>
-                <a:ea typeface="ＭＳ Ｐゴシック" charset="0"/>
-                <a:cs typeface="+mn-cs"/>
-              </a:defRPr>
-            </a:lvl3pPr>
-            <a:lvl4pPr marL="839788" algn="l" defTabSz="1217613" rtl="0" eaLnBrk="1" fontAlgn="base" hangingPunct="1">
-              <a:spcBef>
-                <a:spcPts val="800"/>
-              </a:spcBef>
-              <a:spcAft>
-                <a:spcPct val="0"/>
-              </a:spcAft>
-              <a:buSzPct val="90000"/>
-              <a:buFont typeface="Arial" charset="0"/>
-              <a:defRPr sz="2400" kern="1200">
-                <a:solidFill>
-                  <a:srgbClr val="3E4346"/>
-                </a:solidFill>
-                <a:latin typeface="+mn-lt"/>
-                <a:ea typeface="ＭＳ Ｐゴシック" charset="0"/>
-                <a:cs typeface="+mn-cs"/>
-              </a:defRPr>
-            </a:lvl4pPr>
-            <a:lvl5pPr marL="1068388" algn="l" defTabSz="1217613" rtl="0" eaLnBrk="1" fontAlgn="base" hangingPunct="1">
-              <a:spcBef>
-                <a:spcPts val="800"/>
-              </a:spcBef>
-              <a:spcAft>
-                <a:spcPct val="0"/>
-              </a:spcAft>
-              <a:buSzPct val="90000"/>
-              <a:buFont typeface="Arial" charset="0"/>
-              <a:defRPr sz="2000" kern="1200">
-                <a:solidFill>
-                  <a:srgbClr val="3E4346"/>
-                </a:solidFill>
-                <a:latin typeface="+mn-lt"/>
-                <a:ea typeface="ＭＳ Ｐゴシック" charset="0"/>
-                <a:cs typeface="+mn-cs"/>
-              </a:defRPr>
-            </a:lvl5pPr>
-            <a:lvl6pPr marL="3352582" indent="-304780" algn="l" defTabSz="1219120" rtl="0" eaLnBrk="1" latinLnBrk="0" hangingPunct="1">
-              <a:spcBef>
-                <a:spcPct val="20000"/>
-              </a:spcBef>
-              <a:buFont typeface="Arial" pitchFamily="34" charset="0"/>
-              <a:buChar char="•"/>
-              <a:defRPr sz="2667" kern="1200">
-                <a:solidFill>
-                  <a:schemeClr val="tx1"/>
-                </a:solidFill>
-                <a:latin typeface="+mn-lt"/>
-                <a:ea typeface="+mn-ea"/>
-                <a:cs typeface="+mn-cs"/>
-              </a:defRPr>
-            </a:lvl6pPr>
-            <a:lvl7pPr marL="3962142" indent="-304780" algn="l" defTabSz="1219120" rtl="0" eaLnBrk="1" latinLnBrk="0" hangingPunct="1">
-              <a:spcBef>
-                <a:spcPct val="20000"/>
-              </a:spcBef>
-              <a:buFont typeface="Arial" pitchFamily="34" charset="0"/>
-              <a:buChar char="•"/>
-              <a:defRPr sz="2667" kern="1200">
-                <a:solidFill>
-                  <a:schemeClr val="tx1"/>
-                </a:solidFill>
-                <a:latin typeface="+mn-lt"/>
-                <a:ea typeface="+mn-ea"/>
-                <a:cs typeface="+mn-cs"/>
-              </a:defRPr>
-            </a:lvl7pPr>
-            <a:lvl8pPr marL="4571703" indent="-304780" algn="l" defTabSz="1219120" rtl="0" eaLnBrk="1" latinLnBrk="0" hangingPunct="1">
-              <a:spcBef>
-                <a:spcPct val="20000"/>
-              </a:spcBef>
-              <a:buFont typeface="Arial" pitchFamily="34" charset="0"/>
-              <a:buChar char="•"/>
-              <a:defRPr sz="2667" kern="1200">
-                <a:solidFill>
-                  <a:schemeClr val="tx1"/>
-                </a:solidFill>
-                <a:latin typeface="+mn-lt"/>
-                <a:ea typeface="+mn-ea"/>
-                <a:cs typeface="+mn-cs"/>
-              </a:defRPr>
-            </a:lvl8pPr>
-            <a:lvl9pPr marL="5181264" indent="-304780" algn="l" defTabSz="1219120" rtl="0" eaLnBrk="1" latinLnBrk="0" hangingPunct="1">
-              <a:spcBef>
-                <a:spcPct val="20000"/>
-              </a:spcBef>
-              <a:buFont typeface="Arial" pitchFamily="34" charset="0"/>
-              <a:buChar char="•"/>
-              <a:defRPr sz="2667" kern="1200">
-                <a:solidFill>
-                  <a:schemeClr val="tx1"/>
-                </a:solidFill>
-                <a:latin typeface="+mn-lt"/>
-                <a:ea typeface="+mn-ea"/>
-                <a:cs typeface="+mn-cs"/>
-              </a:defRPr>
-            </a:lvl9pPr>
-          </a:lstStyle>
-          <a:p>
-            <a:r>
-              <a:rPr lang="en-US" dirty="0" smtClean="0"/>
-              <a:t>Create and move into the profile_02 directory. </a:t>
-            </a:r>
-          </a:p>
-        </p:txBody>
-      </p:sp>
-    </p:spTree>
-    <p:extLst>
-      <p:ext uri="{BB962C8B-B14F-4D97-AF65-F5344CB8AC3E}">
-        <p14:creationId xmlns:p14="http://schemas.microsoft.com/office/powerpoint/2010/main" val="1659792447"/>
-      </p:ext>
-    </p:extLst>
-  </p:cSld>
-  <p:clrMapOvr>
-    <a:masterClrMapping/>
-  </p:clrMapOvr>
-  <p:transition spd="med">
-    <p:fade/>
-  </p:transition>
-</p:sld>
-</file>
-
-<file path=ppt/slides/slide25.xml><?xml version="1.0" encoding="utf-8"?>
-<p:sld xmlns:a="http://schemas.openxmlformats.org/drawingml/2006/main" xmlns:r="http://schemas.openxmlformats.org/officeDocument/2006/relationships" xmlns:p="http://schemas.openxmlformats.org/presentationml/2006/main">
-  <p:cSld>
-    <p:spTree>
-      <p:nvGrpSpPr>
-        <p:cNvPr id="1" name=""/>
-        <p:cNvGrpSpPr/>
-        <p:nvPr/>
-      </p:nvGrpSpPr>
-      <p:grpSpPr>
-        <a:xfrm>
-          <a:off x="0" y="0"/>
-          <a:ext cx="0" cy="0"/>
-          <a:chOff x="0" y="0"/>
-          <a:chExt cx="0" cy="0"/>
-        </a:xfrm>
-      </p:grpSpPr>
-      <p:sp>
-        <p:nvSpPr>
-          <p:cNvPr id="2" name="Title 1"/>
-          <p:cNvSpPr>
-            <a:spLocks noGrp="1"/>
-          </p:cNvSpPr>
-          <p:nvPr>
-            <p:ph type="title"/>
-          </p:nvPr>
-        </p:nvSpPr>
-        <p:spPr/>
-        <p:txBody>
-          <a:bodyPr/>
-          <a:lstStyle/>
-          <a:p>
-            <a:r>
-              <a:rPr lang="en-US" dirty="0" smtClean="0"/>
-              <a:t>GL: Create the </a:t>
-            </a:r>
-            <a:r>
-              <a:rPr lang="en-US" dirty="0"/>
-              <a:t>metadata.rb</a:t>
-            </a:r>
-          </a:p>
-        </p:txBody>
-      </p:sp>
-      <p:sp>
-        <p:nvSpPr>
-          <p:cNvPr id="3" name="Content Placeholder 2"/>
-          <p:cNvSpPr>
-            <a:spLocks noGrp="1"/>
-          </p:cNvSpPr>
-          <p:nvPr>
-            <p:ph sz="quarter" idx="10"/>
-          </p:nvPr>
-        </p:nvSpPr>
-        <p:spPr/>
-        <p:txBody>
-          <a:bodyPr/>
-          <a:lstStyle/>
-          <a:p>
-            <a:r>
-              <a:rPr lang="en-US" b="1" dirty="0" smtClean="0"/>
-              <a:t>name '</a:t>
-            </a:r>
-            <a:r>
-              <a:rPr lang="en-US" b="1" dirty="0" err="1" smtClean="0"/>
-              <a:t>myname</a:t>
-            </a:r>
-            <a:r>
-              <a:rPr lang="en-US" b="1" dirty="0" smtClean="0"/>
-              <a:t>/profile-cis-3.1'</a:t>
-            </a:r>
-            <a:endParaRPr lang="en-US" b="1" dirty="0"/>
-          </a:p>
-          <a:p>
-            <a:r>
-              <a:rPr lang="en-US" b="1" dirty="0" smtClean="0"/>
-              <a:t>version </a:t>
-            </a:r>
-            <a:r>
-              <a:rPr lang="en-US" b="1" dirty="0"/>
-              <a:t>'0.1.0'</a:t>
-            </a:r>
-          </a:p>
-          <a:p>
-            <a:r>
-              <a:rPr lang="en-US" b="1" dirty="0"/>
-              <a:t>title </a:t>
-            </a:r>
-            <a:r>
-              <a:rPr lang="en-US" b="1" dirty="0" smtClean="0"/>
-              <a:t>'cis-3.1 </a:t>
-            </a:r>
-            <a:r>
-              <a:rPr lang="en-US" b="1" dirty="0"/>
-              <a:t>Profile'</a:t>
-            </a:r>
-          </a:p>
-          <a:p>
-            <a:r>
-              <a:rPr lang="en-US" b="1" dirty="0"/>
-              <a:t>maintainer 'My Name'</a:t>
-            </a:r>
-          </a:p>
-          <a:p>
-            <a:endParaRPr lang="en-US" dirty="0"/>
-          </a:p>
-        </p:txBody>
-      </p:sp>
-      <p:sp>
-        <p:nvSpPr>
-          <p:cNvPr id="4" name="Text Placeholder 3"/>
-          <p:cNvSpPr>
-            <a:spLocks noGrp="1"/>
-          </p:cNvSpPr>
-          <p:nvPr>
-            <p:ph type="body" sz="quarter" idx="11"/>
-          </p:nvPr>
-        </p:nvSpPr>
-        <p:spPr/>
-        <p:txBody>
-          <a:bodyPr/>
-          <a:lstStyle/>
-          <a:p>
-            <a:endParaRPr lang="en-US" dirty="0" smtClean="0"/>
-          </a:p>
-          <a:p>
-            <a:r>
-              <a:rPr lang="en-US" dirty="0" smtClean="0"/>
-              <a:t>~/</a:t>
-            </a:r>
-            <a:r>
-              <a:rPr lang="en-US" dirty="0" err="1" smtClean="0"/>
-              <a:t>compliance_profiles</a:t>
-            </a:r>
-            <a:r>
-              <a:rPr lang="en-US" dirty="0" smtClean="0"/>
-              <a:t>/profile_02/metadata.rb</a:t>
-            </a:r>
-            <a:endParaRPr lang="en-US" dirty="0"/>
-          </a:p>
-          <a:p>
-            <a:endParaRPr lang="en-US" dirty="0"/>
-          </a:p>
-        </p:txBody>
-      </p:sp>
-    </p:spTree>
-    <p:extLst>
-      <p:ext uri="{BB962C8B-B14F-4D97-AF65-F5344CB8AC3E}">
-        <p14:creationId xmlns:p14="http://schemas.microsoft.com/office/powerpoint/2010/main" val="3097342790"/>
-      </p:ext>
-    </p:extLst>
-  </p:cSld>
-  <p:clrMapOvr>
-    <a:masterClrMapping/>
-  </p:clrMapOvr>
-  <p:transition spd="med">
-    <p:fade/>
-  </p:transition>
-</p:sld>
-</file>
-
-<file path=ppt/slides/slide26.xml><?xml version="1.0" encoding="utf-8"?>
-<p:sld xmlns:a="http://schemas.openxmlformats.org/drawingml/2006/main" xmlns:r="http://schemas.openxmlformats.org/officeDocument/2006/relationships" xmlns:p="http://schemas.openxmlformats.org/presentationml/2006/main">
-  <p:cSld>
-    <p:spTree>
-      <p:nvGrpSpPr>
-        <p:cNvPr id="1" name=""/>
-        <p:cNvGrpSpPr/>
-        <p:nvPr/>
-      </p:nvGrpSpPr>
-      <p:grpSpPr>
-        <a:xfrm>
-          <a:off x="0" y="0"/>
-          <a:ext cx="0" cy="0"/>
-          <a:chOff x="0" y="0"/>
-          <a:chExt cx="0" cy="0"/>
-        </a:xfrm>
-      </p:grpSpPr>
-      <p:sp>
-        <p:nvSpPr>
-          <p:cNvPr id="8" name="Text Placeholder 7"/>
-          <p:cNvSpPr>
-            <a:spLocks noGrp="1"/>
-          </p:cNvSpPr>
-          <p:nvPr>
-            <p:ph type="body" sz="quarter" idx="11"/>
-          </p:nvPr>
-        </p:nvSpPr>
-        <p:spPr>
-          <a:xfrm>
-            <a:off x="1121104" y="1337149"/>
-            <a:ext cx="14422528" cy="1214982"/>
-          </a:xfrm>
-        </p:spPr>
-        <p:txBody>
-          <a:bodyPr/>
-          <a:lstStyle/>
-          <a:p>
-            <a:r>
-              <a:rPr lang="en-US" dirty="0" smtClean="0"/>
-              <a:t>$ mkdir test</a:t>
-            </a:r>
-          </a:p>
-          <a:p>
-            <a:r>
-              <a:rPr lang="en-US" dirty="0" smtClean="0"/>
-              <a:t>$ cd test</a:t>
-            </a:r>
-          </a:p>
-        </p:txBody>
-      </p:sp>
-      <p:sp>
-        <p:nvSpPr>
-          <p:cNvPr id="4" name="Title 3"/>
-          <p:cNvSpPr>
-            <a:spLocks noGrp="1"/>
-          </p:cNvSpPr>
-          <p:nvPr>
-            <p:ph type="title"/>
-          </p:nvPr>
-        </p:nvSpPr>
-        <p:spPr/>
-        <p:txBody>
-          <a:bodyPr>
-            <a:normAutofit fontScale="90000"/>
-          </a:bodyPr>
-          <a:lstStyle/>
-          <a:p>
-            <a:r>
-              <a:rPr lang="en-US" dirty="0" smtClean="0"/>
-              <a:t>GL: Create and Move </a:t>
-            </a:r>
-            <a:r>
-              <a:rPr lang="en-US" dirty="0" smtClean="0"/>
-              <a:t>in to </a:t>
-            </a:r>
-            <a:r>
-              <a:rPr lang="en-US" dirty="0" smtClean="0"/>
-              <a:t>the `test` Directory</a:t>
-            </a:r>
-            <a:endParaRPr lang="en-US" dirty="0"/>
-          </a:p>
-        </p:txBody>
-      </p:sp>
-    </p:spTree>
-    <p:extLst>
-      <p:ext uri="{BB962C8B-B14F-4D97-AF65-F5344CB8AC3E}">
-        <p14:creationId xmlns:p14="http://schemas.microsoft.com/office/powerpoint/2010/main" val="2722624365"/>
-      </p:ext>
-    </p:extLst>
-  </p:cSld>
-  <p:clrMapOvr>
-    <a:masterClrMapping/>
-  </p:clrMapOvr>
-  <p:transition spd="med">
-    <p:fade/>
-  </p:transition>
-</p:sld>
-</file>
-
-<file path=ppt/slides/slide27.xml><?xml version="1.0" encoding="utf-8"?>
-<p:sld xmlns:a="http://schemas.openxmlformats.org/drawingml/2006/main" xmlns:r="http://schemas.openxmlformats.org/officeDocument/2006/relationships" xmlns:p="http://schemas.openxmlformats.org/presentationml/2006/main">
-  <p:cSld>
-    <p:spTree>
-      <p:nvGrpSpPr>
-        <p:cNvPr id="1" name=""/>
-        <p:cNvGrpSpPr/>
-        <p:nvPr/>
-      </p:nvGrpSpPr>
-      <p:grpSpPr>
-        <a:xfrm>
-          <a:off x="0" y="0"/>
-          <a:ext cx="0" cy="0"/>
-          <a:chOff x="0" y="0"/>
-          <a:chExt cx="0" cy="0"/>
-        </a:xfrm>
-      </p:grpSpPr>
-      <p:sp>
-        <p:nvSpPr>
-          <p:cNvPr id="2" name="Title 1"/>
-          <p:cNvSpPr>
-            <a:spLocks noGrp="1"/>
-          </p:cNvSpPr>
-          <p:nvPr>
-            <p:ph type="title"/>
-          </p:nvPr>
-        </p:nvSpPr>
-        <p:spPr/>
-        <p:txBody>
-          <a:bodyPr/>
-          <a:lstStyle/>
-          <a:p>
-            <a:r>
-              <a:rPr lang="en-US" dirty="0" smtClean="0"/>
-              <a:t>GL: </a:t>
-            </a:r>
-            <a:r>
-              <a:rPr lang="en-US" dirty="0"/>
-              <a:t>Create a </a:t>
-            </a:r>
-            <a:r>
-              <a:rPr lang="en-US" dirty="0" smtClean="0"/>
-              <a:t>`Set Daemon </a:t>
-            </a:r>
-            <a:r>
-              <a:rPr lang="en-US" dirty="0" err="1" smtClean="0"/>
-              <a:t>umask</a:t>
-            </a:r>
-            <a:r>
-              <a:rPr lang="en-US" dirty="0" smtClean="0"/>
-              <a:t>' </a:t>
-            </a:r>
-            <a:r>
-              <a:rPr lang="en-US" dirty="0"/>
-              <a:t>Control</a:t>
-            </a:r>
-          </a:p>
-        </p:txBody>
-      </p:sp>
-      <p:sp>
-        <p:nvSpPr>
-          <p:cNvPr id="3" name="Content Placeholder 2"/>
-          <p:cNvSpPr>
-            <a:spLocks noGrp="1"/>
-          </p:cNvSpPr>
-          <p:nvPr>
-            <p:ph sz="quarter" idx="10"/>
-          </p:nvPr>
-        </p:nvSpPr>
-        <p:spPr/>
-        <p:txBody>
-          <a:bodyPr/>
-          <a:lstStyle/>
-          <a:p>
-            <a:r>
-              <a:rPr lang="en-US" b="1" dirty="0"/>
-              <a:t>control 'cis-3.1' do</a:t>
-            </a:r>
-          </a:p>
-          <a:p>
-            <a:r>
-              <a:rPr lang="en-US" b="1" dirty="0"/>
-              <a:t>  impact 0.7</a:t>
-            </a:r>
-          </a:p>
-          <a:p>
-            <a:r>
-              <a:rPr lang="en-US" b="1" dirty="0"/>
-              <a:t>  title 'Set Daemon </a:t>
-            </a:r>
-            <a:r>
-              <a:rPr lang="en-US" b="1" dirty="0" err="1"/>
-              <a:t>umask</a:t>
-            </a:r>
-            <a:r>
-              <a:rPr lang="en-US" b="1" dirty="0"/>
-              <a:t>'</a:t>
-            </a:r>
-          </a:p>
-          <a:p>
-            <a:r>
-              <a:rPr lang="en-US" b="1" dirty="0"/>
-              <a:t>    describe file('/etc/</a:t>
-            </a:r>
-            <a:r>
-              <a:rPr lang="en-US" b="1" dirty="0" err="1"/>
-              <a:t>sysconfig</a:t>
-            </a:r>
-            <a:r>
-              <a:rPr lang="en-US" b="1" dirty="0"/>
-              <a:t>/</a:t>
-            </a:r>
-            <a:r>
-              <a:rPr lang="en-US" b="1" dirty="0" err="1"/>
-              <a:t>init</a:t>
-            </a:r>
-            <a:r>
-              <a:rPr lang="en-US" b="1" dirty="0"/>
-              <a:t>') do</a:t>
-            </a:r>
-          </a:p>
-          <a:p>
-            <a:r>
-              <a:rPr lang="en-US" b="1" dirty="0"/>
-              <a:t>      its('content') {should match '</a:t>
-            </a:r>
-            <a:r>
-              <a:rPr lang="en-US" b="1" dirty="0" err="1"/>
-              <a:t>umask</a:t>
-            </a:r>
-            <a:r>
-              <a:rPr lang="en-US" b="1" dirty="0"/>
-              <a:t> 027'}</a:t>
-            </a:r>
-          </a:p>
-          <a:p>
-            <a:r>
-              <a:rPr lang="en-US" b="1" dirty="0"/>
-              <a:t>    end</a:t>
-            </a:r>
-          </a:p>
-          <a:p>
-            <a:r>
-              <a:rPr lang="en-US" b="1" dirty="0"/>
-              <a:t>end</a:t>
-            </a:r>
-          </a:p>
-        </p:txBody>
-      </p:sp>
-      <p:sp>
-        <p:nvSpPr>
-          <p:cNvPr id="4" name="Text Placeholder 3"/>
-          <p:cNvSpPr>
-            <a:spLocks noGrp="1"/>
-          </p:cNvSpPr>
-          <p:nvPr>
-            <p:ph type="body" sz="quarter" idx="11"/>
-          </p:nvPr>
-        </p:nvSpPr>
-        <p:spPr/>
-        <p:txBody>
-          <a:bodyPr/>
-          <a:lstStyle/>
-          <a:p>
-            <a:r>
-              <a:rPr lang="en-US" dirty="0" smtClean="0"/>
-              <a:t>~/</a:t>
-            </a:r>
-            <a:r>
-              <a:rPr lang="en-US" dirty="0" err="1" smtClean="0"/>
-              <a:t>compliance_profiles</a:t>
-            </a:r>
-            <a:r>
-              <a:rPr lang="en-US" dirty="0" smtClean="0"/>
-              <a:t>/profile_02/test/cis31.rb</a:t>
-            </a:r>
-            <a:endParaRPr lang="en-US" dirty="0"/>
-          </a:p>
-        </p:txBody>
-      </p:sp>
-    </p:spTree>
-    <p:extLst>
-      <p:ext uri="{BB962C8B-B14F-4D97-AF65-F5344CB8AC3E}">
-        <p14:creationId xmlns:p14="http://schemas.microsoft.com/office/powerpoint/2010/main" val="775384550"/>
-      </p:ext>
-    </p:extLst>
-  </p:cSld>
-  <p:clrMapOvr>
-    <a:masterClrMapping/>
-  </p:clrMapOvr>
-  <p:transition spd="med">
-    <p:fade/>
-  </p:transition>
-</p:sld>
-</file>
-
-<file path=ppt/slides/slide28.xml><?xml version="1.0" encoding="utf-8"?>
-<p:sld xmlns:a="http://schemas.openxmlformats.org/drawingml/2006/main" xmlns:r="http://schemas.openxmlformats.org/officeDocument/2006/relationships" xmlns:p="http://schemas.openxmlformats.org/presentationml/2006/main">
-  <p:cSld>
-    <p:spTree>
-      <p:nvGrpSpPr>
-        <p:cNvPr id="1" name=""/>
-        <p:cNvGrpSpPr/>
-        <p:nvPr/>
-      </p:nvGrpSpPr>
-      <p:grpSpPr>
-        <a:xfrm>
-          <a:off x="0" y="0"/>
-          <a:ext cx="0" cy="0"/>
-          <a:chOff x="0" y="0"/>
-          <a:chExt cx="0" cy="0"/>
-        </a:xfrm>
-      </p:grpSpPr>
-      <p:sp>
-        <p:nvSpPr>
-          <p:cNvPr id="2" name="Content Placeholder 1"/>
-          <p:cNvSpPr>
-            <a:spLocks noGrp="1"/>
-          </p:cNvSpPr>
-          <p:nvPr>
-            <p:ph sz="quarter" idx="10"/>
-          </p:nvPr>
-        </p:nvSpPr>
-        <p:spPr/>
-        <p:txBody>
-          <a:bodyPr/>
-          <a:lstStyle/>
-          <a:p>
-            <a:r>
-              <a:rPr lang="en-US" sz="2000" dirty="0"/>
-              <a:t>F</a:t>
-            </a:r>
-          </a:p>
-          <a:p>
-            <a:r>
-              <a:rPr lang="en-US" sz="2000" dirty="0" smtClean="0"/>
-              <a:t>Failures</a:t>
-            </a:r>
-            <a:r>
-              <a:rPr lang="en-US" sz="2000" dirty="0"/>
-              <a:t>:</a:t>
-            </a:r>
-          </a:p>
-          <a:p>
-            <a:endParaRPr lang="en-US" sz="2000" dirty="0"/>
-          </a:p>
-          <a:p>
-            <a:r>
-              <a:rPr lang="en-US" sz="2000" dirty="0"/>
-              <a:t>  1) File /etc/</a:t>
-            </a:r>
-            <a:r>
-              <a:rPr lang="en-US" sz="2000" dirty="0" err="1"/>
-              <a:t>sysconfig</a:t>
-            </a:r>
-            <a:r>
-              <a:rPr lang="en-US" sz="2000" dirty="0"/>
-              <a:t>/</a:t>
-            </a:r>
-            <a:r>
-              <a:rPr lang="en-US" sz="2000" dirty="0" err="1"/>
-              <a:t>init</a:t>
-            </a:r>
-            <a:r>
-              <a:rPr lang="en-US" sz="2000" dirty="0"/>
-              <a:t> content should match "</a:t>
-            </a:r>
-            <a:r>
-              <a:rPr lang="en-US" sz="2000" dirty="0" err="1"/>
-              <a:t>umask</a:t>
-            </a:r>
-            <a:r>
-              <a:rPr lang="en-US" sz="2000" dirty="0"/>
-              <a:t> 027"</a:t>
-            </a:r>
-          </a:p>
-          <a:p>
-            <a:r>
-              <a:rPr lang="en-US" sz="2000" dirty="0"/>
-              <a:t>     Failure/Error: its('content') {should match '</a:t>
-            </a:r>
-            <a:r>
-              <a:rPr lang="en-US" sz="2000" dirty="0" err="1"/>
-              <a:t>umask</a:t>
-            </a:r>
-            <a:r>
-              <a:rPr lang="en-US" sz="2000" dirty="0"/>
-              <a:t> 027'}</a:t>
-            </a:r>
-          </a:p>
-          <a:p>
-            <a:r>
-              <a:rPr lang="en-US" sz="2000" dirty="0"/>
-              <a:t>       expected "# color =&gt; new RH6.0 </a:t>
-            </a:r>
-            <a:r>
-              <a:rPr lang="en-US" sz="2000" dirty="0" err="1"/>
-              <a:t>bootup</a:t>
-            </a:r>
-            <a:r>
-              <a:rPr lang="en-US" sz="2000" dirty="0"/>
-              <a:t>\n# verbose =&gt; old-style </a:t>
-            </a:r>
-            <a:r>
-              <a:rPr lang="en-US" sz="2000" dirty="0" err="1"/>
-              <a:t>bootup</a:t>
-            </a:r>
-            <a:r>
-              <a:rPr lang="en-US" sz="2000" dirty="0"/>
-              <a:t>\n# anything else =&gt; new style </a:t>
-            </a:r>
-            <a:r>
-              <a:rPr lang="en-US" sz="2000" dirty="0" err="1"/>
-              <a:t>bootup</a:t>
-            </a:r>
-            <a:r>
-              <a:rPr lang="en-US" sz="2000" dirty="0"/>
-              <a:t> without ANSI colors or positioning\</a:t>
-            </a:r>
-            <a:r>
-              <a:rPr lang="en-US" sz="2000" dirty="0" err="1"/>
-              <a:t>nBOOTUP</a:t>
-            </a:r>
-            <a:r>
-              <a:rPr lang="en-US" sz="2000" dirty="0"/>
-              <a:t>=color\n# column to start \"[  OK  ]\" label in \</a:t>
-            </a:r>
-            <a:r>
-              <a:rPr lang="en-US" sz="2000" dirty="0" err="1"/>
-              <a:t>nRES_COL</a:t>
-            </a:r>
-            <a:r>
-              <a:rPr lang="en-US" sz="2000" dirty="0"/>
-              <a:t>=60\n# terminal sequence to move to that column. </a:t>
-            </a:r>
-            <a:r>
-              <a:rPr lang="en-US" sz="2000" dirty="0" smtClean="0"/>
-              <a:t>...</a:t>
-            </a:r>
-            <a:endParaRPr lang="en-US" sz="2000" dirty="0"/>
-          </a:p>
-          <a:p>
-            <a:r>
-              <a:rPr lang="en-US" sz="2000" dirty="0"/>
-              <a:t>Finished in 0.03128 seconds (files took 0.46609 seconds to load)</a:t>
-            </a:r>
-          </a:p>
-          <a:p>
-            <a:r>
-              <a:rPr lang="en-US" sz="2000" dirty="0"/>
-              <a:t>1 example, 1 failure</a:t>
-            </a:r>
-          </a:p>
-          <a:p>
-            <a:endParaRPr lang="en-US" sz="2000" dirty="0"/>
-          </a:p>
-          <a:p>
-            <a:r>
-              <a:rPr lang="en-US" sz="2000" dirty="0"/>
-              <a:t>Failed examples:</a:t>
-            </a:r>
-          </a:p>
-          <a:p>
-            <a:endParaRPr lang="en-US" sz="2000" dirty="0"/>
-          </a:p>
-          <a:p>
-            <a:r>
-              <a:rPr lang="en-US" sz="2000" dirty="0" err="1"/>
-              <a:t>rspec</a:t>
-            </a:r>
-            <a:r>
-              <a:rPr lang="en-US" sz="2000" dirty="0"/>
-              <a:t>  # File /etc/</a:t>
-            </a:r>
-            <a:r>
-              <a:rPr lang="en-US" sz="2000" dirty="0" err="1"/>
-              <a:t>sysconfig</a:t>
-            </a:r>
-            <a:r>
-              <a:rPr lang="en-US" sz="2000" dirty="0"/>
-              <a:t>/</a:t>
-            </a:r>
-            <a:r>
-              <a:rPr lang="en-US" sz="2000" dirty="0" err="1"/>
-              <a:t>init</a:t>
-            </a:r>
-            <a:r>
-              <a:rPr lang="en-US" sz="2000" dirty="0"/>
-              <a:t> content should match "</a:t>
-            </a:r>
-            <a:r>
-              <a:rPr lang="en-US" sz="2000" dirty="0" err="1"/>
-              <a:t>umask</a:t>
-            </a:r>
-            <a:r>
-              <a:rPr lang="en-US" sz="2000" dirty="0"/>
-              <a:t> 027"</a:t>
-            </a:r>
-          </a:p>
-          <a:p>
-            <a:endParaRPr lang="en-US" sz="2000" dirty="0"/>
-          </a:p>
-        </p:txBody>
-      </p:sp>
-      <p:sp>
-        <p:nvSpPr>
-          <p:cNvPr id="3" name="Text Placeholder 2"/>
-          <p:cNvSpPr>
-            <a:spLocks noGrp="1"/>
-          </p:cNvSpPr>
-          <p:nvPr>
-            <p:ph type="body" sz="quarter" idx="11"/>
-          </p:nvPr>
-        </p:nvSpPr>
-        <p:spPr/>
-        <p:txBody>
-          <a:bodyPr/>
-          <a:lstStyle/>
-          <a:p>
-            <a:endParaRPr lang="en-US" dirty="0" smtClean="0"/>
-          </a:p>
-          <a:p>
-            <a:r>
-              <a:rPr lang="en-US" dirty="0" smtClean="0"/>
-              <a:t>$ </a:t>
-            </a:r>
-            <a:r>
-              <a:rPr lang="en-US" dirty="0" err="1" smtClean="0"/>
-              <a:t>inspec</a:t>
-            </a:r>
-            <a:r>
-              <a:rPr lang="en-US" dirty="0" smtClean="0"/>
-              <a:t> </a:t>
-            </a:r>
-            <a:r>
-              <a:rPr lang="en-US" dirty="0"/>
-              <a:t>exec ~/</a:t>
-            </a:r>
-            <a:r>
-              <a:rPr lang="en-US" dirty="0" err="1"/>
-              <a:t>compliance_profiles</a:t>
-            </a:r>
-            <a:r>
-              <a:rPr lang="en-US" dirty="0"/>
-              <a:t>/profile_02/test/cis31.rb</a:t>
-            </a:r>
-          </a:p>
-          <a:p>
-            <a:endParaRPr lang="en-US" dirty="0"/>
-          </a:p>
-        </p:txBody>
-      </p:sp>
-      <p:sp>
-        <p:nvSpPr>
-          <p:cNvPr id="4" name="Title 3"/>
-          <p:cNvSpPr>
-            <a:spLocks noGrp="1"/>
-          </p:cNvSpPr>
-          <p:nvPr>
-            <p:ph type="title"/>
-          </p:nvPr>
-        </p:nvSpPr>
-        <p:spPr/>
-        <p:txBody>
-          <a:bodyPr/>
-          <a:lstStyle/>
-          <a:p>
-            <a:r>
-              <a:rPr lang="en-US" dirty="0" smtClean="0"/>
-              <a:t>GL: Test the Control with `</a:t>
-            </a:r>
-            <a:r>
-              <a:rPr lang="en-US" dirty="0" err="1" smtClean="0"/>
-              <a:t>inspec</a:t>
-            </a:r>
-            <a:r>
-              <a:rPr lang="en-US" dirty="0" smtClean="0"/>
-              <a:t> exec`</a:t>
-            </a:r>
-            <a:endParaRPr lang="en-US" dirty="0"/>
-          </a:p>
-        </p:txBody>
-      </p:sp>
-      <p:sp>
-        <p:nvSpPr>
-          <p:cNvPr id="5" name="Rectangle 4"/>
-          <p:cNvSpPr/>
-          <p:nvPr/>
-        </p:nvSpPr>
-        <p:spPr bwMode="auto">
-          <a:xfrm>
-            <a:off x="1122159" y="2315963"/>
-            <a:ext cx="14431939" cy="2011738"/>
-          </a:xfrm>
-          <a:prstGeom prst="rect">
-            <a:avLst/>
-          </a:prstGeom>
-          <a:solidFill>
-            <a:schemeClr val="accent1">
-              <a:alpha val="40000"/>
-            </a:schemeClr>
-          </a:solidFill>
-          <a:ln>
-            <a:noFill/>
-            <a:headEnd type="none" w="med" len="med"/>
-            <a:tailEnd type="none" w="med" len="med"/>
-          </a:ln>
-          <a:effectLst/>
-        </p:spPr>
-        <p:style>
-          <a:lnRef idx="1">
-            <a:schemeClr val="accent4"/>
-          </a:lnRef>
-          <a:fillRef idx="3">
-            <a:schemeClr val="accent4"/>
-          </a:fillRef>
-          <a:effectRef idx="2">
-            <a:schemeClr val="accent4"/>
-          </a:effectRef>
-          <a:fontRef idx="minor">
-            <a:schemeClr val="lt1"/>
-          </a:fontRef>
-        </p:style>
-        <p:txBody>
-          <a:bodyPr vert="horz" wrap="square" lIns="121915" tIns="60957" rIns="121915" bIns="60957" numCol="1" rtlCol="0" anchor="ctr" anchorCtr="0" compatLnSpc="1">
-            <a:prstTxWarp prst="textNoShape">
-              <a:avLst/>
-            </a:prstTxWarp>
-          </a:bodyPr>
-          <a:lstStyle/>
-          <a:p>
-            <a:pPr algn="ctr" defTabSz="1218768"/>
-            <a:endParaRPr lang="en-US" sz="3200" dirty="0">
-              <a:gradFill>
-                <a:gsLst>
-                  <a:gs pos="0">
-                    <a:srgbClr val="FFFFFF"/>
-                  </a:gs>
-                  <a:gs pos="100000">
-                    <a:srgbClr val="FFFFFF"/>
-                  </a:gs>
-                </a:gsLst>
-                <a:lin ang="5400000" scaled="0"/>
-              </a:gradFill>
-            </a:endParaRPr>
-          </a:p>
-        </p:txBody>
-      </p:sp>
-    </p:spTree>
-    <p:extLst>
-      <p:ext uri="{BB962C8B-B14F-4D97-AF65-F5344CB8AC3E}">
-        <p14:creationId xmlns:p14="http://schemas.microsoft.com/office/powerpoint/2010/main" val="1936151433"/>
-      </p:ext>
-    </p:extLst>
-  </p:cSld>
-  <p:clrMapOvr>
-    <a:masterClrMapping/>
-  </p:clrMapOvr>
-  <p:transition spd="med">
-    <p:fade/>
-  </p:transition>
-</p:sld>
-</file>
-
-<file path=ppt/slides/slide29.xml><?xml version="1.0" encoding="utf-8"?>
-<p:sld xmlns:a="http://schemas.openxmlformats.org/drawingml/2006/main" xmlns:r="http://schemas.openxmlformats.org/officeDocument/2006/relationships" xmlns:p="http://schemas.openxmlformats.org/presentationml/2006/main">
-  <p:cSld>
-    <p:spTree>
-      <p:nvGrpSpPr>
-        <p:cNvPr id="1" name=""/>
-        <p:cNvGrpSpPr/>
-        <p:nvPr/>
-      </p:nvGrpSpPr>
-      <p:grpSpPr>
-        <a:xfrm>
-          <a:off x="0" y="0"/>
-          <a:ext cx="0" cy="0"/>
-          <a:chOff x="0" y="0"/>
-          <a:chExt cx="0" cy="0"/>
-        </a:xfrm>
-      </p:grpSpPr>
-      <p:sp>
-        <p:nvSpPr>
-          <p:cNvPr id="2" name="Content Placeholder 1"/>
-          <p:cNvSpPr>
-            <a:spLocks noGrp="1"/>
-          </p:cNvSpPr>
-          <p:nvPr>
-            <p:ph sz="quarter" idx="10"/>
-          </p:nvPr>
-        </p:nvSpPr>
-        <p:spPr>
-          <a:xfrm>
-            <a:off x="1121104" y="3566159"/>
-            <a:ext cx="14423693" cy="4330283"/>
-          </a:xfrm>
-        </p:spPr>
-        <p:txBody>
-          <a:bodyPr/>
-          <a:lstStyle/>
-          <a:p>
-            <a:r>
-              <a:rPr lang="en-US" dirty="0"/>
-              <a:t> adding: profile_02/ (stored 0%)</a:t>
-            </a:r>
-          </a:p>
-          <a:p>
-            <a:r>
-              <a:rPr lang="en-US" dirty="0"/>
-              <a:t>  adding: profile_02/metadata.rb (deflated 13%)</a:t>
-            </a:r>
-          </a:p>
-          <a:p>
-            <a:r>
-              <a:rPr lang="en-US" dirty="0"/>
-              <a:t>  adding: profile_02/test/ (stored 0%)</a:t>
-            </a:r>
-          </a:p>
-          <a:p>
-            <a:r>
-              <a:rPr lang="en-US" dirty="0"/>
-              <a:t>  adding: profile_02/test/cis31.rb (deflated 20%)</a:t>
-            </a:r>
-          </a:p>
-        </p:txBody>
-      </p:sp>
-      <p:sp>
-        <p:nvSpPr>
-          <p:cNvPr id="3" name="Text Placeholder 2"/>
-          <p:cNvSpPr>
-            <a:spLocks noGrp="1"/>
-          </p:cNvSpPr>
-          <p:nvPr>
-            <p:ph type="body" sz="quarter" idx="11"/>
-          </p:nvPr>
-        </p:nvSpPr>
-        <p:spPr>
-          <a:xfrm>
-            <a:off x="1121104" y="1337149"/>
-            <a:ext cx="14422528" cy="1406051"/>
-          </a:xfrm>
-        </p:spPr>
-        <p:txBody>
-          <a:bodyPr/>
-          <a:lstStyle/>
-          <a:p>
-            <a:r>
-              <a:rPr lang="en-US" dirty="0" smtClean="0"/>
-              <a:t>$</a:t>
-            </a:r>
-            <a:r>
-              <a:rPr lang="en-US" dirty="0"/>
-              <a:t> cd ~/</a:t>
-            </a:r>
-            <a:r>
-              <a:rPr lang="en-US" dirty="0" err="1" smtClean="0"/>
-              <a:t>compliance_profiles</a:t>
-            </a:r>
-            <a:endParaRPr lang="en-US" dirty="0" smtClean="0"/>
-          </a:p>
-          <a:p>
-            <a:r>
-              <a:rPr lang="en-US" dirty="0"/>
-              <a:t>$ zip -r </a:t>
-            </a:r>
-            <a:r>
-              <a:rPr lang="en-US" dirty="0" smtClean="0"/>
-              <a:t>profile_02.zip profile_02</a:t>
-            </a:r>
-            <a:endParaRPr lang="en-US" dirty="0"/>
-          </a:p>
-        </p:txBody>
-      </p:sp>
-      <p:sp>
-        <p:nvSpPr>
-          <p:cNvPr id="4" name="Title 3"/>
-          <p:cNvSpPr>
-            <a:spLocks noGrp="1"/>
-          </p:cNvSpPr>
-          <p:nvPr>
-            <p:ph type="title"/>
-          </p:nvPr>
-        </p:nvSpPr>
-        <p:spPr/>
-        <p:txBody>
-          <a:bodyPr/>
-          <a:lstStyle/>
-          <a:p>
-            <a:r>
-              <a:rPr lang="en-US" dirty="0" smtClean="0"/>
-              <a:t>GL: Zip up your New Profile</a:t>
-            </a:r>
-            <a:endParaRPr lang="en-US" dirty="0"/>
-          </a:p>
-        </p:txBody>
-      </p:sp>
-    </p:spTree>
-    <p:extLst>
-      <p:ext uri="{BB962C8B-B14F-4D97-AF65-F5344CB8AC3E}">
-        <p14:creationId xmlns:p14="http://schemas.microsoft.com/office/powerpoint/2010/main" val="3411759177"/>
-      </p:ext>
-    </p:extLst>
-  </p:cSld>
-  <p:clrMapOvr>
-    <a:masterClrMapping/>
-  </p:clrMapOvr>
-  <p:transition spd="med">
-    <p:fade/>
-  </p:transition>
-</p:sld>
-</file>
-
-<file path=ppt/slides/slide3.xml><?xml version="1.0" encoding="utf-8"?>
-<p:sld xmlns:a="http://schemas.openxmlformats.org/drawingml/2006/main" xmlns:r="http://schemas.openxmlformats.org/officeDocument/2006/relationships" xmlns:p="http://schemas.openxmlformats.org/presentationml/2006/main">
-  <p:cSld>
-    <p:spTree>
-      <p:nvGrpSpPr>
-        <p:cNvPr id="1" name=""/>
-        <p:cNvGrpSpPr/>
-        <p:nvPr/>
-      </p:nvGrpSpPr>
-      <p:grpSpPr>
-        <a:xfrm>
-          <a:off x="0" y="0"/>
-          <a:ext cx="0" cy="0"/>
-          <a:chOff x="0" y="0"/>
-          <a:chExt cx="0" cy="0"/>
-        </a:xfrm>
-      </p:grpSpPr>
-      <p:sp>
-        <p:nvSpPr>
-          <p:cNvPr id="2" name="Title 1"/>
-          <p:cNvSpPr>
-            <a:spLocks noGrp="1"/>
-          </p:cNvSpPr>
-          <p:nvPr>
-            <p:ph type="ctrTitle"/>
-          </p:nvPr>
-        </p:nvSpPr>
-        <p:spPr/>
-        <p:txBody>
-          <a:bodyPr>
-            <a:normAutofit fontScale="90000"/>
-          </a:bodyPr>
-          <a:lstStyle/>
-          <a:p>
-            <a:r>
-              <a:rPr lang="en-US" dirty="0" smtClean="0"/>
-              <a:t>CIS Compliance Frameworks</a:t>
-            </a:r>
-            <a:endParaRPr lang="en-US" dirty="0"/>
-          </a:p>
-        </p:txBody>
-      </p:sp>
-      <p:sp>
-        <p:nvSpPr>
-          <p:cNvPr id="3" name="Subtitle 2"/>
-          <p:cNvSpPr>
-            <a:spLocks noGrp="1"/>
-          </p:cNvSpPr>
-          <p:nvPr>
-            <p:ph type="subTitle" idx="1"/>
-          </p:nvPr>
-        </p:nvSpPr>
-        <p:spPr>
-          <a:xfrm>
-            <a:off x="1671638" y="3271838"/>
-            <a:ext cx="12319000" cy="4317682"/>
-          </a:xfrm>
-        </p:spPr>
-        <p:txBody>
-          <a:bodyPr/>
-          <a:lstStyle/>
-          <a:p>
-            <a:r>
-              <a:rPr lang="en-US" dirty="0" smtClean="0"/>
-              <a:t>The </a:t>
-            </a:r>
-            <a:r>
-              <a:rPr lang="en-US" dirty="0"/>
-              <a:t>CIS </a:t>
-            </a:r>
-            <a:r>
-              <a:rPr lang="en-US" dirty="0" smtClean="0"/>
-              <a:t>Security </a:t>
-            </a:r>
-            <a:r>
-              <a:rPr lang="en-US" dirty="0"/>
-              <a:t>Benchmarks program provides well-defined, un-biased and consensus-based industry best practices to help organizations assess and improve their security. </a:t>
-            </a:r>
-            <a:endParaRPr lang="en-US" dirty="0" smtClean="0"/>
-          </a:p>
-          <a:p>
-            <a:endParaRPr lang="en-US" dirty="0"/>
-          </a:p>
-          <a:p>
-            <a:r>
-              <a:rPr lang="en-US" dirty="0" smtClean="0"/>
-              <a:t>Resources </a:t>
-            </a:r>
-            <a:r>
-              <a:rPr lang="en-US" dirty="0"/>
-              <a:t>include secure configuration benchmarks, automated configuration assessment tools and content, security metrics and security software product certifications</a:t>
-            </a:r>
-            <a:r>
-              <a:rPr lang="en-US" dirty="0" smtClean="0"/>
-              <a:t>.</a:t>
-            </a:r>
-          </a:p>
-          <a:p>
-            <a:endParaRPr lang="en-US" dirty="0"/>
-          </a:p>
-          <a:p>
-            <a:pPr algn="ctr"/>
-            <a:r>
-              <a:rPr lang="en-US" dirty="0">
-                <a:hlinkClick r:id="rId3"/>
-              </a:rPr>
-              <a:t>https://benchmarks.cisecurity.org</a:t>
-            </a:r>
-            <a:r>
-              <a:rPr lang="en-US" dirty="0" smtClean="0">
-                <a:hlinkClick r:id="rId3"/>
-              </a:rPr>
-              <a:t>/</a:t>
-            </a:r>
-            <a:endParaRPr lang="en-US" dirty="0" smtClean="0"/>
-          </a:p>
-          <a:p>
-            <a:endParaRPr lang="en-US" dirty="0"/>
-          </a:p>
-          <a:p>
-            <a:endParaRPr lang="en-US" dirty="0"/>
-          </a:p>
-        </p:txBody>
-      </p:sp>
-    </p:spTree>
-    <p:extLst>
-      <p:ext uri="{BB962C8B-B14F-4D97-AF65-F5344CB8AC3E}">
-        <p14:creationId xmlns:p14="http://schemas.microsoft.com/office/powerpoint/2010/main" val="2733593429"/>
-      </p:ext>
-    </p:extLst>
-  </p:cSld>
-  <p:clrMapOvr>
-    <a:masterClrMapping/>
-  </p:clrMapOvr>
-  <p:transition spd="med">
-    <p:fade/>
-  </p:transition>
-  <p:timing>
-    <p:tnLst>
-      <p:par>
-        <p:cTn id="1" dur="indefinite" restart="never" nodeType="tmRoot"/>
-      </p:par>
-    </p:tnLst>
-  </p:timing>
-</p:sld>
-</file>
-
-<file path=ppt/slides/slide30.xml><?xml version="1.0" encoding="utf-8"?>
-<p:sld xmlns:a="http://schemas.openxmlformats.org/drawingml/2006/main" xmlns:r="http://schemas.openxmlformats.org/officeDocument/2006/relationships" xmlns:p="http://schemas.openxmlformats.org/presentationml/2006/main">
-  <p:cSld>
-    <p:spTree>
-      <p:nvGrpSpPr>
-        <p:cNvPr id="1" name=""/>
-        <p:cNvGrpSpPr/>
-        <p:nvPr/>
-      </p:nvGrpSpPr>
-      <p:grpSpPr>
-        <a:xfrm>
-          <a:off x="0" y="0"/>
-          <a:ext cx="0" cy="0"/>
-          <a:chOff x="0" y="0"/>
-          <a:chExt cx="0" cy="0"/>
-        </a:xfrm>
-      </p:grpSpPr>
-      <p:sp>
-        <p:nvSpPr>
-          <p:cNvPr id="2" name="Content Placeholder 1"/>
-          <p:cNvSpPr>
-            <a:spLocks noGrp="1"/>
-          </p:cNvSpPr>
-          <p:nvPr>
-            <p:ph sz="quarter" idx="10"/>
-          </p:nvPr>
-        </p:nvSpPr>
-        <p:spPr>
-          <a:xfrm>
-            <a:off x="1121104" y="2398235"/>
-            <a:ext cx="14423693" cy="5498208"/>
-          </a:xfrm>
-        </p:spPr>
-        <p:txBody>
-          <a:bodyPr/>
-          <a:lstStyle/>
-          <a:p>
-            <a:r>
-              <a:rPr lang="en-US" dirty="0"/>
-              <a:t>total 12</a:t>
-            </a:r>
-          </a:p>
-          <a:p>
-            <a:r>
-              <a:rPr lang="en-US" dirty="0" err="1"/>
-              <a:t>drwxrwxr</a:t>
-            </a:r>
-            <a:r>
-              <a:rPr lang="en-US" dirty="0"/>
-              <a:t>-x 3 chef </a:t>
-            </a:r>
-            <a:r>
-              <a:rPr lang="en-US" dirty="0" err="1"/>
-              <a:t>chef</a:t>
-            </a:r>
-            <a:r>
-              <a:rPr lang="en-US" dirty="0"/>
-              <a:t> 4096 Dec 14 16:45 profile_01</a:t>
-            </a:r>
-          </a:p>
-          <a:p>
-            <a:r>
-              <a:rPr lang="en-US" dirty="0" err="1"/>
-              <a:t>drwxrwxr</a:t>
-            </a:r>
-            <a:r>
-              <a:rPr lang="en-US" dirty="0"/>
-              <a:t>-x 3 chef </a:t>
-            </a:r>
-            <a:r>
-              <a:rPr lang="en-US" dirty="0" err="1"/>
-              <a:t>chef</a:t>
-            </a:r>
-            <a:r>
-              <a:rPr lang="en-US" dirty="0"/>
-              <a:t> 4096 Dec 22 17:38 profile_02</a:t>
-            </a:r>
-          </a:p>
-          <a:p>
-            <a:r>
-              <a:rPr lang="en-US" dirty="0"/>
-              <a:t>-</a:t>
-            </a:r>
-            <a:r>
-              <a:rPr lang="en-US" dirty="0" err="1"/>
-              <a:t>rw</a:t>
-            </a:r>
-            <a:r>
-              <a:rPr lang="en-US" dirty="0"/>
-              <a:t>-</a:t>
-            </a:r>
-            <a:r>
-              <a:rPr lang="en-US" dirty="0" err="1"/>
-              <a:t>rw</a:t>
-            </a:r>
-            <a:r>
-              <a:rPr lang="en-US" dirty="0"/>
-              <a:t>-r-- 1 chef </a:t>
-            </a:r>
-            <a:r>
-              <a:rPr lang="en-US" dirty="0" err="1"/>
-              <a:t>chef</a:t>
-            </a:r>
-            <a:r>
-              <a:rPr lang="en-US" dirty="0"/>
-              <a:t>  886 Dec 22 17:46 profile_02.zip</a:t>
-            </a:r>
-          </a:p>
-        </p:txBody>
-      </p:sp>
-      <p:sp>
-        <p:nvSpPr>
-          <p:cNvPr id="3" name="Text Placeholder 2"/>
-          <p:cNvSpPr>
-            <a:spLocks noGrp="1"/>
-          </p:cNvSpPr>
-          <p:nvPr>
-            <p:ph type="body" sz="quarter" idx="11"/>
-          </p:nvPr>
-        </p:nvSpPr>
-        <p:spPr>
-          <a:xfrm>
-            <a:off x="1121104" y="1337149"/>
-            <a:ext cx="14422528" cy="857411"/>
-          </a:xfrm>
-        </p:spPr>
-        <p:txBody>
-          <a:bodyPr/>
-          <a:lstStyle/>
-          <a:p>
-            <a:r>
-              <a:rPr lang="en-US" dirty="0" smtClean="0"/>
-              <a:t>$</a:t>
-            </a:r>
-            <a:r>
-              <a:rPr lang="en-US" dirty="0"/>
-              <a:t> </a:t>
-            </a:r>
-            <a:r>
-              <a:rPr lang="en-US" dirty="0" smtClean="0"/>
-              <a:t>ls -l</a:t>
-            </a:r>
-            <a:endParaRPr lang="en-US" dirty="0"/>
-          </a:p>
-        </p:txBody>
-      </p:sp>
-      <p:sp>
-        <p:nvSpPr>
-          <p:cNvPr id="4" name="Title 3"/>
-          <p:cNvSpPr>
-            <a:spLocks noGrp="1"/>
-          </p:cNvSpPr>
-          <p:nvPr>
-            <p:ph type="title"/>
-          </p:nvPr>
-        </p:nvSpPr>
-        <p:spPr/>
-        <p:txBody>
-          <a:bodyPr/>
-          <a:lstStyle/>
-          <a:p>
-            <a:r>
-              <a:rPr lang="en-US" dirty="0" smtClean="0"/>
-              <a:t>GL: Verify the zip File's Creation</a:t>
-            </a:r>
-            <a:endParaRPr lang="en-US" dirty="0"/>
-          </a:p>
-        </p:txBody>
-      </p:sp>
-    </p:spTree>
-    <p:extLst>
-      <p:ext uri="{BB962C8B-B14F-4D97-AF65-F5344CB8AC3E}">
-        <p14:creationId xmlns:p14="http://schemas.microsoft.com/office/powerpoint/2010/main" val="2304482559"/>
-      </p:ext>
-    </p:extLst>
-  </p:cSld>
-  <p:clrMapOvr>
-    <a:masterClrMapping/>
-  </p:clrMapOvr>
-  <p:transition spd="med">
-    <p:fade/>
-  </p:transition>
-</p:sld>
-</file>
-
-<file path=ppt/slides/slide31.xml><?xml version="1.0" encoding="utf-8"?>
-<p:sld xmlns:a="http://schemas.openxmlformats.org/drawingml/2006/main" xmlns:r="http://schemas.openxmlformats.org/officeDocument/2006/relationships" xmlns:p="http://schemas.openxmlformats.org/presentationml/2006/main">
-  <p:cSld>
-    <p:spTree>
-      <p:nvGrpSpPr>
-        <p:cNvPr id="1" name=""/>
-        <p:cNvGrpSpPr/>
-        <p:nvPr/>
-      </p:nvGrpSpPr>
-      <p:grpSpPr>
-        <a:xfrm>
-          <a:off x="0" y="0"/>
-          <a:ext cx="0" cy="0"/>
-          <a:chOff x="0" y="0"/>
-          <a:chExt cx="0" cy="0"/>
-        </a:xfrm>
-      </p:grpSpPr>
-      <p:sp>
-        <p:nvSpPr>
-          <p:cNvPr id="2" name="Content Placeholder 1"/>
-          <p:cNvSpPr>
-            <a:spLocks noGrp="1"/>
-          </p:cNvSpPr>
-          <p:nvPr>
-            <p:ph sz="quarter" idx="10"/>
-          </p:nvPr>
-        </p:nvSpPr>
-        <p:spPr>
-          <a:xfrm>
-            <a:off x="1121104" y="2489675"/>
-            <a:ext cx="14423693" cy="5498208"/>
-          </a:xfrm>
-        </p:spPr>
-        <p:txBody>
-          <a:bodyPr/>
-          <a:lstStyle/>
-          <a:p>
-            <a:r>
-              <a:rPr lang="en-US" sz="2400" dirty="0"/>
-              <a:t>chef@52.90.148.31's password:</a:t>
-            </a:r>
-          </a:p>
-          <a:p>
-            <a:r>
-              <a:rPr lang="en-US" sz="2400" dirty="0"/>
-              <a:t>profile_02.zip                                100%  886     0.9KB/s   00:00</a:t>
-            </a:r>
-          </a:p>
-        </p:txBody>
-      </p:sp>
-      <p:sp>
-        <p:nvSpPr>
-          <p:cNvPr id="3" name="Text Placeholder 2"/>
-          <p:cNvSpPr>
-            <a:spLocks noGrp="1"/>
-          </p:cNvSpPr>
-          <p:nvPr>
-            <p:ph type="body" sz="quarter" idx="11"/>
-          </p:nvPr>
-        </p:nvSpPr>
-        <p:spPr>
-          <a:xfrm>
-            <a:off x="1121104" y="1337149"/>
-            <a:ext cx="14422528" cy="857411"/>
-          </a:xfrm>
-        </p:spPr>
-        <p:txBody>
-          <a:bodyPr/>
-          <a:lstStyle/>
-          <a:p>
-            <a:r>
-              <a:rPr lang="en-US" dirty="0"/>
-              <a:t>C:\tmp&gt;scp chef@52.90.148.31:~/</a:t>
-            </a:r>
-            <a:r>
-              <a:rPr lang="en-US" dirty="0" err="1" smtClean="0"/>
-              <a:t>compliance_profiles</a:t>
-            </a:r>
-            <a:r>
-              <a:rPr lang="en-US" dirty="0" smtClean="0"/>
-              <a:t>/profile_02.zip </a:t>
-            </a:r>
-            <a:r>
-              <a:rPr lang="en-US" dirty="0"/>
-              <a:t>.</a:t>
-            </a:r>
-          </a:p>
-        </p:txBody>
-      </p:sp>
-      <p:sp>
-        <p:nvSpPr>
-          <p:cNvPr id="4" name="Title 3"/>
-          <p:cNvSpPr>
-            <a:spLocks noGrp="1"/>
-          </p:cNvSpPr>
-          <p:nvPr>
-            <p:ph type="title"/>
-          </p:nvPr>
-        </p:nvSpPr>
-        <p:spPr/>
-        <p:txBody>
-          <a:bodyPr>
-            <a:normAutofit fontScale="90000"/>
-          </a:bodyPr>
-          <a:lstStyle/>
-          <a:p>
-            <a:r>
-              <a:rPr lang="en-US" dirty="0" smtClean="0"/>
-              <a:t>GL: From your Laptop Run the </a:t>
-            </a:r>
-            <a:r>
-              <a:rPr lang="en-US" dirty="0" err="1" smtClean="0"/>
-              <a:t>scp</a:t>
-            </a:r>
-            <a:r>
-              <a:rPr lang="en-US" dirty="0" smtClean="0"/>
-              <a:t> Command</a:t>
-            </a:r>
-            <a:endParaRPr lang="en-US" dirty="0"/>
-          </a:p>
-        </p:txBody>
-      </p:sp>
-    </p:spTree>
-    <p:extLst>
-      <p:ext uri="{BB962C8B-B14F-4D97-AF65-F5344CB8AC3E}">
-        <p14:creationId xmlns:p14="http://schemas.microsoft.com/office/powerpoint/2010/main" val="4224003325"/>
-      </p:ext>
-    </p:extLst>
-  </p:cSld>
-  <p:clrMapOvr>
-    <a:masterClrMapping/>
-  </p:clrMapOvr>
-  <p:transition spd="med">
-    <p:fade/>
-  </p:transition>
-  <p:timing>
-    <p:tnLst>
-      <p:par>
-        <p:cTn id="1" dur="indefinite" restart="never" nodeType="tmRoot"/>
-      </p:par>
-    </p:tnLst>
-  </p:timing>
-</p:sld>
-</file>
-
-<file path=ppt/slides/slide32.xml><?xml version="1.0" encoding="utf-8"?>
-<p:sld xmlns:a="http://schemas.openxmlformats.org/drawingml/2006/main" xmlns:r="http://schemas.openxmlformats.org/officeDocument/2006/relationships" xmlns:p="http://schemas.openxmlformats.org/presentationml/2006/main">
-  <p:cSld>
-    <p:spTree>
-      <p:nvGrpSpPr>
-        <p:cNvPr id="1" name=""/>
-        <p:cNvGrpSpPr/>
-        <p:nvPr/>
-      </p:nvGrpSpPr>
-      <p:grpSpPr>
-        <a:xfrm>
-          <a:off x="0" y="0"/>
-          <a:ext cx="0" cy="0"/>
-          <a:chOff x="0" y="0"/>
-          <a:chExt cx="0" cy="0"/>
-        </a:xfrm>
-      </p:grpSpPr>
-      <p:sp>
-        <p:nvSpPr>
-          <p:cNvPr id="2" name="Title 1"/>
-          <p:cNvSpPr>
-            <a:spLocks noGrp="1"/>
-          </p:cNvSpPr>
-          <p:nvPr>
-            <p:ph type="title"/>
-          </p:nvPr>
-        </p:nvSpPr>
-        <p:spPr/>
-        <p:txBody>
-          <a:bodyPr>
-            <a:normAutofit/>
-          </a:bodyPr>
-          <a:lstStyle/>
-          <a:p>
-            <a:r>
-              <a:rPr lang="en-US" dirty="0" smtClean="0"/>
-              <a:t>GL: </a:t>
-            </a:r>
-            <a:r>
-              <a:rPr lang="en-US" dirty="0"/>
-              <a:t>Upload the </a:t>
-            </a:r>
-            <a:r>
-              <a:rPr lang="en-US" dirty="0" smtClean="0"/>
-              <a:t>Profile </a:t>
-            </a:r>
-            <a:r>
-              <a:rPr lang="en-US" dirty="0"/>
-              <a:t>to Chef Compliance</a:t>
-            </a:r>
-          </a:p>
-        </p:txBody>
-      </p:sp>
-      <p:sp>
-        <p:nvSpPr>
-          <p:cNvPr id="6" name="Text Placeholder 2"/>
-          <p:cNvSpPr>
-            <a:spLocks noGrp="1"/>
-          </p:cNvSpPr>
-          <p:nvPr>
-            <p:ph type="body" sz="quarter" idx="12"/>
-          </p:nvPr>
-        </p:nvSpPr>
-        <p:spPr/>
-        <p:txBody>
-          <a:bodyPr/>
-          <a:lstStyle/>
-          <a:p>
-            <a:r>
-              <a:rPr lang="en-US" dirty="0" smtClean="0"/>
-              <a:t>From your Compliance Server Dashboard:</a:t>
-            </a:r>
-            <a:br>
-              <a:rPr lang="en-US" dirty="0" smtClean="0"/>
-            </a:br>
-            <a:r>
-              <a:rPr lang="en-US" dirty="0" smtClean="0"/>
-              <a:t>Click the </a:t>
-            </a:r>
-            <a:r>
-              <a:rPr lang="en-US" b="1" dirty="0" smtClean="0"/>
-              <a:t>Compliance</a:t>
-            </a:r>
-            <a:r>
-              <a:rPr lang="en-US" dirty="0" smtClean="0"/>
-              <a:t> button and then click the </a:t>
-            </a:r>
-            <a:r>
-              <a:rPr lang="en-US" b="1" dirty="0" smtClean="0"/>
-              <a:t>Add Profile </a:t>
-            </a:r>
-            <a:r>
-              <a:rPr lang="en-US" dirty="0" smtClean="0"/>
-              <a:t>button.</a:t>
-            </a:r>
-          </a:p>
-          <a:p>
-            <a:pPr marL="457200" indent="-457200">
-              <a:buFont typeface="Arial" panose="020B0604020202020204" pitchFamily="34" charset="0"/>
-              <a:buChar char="•"/>
-            </a:pPr>
-            <a:endParaRPr lang="en-US" dirty="0"/>
-          </a:p>
-          <a:p>
-            <a:endParaRPr lang="en-US" dirty="0" smtClean="0"/>
-          </a:p>
-          <a:p>
-            <a:pPr marL="457200" indent="-457200">
-              <a:buFont typeface="Arial" panose="020B0604020202020204" pitchFamily="34" charset="0"/>
-              <a:buChar char="•"/>
-            </a:pPr>
-            <a:endParaRPr lang="en-US" dirty="0"/>
-          </a:p>
-        </p:txBody>
-      </p:sp>
-      <p:pic>
-        <p:nvPicPr>
-          <p:cNvPr id="3" name="Picture 2"/>
-          <p:cNvPicPr>
-            <a:picLocks noChangeAspect="1"/>
-          </p:cNvPicPr>
-          <p:nvPr/>
-        </p:nvPicPr>
-        <p:blipFill>
-          <a:blip r:embed="rId3"/>
-          <a:stretch>
-            <a:fillRect/>
-          </a:stretch>
-        </p:blipFill>
-        <p:spPr>
-          <a:xfrm>
-            <a:off x="1169053" y="3543300"/>
-            <a:ext cx="13917895" cy="4206240"/>
-          </a:xfrm>
-          <a:prstGeom prst="rect">
-            <a:avLst/>
-          </a:prstGeom>
-          <a:ln>
-            <a:solidFill>
-              <a:schemeClr val="accent1"/>
-            </a:solidFill>
-          </a:ln>
-        </p:spPr>
-      </p:pic>
-      <p:cxnSp>
-        <p:nvCxnSpPr>
-          <p:cNvPr id="5" name="Straight Arrow Connector 4"/>
-          <p:cNvCxnSpPr/>
-          <p:nvPr/>
-        </p:nvCxnSpPr>
-        <p:spPr>
-          <a:xfrm>
-            <a:off x="3177540" y="2994660"/>
-            <a:ext cx="22860" cy="3749040"/>
-          </a:xfrm>
-          <a:prstGeom prst="straightConnector1">
-            <a:avLst/>
-          </a:prstGeom>
-          <a:ln w="38100">
-            <a:solidFill>
-              <a:schemeClr val="accent1"/>
-            </a:solidFill>
-            <a:tailEnd type="triangle"/>
-          </a:ln>
-        </p:spPr>
-        <p:style>
-          <a:lnRef idx="3">
-            <a:schemeClr val="accent1"/>
-          </a:lnRef>
-          <a:fillRef idx="0">
-            <a:schemeClr val="accent1"/>
-          </a:fillRef>
-          <a:effectRef idx="2">
-            <a:schemeClr val="accent1"/>
-          </a:effectRef>
-          <a:fontRef idx="minor">
-            <a:schemeClr val="tx1"/>
-          </a:fontRef>
-        </p:style>
-      </p:cxnSp>
-      <p:cxnSp>
-        <p:nvCxnSpPr>
-          <p:cNvPr id="8" name="Straight Arrow Connector 7"/>
-          <p:cNvCxnSpPr/>
-          <p:nvPr/>
-        </p:nvCxnSpPr>
-        <p:spPr>
-          <a:xfrm>
-            <a:off x="10988040" y="2820577"/>
-            <a:ext cx="2682240" cy="1042763"/>
-          </a:xfrm>
-          <a:prstGeom prst="straightConnector1">
-            <a:avLst/>
-          </a:prstGeom>
-          <a:ln w="38100">
-            <a:solidFill>
-              <a:schemeClr val="accent1"/>
-            </a:solidFill>
-            <a:tailEnd type="triangle"/>
-          </a:ln>
-        </p:spPr>
-        <p:style>
-          <a:lnRef idx="3">
-            <a:schemeClr val="accent1"/>
-          </a:lnRef>
-          <a:fillRef idx="0">
-            <a:schemeClr val="accent1"/>
-          </a:fillRef>
-          <a:effectRef idx="2">
-            <a:schemeClr val="accent1"/>
-          </a:effectRef>
-          <a:fontRef idx="minor">
-            <a:schemeClr val="tx1"/>
-          </a:fontRef>
-        </p:style>
-      </p:cxnSp>
-    </p:spTree>
-    <p:extLst>
-      <p:ext uri="{BB962C8B-B14F-4D97-AF65-F5344CB8AC3E}">
-        <p14:creationId xmlns:p14="http://schemas.microsoft.com/office/powerpoint/2010/main" val="3256934790"/>
-      </p:ext>
-    </p:extLst>
-  </p:cSld>
-  <p:clrMapOvr>
-    <a:masterClrMapping/>
-  </p:clrMapOvr>
-  <p:transition spd="med">
-    <p:fade/>
-  </p:transition>
-  <p:timing>
-    <p:tnLst>
-      <p:par>
-        <p:cTn id="1" dur="indefinite" restart="never" nodeType="tmRoot"/>
-      </p:par>
-    </p:tnLst>
-  </p:timing>
-</p:sld>
-</file>
-
-<file path=ppt/slides/slide33.xml><?xml version="1.0" encoding="utf-8"?>
-<p:sld xmlns:a="http://schemas.openxmlformats.org/drawingml/2006/main" xmlns:r="http://schemas.openxmlformats.org/officeDocument/2006/relationships" xmlns:p="http://schemas.openxmlformats.org/presentationml/2006/main">
-  <p:cSld>
-    <p:spTree>
-      <p:nvGrpSpPr>
-        <p:cNvPr id="1" name=""/>
-        <p:cNvGrpSpPr/>
-        <p:nvPr/>
-      </p:nvGrpSpPr>
-      <p:grpSpPr>
-        <a:xfrm>
-          <a:off x="0" y="0"/>
-          <a:ext cx="0" cy="0"/>
-          <a:chOff x="0" y="0"/>
-          <a:chExt cx="0" cy="0"/>
-        </a:xfrm>
-      </p:grpSpPr>
-      <p:sp>
-        <p:nvSpPr>
-          <p:cNvPr id="2" name="Title 1"/>
-          <p:cNvSpPr>
-            <a:spLocks noGrp="1"/>
-          </p:cNvSpPr>
-          <p:nvPr>
-            <p:ph type="title"/>
-          </p:nvPr>
-        </p:nvSpPr>
-        <p:spPr/>
-        <p:txBody>
-          <a:bodyPr>
-            <a:normAutofit/>
-          </a:bodyPr>
-          <a:lstStyle/>
-          <a:p>
-            <a:r>
-              <a:rPr lang="en-US" dirty="0" smtClean="0"/>
-              <a:t>GL: </a:t>
-            </a:r>
-            <a:r>
-              <a:rPr lang="en-US" dirty="0"/>
-              <a:t>Upload the </a:t>
-            </a:r>
-            <a:r>
-              <a:rPr lang="en-US" dirty="0" smtClean="0"/>
-              <a:t>Profile </a:t>
-            </a:r>
-            <a:r>
-              <a:rPr lang="en-US" dirty="0"/>
-              <a:t>to Chef Compliance</a:t>
-            </a:r>
-          </a:p>
-        </p:txBody>
-      </p:sp>
-      <p:sp>
-        <p:nvSpPr>
-          <p:cNvPr id="6" name="Text Placeholder 2"/>
-          <p:cNvSpPr>
-            <a:spLocks noGrp="1"/>
-          </p:cNvSpPr>
-          <p:nvPr>
-            <p:ph type="body" sz="quarter" idx="12"/>
-          </p:nvPr>
-        </p:nvSpPr>
-        <p:spPr/>
-        <p:txBody>
-          <a:bodyPr/>
-          <a:lstStyle/>
-          <a:p>
-            <a:r>
-              <a:rPr lang="en-US" dirty="0" smtClean="0"/>
-              <a:t>Select the new zip file (profile_02) from your laptop.</a:t>
-            </a:r>
-          </a:p>
-          <a:p>
-            <a:pPr marL="457200" indent="-457200">
-              <a:buFont typeface="Arial" panose="020B0604020202020204" pitchFamily="34" charset="0"/>
-              <a:buChar char="•"/>
-            </a:pPr>
-            <a:endParaRPr lang="en-US" dirty="0"/>
-          </a:p>
-          <a:p>
-            <a:endParaRPr lang="en-US" dirty="0" smtClean="0"/>
-          </a:p>
-          <a:p>
-            <a:pPr marL="457200" indent="-457200">
-              <a:buFont typeface="Arial" panose="020B0604020202020204" pitchFamily="34" charset="0"/>
-              <a:buChar char="•"/>
-            </a:pPr>
-            <a:endParaRPr lang="en-US" dirty="0"/>
-          </a:p>
-        </p:txBody>
-      </p:sp>
-      <p:pic>
-        <p:nvPicPr>
-          <p:cNvPr id="3" name="Picture 2"/>
-          <p:cNvPicPr>
-            <a:picLocks noChangeAspect="1"/>
-          </p:cNvPicPr>
-          <p:nvPr/>
-        </p:nvPicPr>
-        <p:blipFill>
-          <a:blip r:embed="rId3"/>
-          <a:stretch>
-            <a:fillRect/>
-          </a:stretch>
-        </p:blipFill>
-        <p:spPr>
-          <a:xfrm>
-            <a:off x="3689146" y="4790122"/>
-            <a:ext cx="8877709" cy="2136458"/>
-          </a:xfrm>
-          <a:prstGeom prst="rect">
-            <a:avLst/>
-          </a:prstGeom>
-          <a:ln>
-            <a:solidFill>
-              <a:schemeClr val="accent1"/>
-            </a:solidFill>
-          </a:ln>
-        </p:spPr>
-      </p:pic>
-    </p:spTree>
-    <p:extLst>
-      <p:ext uri="{BB962C8B-B14F-4D97-AF65-F5344CB8AC3E}">
-        <p14:creationId xmlns:p14="http://schemas.microsoft.com/office/powerpoint/2010/main" val="1814171085"/>
-      </p:ext>
-    </p:extLst>
-  </p:cSld>
-  <p:clrMapOvr>
-    <a:masterClrMapping/>
-  </p:clrMapOvr>
-  <p:transition spd="med">
-    <p:fade/>
-  </p:transition>
-  <p:timing>
-    <p:tnLst>
-      <p:par>
-        <p:cTn id="1" dur="indefinite" restart="never" nodeType="tmRoot"/>
-      </p:par>
-    </p:tnLst>
-  </p:timing>
-</p:sld>
-</file>
-
-<file path=ppt/slides/slide34.xml><?xml version="1.0" encoding="utf-8"?>
-<p:sld xmlns:a="http://schemas.openxmlformats.org/drawingml/2006/main" xmlns:r="http://schemas.openxmlformats.org/officeDocument/2006/relationships" xmlns:p="http://schemas.openxmlformats.org/presentationml/2006/main">
-  <p:cSld>
-    <p:spTree>
-      <p:nvGrpSpPr>
-        <p:cNvPr id="1" name=""/>
-        <p:cNvGrpSpPr/>
-        <p:nvPr/>
-      </p:nvGrpSpPr>
-      <p:grpSpPr>
-        <a:xfrm>
-          <a:off x="0" y="0"/>
-          <a:ext cx="0" cy="0"/>
-          <a:chOff x="0" y="0"/>
-          <a:chExt cx="0" cy="0"/>
-        </a:xfrm>
-      </p:grpSpPr>
-      <p:sp>
-        <p:nvSpPr>
-          <p:cNvPr id="2" name="Title 1"/>
-          <p:cNvSpPr>
-            <a:spLocks noGrp="1"/>
-          </p:cNvSpPr>
-          <p:nvPr>
-            <p:ph type="title"/>
-          </p:nvPr>
-        </p:nvSpPr>
-        <p:spPr/>
-        <p:txBody>
-          <a:bodyPr>
-            <a:normAutofit/>
-          </a:bodyPr>
-          <a:lstStyle/>
-          <a:p>
-            <a:r>
-              <a:rPr lang="en-US" dirty="0" smtClean="0"/>
-              <a:t>GL: </a:t>
-            </a:r>
-            <a:r>
-              <a:rPr lang="en-US" dirty="0"/>
-              <a:t>Upload the </a:t>
-            </a:r>
-            <a:r>
-              <a:rPr lang="en-US" dirty="0" smtClean="0"/>
-              <a:t>Profile </a:t>
-            </a:r>
-            <a:r>
-              <a:rPr lang="en-US" dirty="0"/>
-              <a:t>to Chef Compliance</a:t>
-            </a:r>
-          </a:p>
-        </p:txBody>
-      </p:sp>
-      <p:sp>
-        <p:nvSpPr>
-          <p:cNvPr id="6" name="Text Placeholder 2"/>
-          <p:cNvSpPr>
-            <a:spLocks noGrp="1"/>
-          </p:cNvSpPr>
-          <p:nvPr>
-            <p:ph type="body" sz="quarter" idx="12"/>
-          </p:nvPr>
-        </p:nvSpPr>
-        <p:spPr/>
-        <p:txBody>
-          <a:bodyPr/>
-          <a:lstStyle/>
-          <a:p>
-            <a:r>
-              <a:rPr lang="en-US" dirty="0"/>
-              <a:t>From </a:t>
-            </a:r>
-            <a:r>
-              <a:rPr lang="en-US" dirty="0" smtClean="0"/>
-              <a:t>the Dashboard</a:t>
-            </a:r>
-            <a:r>
-              <a:rPr lang="en-US" dirty="0"/>
-              <a:t>, </a:t>
-            </a:r>
-            <a:r>
-              <a:rPr lang="en-US" b="1" dirty="0"/>
-              <a:t>select your </a:t>
-            </a:r>
-            <a:r>
-              <a:rPr lang="en-US" b="1" dirty="0" smtClean="0"/>
-              <a:t>node</a:t>
-            </a:r>
-            <a:r>
-              <a:rPr lang="en-US" dirty="0" smtClean="0"/>
-              <a:t> and then click </a:t>
-            </a:r>
-            <a:r>
-              <a:rPr lang="en-US" dirty="0"/>
-              <a:t>the </a:t>
-            </a:r>
-            <a:r>
-              <a:rPr lang="en-US" b="1" dirty="0" smtClean="0"/>
-              <a:t>Scan</a:t>
-            </a:r>
-            <a:r>
-              <a:rPr lang="en-US" dirty="0" smtClean="0"/>
-              <a:t> </a:t>
-            </a:r>
-            <a:r>
-              <a:rPr lang="en-US" dirty="0"/>
-              <a:t>button.</a:t>
-            </a:r>
-            <a:endParaRPr lang="en-US" dirty="0" smtClean="0"/>
-          </a:p>
-          <a:p>
-            <a:pPr marL="457200" indent="-457200">
-              <a:buFont typeface="Arial" panose="020B0604020202020204" pitchFamily="34" charset="0"/>
-              <a:buChar char="•"/>
-            </a:pPr>
-            <a:endParaRPr lang="en-US" dirty="0"/>
-          </a:p>
-          <a:p>
-            <a:endParaRPr lang="en-US" dirty="0" smtClean="0"/>
-          </a:p>
-          <a:p>
-            <a:pPr marL="457200" indent="-457200">
-              <a:buFont typeface="Arial" panose="020B0604020202020204" pitchFamily="34" charset="0"/>
-              <a:buChar char="•"/>
-            </a:pPr>
-            <a:endParaRPr lang="en-US" dirty="0"/>
-          </a:p>
-        </p:txBody>
-      </p:sp>
-      <p:pic>
-        <p:nvPicPr>
-          <p:cNvPr id="3" name="Picture 2"/>
-          <p:cNvPicPr>
-            <a:picLocks noChangeAspect="1"/>
-          </p:cNvPicPr>
-          <p:nvPr/>
-        </p:nvPicPr>
-        <p:blipFill>
-          <a:blip r:embed="rId3"/>
-          <a:stretch>
-            <a:fillRect/>
-          </a:stretch>
-        </p:blipFill>
-        <p:spPr>
-          <a:xfrm>
-            <a:off x="2638777" y="3360420"/>
-            <a:ext cx="10978446" cy="4564454"/>
-          </a:xfrm>
-          <a:prstGeom prst="rect">
-            <a:avLst/>
-          </a:prstGeom>
-          <a:ln>
-            <a:solidFill>
-              <a:schemeClr val="accent1"/>
-            </a:solidFill>
-          </a:ln>
-        </p:spPr>
-      </p:pic>
-    </p:spTree>
-    <p:extLst>
-      <p:ext uri="{BB962C8B-B14F-4D97-AF65-F5344CB8AC3E}">
-        <p14:creationId xmlns:p14="http://schemas.microsoft.com/office/powerpoint/2010/main" val="1421935657"/>
-      </p:ext>
-    </p:extLst>
-  </p:cSld>
-  <p:clrMapOvr>
-    <a:masterClrMapping/>
-  </p:clrMapOvr>
-  <p:transition spd="med">
-    <p:fade/>
-  </p:transition>
-  <p:timing>
-    <p:tnLst>
-      <p:par>
-        <p:cTn id="1" dur="indefinite" restart="never" nodeType="tmRoot"/>
-      </p:par>
-    </p:tnLst>
-  </p:timing>
-</p:sld>
-</file>
-
-<file path=ppt/slides/slide35.xml><?xml version="1.0" encoding="utf-8"?>
-<p:sld xmlns:a="http://schemas.openxmlformats.org/drawingml/2006/main" xmlns:r="http://schemas.openxmlformats.org/officeDocument/2006/relationships" xmlns:p="http://schemas.openxmlformats.org/presentationml/2006/main">
-  <p:cSld>
-    <p:spTree>
-      <p:nvGrpSpPr>
-        <p:cNvPr id="1" name=""/>
-        <p:cNvGrpSpPr/>
-        <p:nvPr/>
-      </p:nvGrpSpPr>
-      <p:grpSpPr>
-        <a:xfrm>
-          <a:off x="0" y="0"/>
-          <a:ext cx="0" cy="0"/>
-          <a:chOff x="0" y="0"/>
-          <a:chExt cx="0" cy="0"/>
-        </a:xfrm>
-      </p:grpSpPr>
-      <p:sp>
-        <p:nvSpPr>
-          <p:cNvPr id="2" name="Title 1"/>
-          <p:cNvSpPr>
-            <a:spLocks noGrp="1"/>
-          </p:cNvSpPr>
-          <p:nvPr>
-            <p:ph type="title"/>
-          </p:nvPr>
-        </p:nvSpPr>
-        <p:spPr/>
-        <p:txBody>
-          <a:bodyPr>
-            <a:normAutofit/>
-          </a:bodyPr>
-          <a:lstStyle/>
-          <a:p>
-            <a:r>
-              <a:rPr lang="en-US" dirty="0" smtClean="0"/>
-              <a:t>GL: Scan Using the New Profile</a:t>
-            </a:r>
-            <a:endParaRPr lang="en-US" dirty="0"/>
-          </a:p>
-        </p:txBody>
-      </p:sp>
-      <p:sp>
-        <p:nvSpPr>
-          <p:cNvPr id="6" name="Text Placeholder 2"/>
-          <p:cNvSpPr>
-            <a:spLocks noGrp="1"/>
-          </p:cNvSpPr>
-          <p:nvPr>
-            <p:ph type="body" sz="quarter" idx="12"/>
-          </p:nvPr>
-        </p:nvSpPr>
-        <p:spPr>
-          <a:xfrm>
-            <a:off x="650040" y="1856198"/>
-            <a:ext cx="5842200" cy="5345953"/>
-          </a:xfrm>
-        </p:spPr>
-        <p:txBody>
-          <a:bodyPr/>
-          <a:lstStyle/>
-          <a:p>
-            <a:r>
-              <a:rPr lang="en-US" dirty="0" smtClean="0"/>
-              <a:t>From the resulting page, select only the new profile (admin/profile-cis-3.1) and then click </a:t>
-            </a:r>
-            <a:r>
-              <a:rPr lang="en-US" b="1" dirty="0" smtClean="0"/>
-              <a:t>Scan now</a:t>
-            </a:r>
-            <a:r>
-              <a:rPr lang="en-US" dirty="0" smtClean="0"/>
-              <a:t>.</a:t>
-            </a:r>
-          </a:p>
-          <a:p>
-            <a:endParaRPr lang="en-US" dirty="0"/>
-          </a:p>
-        </p:txBody>
-      </p:sp>
-      <p:pic>
-        <p:nvPicPr>
-          <p:cNvPr id="4" name="Picture 3"/>
-          <p:cNvPicPr>
-            <a:picLocks noChangeAspect="1"/>
-          </p:cNvPicPr>
-          <p:nvPr/>
-        </p:nvPicPr>
-        <p:blipFill>
-          <a:blip r:embed="rId3"/>
-          <a:stretch>
-            <a:fillRect/>
-          </a:stretch>
-        </p:blipFill>
-        <p:spPr>
-          <a:xfrm>
-            <a:off x="8472708" y="1259455"/>
-            <a:ext cx="6969438" cy="6730431"/>
-          </a:xfrm>
-          <a:prstGeom prst="rect">
-            <a:avLst/>
-          </a:prstGeom>
-          <a:ln>
-            <a:solidFill>
-              <a:schemeClr val="accent1"/>
-            </a:solidFill>
-          </a:ln>
-        </p:spPr>
-      </p:pic>
-    </p:spTree>
-    <p:extLst>
-      <p:ext uri="{BB962C8B-B14F-4D97-AF65-F5344CB8AC3E}">
-        <p14:creationId xmlns:p14="http://schemas.microsoft.com/office/powerpoint/2010/main" val="2791519806"/>
-      </p:ext>
-    </p:extLst>
-  </p:cSld>
-  <p:clrMapOvr>
-    <a:masterClrMapping/>
-  </p:clrMapOvr>
-  <p:transition spd="med">
-    <p:fade/>
-  </p:transition>
-  <p:timing>
-    <p:tnLst>
-      <p:par>
-        <p:cTn id="1" dur="indefinite" restart="never" nodeType="tmRoot"/>
-      </p:par>
-    </p:tnLst>
-  </p:timing>
-</p:sld>
-</file>
-
-<file path=ppt/slides/slide36.xml><?xml version="1.0" encoding="utf-8"?>
-<p:sld xmlns:a="http://schemas.openxmlformats.org/drawingml/2006/main" xmlns:r="http://schemas.openxmlformats.org/officeDocument/2006/relationships" xmlns:p="http://schemas.openxmlformats.org/presentationml/2006/main">
-  <p:cSld>
-    <p:spTree>
-      <p:nvGrpSpPr>
-        <p:cNvPr id="1" name=""/>
-        <p:cNvGrpSpPr/>
-        <p:nvPr/>
-      </p:nvGrpSpPr>
-      <p:grpSpPr>
-        <a:xfrm>
-          <a:off x="0" y="0"/>
-          <a:ext cx="0" cy="0"/>
-          <a:chOff x="0" y="0"/>
-          <a:chExt cx="0" cy="0"/>
-        </a:xfrm>
-      </p:grpSpPr>
-      <p:sp>
-        <p:nvSpPr>
-          <p:cNvPr id="2" name="Title 1"/>
-          <p:cNvSpPr>
-            <a:spLocks noGrp="1"/>
-          </p:cNvSpPr>
-          <p:nvPr>
-            <p:ph type="title"/>
-          </p:nvPr>
-        </p:nvSpPr>
-        <p:spPr/>
-        <p:txBody>
-          <a:bodyPr>
-            <a:normAutofit/>
-          </a:bodyPr>
-          <a:lstStyle/>
-          <a:p>
-            <a:r>
-              <a:rPr lang="en-US" dirty="0" smtClean="0"/>
-              <a:t>GL: Results of the Custom Profile Scan</a:t>
-            </a:r>
-            <a:endParaRPr lang="en-US" dirty="0"/>
-          </a:p>
-        </p:txBody>
-      </p:sp>
-      <p:sp>
-        <p:nvSpPr>
-          <p:cNvPr id="6" name="Text Placeholder 2"/>
-          <p:cNvSpPr>
-            <a:spLocks noGrp="1"/>
-          </p:cNvSpPr>
-          <p:nvPr>
-            <p:ph type="body" sz="quarter" idx="12"/>
-          </p:nvPr>
-        </p:nvSpPr>
-        <p:spPr>
-          <a:xfrm>
-            <a:off x="297180" y="1856198"/>
-            <a:ext cx="2720340" cy="5345953"/>
-          </a:xfrm>
-        </p:spPr>
-        <p:txBody>
-          <a:bodyPr/>
-          <a:lstStyle/>
-          <a:p>
-            <a:r>
-              <a:rPr lang="en-US" dirty="0" smtClean="0"/>
-              <a:t>The results of your scan should look like this example.</a:t>
-            </a:r>
-          </a:p>
-          <a:p>
-            <a:pPr marL="457200" indent="-457200">
-              <a:buFont typeface="Arial" panose="020B0604020202020204" pitchFamily="34" charset="0"/>
-              <a:buChar char="•"/>
-            </a:pPr>
-            <a:endParaRPr lang="en-US" dirty="0"/>
-          </a:p>
-          <a:p>
-            <a:endParaRPr lang="en-US" dirty="0" smtClean="0"/>
-          </a:p>
-          <a:p>
-            <a:pPr marL="457200" indent="-457200">
-              <a:buFont typeface="Arial" panose="020B0604020202020204" pitchFamily="34" charset="0"/>
-              <a:buChar char="•"/>
-            </a:pPr>
-            <a:endParaRPr lang="en-US" dirty="0"/>
-          </a:p>
-        </p:txBody>
-      </p:sp>
-      <p:pic>
-        <p:nvPicPr>
-          <p:cNvPr id="3" name="Picture 2"/>
-          <p:cNvPicPr>
-            <a:picLocks noChangeAspect="1"/>
-          </p:cNvPicPr>
-          <p:nvPr/>
-        </p:nvPicPr>
-        <p:blipFill>
-          <a:blip r:embed="rId3"/>
-          <a:stretch>
-            <a:fillRect/>
-          </a:stretch>
-        </p:blipFill>
-        <p:spPr>
-          <a:xfrm>
-            <a:off x="3510279" y="1575434"/>
-            <a:ext cx="11672047" cy="5374005"/>
-          </a:xfrm>
-          <a:prstGeom prst="rect">
-            <a:avLst/>
-          </a:prstGeom>
-          <a:ln>
-            <a:solidFill>
-              <a:schemeClr val="accent1"/>
-            </a:solidFill>
-          </a:ln>
-        </p:spPr>
-      </p:pic>
-    </p:spTree>
-    <p:extLst>
-      <p:ext uri="{BB962C8B-B14F-4D97-AF65-F5344CB8AC3E}">
-        <p14:creationId xmlns:p14="http://schemas.microsoft.com/office/powerpoint/2010/main" val="2495160734"/>
-      </p:ext>
-    </p:extLst>
-  </p:cSld>
-  <p:clrMapOvr>
-    <a:masterClrMapping/>
-  </p:clrMapOvr>
-  <p:transition spd="med">
-    <p:fade/>
-  </p:transition>
-  <p:timing>
-    <p:tnLst>
-      <p:par>
-        <p:cTn id="1" dur="indefinite" restart="never" nodeType="tmRoot"/>
-      </p:par>
-    </p:tnLst>
-  </p:timing>
-</p:sld>
-</file>
-
-<file path=ppt/slides/slide37.xml><?xml version="1.0" encoding="utf-8"?>
-<p:sld xmlns:a="http://schemas.openxmlformats.org/drawingml/2006/main" xmlns:r="http://schemas.openxmlformats.org/officeDocument/2006/relationships" xmlns:p="http://schemas.openxmlformats.org/presentationml/2006/main">
-  <p:cSld>
-    <p:spTree>
-      <p:nvGrpSpPr>
-        <p:cNvPr id="1" name=""/>
-        <p:cNvGrpSpPr/>
-        <p:nvPr/>
-      </p:nvGrpSpPr>
-      <p:grpSpPr>
-        <a:xfrm>
-          <a:off x="0" y="0"/>
-          <a:ext cx="0" cy="0"/>
-          <a:chOff x="0" y="0"/>
-          <a:chExt cx="0" cy="0"/>
-        </a:xfrm>
-      </p:grpSpPr>
-      <p:sp>
-        <p:nvSpPr>
-          <p:cNvPr id="2" name="Title 1"/>
-          <p:cNvSpPr>
-            <a:spLocks noGrp="1"/>
-          </p:cNvSpPr>
-          <p:nvPr>
-            <p:ph type="title"/>
-          </p:nvPr>
-        </p:nvSpPr>
-        <p:spPr/>
-        <p:txBody>
-          <a:bodyPr>
-            <a:normAutofit/>
-          </a:bodyPr>
-          <a:lstStyle/>
-          <a:p>
-            <a:r>
-              <a:rPr lang="en-US" dirty="0" smtClean="0"/>
-              <a:t>GL: Results of the Custom Profile Scan</a:t>
-            </a:r>
-            <a:endParaRPr lang="en-US" dirty="0"/>
-          </a:p>
-        </p:txBody>
-      </p:sp>
-      <p:sp>
-        <p:nvSpPr>
-          <p:cNvPr id="6" name="Text Placeholder 2"/>
-          <p:cNvSpPr>
-            <a:spLocks noGrp="1"/>
-          </p:cNvSpPr>
-          <p:nvPr>
-            <p:ph type="body" sz="quarter" idx="12"/>
-          </p:nvPr>
-        </p:nvSpPr>
-        <p:spPr>
-          <a:xfrm>
-            <a:off x="297180" y="1856198"/>
-            <a:ext cx="15544800" cy="5345953"/>
-          </a:xfrm>
-        </p:spPr>
-        <p:txBody>
-          <a:bodyPr/>
-          <a:lstStyle/>
-          <a:p>
-            <a:r>
-              <a:rPr lang="en-US" dirty="0" smtClean="0"/>
-              <a:t>You should also be able to see your custom profile from your Compliance page.</a:t>
-            </a:r>
-          </a:p>
-          <a:p>
-            <a:pPr marL="457200" indent="-457200">
-              <a:buFont typeface="Arial" panose="020B0604020202020204" pitchFamily="34" charset="0"/>
-              <a:buChar char="•"/>
-            </a:pPr>
-            <a:endParaRPr lang="en-US" dirty="0"/>
-          </a:p>
-          <a:p>
-            <a:endParaRPr lang="en-US" dirty="0" smtClean="0"/>
-          </a:p>
-          <a:p>
-            <a:pPr marL="457200" indent="-457200">
-              <a:buFont typeface="Arial" panose="020B0604020202020204" pitchFamily="34" charset="0"/>
-              <a:buChar char="•"/>
-            </a:pPr>
-            <a:endParaRPr lang="en-US" dirty="0"/>
-          </a:p>
-        </p:txBody>
-      </p:sp>
-      <p:pic>
-        <p:nvPicPr>
-          <p:cNvPr id="4" name="Picture 3"/>
-          <p:cNvPicPr>
-            <a:picLocks noChangeAspect="1"/>
-          </p:cNvPicPr>
-          <p:nvPr/>
-        </p:nvPicPr>
-        <p:blipFill>
-          <a:blip r:embed="rId3"/>
-          <a:stretch>
-            <a:fillRect/>
-          </a:stretch>
-        </p:blipFill>
-        <p:spPr>
-          <a:xfrm>
-            <a:off x="2410860" y="3772169"/>
-            <a:ext cx="11434280" cy="3663801"/>
-          </a:xfrm>
-          <a:prstGeom prst="rect">
-            <a:avLst/>
-          </a:prstGeom>
-          <a:ln>
-            <a:solidFill>
-              <a:schemeClr val="accent1"/>
-            </a:solidFill>
-          </a:ln>
-        </p:spPr>
-      </p:pic>
-    </p:spTree>
-    <p:extLst>
-      <p:ext uri="{BB962C8B-B14F-4D97-AF65-F5344CB8AC3E}">
-        <p14:creationId xmlns:p14="http://schemas.microsoft.com/office/powerpoint/2010/main" val="807637005"/>
-      </p:ext>
-    </p:extLst>
-  </p:cSld>
-  <p:clrMapOvr>
-    <a:masterClrMapping/>
-  </p:clrMapOvr>
-  <p:transition spd="med">
-    <p:fade/>
-  </p:transition>
-  <p:timing>
-    <p:tnLst>
-      <p:par>
-        <p:cTn id="1" dur="indefinite" restart="never" nodeType="tmRoot"/>
-      </p:par>
-    </p:tnLst>
-  </p:timing>
-</p:sld>
-</file>
-
-<file path=ppt/slides/slide38.xml><?xml version="1.0" encoding="utf-8"?>
-<p:sld xmlns:a="http://schemas.openxmlformats.org/drawingml/2006/main" xmlns:r="http://schemas.openxmlformats.org/officeDocument/2006/relationships" xmlns:p="http://schemas.openxmlformats.org/presentationml/2006/main">
-  <p:cSld>
-    <p:spTree>
-      <p:nvGrpSpPr>
-        <p:cNvPr id="1" name=""/>
-        <p:cNvGrpSpPr/>
-        <p:nvPr/>
-      </p:nvGrpSpPr>
-      <p:grpSpPr>
-        <a:xfrm>
-          <a:off x="0" y="0"/>
-          <a:ext cx="0" cy="0"/>
-          <a:chOff x="0" y="0"/>
-          <a:chExt cx="0" cy="0"/>
-        </a:xfrm>
-      </p:grpSpPr>
-      <p:sp>
-        <p:nvSpPr>
-          <p:cNvPr id="2" name="Title 1"/>
-          <p:cNvSpPr>
-            <a:spLocks noGrp="1"/>
-          </p:cNvSpPr>
-          <p:nvPr>
-            <p:ph type="ctrTitle"/>
-          </p:nvPr>
-        </p:nvSpPr>
-        <p:spPr/>
-        <p:txBody>
-          <a:bodyPr>
-            <a:normAutofit fontScale="90000"/>
-          </a:bodyPr>
-          <a:lstStyle/>
-          <a:p>
-            <a:r>
-              <a:rPr lang="en-US" dirty="0" smtClean="0"/>
-              <a:t>DoD Compliance Frameworks</a:t>
-            </a:r>
-            <a:endParaRPr lang="en-US" dirty="0"/>
-          </a:p>
-        </p:txBody>
-      </p:sp>
-      <p:sp>
-        <p:nvSpPr>
-          <p:cNvPr id="3" name="Subtitle 2"/>
-          <p:cNvSpPr>
-            <a:spLocks noGrp="1"/>
-          </p:cNvSpPr>
-          <p:nvPr>
-            <p:ph type="subTitle" idx="1"/>
-          </p:nvPr>
-        </p:nvSpPr>
-        <p:spPr>
-          <a:xfrm>
-            <a:off x="1671638" y="3271838"/>
-            <a:ext cx="12319000" cy="4317682"/>
-          </a:xfrm>
-        </p:spPr>
-        <p:txBody>
-          <a:bodyPr/>
-          <a:lstStyle/>
-          <a:p>
-            <a:r>
-              <a:rPr lang="en-US" dirty="0" smtClean="0"/>
-              <a:t>Department of Defense (DoD) STIGs</a:t>
-            </a:r>
-            <a:endParaRPr lang="en-US" dirty="0"/>
-          </a:p>
-          <a:p>
-            <a:endParaRPr lang="en-US" dirty="0" smtClean="0"/>
-          </a:p>
-          <a:p>
-            <a:r>
-              <a:rPr lang="en-US" dirty="0" smtClean="0"/>
-              <a:t>The </a:t>
-            </a:r>
-            <a:r>
-              <a:rPr lang="en-US" dirty="0"/>
-              <a:t>Security Technical Implementation Guides (STIGs) and the NSA Guides are the configuration standards for DOD IA and IA-enabled devices/systems. </a:t>
-            </a:r>
-          </a:p>
-          <a:p>
-            <a:endParaRPr lang="en-US" dirty="0"/>
-          </a:p>
-        </p:txBody>
-      </p:sp>
-    </p:spTree>
-    <p:extLst>
-      <p:ext uri="{BB962C8B-B14F-4D97-AF65-F5344CB8AC3E}">
-        <p14:creationId xmlns:p14="http://schemas.microsoft.com/office/powerpoint/2010/main" val="2951886090"/>
-      </p:ext>
-    </p:extLst>
-  </p:cSld>
-  <p:clrMapOvr>
-    <a:masterClrMapping/>
-  </p:clrMapOvr>
-  <p:transition spd="med">
-    <p:fade/>
-  </p:transition>
-  <p:timing>
-    <p:tnLst>
-      <p:par>
-        <p:cTn id="1" dur="indefinite" restart="never" nodeType="tmRoot"/>
-      </p:par>
-    </p:tnLst>
-  </p:timing>
-</p:sld>
-</file>
-
-<file path=ppt/slides/slide39.xml><?xml version="1.0" encoding="utf-8"?>
-<p:sld xmlns:a="http://schemas.openxmlformats.org/drawingml/2006/main" xmlns:r="http://schemas.openxmlformats.org/officeDocument/2006/relationships" xmlns:p="http://schemas.openxmlformats.org/presentationml/2006/main">
-  <p:cSld>
-    <p:spTree>
-      <p:nvGrpSpPr>
-        <p:cNvPr id="1" name=""/>
-        <p:cNvGrpSpPr/>
-        <p:nvPr/>
-      </p:nvGrpSpPr>
-      <p:grpSpPr>
-        <a:xfrm>
-          <a:off x="0" y="0"/>
-          <a:ext cx="0" cy="0"/>
-          <a:chOff x="0" y="0"/>
-          <a:chExt cx="0" cy="0"/>
-        </a:xfrm>
-      </p:grpSpPr>
-      <p:sp>
-        <p:nvSpPr>
           <p:cNvPr id="2" name="Title 1"/>
           <p:cNvSpPr>
             <a:spLocks noGrp="1"/>
@@ -23343,236 +16714,7 @@
 </p:sld>
 </file>
 
-<file path=ppt/slides/slide4.xml><?xml version="1.0" encoding="utf-8"?>
-<p:sld xmlns:a="http://schemas.openxmlformats.org/drawingml/2006/main" xmlns:r="http://schemas.openxmlformats.org/officeDocument/2006/relationships" xmlns:p="http://schemas.openxmlformats.org/presentationml/2006/main">
-  <p:cSld>
-    <p:spTree>
-      <p:nvGrpSpPr>
-        <p:cNvPr id="1" name=""/>
-        <p:cNvGrpSpPr/>
-        <p:nvPr/>
-      </p:nvGrpSpPr>
-      <p:grpSpPr>
-        <a:xfrm>
-          <a:off x="0" y="0"/>
-          <a:ext cx="0" cy="0"/>
-          <a:chOff x="0" y="0"/>
-          <a:chExt cx="0" cy="0"/>
-        </a:xfrm>
-      </p:grpSpPr>
-      <p:sp>
-        <p:nvSpPr>
-          <p:cNvPr id="2" name="Title 1"/>
-          <p:cNvSpPr>
-            <a:spLocks noGrp="1"/>
-          </p:cNvSpPr>
-          <p:nvPr>
-            <p:ph type="ctrTitle"/>
-          </p:nvPr>
-        </p:nvSpPr>
-        <p:spPr/>
-        <p:txBody>
-          <a:bodyPr>
-            <a:normAutofit fontScale="90000"/>
-          </a:bodyPr>
-          <a:lstStyle/>
-          <a:p>
-            <a:r>
-              <a:rPr lang="en-US" dirty="0" smtClean="0"/>
-              <a:t>Group Lab:</a:t>
-            </a:r>
-            <a:br>
-              <a:rPr lang="en-US" dirty="0" smtClean="0"/>
-            </a:br>
-            <a:r>
-              <a:rPr lang="en-US" dirty="0" smtClean="0"/>
-              <a:t> Compliance Frameworks - CIS</a:t>
-            </a:r>
-            <a:endParaRPr lang="en-US" dirty="0"/>
-          </a:p>
-        </p:txBody>
-      </p:sp>
-      <p:sp>
-        <p:nvSpPr>
-          <p:cNvPr id="4" name="Content Placeholder 3"/>
-          <p:cNvSpPr>
-            <a:spLocks noGrp="1"/>
-          </p:cNvSpPr>
-          <p:nvPr>
-            <p:ph sz="quarter" idx="11"/>
-          </p:nvPr>
-        </p:nvSpPr>
-        <p:spPr/>
-        <p:txBody>
-          <a:bodyPr/>
-          <a:lstStyle/>
-          <a:p>
-            <a:r>
-              <a:rPr lang="en-US" dirty="0" smtClean="0"/>
-              <a:t>Translating a CIS benchmark into an </a:t>
-            </a:r>
-            <a:r>
-              <a:rPr lang="en-US" dirty="0" err="1" smtClean="0"/>
-              <a:t>InSpec</a:t>
-            </a:r>
-            <a:r>
-              <a:rPr lang="en-US" dirty="0" smtClean="0"/>
-              <a:t> control and Compliance profile.</a:t>
-            </a:r>
-            <a:endParaRPr lang="en-US" dirty="0"/>
-          </a:p>
-        </p:txBody>
-      </p:sp>
-      <p:sp>
-        <p:nvSpPr>
-          <p:cNvPr id="3" name="Subtitle 2"/>
-          <p:cNvSpPr>
-            <a:spLocks noGrp="1"/>
-          </p:cNvSpPr>
-          <p:nvPr>
-            <p:ph type="body" sz="quarter" idx="10"/>
-          </p:nvPr>
-        </p:nvSpPr>
-        <p:spPr/>
-        <p:txBody>
-          <a:bodyPr/>
-          <a:lstStyle/>
-          <a:p>
-            <a:pPr marL="342900" indent="-342900">
-              <a:buFont typeface="Wingdings" panose="05000000000000000000" pitchFamily="2" charset="2"/>
-              <a:buChar char="q"/>
-            </a:pPr>
-            <a:r>
-              <a:rPr lang="en-US" dirty="0" smtClean="0"/>
-              <a:t>Download </a:t>
-            </a:r>
-            <a:r>
-              <a:rPr lang="en-US" dirty="0"/>
-              <a:t>the benchmark PDF for the </a:t>
-            </a:r>
-            <a:r>
-              <a:rPr lang="en-US" dirty="0" smtClean="0"/>
-              <a:t>platform </a:t>
-            </a:r>
-            <a:r>
-              <a:rPr lang="en-US" dirty="0"/>
-              <a:t>of your scanning </a:t>
-            </a:r>
-            <a:r>
-              <a:rPr lang="en-US" dirty="0" smtClean="0"/>
-              <a:t>target</a:t>
-            </a:r>
-            <a:endParaRPr lang="en-US" dirty="0"/>
-          </a:p>
-          <a:p>
-            <a:pPr marL="342900" indent="-342900">
-              <a:buFont typeface="Wingdings" panose="05000000000000000000" pitchFamily="2" charset="2"/>
-              <a:buChar char="q"/>
-            </a:pPr>
-            <a:r>
-              <a:rPr lang="en-US" dirty="0" smtClean="0"/>
-              <a:t>Implement </a:t>
-            </a:r>
-            <a:r>
-              <a:rPr lang="en-US" dirty="0"/>
-              <a:t>Section 3 - Specialty Purpose Services as </a:t>
-            </a:r>
-            <a:r>
-              <a:rPr lang="en-US" dirty="0" err="1"/>
-              <a:t>InSpec</a:t>
-            </a:r>
-            <a:r>
-              <a:rPr lang="en-US" dirty="0"/>
-              <a:t> </a:t>
-            </a:r>
-            <a:r>
-              <a:rPr lang="en-US" dirty="0" smtClean="0"/>
-              <a:t>controls.</a:t>
-            </a:r>
-          </a:p>
-          <a:p>
-            <a:pPr marL="342900" indent="-342900">
-              <a:buFont typeface="Wingdings" panose="05000000000000000000" pitchFamily="2" charset="2"/>
-              <a:buChar char="q"/>
-            </a:pPr>
-            <a:r>
-              <a:rPr lang="en-US" dirty="0" smtClean="0"/>
-              <a:t>Use </a:t>
-            </a:r>
-            <a:r>
-              <a:rPr lang="en-US" dirty="0"/>
-              <a:t>`</a:t>
-            </a:r>
-            <a:r>
-              <a:rPr lang="en-US" dirty="0" err="1"/>
-              <a:t>inspec</a:t>
-            </a:r>
-            <a:r>
-              <a:rPr lang="en-US" dirty="0"/>
-              <a:t> exec` to run the tests against your Linux </a:t>
-            </a:r>
-            <a:r>
-              <a:rPr lang="en-US" dirty="0" smtClean="0"/>
-              <a:t>target.</a:t>
-            </a:r>
-          </a:p>
-          <a:p>
-            <a:pPr marL="342900" indent="-342900">
-              <a:buFont typeface="Wingdings" panose="05000000000000000000" pitchFamily="2" charset="2"/>
-              <a:buChar char="q"/>
-            </a:pPr>
-            <a:r>
-              <a:rPr lang="en-US" dirty="0" smtClean="0"/>
-              <a:t>Package the profile </a:t>
-            </a:r>
-            <a:r>
-              <a:rPr lang="en-US" dirty="0"/>
-              <a:t>and upload </a:t>
-            </a:r>
-            <a:r>
-              <a:rPr lang="en-US" dirty="0" smtClean="0"/>
-              <a:t>it to </a:t>
-            </a:r>
-            <a:r>
-              <a:rPr lang="en-US" dirty="0"/>
-              <a:t>your Compliance server.</a:t>
-            </a:r>
-          </a:p>
-          <a:p>
-            <a:endParaRPr lang="en-US" dirty="0"/>
-          </a:p>
-          <a:p>
-            <a:endParaRPr lang="en-US" dirty="0" smtClean="0"/>
-          </a:p>
-          <a:p>
-            <a:endParaRPr lang="en-US" dirty="0"/>
-          </a:p>
-        </p:txBody>
-      </p:sp>
-    </p:spTree>
-    <p:extLst>
-      <p:ext uri="{BB962C8B-B14F-4D97-AF65-F5344CB8AC3E}">
-        <p14:creationId xmlns:p14="http://schemas.microsoft.com/office/powerpoint/2010/main" val="422149947"/>
-      </p:ext>
-    </p:extLst>
-  </p:cSld>
-  <p:clrMapOvr>
-    <a:masterClrMapping/>
-  </p:clrMapOvr>
-  <p:transition spd="med">
-    <p:fade/>
-  </p:transition>
-  <p:timing>
-    <p:tnLst>
-      <p:par>
-        <p:cTn id="1" dur="indefinite" restart="never" nodeType="tmRoot"/>
-      </p:par>
-    </p:tnLst>
-  </p:timing>
-</p:sld>
-</file>
-
-<file path=ppt/slides/slide40.xml><?xml version="1.0" encoding="utf-8"?>
+<file path=ppt/slides/slide25.xml><?xml version="1.0" encoding="utf-8"?>
 <p:sld xmlns:a="http://schemas.openxmlformats.org/drawingml/2006/main" xmlns:r="http://schemas.openxmlformats.org/officeDocument/2006/relationships" xmlns:p="http://schemas.openxmlformats.org/presentationml/2006/main">
   <p:cSld>
     <p:spTree>
@@ -23761,7 +16903,7 @@
 </p:sld>
 </file>
 
-<file path=ppt/slides/slide41.xml><?xml version="1.0" encoding="utf-8"?>
+<file path=ppt/slides/slide26.xml><?xml version="1.0" encoding="utf-8"?>
 <p:sld xmlns:a="http://schemas.openxmlformats.org/drawingml/2006/main" xmlns:r="http://schemas.openxmlformats.org/officeDocument/2006/relationships" xmlns:p="http://schemas.openxmlformats.org/presentationml/2006/main">
   <p:cSld>
     <p:spTree>
@@ -23923,7 +17065,7 @@
 </p:sld>
 </file>
 
-<file path=ppt/slides/slide42.xml><?xml version="1.0" encoding="utf-8"?>
+<file path=ppt/slides/slide27.xml><?xml version="1.0" encoding="utf-8"?>
 <p:sld xmlns:a="http://schemas.openxmlformats.org/drawingml/2006/main" xmlns:r="http://schemas.openxmlformats.org/officeDocument/2006/relationships" xmlns:p="http://schemas.openxmlformats.org/presentationml/2006/main">
   <p:cSld>
     <p:spTree>
@@ -24092,7 +17234,7 @@
 </p:sld>
 </file>
 
-<file path=ppt/slides/slide43.xml><?xml version="1.0" encoding="utf-8"?>
+<file path=ppt/slides/slide28.xml><?xml version="1.0" encoding="utf-8"?>
 <p:sld xmlns:a="http://schemas.openxmlformats.org/drawingml/2006/main" xmlns:r="http://schemas.openxmlformats.org/officeDocument/2006/relationships" xmlns:p="http://schemas.openxmlformats.org/presentationml/2006/main">
   <p:cSld>
     <p:bg>
@@ -24272,7 +17414,7 @@
 </p:sld>
 </file>
 
-<file path=ppt/slides/slide44.xml><?xml version="1.0" encoding="utf-8"?>
+<file path=ppt/slides/slide29.xml><?xml version="1.0" encoding="utf-8"?>
 <p:sld xmlns:a="http://schemas.openxmlformats.org/drawingml/2006/main" xmlns:r="http://schemas.openxmlformats.org/officeDocument/2006/relationships" xmlns:p="http://schemas.openxmlformats.org/presentationml/2006/main">
   <p:cSld>
     <p:spTree>
@@ -24463,6 +17605,382 @@
   <p:transition spd="med">
     <p:fade/>
   </p:transition>
+</p:sld>
+</file>
+
+<file path=ppt/slides/slide3.xml><?xml version="1.0" encoding="utf-8"?>
+<p:sld xmlns:a="http://schemas.openxmlformats.org/drawingml/2006/main" xmlns:r="http://schemas.openxmlformats.org/officeDocument/2006/relationships" xmlns:p="http://schemas.openxmlformats.org/presentationml/2006/main">
+  <p:cSld>
+    <p:spTree>
+      <p:nvGrpSpPr>
+        <p:cNvPr id="1" name=""/>
+        <p:cNvGrpSpPr/>
+        <p:nvPr/>
+      </p:nvGrpSpPr>
+      <p:grpSpPr>
+        <a:xfrm>
+          <a:off x="0" y="0"/>
+          <a:ext cx="0" cy="0"/>
+          <a:chOff x="0" y="0"/>
+          <a:chExt cx="0" cy="0"/>
+        </a:xfrm>
+      </p:grpSpPr>
+      <p:sp>
+        <p:nvSpPr>
+          <p:cNvPr id="2" name="Title 1"/>
+          <p:cNvSpPr>
+            <a:spLocks noGrp="1"/>
+          </p:cNvSpPr>
+          <p:nvPr>
+            <p:ph type="ctrTitle"/>
+          </p:nvPr>
+        </p:nvSpPr>
+        <p:spPr/>
+        <p:txBody>
+          <a:bodyPr>
+            <a:normAutofit fontScale="90000"/>
+          </a:bodyPr>
+          <a:lstStyle/>
+          <a:p>
+            <a:r>
+              <a:rPr lang="en-US" dirty="0" smtClean="0"/>
+              <a:t>CIS Compliance Frameworks</a:t>
+            </a:r>
+            <a:endParaRPr lang="en-US" dirty="0"/>
+          </a:p>
+        </p:txBody>
+      </p:sp>
+      <p:sp>
+        <p:nvSpPr>
+          <p:cNvPr id="3" name="Subtitle 2"/>
+          <p:cNvSpPr>
+            <a:spLocks noGrp="1"/>
+          </p:cNvSpPr>
+          <p:nvPr>
+            <p:ph type="subTitle" idx="1"/>
+          </p:nvPr>
+        </p:nvSpPr>
+        <p:spPr>
+          <a:xfrm>
+            <a:off x="1671638" y="3271838"/>
+            <a:ext cx="12319000" cy="4317682"/>
+          </a:xfrm>
+        </p:spPr>
+        <p:txBody>
+          <a:bodyPr/>
+          <a:lstStyle/>
+          <a:p>
+            <a:r>
+              <a:rPr lang="en-US" dirty="0" smtClean="0"/>
+              <a:t>The </a:t>
+            </a:r>
+            <a:r>
+              <a:rPr lang="en-US" dirty="0"/>
+              <a:t>CIS </a:t>
+            </a:r>
+            <a:r>
+              <a:rPr lang="en-US" dirty="0" smtClean="0"/>
+              <a:t>Security </a:t>
+            </a:r>
+            <a:r>
+              <a:rPr lang="en-US" dirty="0"/>
+              <a:t>Benchmarks program provides well-defined, un-biased and consensus-based industry best practices to help organizations assess and improve their security. </a:t>
+            </a:r>
+            <a:endParaRPr lang="en-US" dirty="0" smtClean="0"/>
+          </a:p>
+          <a:p>
+            <a:endParaRPr lang="en-US" dirty="0"/>
+          </a:p>
+          <a:p>
+            <a:r>
+              <a:rPr lang="en-US" dirty="0" smtClean="0"/>
+              <a:t>Resources </a:t>
+            </a:r>
+            <a:r>
+              <a:rPr lang="en-US" dirty="0"/>
+              <a:t>include secure configuration benchmarks, automated configuration assessment tools and content, security metrics and security software product certifications</a:t>
+            </a:r>
+            <a:r>
+              <a:rPr lang="en-US" dirty="0" smtClean="0"/>
+              <a:t>.</a:t>
+            </a:r>
+          </a:p>
+          <a:p>
+            <a:endParaRPr lang="en-US" dirty="0"/>
+          </a:p>
+          <a:p>
+            <a:pPr algn="ctr"/>
+            <a:r>
+              <a:rPr lang="en-US" dirty="0">
+                <a:hlinkClick r:id="rId3"/>
+              </a:rPr>
+              <a:t>https://benchmarks.cisecurity.org</a:t>
+            </a:r>
+            <a:r>
+              <a:rPr lang="en-US" dirty="0" smtClean="0">
+                <a:hlinkClick r:id="rId3"/>
+              </a:rPr>
+              <a:t>/</a:t>
+            </a:r>
+            <a:endParaRPr lang="en-US" dirty="0" smtClean="0"/>
+          </a:p>
+          <a:p>
+            <a:endParaRPr lang="en-US" dirty="0"/>
+          </a:p>
+          <a:p>
+            <a:endParaRPr lang="en-US" dirty="0"/>
+          </a:p>
+        </p:txBody>
+      </p:sp>
+    </p:spTree>
+    <p:extLst>
+      <p:ext uri="{BB962C8B-B14F-4D97-AF65-F5344CB8AC3E}">
+        <p14:creationId xmlns:p14="http://schemas.microsoft.com/office/powerpoint/2010/main" val="2733593429"/>
+      </p:ext>
+    </p:extLst>
+  </p:cSld>
+  <p:clrMapOvr>
+    <a:masterClrMapping/>
+  </p:clrMapOvr>
+  <p:transition spd="med">
+    <p:fade/>
+  </p:transition>
+  <p:timing>
+    <p:tnLst>
+      <p:par>
+        <p:cTn id="1" dur="indefinite" restart="never" nodeType="tmRoot"/>
+      </p:par>
+    </p:tnLst>
+  </p:timing>
+</p:sld>
+</file>
+
+<file path=ppt/slides/slide4.xml><?xml version="1.0" encoding="utf-8"?>
+<p:sld xmlns:a="http://schemas.openxmlformats.org/drawingml/2006/main" xmlns:r="http://schemas.openxmlformats.org/officeDocument/2006/relationships" xmlns:p="http://schemas.openxmlformats.org/presentationml/2006/main">
+  <p:cSld>
+    <p:spTree>
+      <p:nvGrpSpPr>
+        <p:cNvPr id="1" name=""/>
+        <p:cNvGrpSpPr/>
+        <p:nvPr/>
+      </p:nvGrpSpPr>
+      <p:grpSpPr>
+        <a:xfrm>
+          <a:off x="0" y="0"/>
+          <a:ext cx="0" cy="0"/>
+          <a:chOff x="0" y="0"/>
+          <a:chExt cx="0" cy="0"/>
+        </a:xfrm>
+      </p:grpSpPr>
+      <p:sp>
+        <p:nvSpPr>
+          <p:cNvPr id="2" name="Title 1"/>
+          <p:cNvSpPr>
+            <a:spLocks noGrp="1"/>
+          </p:cNvSpPr>
+          <p:nvPr>
+            <p:ph type="ctrTitle"/>
+          </p:nvPr>
+        </p:nvSpPr>
+        <p:spPr/>
+        <p:txBody>
+          <a:bodyPr>
+            <a:normAutofit fontScale="90000"/>
+          </a:bodyPr>
+          <a:lstStyle/>
+          <a:p>
+            <a:r>
+              <a:rPr lang="en-US" dirty="0" smtClean="0"/>
+              <a:t>Group Lab:</a:t>
+            </a:r>
+            <a:br>
+              <a:rPr lang="en-US" dirty="0" smtClean="0"/>
+            </a:br>
+            <a:r>
+              <a:rPr lang="en-US" dirty="0" smtClean="0"/>
+              <a:t> Compliance Frameworks - CIS</a:t>
+            </a:r>
+            <a:endParaRPr lang="en-US" dirty="0"/>
+          </a:p>
+        </p:txBody>
+      </p:sp>
+      <p:sp>
+        <p:nvSpPr>
+          <p:cNvPr id="4" name="Content Placeholder 3"/>
+          <p:cNvSpPr>
+            <a:spLocks noGrp="1"/>
+          </p:cNvSpPr>
+          <p:nvPr>
+            <p:ph sz="quarter" idx="11"/>
+          </p:nvPr>
+        </p:nvSpPr>
+        <p:spPr/>
+        <p:txBody>
+          <a:bodyPr/>
+          <a:lstStyle/>
+          <a:p>
+            <a:r>
+              <a:rPr lang="en-US" dirty="0" smtClean="0"/>
+              <a:t>Translating a CIS benchmark into an </a:t>
+            </a:r>
+            <a:r>
+              <a:rPr lang="en-US" dirty="0" err="1" smtClean="0"/>
+              <a:t>InSpec</a:t>
+            </a:r>
+            <a:r>
+              <a:rPr lang="en-US" dirty="0" smtClean="0"/>
+              <a:t> control and Compliance profile.</a:t>
+            </a:r>
+            <a:endParaRPr lang="en-US" dirty="0"/>
+          </a:p>
+        </p:txBody>
+      </p:sp>
+      <p:sp>
+        <p:nvSpPr>
+          <p:cNvPr id="3" name="Subtitle 2"/>
+          <p:cNvSpPr>
+            <a:spLocks noGrp="1"/>
+          </p:cNvSpPr>
+          <p:nvPr>
+            <p:ph type="body" sz="quarter" idx="10"/>
+          </p:nvPr>
+        </p:nvSpPr>
+        <p:spPr/>
+        <p:txBody>
+          <a:bodyPr/>
+          <a:lstStyle/>
+          <a:p>
+            <a:pPr marL="342900" indent="-342900">
+              <a:buFont typeface="Wingdings" panose="05000000000000000000" pitchFamily="2" charset="2"/>
+              <a:buChar char="q"/>
+            </a:pPr>
+            <a:r>
+              <a:rPr lang="en-US" dirty="0" smtClean="0"/>
+              <a:t>Download </a:t>
+            </a:r>
+            <a:r>
+              <a:rPr lang="en-US" dirty="0"/>
+              <a:t>the benchmark PDF for the </a:t>
+            </a:r>
+            <a:r>
+              <a:rPr lang="en-US" dirty="0" smtClean="0"/>
+              <a:t>platform </a:t>
+            </a:r>
+            <a:r>
+              <a:rPr lang="en-US" dirty="0"/>
+              <a:t>of your scanning </a:t>
+            </a:r>
+            <a:r>
+              <a:rPr lang="en-US" dirty="0" smtClean="0"/>
+              <a:t>target</a:t>
+            </a:r>
+            <a:endParaRPr lang="en-US" dirty="0"/>
+          </a:p>
+          <a:p>
+            <a:pPr marL="342900" indent="-342900">
+              <a:buFont typeface="Wingdings" panose="05000000000000000000" pitchFamily="2" charset="2"/>
+              <a:buChar char="q"/>
+            </a:pPr>
+            <a:r>
+              <a:rPr lang="en-US" dirty="0" smtClean="0"/>
+              <a:t>Implement </a:t>
+            </a:r>
+            <a:r>
+              <a:rPr lang="en-US" dirty="0"/>
+              <a:t>Section 3 - Specialty Purpose Services as </a:t>
+            </a:r>
+            <a:r>
+              <a:rPr lang="en-US" dirty="0" err="1"/>
+              <a:t>InSpec</a:t>
+            </a:r>
+            <a:r>
+              <a:rPr lang="en-US" dirty="0"/>
+              <a:t> </a:t>
+            </a:r>
+            <a:r>
+              <a:rPr lang="en-US" dirty="0" smtClean="0"/>
+              <a:t>controls.</a:t>
+            </a:r>
+          </a:p>
+          <a:p>
+            <a:pPr marL="342900" indent="-342900">
+              <a:buFont typeface="Wingdings" panose="05000000000000000000" pitchFamily="2" charset="2"/>
+              <a:buChar char="q"/>
+            </a:pPr>
+            <a:r>
+              <a:rPr lang="en-US" dirty="0" smtClean="0"/>
+              <a:t>Use </a:t>
+            </a:r>
+            <a:r>
+              <a:rPr lang="en-US" dirty="0"/>
+              <a:t>`</a:t>
+            </a:r>
+            <a:r>
+              <a:rPr lang="en-US" dirty="0" err="1"/>
+              <a:t>inspec</a:t>
+            </a:r>
+            <a:r>
+              <a:rPr lang="en-US" dirty="0"/>
+              <a:t> exec` to run the tests against your Linux </a:t>
+            </a:r>
+            <a:r>
+              <a:rPr lang="en-US" dirty="0" smtClean="0"/>
+              <a:t>target.</a:t>
+            </a:r>
+          </a:p>
+          <a:p>
+            <a:pPr marL="342900" indent="-342900">
+              <a:buFont typeface="Wingdings" panose="05000000000000000000" pitchFamily="2" charset="2"/>
+              <a:buChar char="q"/>
+            </a:pPr>
+            <a:r>
+              <a:rPr lang="en-US" dirty="0" smtClean="0"/>
+              <a:t>Package the profile </a:t>
+            </a:r>
+            <a:r>
+              <a:rPr lang="en-US" dirty="0"/>
+              <a:t>and upload </a:t>
+            </a:r>
+            <a:r>
+              <a:rPr lang="en-US" dirty="0" smtClean="0"/>
+              <a:t>it to </a:t>
+            </a:r>
+            <a:r>
+              <a:rPr lang="en-US" dirty="0"/>
+              <a:t>your Compliance server.</a:t>
+            </a:r>
+          </a:p>
+          <a:p>
+            <a:endParaRPr lang="en-US" dirty="0"/>
+          </a:p>
+          <a:p>
+            <a:endParaRPr lang="en-US" dirty="0" smtClean="0"/>
+          </a:p>
+          <a:p>
+            <a:endParaRPr lang="en-US" dirty="0"/>
+          </a:p>
+        </p:txBody>
+      </p:sp>
+    </p:spTree>
+    <p:extLst>
+      <p:ext uri="{BB962C8B-B14F-4D97-AF65-F5344CB8AC3E}">
+        <p14:creationId xmlns:p14="http://schemas.microsoft.com/office/powerpoint/2010/main" val="422149947"/>
+      </p:ext>
+    </p:extLst>
+  </p:cSld>
+  <p:clrMapOvr>
+    <a:masterClrMapping/>
+  </p:clrMapOvr>
+  <p:transition spd="med">
+    <p:fade/>
+  </p:transition>
+  <p:timing>
+    <p:tnLst>
+      <p:par>
+        <p:cTn id="1" dur="indefinite" restart="never" nodeType="tmRoot"/>
+      </p:par>
+    </p:tnLst>
+  </p:timing>
 </p:sld>
 </file>
 
@@ -26769,6 +20287,15 @@
 
 <file path=customXml/item1.xml><?xml version="1.0" encoding="utf-8"?>
 <?mso-contentType ?>
+<FormTemplates xmlns="http://schemas.microsoft.com/sharepoint/v3/contenttype/forms">
+  <Display>DocumentLibraryForm</Display>
+  <Edit>DocumentLibraryForm</Edit>
+  <New>DocumentLibraryForm</New>
+</FormTemplates>
+</file>
+
+<file path=customXml/item2.xml><?xml version="1.0" encoding="utf-8"?>
+<?mso-contentType ?>
 <spe:Receivers xmlns:spe="http://schemas.microsoft.com/sharepoint/events">
   <Receiver>
     <Name>Document ID Generator</Name>
@@ -26813,28 +20340,7 @@
 </spe:Receivers>
 </file>
 
-<file path=customXml/item2.xml><?xml version="1.0" encoding="utf-8"?>
-<?mso-contentType ?>
-<FormTemplates xmlns="http://schemas.microsoft.com/sharepoint/v3/contenttype/forms">
-  <Display>DocumentLibraryForm</Display>
-  <Edit>DocumentLibraryForm</Edit>
-  <New>DocumentLibraryForm</New>
-</FormTemplates>
-</file>
-
 <file path=customXml/item3.xml><?xml version="1.0" encoding="utf-8"?>
-<p:properties xmlns:p="http://schemas.microsoft.com/office/2006/metadata/properties" xmlns:xsi="http://www.w3.org/2001/XMLSchema-instance" xmlns:pc="http://schemas.microsoft.com/office/infopath/2007/PartnerControls">
-  <documentManagement>
-    <_dlc_DocId xmlns="7bb5d761-a2ea-4873-95f7-7a6658fb3ef0">M4CWTKMW727E-592-73</_dlc_DocId>
-    <_dlc_DocIdUrl xmlns="7bb5d761-a2ea-4873-95f7-7a6658fb3ef0">
-      <Url>https://kms.vci.local/marketing/team/_layouts/DocIdRedir.aspx?ID=M4CWTKMW727E-592-73</Url>
-      <Description>M4CWTKMW727E-592-73</Description>
-    </_dlc_DocIdUrl>
-  </documentManagement>
-</p:properties>
-</file>
-
-<file path=customXml/item4.xml><?xml version="1.0" encoding="utf-8"?>
 <ct:contentTypeSchema xmlns:ct="http://schemas.microsoft.com/office/2006/metadata/contentType" xmlns:ma="http://schemas.microsoft.com/office/2006/metadata/properties/metaAttributes" ct:_="" ma:_="" ma:contentTypeName="Document" ma:contentTypeID="0x0101000812F700BE7F874999720E88173FE491" ma:contentTypeVersion="0" ma:contentTypeDescription="Create a new document." ma:contentTypeScope="" ma:versionID="3f79f408e2ca720b7aba6e0e32464d0c">
   <xsd:schema xmlns:xsd="http://www.w3.org/2001/XMLSchema" xmlns:xs="http://www.w3.org/2001/XMLSchema" xmlns:p="http://schemas.microsoft.com/office/2006/metadata/properties" xmlns:ns2="7bb5d761-a2ea-4873-95f7-7a6658fb3ef0" targetNamespace="http://schemas.microsoft.com/office/2006/metadata/properties" ma:root="true" ma:fieldsID="1e062cd38ba31e406bfc4340fbc7f87a" ns2:_="">
     <xsd:import namespace="7bb5d761-a2ea-4873-95f7-7a6658fb3ef0"/>
@@ -26979,7 +20485,27 @@
 </ct:contentTypeSchema>
 </file>
 
+<file path=customXml/item4.xml><?xml version="1.0" encoding="utf-8"?>
+<p:properties xmlns:p="http://schemas.microsoft.com/office/2006/metadata/properties" xmlns:xsi="http://www.w3.org/2001/XMLSchema-instance" xmlns:pc="http://schemas.microsoft.com/office/infopath/2007/PartnerControls">
+  <documentManagement>
+    <_dlc_DocId xmlns="7bb5d761-a2ea-4873-95f7-7a6658fb3ef0">M4CWTKMW727E-592-73</_dlc_DocId>
+    <_dlc_DocIdUrl xmlns="7bb5d761-a2ea-4873-95f7-7a6658fb3ef0">
+      <Url>https://kms.vci.local/marketing/team/_layouts/DocIdRedir.aspx?ID=M4CWTKMW727E-592-73</Url>
+      <Description>M4CWTKMW727E-592-73</Description>
+    </_dlc_DocIdUrl>
+  </documentManagement>
+</p:properties>
+</file>
+
 <file path=customXml/itemProps1.xml><?xml version="1.0" encoding="utf-8"?>
+<ds:datastoreItem xmlns:ds="http://schemas.openxmlformats.org/officeDocument/2006/customXml" ds:itemID="{5CDEB364-43EC-4510-9881-539C2A3FCE9E}">
+  <ds:schemaRefs>
+    <ds:schemaRef ds:uri="http://schemas.microsoft.com/sharepoint/v3/contenttype/forms"/>
+  </ds:schemaRefs>
+</ds:datastoreItem>
+</file>
+
+<file path=customXml/itemProps2.xml><?xml version="1.0" encoding="utf-8"?>
 <ds:datastoreItem xmlns:ds="http://schemas.openxmlformats.org/officeDocument/2006/customXml" ds:itemID="{B13EBC30-FE27-4C6A-B723-23FC2188F7DC}">
   <ds:schemaRefs>
     <ds:schemaRef ds:uri="http://schemas.microsoft.com/sharepoint/events"/>
@@ -26987,31 +20513,7 @@
 </ds:datastoreItem>
 </file>
 
-<file path=customXml/itemProps2.xml><?xml version="1.0" encoding="utf-8"?>
-<ds:datastoreItem xmlns:ds="http://schemas.openxmlformats.org/officeDocument/2006/customXml" ds:itemID="{5CDEB364-43EC-4510-9881-539C2A3FCE9E}">
-  <ds:schemaRefs>
-    <ds:schemaRef ds:uri="http://schemas.microsoft.com/sharepoint/v3/contenttype/forms"/>
-  </ds:schemaRefs>
-</ds:datastoreItem>
-</file>
-
 <file path=customXml/itemProps3.xml><?xml version="1.0" encoding="utf-8"?>
-<ds:datastoreItem xmlns:ds="http://schemas.openxmlformats.org/officeDocument/2006/customXml" ds:itemID="{6921749B-AEB7-461B-845F-603CABD25259}">
-  <ds:schemaRefs>
-    <ds:schemaRef ds:uri="http://schemas.microsoft.com/office/2006/documentManagement/types"/>
-    <ds:schemaRef ds:uri="http://schemas.microsoft.com/office/infopath/2007/PartnerControls"/>
-    <ds:schemaRef ds:uri="http://purl.org/dc/elements/1.1/"/>
-    <ds:schemaRef ds:uri="http://schemas.microsoft.com/office/2006/metadata/properties"/>
-    <ds:schemaRef ds:uri="7bb5d761-a2ea-4873-95f7-7a6658fb3ef0"/>
-    <ds:schemaRef ds:uri="http://purl.org/dc/terms/"/>
-    <ds:schemaRef ds:uri="http://schemas.openxmlformats.org/package/2006/metadata/core-properties"/>
-    <ds:schemaRef ds:uri="http://www.w3.org/XML/1998/namespace"/>
-    <ds:schemaRef ds:uri="http://purl.org/dc/dcmitype/"/>
-  </ds:schemaRefs>
-</ds:datastoreItem>
-</file>
-
-<file path=customXml/itemProps4.xml><?xml version="1.0" encoding="utf-8"?>
 <ds:datastoreItem xmlns:ds="http://schemas.openxmlformats.org/officeDocument/2006/customXml" ds:itemID="{164479E5-0B02-49AC-B79E-EC1D6164DDD3}">
   <ds:schemaRefs>
     <ds:schemaRef ds:uri="http://schemas.microsoft.com/office/2006/metadata/contentType"/>
@@ -27027,4 +20529,20 @@
     <ds:schemaRef ds:uri="http://schemas.microsoft.com/internal/obd"/>
   </ds:schemaRefs>
 </ds:datastoreItem>
+</file>
+
+<file path=customXml/itemProps4.xml><?xml version="1.0" encoding="utf-8"?>
+<ds:datastoreItem xmlns:ds="http://schemas.openxmlformats.org/officeDocument/2006/customXml" ds:itemID="{6921749B-AEB7-461B-845F-603CABD25259}">
+  <ds:schemaRefs>
+    <ds:schemaRef ds:uri="http://schemas.microsoft.com/office/2006/documentManagement/types"/>
+    <ds:schemaRef ds:uri="http://schemas.microsoft.com/office/infopath/2007/PartnerControls"/>
+    <ds:schemaRef ds:uri="http://purl.org/dc/elements/1.1/"/>
+    <ds:schemaRef ds:uri="http://schemas.microsoft.com/office/2006/metadata/properties"/>
+    <ds:schemaRef ds:uri="7bb5d761-a2ea-4873-95f7-7a6658fb3ef0"/>
+    <ds:schemaRef ds:uri="http://purl.org/dc/terms/"/>
+    <ds:schemaRef ds:uri="http://schemas.openxmlformats.org/package/2006/metadata/core-properties"/>
+    <ds:schemaRef ds:uri="http://www.w3.org/XML/1998/namespace"/>
+    <ds:schemaRef ds:uri="http://purl.org/dc/dcmitype/"/>
+  </ds:schemaRefs>
+</ds:datastoreItem>
 </file>